--- a/环宇IT开发培训简介.pptx
+++ b/环宇IT开发培训简介.pptx
@@ -2199,7 +2199,7 @@
   <dgm:whole/>
   <dgm:extLst>
     <a:ext uri="http://schemas.microsoft.com/office/drawing/2008/diagram">
-      <dsp:dataModelExt xmlns="" xmlns:dsp="http://schemas.microsoft.com/office/drawing/2008/diagram" relId="rId6" minVer="http://schemas.openxmlformats.org/drawingml/2006/diagram"/>
+      <dsp:dataModelExt xmlns:dsp="http://schemas.microsoft.com/office/drawing/2008/diagram" xmlns="" relId="rId6" minVer="http://schemas.openxmlformats.org/drawingml/2006/diagram"/>
     </a:ext>
   </dgm:extLst>
 </dgm:dataModel>
@@ -2373,14 +2373,7 @@
               <a:latin typeface="DotumChe" panose="020B0609000101010101" pitchFamily="49" charset="-127"/>
               <a:ea typeface="DotumChe" panose="020B0609000101010101" pitchFamily="49" charset="-127"/>
             </a:rPr>
-            <a:t>具有简单性、面向对象、分布式、健壮性、安全性、平台独立与可移植性、多线程、动态性等特点</a:t>
-          </a:r>
-          <a:r>
-            <a:rPr kumimoji="1" lang="zh-CN" sz="1400" u="sng" dirty="0" smtClean="0">
-              <a:latin typeface="DotumChe" panose="020B0609000101010101" pitchFamily="49" charset="-127"/>
-              <a:ea typeface="DotumChe" panose="020B0609000101010101" pitchFamily="49" charset="-127"/>
-            </a:rPr>
-            <a:t>。</a:t>
+            <a:t>具有简单性、面向对象、分布式、健壮性、安全性、平台独立与可移植性、多线程、动态性等特点。</a:t>
           </a:r>
           <a:r>
             <a:rPr kumimoji="1" lang="zh-CN" altLang="en-US" sz="1400" u="sng" dirty="0" smtClean="0">
@@ -2529,7 +2522,7 @@
           <a:blip xmlns:r="http://schemas.openxmlformats.org/officeDocument/2006/relationships" r:embed="rId1">
             <a:extLst>
               <a:ext uri="{28A0092B-C50C-407E-A947-70E740481C1C}">
-                <a14:useLocalDpi xmlns="" xmlns:a14="http://schemas.microsoft.com/office/drawing/2010/main" val="0"/>
+                <a14:useLocalDpi xmlns:a14="http://schemas.microsoft.com/office/drawing/2010/main" xmlns="" val="0"/>
               </a:ext>
             </a:extLst>
           </a:blip>
@@ -2570,7 +2563,7 @@
           <a:blip xmlns:r="http://schemas.openxmlformats.org/officeDocument/2006/relationships" r:embed="rId1">
             <a:extLst>
               <a:ext uri="{28A0092B-C50C-407E-A947-70E740481C1C}">
-                <a14:useLocalDpi xmlns="" xmlns:a14="http://schemas.microsoft.com/office/drawing/2010/main" val="0"/>
+                <a14:useLocalDpi xmlns:a14="http://schemas.microsoft.com/office/drawing/2010/main" xmlns="" val="0"/>
               </a:ext>
             </a:extLst>
           </a:blip>
@@ -2601,8 +2594,8 @@
     <dgm:cxn modelId="{EE2235AA-F6C9-4B40-AED2-F96C01F4FECE}" type="presOf" srcId="{AA53B6EC-F43C-4814-9BE0-C6863B2A1099}" destId="{50F48DDE-6F31-4BE2-BD53-01005FA12F97}" srcOrd="0" destOrd="0" presId="urn:microsoft.com/office/officeart/2005/8/layout/vList3#1"/>
     <dgm:cxn modelId="{B2356760-85E8-462C-9DC4-7AE3CE594F00}" type="presOf" srcId="{E5A037C5-B3A1-4433-823B-5B51C7B38BFA}" destId="{3B57FC71-AB95-4B06-9F09-5A54CB32C9D7}" srcOrd="0" destOrd="0" presId="urn:microsoft.com/office/officeart/2005/8/layout/vList3#1"/>
     <dgm:cxn modelId="{905DE06D-A6F6-4027-BAF0-B68FEFBE72D9}" type="presOf" srcId="{62F79DBA-4F41-4E99-B263-ABCFDFABDB36}" destId="{63E9263F-3222-4DDC-ACD8-3DFA7EB2BAB5}" srcOrd="0" destOrd="0" presId="urn:microsoft.com/office/officeart/2005/8/layout/vList3#1"/>
+    <dgm:cxn modelId="{60C6FCD8-466C-453F-B6FE-BB9F2E6EDD86}" srcId="{62F79DBA-4F41-4E99-B263-ABCFDFABDB36}" destId="{E5A037C5-B3A1-4433-823B-5B51C7B38BFA}" srcOrd="0" destOrd="0" parTransId="{CF5FB1E4-AF3C-4953-8DB4-DB60562EBC95}" sibTransId="{FDFD65CB-DFEB-40D7-94E7-5E803289C2DD}"/>
     <dgm:cxn modelId="{2E4D1DC4-6FAE-4C84-99F9-CE04C5ECE1CA}" srcId="{62F79DBA-4F41-4E99-B263-ABCFDFABDB36}" destId="{AA53B6EC-F43C-4814-9BE0-C6863B2A1099}" srcOrd="1" destOrd="0" parTransId="{549ACEBA-DC8A-4AF7-BBE7-61AB05110872}" sibTransId="{56A8596B-B3A1-436A-890C-063C3951C5A6}"/>
-    <dgm:cxn modelId="{60C6FCD8-466C-453F-B6FE-BB9F2E6EDD86}" srcId="{62F79DBA-4F41-4E99-B263-ABCFDFABDB36}" destId="{E5A037C5-B3A1-4433-823B-5B51C7B38BFA}" srcOrd="0" destOrd="0" parTransId="{CF5FB1E4-AF3C-4953-8DB4-DB60562EBC95}" sibTransId="{FDFD65CB-DFEB-40D7-94E7-5E803289C2DD}"/>
     <dgm:cxn modelId="{EBE65B18-801F-4D23-8357-9DE22AB8F66D}" type="presParOf" srcId="{63E9263F-3222-4DDC-ACD8-3DFA7EB2BAB5}" destId="{91BCAA56-8D6F-4438-9F77-75FC6251717F}" srcOrd="0" destOrd="0" presId="urn:microsoft.com/office/officeart/2005/8/layout/vList3#1"/>
     <dgm:cxn modelId="{5ECB5169-7AD3-40F2-A9D2-F47D1D471046}" type="presParOf" srcId="{91BCAA56-8D6F-4438-9F77-75FC6251717F}" destId="{738F8939-0158-44E0-AB89-8650AB97D6FB}" srcOrd="0" destOrd="0" presId="urn:microsoft.com/office/officeart/2005/8/layout/vList3#1"/>
     <dgm:cxn modelId="{E142AEB4-828A-40F4-BF15-AA8E00DABE3C}" type="presParOf" srcId="{91BCAA56-8D6F-4438-9F77-75FC6251717F}" destId="{3B57FC71-AB95-4B06-9F09-5A54CB32C9D7}" srcOrd="1" destOrd="0" presId="urn:microsoft.com/office/officeart/2005/8/layout/vList3#1"/>
@@ -2615,7 +2608,7 @@
   <dgm:whole/>
   <dgm:extLst>
     <a:ext uri="http://schemas.microsoft.com/office/drawing/2008/diagram">
-      <dsp:dataModelExt xmlns="" xmlns:dsp="http://schemas.microsoft.com/office/drawing/2008/diagram" relId="rId6" minVer="http://schemas.openxmlformats.org/drawingml/2006/diagram"/>
+      <dsp:dataModelExt xmlns:dsp="http://schemas.microsoft.com/office/drawing/2008/diagram" xmlns="" relId="rId6" minVer="http://schemas.openxmlformats.org/drawingml/2006/diagram"/>
     </a:ext>
   </dgm:extLst>
 </dgm:dataModel>
@@ -5473,14 +5466,14 @@
           </a:ln>
           <a:extLst>
             <a:ext uri="{909E8E84-426E-40DD-AFC4-6F175D3DCCD1}">
-              <a14:hiddenFill xmlns="" xmlns:a14="http://schemas.microsoft.com/office/drawing/2010/main">
+              <a14:hiddenFill xmlns:a14="http://schemas.microsoft.com/office/drawing/2010/main" xmlns="">
                 <a:solidFill>
                   <a:schemeClr val="accent1"/>
                 </a:solidFill>
               </a14:hiddenFill>
             </a:ext>
             <a:ext uri="{91240B29-F687-4F45-9708-019B960494DF}">
-              <a14:hiddenLine xmlns="" xmlns:a14="http://schemas.microsoft.com/office/drawing/2010/main" w="9525">
+              <a14:hiddenLine xmlns:a14="http://schemas.microsoft.com/office/drawing/2010/main" xmlns="" w="9525">
                 <a:solidFill>
                   <a:schemeClr val="tx1"/>
                 </a:solidFill>
@@ -5539,7 +5532,7 @@
           <a:effectLst/>
           <a:extLst>
             <a:ext uri="{AF507438-7753-43E0-B8FC-AC1667EBCBE1}">
-              <a14:hiddenEffects xmlns="" xmlns:a14="http://schemas.microsoft.com/office/drawing/2010/main">
+              <a14:hiddenEffects xmlns:a14="http://schemas.microsoft.com/office/drawing/2010/main" xmlns="">
                 <a:effectLst>
                   <a:outerShdw dist="35921" dir="2700000" algn="ctr" rotWithShape="0">
                     <a:srgbClr val="808080"/>
@@ -5548,7 +5541,7 @@
               </a14:hiddenEffects>
             </a:ext>
             <a:ext uri="{53640926-AAD7-44D8-BBD7-CCE9431645EC}">
-              <a14:shadowObscured xmlns="" xmlns:a14="http://schemas.microsoft.com/office/drawing/2010/main" val="1"/>
+              <a14:shadowObscured xmlns:a14="http://schemas.microsoft.com/office/drawing/2010/main" xmlns="" val="1"/>
             </a:ext>
           </a:extLst>
         </p:spPr>
@@ -5577,14 +5570,14 @@
           </a:ln>
           <a:extLst>
             <a:ext uri="{909E8E84-426E-40DD-AFC4-6F175D3DCCD1}">
-              <a14:hiddenFill xmlns="" xmlns:a14="http://schemas.microsoft.com/office/drawing/2010/main">
+              <a14:hiddenFill xmlns:a14="http://schemas.microsoft.com/office/drawing/2010/main" xmlns="">
                 <a:solidFill>
                   <a:schemeClr val="accent1"/>
                 </a:solidFill>
               </a14:hiddenFill>
             </a:ext>
             <a:ext uri="{91240B29-F687-4F45-9708-019B960494DF}">
-              <a14:hiddenLine xmlns="" xmlns:a14="http://schemas.microsoft.com/office/drawing/2010/main" w="9525">
+              <a14:hiddenLine xmlns:a14="http://schemas.microsoft.com/office/drawing/2010/main" xmlns="" w="9525">
                 <a:solidFill>
                   <a:schemeClr val="tx1"/>
                 </a:solidFill>
@@ -5695,14 +5688,14 @@
           </a:ln>
           <a:extLst>
             <a:ext uri="{909E8E84-426E-40DD-AFC4-6F175D3DCCD1}">
-              <a14:hiddenFill xmlns="" xmlns:a14="http://schemas.microsoft.com/office/drawing/2010/main">
+              <a14:hiddenFill xmlns:a14="http://schemas.microsoft.com/office/drawing/2010/main" xmlns="">
                 <a:solidFill>
                   <a:schemeClr val="accent1"/>
                 </a:solidFill>
               </a14:hiddenFill>
             </a:ext>
             <a:ext uri="{91240B29-F687-4F45-9708-019B960494DF}">
-              <a14:hiddenLine xmlns="" xmlns:a14="http://schemas.microsoft.com/office/drawing/2010/main" w="9525">
+              <a14:hiddenLine xmlns:a14="http://schemas.microsoft.com/office/drawing/2010/main" xmlns="" w="9525">
                 <a:solidFill>
                   <a:schemeClr val="tx1"/>
                 </a:solidFill>
@@ -5755,14 +5748,14 @@
           </a:ln>
           <a:extLst>
             <a:ext uri="{909E8E84-426E-40DD-AFC4-6F175D3DCCD1}">
-              <a14:hiddenFill xmlns="" xmlns:a14="http://schemas.microsoft.com/office/drawing/2010/main">
+              <a14:hiddenFill xmlns:a14="http://schemas.microsoft.com/office/drawing/2010/main" xmlns="">
                 <a:solidFill>
                   <a:schemeClr val="accent1"/>
                 </a:solidFill>
               </a14:hiddenFill>
             </a:ext>
             <a:ext uri="{91240B29-F687-4F45-9708-019B960494DF}">
-              <a14:hiddenLine xmlns="" xmlns:a14="http://schemas.microsoft.com/office/drawing/2010/main" w="9525">
+              <a14:hiddenLine xmlns:a14="http://schemas.microsoft.com/office/drawing/2010/main" xmlns="" w="9525">
                 <a:solidFill>
                   <a:schemeClr val="tx1"/>
                 </a:solidFill>
@@ -5815,14 +5808,14 @@
           </a:ln>
           <a:extLst>
             <a:ext uri="{909E8E84-426E-40DD-AFC4-6F175D3DCCD1}">
-              <a14:hiddenFill xmlns="" xmlns:a14="http://schemas.microsoft.com/office/drawing/2010/main">
+              <a14:hiddenFill xmlns:a14="http://schemas.microsoft.com/office/drawing/2010/main" xmlns="">
                 <a:solidFill>
                   <a:schemeClr val="accent1"/>
                 </a:solidFill>
               </a14:hiddenFill>
             </a:ext>
             <a:ext uri="{91240B29-F687-4F45-9708-019B960494DF}">
-              <a14:hiddenLine xmlns="" xmlns:a14="http://schemas.microsoft.com/office/drawing/2010/main" w="9525">
+              <a14:hiddenLine xmlns:a14="http://schemas.microsoft.com/office/drawing/2010/main" xmlns="" w="9525">
                 <a:solidFill>
                   <a:schemeClr val="tx1"/>
                 </a:solidFill>
@@ -5859,7 +5852,7 @@
     </p:spTree>
     <p:extLst>
       <p:ext uri="{BB962C8B-B14F-4D97-AF65-F5344CB8AC3E}">
-        <p14:creationId xmlns="" xmlns:p14="http://schemas.microsoft.com/office/powerpoint/2010/main" val="3001568234"/>
+        <p14:creationId xmlns:p14="http://schemas.microsoft.com/office/powerpoint/2010/main" xmlns="" val="3001568234"/>
       </p:ext>
     </p:extLst>
   </p:cSld>
@@ -6226,7 +6219,7 @@
     </p:spTree>
     <p:extLst>
       <p:ext uri="{BB962C8B-B14F-4D97-AF65-F5344CB8AC3E}">
-        <p14:creationId xmlns="" xmlns:p14="http://schemas.microsoft.com/office/powerpoint/2010/main" val="4247654126"/>
+        <p14:creationId xmlns:p14="http://schemas.microsoft.com/office/powerpoint/2010/main" xmlns="" val="4247654126"/>
       </p:ext>
     </p:extLst>
   </p:cSld>
@@ -6374,7 +6367,7 @@
     </p:spTree>
     <p:extLst>
       <p:ext uri="{BB962C8B-B14F-4D97-AF65-F5344CB8AC3E}">
-        <p14:creationId xmlns="" xmlns:p14="http://schemas.microsoft.com/office/powerpoint/2010/main" val="3914089631"/>
+        <p14:creationId xmlns:p14="http://schemas.microsoft.com/office/powerpoint/2010/main" xmlns="" val="3914089631"/>
       </p:ext>
     </p:extLst>
   </p:cSld>
@@ -6512,7 +6505,7 @@
     </p:spTree>
     <p:extLst>
       <p:ext uri="{BB962C8B-B14F-4D97-AF65-F5344CB8AC3E}">
-        <p14:creationId xmlns="" xmlns:p14="http://schemas.microsoft.com/office/powerpoint/2010/main" val="1058433384"/>
+        <p14:creationId xmlns:p14="http://schemas.microsoft.com/office/powerpoint/2010/main" xmlns="" val="1058433384"/>
       </p:ext>
     </p:extLst>
   </p:cSld>
@@ -6640,7 +6633,7 @@
     </p:spTree>
     <p:extLst>
       <p:ext uri="{BB962C8B-B14F-4D97-AF65-F5344CB8AC3E}">
-        <p14:creationId xmlns="" xmlns:p14="http://schemas.microsoft.com/office/powerpoint/2010/main" val="3683914965"/>
+        <p14:creationId xmlns:p14="http://schemas.microsoft.com/office/powerpoint/2010/main" xmlns="" val="3683914965"/>
       </p:ext>
     </p:extLst>
   </p:cSld>
@@ -6928,7 +6921,7 @@
     </p:spTree>
     <p:extLst>
       <p:ext uri="{BB962C8B-B14F-4D97-AF65-F5344CB8AC3E}">
-        <p14:creationId xmlns="" xmlns:p14="http://schemas.microsoft.com/office/powerpoint/2010/main" val="1688867932"/>
+        <p14:creationId xmlns:p14="http://schemas.microsoft.com/office/powerpoint/2010/main" xmlns="" val="1688867932"/>
       </p:ext>
     </p:extLst>
   </p:cSld>
@@ -7355,7 +7348,7 @@
     </p:spTree>
     <p:extLst>
       <p:ext uri="{BB962C8B-B14F-4D97-AF65-F5344CB8AC3E}">
-        <p14:creationId xmlns="" xmlns:p14="http://schemas.microsoft.com/office/powerpoint/2010/main" val="3091454421"/>
+        <p14:creationId xmlns:p14="http://schemas.microsoft.com/office/powerpoint/2010/main" xmlns="" val="3091454421"/>
       </p:ext>
     </p:extLst>
   </p:cSld>
@@ -7409,7 +7402,7 @@
     </p:spTree>
     <p:extLst>
       <p:ext uri="{BB962C8B-B14F-4D97-AF65-F5344CB8AC3E}">
-        <p14:creationId xmlns="" xmlns:p14="http://schemas.microsoft.com/office/powerpoint/2010/main" val="1709739791"/>
+        <p14:creationId xmlns:p14="http://schemas.microsoft.com/office/powerpoint/2010/main" xmlns="" val="1709739791"/>
       </p:ext>
     </p:extLst>
   </p:cSld>
@@ -7440,7 +7433,7 @@
     </p:spTree>
     <p:extLst>
       <p:ext uri="{BB962C8B-B14F-4D97-AF65-F5344CB8AC3E}">
-        <p14:creationId xmlns="" xmlns:p14="http://schemas.microsoft.com/office/powerpoint/2010/main" val="208619746"/>
+        <p14:creationId xmlns:p14="http://schemas.microsoft.com/office/powerpoint/2010/main" xmlns="" val="208619746"/>
       </p:ext>
     </p:extLst>
   </p:cSld>
@@ -7685,7 +7678,7 @@
     </p:spTree>
     <p:extLst>
       <p:ext uri="{BB962C8B-B14F-4D97-AF65-F5344CB8AC3E}">
-        <p14:creationId xmlns="" xmlns:p14="http://schemas.microsoft.com/office/powerpoint/2010/main" val="1201940715"/>
+        <p14:creationId xmlns:p14="http://schemas.microsoft.com/office/powerpoint/2010/main" xmlns="" val="1201940715"/>
       </p:ext>
     </p:extLst>
   </p:cSld>
@@ -7878,7 +7871,7 @@
     </p:spTree>
     <p:extLst>
       <p:ext uri="{BB962C8B-B14F-4D97-AF65-F5344CB8AC3E}">
-        <p14:creationId xmlns="" xmlns:p14="http://schemas.microsoft.com/office/powerpoint/2010/main" val="2895571190"/>
+        <p14:creationId xmlns:p14="http://schemas.microsoft.com/office/powerpoint/2010/main" xmlns="" val="2895571190"/>
       </p:ext>
     </p:extLst>
   </p:cSld>
@@ -7943,14 +7936,14 @@
           <a:effectLst/>
           <a:extLst>
             <a:ext uri="{909E8E84-426E-40DD-AFC4-6F175D3DCCD1}">
-              <a14:hiddenFill xmlns="" xmlns:a14="http://schemas.microsoft.com/office/drawing/2010/main">
+              <a14:hiddenFill xmlns:a14="http://schemas.microsoft.com/office/drawing/2010/main" xmlns="">
                 <a:solidFill>
                   <a:schemeClr val="accent1"/>
                 </a:solidFill>
               </a14:hiddenFill>
             </a:ext>
             <a:ext uri="{91240B29-F687-4F45-9708-019B960494DF}">
-              <a14:hiddenLine xmlns="" xmlns:a14="http://schemas.microsoft.com/office/drawing/2010/main" w="9525">
+              <a14:hiddenLine xmlns:a14="http://schemas.microsoft.com/office/drawing/2010/main" xmlns="" w="9525">
                 <a:solidFill>
                   <a:schemeClr val="tx1"/>
                 </a:solidFill>
@@ -7960,7 +7953,7 @@
               </a14:hiddenLine>
             </a:ext>
             <a:ext uri="{AF507438-7753-43E0-B8FC-AC1667EBCBE1}">
-              <a14:hiddenEffects xmlns="" xmlns:a14="http://schemas.microsoft.com/office/drawing/2010/main">
+              <a14:hiddenEffects xmlns:a14="http://schemas.microsoft.com/office/drawing/2010/main" xmlns="">
                 <a:effectLst>
                   <a:outerShdw dist="35921" dir="2700000" algn="ctr" rotWithShape="0">
                     <a:schemeClr val="bg2"/>
@@ -8071,14 +8064,14 @@
           <a:effectLst/>
           <a:extLst>
             <a:ext uri="{909E8E84-426E-40DD-AFC4-6F175D3DCCD1}">
-              <a14:hiddenFill xmlns="" xmlns:a14="http://schemas.microsoft.com/office/drawing/2010/main">
+              <a14:hiddenFill xmlns:a14="http://schemas.microsoft.com/office/drawing/2010/main" xmlns="">
                 <a:solidFill>
                   <a:schemeClr val="accent1"/>
                 </a:solidFill>
               </a14:hiddenFill>
             </a:ext>
             <a:ext uri="{91240B29-F687-4F45-9708-019B960494DF}">
-              <a14:hiddenLine xmlns="" xmlns:a14="http://schemas.microsoft.com/office/drawing/2010/main" w="9525">
+              <a14:hiddenLine xmlns:a14="http://schemas.microsoft.com/office/drawing/2010/main" xmlns="" w="9525">
                 <a:solidFill>
                   <a:schemeClr val="tx1"/>
                 </a:solidFill>
@@ -8088,7 +8081,7 @@
               </a14:hiddenLine>
             </a:ext>
             <a:ext uri="{AF507438-7753-43E0-B8FC-AC1667EBCBE1}">
-              <a14:hiddenEffects xmlns="" xmlns:a14="http://schemas.microsoft.com/office/drawing/2010/main">
+              <a14:hiddenEffects xmlns:a14="http://schemas.microsoft.com/office/drawing/2010/main" xmlns="">
                 <a:effectLst>
                   <a:outerShdw dist="35921" dir="2700000" algn="ctr" rotWithShape="0">
                     <a:schemeClr val="bg2"/>
@@ -9455,14 +9448,14 @@
           <a:effectLst/>
           <a:extLst>
             <a:ext uri="{909E8E84-426E-40DD-AFC4-6F175D3DCCD1}">
-              <a14:hiddenFill xmlns="" xmlns:a14="http://schemas.microsoft.com/office/drawing/2010/main">
+              <a14:hiddenFill xmlns:a14="http://schemas.microsoft.com/office/drawing/2010/main" xmlns="">
                 <a:solidFill>
                   <a:schemeClr val="accent1"/>
                 </a:solidFill>
               </a14:hiddenFill>
             </a:ext>
             <a:ext uri="{AF507438-7753-43E0-B8FC-AC1667EBCBE1}">
-              <a14:hiddenEffects xmlns="" xmlns:a14="http://schemas.microsoft.com/office/drawing/2010/main">
+              <a14:hiddenEffects xmlns:a14="http://schemas.microsoft.com/office/drawing/2010/main" xmlns="">
                 <a:effectLst>
                   <a:outerShdw dist="35921" dir="2700000" algn="ctr" rotWithShape="0">
                     <a:schemeClr val="bg2"/>
@@ -9887,7 +9880,7 @@
           <p:nvPr>
             <p:extLst>
               <p:ext uri="{D42A27DB-BD31-4B8C-83A1-F6EECF244321}">
-                <p14:modId xmlns="" xmlns:p14="http://schemas.microsoft.com/office/powerpoint/2010/main" val="3487094351"/>
+                <p14:modId xmlns:p14="http://schemas.microsoft.com/office/powerpoint/2010/main" xmlns="" val="3487094351"/>
               </p:ext>
             </p:extLst>
           </p:nvPr>
@@ -10226,13 +10219,8 @@
             </a:r>
             <a:r>
               <a:rPr lang="zh-CN" altLang="en-US" sz="2000" dirty="0" smtClean="0"/>
-              <a:t>平台</a:t>
-            </a:r>
-            <a:r>
-              <a:rPr lang="zh-CN" altLang="en-US" sz="2000" dirty="0" smtClean="0"/>
-              <a:t>。</a:t>
-            </a:r>
-            <a:endParaRPr lang="zh-CN" altLang="en-US" sz="2000" dirty="0" smtClean="0"/>
+              <a:t>平台。</a:t>
+            </a:r>
           </a:p>
           <a:p>
             <a:r>
@@ -10786,13 +10774,8 @@
             </a:r>
             <a:r>
               <a:rPr lang="zh-CN" altLang="en-US" sz="2000" dirty="0" smtClean="0"/>
-              <a:t>的默认</a:t>
-            </a:r>
-            <a:r>
-              <a:rPr lang="zh-CN" altLang="en-US" sz="2000" dirty="0" smtClean="0"/>
-              <a:t>虚拟机。</a:t>
-            </a:r>
-            <a:endParaRPr lang="zh-CN" altLang="en-US" sz="2000" dirty="0" smtClean="0"/>
+              <a:t>的默认虚拟机。</a:t>
+            </a:r>
           </a:p>
           <a:p>
             <a:r>
@@ -11371,11 +11354,7 @@
             </a:r>
             <a:r>
               <a:rPr lang="zh-CN" altLang="en-US" sz="2000" dirty="0" smtClean="0"/>
-              <a:t>源代码进行</a:t>
-            </a:r>
-            <a:r>
-              <a:rPr lang="zh-CN" altLang="en-US" sz="2000" dirty="0" smtClean="0"/>
-              <a:t>修改</a:t>
+              <a:t>源代码进行修改</a:t>
             </a:r>
             <a:r>
               <a:rPr lang="en-US" sz="2000" dirty="0" smtClean="0"/>
@@ -11491,13 +11470,8 @@
             </a:r>
             <a:r>
               <a:rPr lang="zh-CN" altLang="en-US" sz="2000" dirty="0" smtClean="0"/>
-              <a:t>正式</a:t>
-            </a:r>
-            <a:r>
-              <a:rPr lang="zh-CN" altLang="en-US" sz="2000" dirty="0" smtClean="0"/>
-              <a:t>版。</a:t>
-            </a:r>
-            <a:endParaRPr lang="zh-CN" altLang="en-US" sz="2000" dirty="0" smtClean="0"/>
+              <a:t>正式版。</a:t>
+            </a:r>
           </a:p>
           <a:p>
             <a:endParaRPr kumimoji="1" lang="ja-JP" altLang="en-US" dirty="0"/>
@@ -11507,7 +11481,7 @@
     </p:spTree>
     <p:extLst>
       <p:ext uri="{BB962C8B-B14F-4D97-AF65-F5344CB8AC3E}">
-        <p14:creationId xmlns="" xmlns:p14="http://schemas.microsoft.com/office/powerpoint/2010/main" val="2962440247"/>
+        <p14:creationId xmlns:p14="http://schemas.microsoft.com/office/powerpoint/2010/main" xmlns="" val="2962440247"/>
       </p:ext>
     </p:extLst>
   </p:cSld>
@@ -11763,11 +11737,7 @@
             </a:r>
             <a:r>
               <a:rPr lang="ja-JP" altLang="en-US" sz="2000" dirty="0" smtClean="0"/>
-              <a:t>程序运行的标准</a:t>
-            </a:r>
-            <a:r>
-              <a:rPr lang="ja-JP" altLang="en-US" sz="2000" dirty="0" smtClean="0"/>
-              <a:t>环境。</a:t>
+              <a:t>程序运行的标准环境。</a:t>
             </a:r>
             <a:endParaRPr lang="zh-CN" altLang="en-US" sz="2000" dirty="0" smtClean="0"/>
           </a:p>
@@ -11900,7 +11870,6 @@
               <a:rPr lang="zh-CN" altLang="en-US" sz="2000" dirty="0" smtClean="0"/>
               <a:t>。</a:t>
             </a:r>
-            <a:endParaRPr lang="zh-CN" altLang="en-US" sz="2000" dirty="0" smtClean="0"/>
           </a:p>
         </p:txBody>
       </p:sp>
@@ -12087,19 +12056,7 @@
                 <a:latin typeface="KF-GB P Mincho UB" pitchFamily="18" charset="-122"/>
                 <a:ea typeface="KF-GB P Mincho UB" pitchFamily="18" charset="-122"/>
               </a:rPr>
-              <a:t>编程</a:t>
-            </a:r>
-            <a:r>
-              <a:rPr lang="zh-CN" altLang="en-US" sz="2800" dirty="0" smtClean="0">
-                <a:solidFill>
-                  <a:schemeClr val="accent4">
-                    <a:lumMod val="10000"/>
-                  </a:schemeClr>
-                </a:solidFill>
-                <a:latin typeface="KF-GB P Mincho UB" pitchFamily="18" charset="-122"/>
-                <a:ea typeface="KF-GB P Mincho UB" pitchFamily="18" charset="-122"/>
-              </a:rPr>
-              <a:t>工具</a:t>
+              <a:t>编程工具</a:t>
             </a:r>
             <a:r>
               <a:rPr lang="en-US" altLang="zh-CN" sz="2800" dirty="0" smtClean="0">
@@ -12233,11 +12190,7 @@
             </a:pPr>
             <a:r>
               <a:rPr lang="zh-CN" altLang="en-US" sz="2000" dirty="0" smtClean="0"/>
-              <a:t>       许多</a:t>
-            </a:r>
-            <a:r>
-              <a:rPr lang="zh-CN" altLang="en-US" sz="2000" dirty="0" smtClean="0"/>
-              <a:t>的</a:t>
+              <a:t>       许多的</a:t>
             </a:r>
             <a:r>
               <a:rPr lang="en-US" sz="2000" dirty="0" smtClean="0"/>
@@ -12360,15 +12313,7 @@
             </a:r>
             <a:r>
               <a:rPr lang="zh-CN" altLang="en-US" sz="2000" dirty="0" smtClean="0"/>
-              <a:t>较</a:t>
-            </a:r>
-            <a:r>
-              <a:rPr lang="zh-CN" altLang="en-US" sz="2000" dirty="0" smtClean="0"/>
-              <a:t>安全。</a:t>
-            </a:r>
-            <a:r>
-              <a:rPr lang="zh-CN" altLang="en-US" sz="2000" dirty="0" smtClean="0"/>
-              <a:t>大型跨国投资银行用</a:t>
+              <a:t>较安全。大型跨国投资银行用</a:t>
             </a:r>
             <a:r>
               <a:rPr lang="en-US" sz="2000" dirty="0" smtClean="0"/>
@@ -12780,14 +12725,7 @@
                 <a:latin typeface="KF-GB P Mincho UB" pitchFamily="18" charset="-122"/>
                 <a:ea typeface="KF-GB P Mincho UB" pitchFamily="18" charset="-122"/>
               </a:rPr>
-              <a:t>软件</a:t>
-            </a:r>
-            <a:r>
-              <a:rPr lang="zh-CN" altLang="en-US" dirty="0" smtClean="0">
-                <a:latin typeface="KF-GB P Mincho UB" pitchFamily="18" charset="-122"/>
-                <a:ea typeface="KF-GB P Mincho UB" pitchFamily="18" charset="-122"/>
-              </a:rPr>
-              <a:t>基金会</a:t>
+              <a:t>软件基金会</a:t>
             </a:r>
             <a:endParaRPr lang="en-US" altLang="zh-CN" dirty="0" smtClean="0">
               <a:latin typeface="KF-GB P Mincho UB" pitchFamily="18" charset="-122"/>
@@ -12812,14 +12750,7 @@
                 <a:latin typeface="KF-GB P Mincho UB" pitchFamily="18" charset="-122"/>
                 <a:ea typeface="KF-GB P Mincho UB" pitchFamily="18" charset="-122"/>
               </a:rPr>
-              <a:t> </a:t>
-            </a:r>
-            <a:r>
-              <a:rPr lang="en-US" sz="2400" dirty="0" smtClean="0">
-                <a:latin typeface="KF-GB P Mincho UB" pitchFamily="18" charset="-122"/>
-                <a:ea typeface="KF-GB P Mincho UB" pitchFamily="18" charset="-122"/>
-              </a:rPr>
-              <a:t>  </a:t>
+              <a:t>   </a:t>
             </a:r>
             <a:r>
               <a:rPr lang="en-US" sz="2400" dirty="0" smtClean="0">
@@ -13186,7 +13117,7 @@
           <p:nvPr>
             <p:extLst>
               <p:ext uri="{D42A27DB-BD31-4B8C-83A1-F6EECF244321}">
-                <p14:modId xmlns="" xmlns:p14="http://schemas.microsoft.com/office/powerpoint/2010/main" val="567323000"/>
+                <p14:modId xmlns:p14="http://schemas.microsoft.com/office/powerpoint/2010/main" xmlns="" val="567323000"/>
               </p:ext>
             </p:extLst>
           </p:nvPr>
@@ -13204,7 +13135,7 @@
     </p:spTree>
     <p:extLst>
       <p:ext uri="{BB962C8B-B14F-4D97-AF65-F5344CB8AC3E}">
-        <p14:creationId xmlns="" xmlns:p14="http://schemas.microsoft.com/office/powerpoint/2010/main" val="1172025170"/>
+        <p14:creationId xmlns:p14="http://schemas.microsoft.com/office/powerpoint/2010/main" xmlns="" val="1172025170"/>
       </p:ext>
     </p:extLst>
   </p:cSld>
@@ -13492,41 +13423,83 @@
                 <a:latin typeface="华文楷体" pitchFamily="2" charset="-122"/>
                 <a:ea typeface="华文楷体" pitchFamily="2" charset="-122"/>
               </a:rPr>
-              <a:t>项目，后来</a:t>
+              <a:t>项目，后来由于</a:t>
+            </a:r>
+            <a:r>
+              <a:rPr lang="en-US" sz="2400" dirty="0" smtClean="0">
+                <a:latin typeface="华文楷体" pitchFamily="2" charset="-122"/>
+                <a:ea typeface="华文楷体" pitchFamily="2" charset="-122"/>
+              </a:rPr>
+              <a:t>SUN</a:t>
             </a:r>
             <a:r>
               <a:rPr lang="zh-CN" altLang="en-US" sz="2400" dirty="0" smtClean="0">
                 <a:latin typeface="华文楷体" pitchFamily="2" charset="-122"/>
                 <a:ea typeface="华文楷体" pitchFamily="2" charset="-122"/>
               </a:rPr>
-              <a:t>由于</a:t>
+              <a:t>的建议，项目名称变为</a:t>
             </a:r>
             <a:r>
               <a:rPr lang="en-US" sz="2400" dirty="0" smtClean="0">
                 <a:latin typeface="华文楷体" pitchFamily="2" charset="-122"/>
                 <a:ea typeface="华文楷体" pitchFamily="2" charset="-122"/>
               </a:rPr>
-              <a:t>SUN</a:t>
+              <a:t>Jakarta</a:t>
             </a:r>
             <a:r>
               <a:rPr lang="zh-CN" altLang="en-US" sz="2400" dirty="0" smtClean="0">
                 <a:latin typeface="华文楷体" pitchFamily="2" charset="-122"/>
                 <a:ea typeface="华文楷体" pitchFamily="2" charset="-122"/>
               </a:rPr>
-              <a:t>的</a:t>
+              <a:t>。但当时该项目的管理者也没有想到</a:t>
+            </a:r>
+            <a:r>
+              <a:rPr lang="en-US" sz="2400" dirty="0" smtClean="0">
+                <a:latin typeface="华文楷体" pitchFamily="2" charset="-122"/>
+                <a:ea typeface="华文楷体" pitchFamily="2" charset="-122"/>
+              </a:rPr>
+              <a:t>Jakarta</a:t>
             </a:r>
             <a:r>
               <a:rPr lang="zh-CN" altLang="en-US" sz="2400" dirty="0" smtClean="0">
                 <a:latin typeface="华文楷体" pitchFamily="2" charset="-122"/>
                 <a:ea typeface="华文楷体" pitchFamily="2" charset="-122"/>
               </a:rPr>
-              <a:t>建议，项目名称变为</a:t>
+              <a:t>项目因为</a:t>
             </a:r>
             <a:r>
               <a:rPr lang="en-US" sz="2400" dirty="0" smtClean="0">
                 <a:latin typeface="华文楷体" pitchFamily="2" charset="-122"/>
                 <a:ea typeface="华文楷体" pitchFamily="2" charset="-122"/>
               </a:rPr>
+              <a:t>JAVA</a:t>
+            </a:r>
+            <a:r>
+              <a:rPr lang="zh-CN" altLang="en-US" sz="2400" dirty="0" smtClean="0">
+                <a:latin typeface="华文楷体" pitchFamily="2" charset="-122"/>
+                <a:ea typeface="华文楷体" pitchFamily="2" charset="-122"/>
+              </a:rPr>
+              <a:t>的火爆而发展到如今一个囊括了众多基于</a:t>
+            </a:r>
+            <a:r>
+              <a:rPr lang="en-US" sz="2400" dirty="0" smtClean="0">
+                <a:latin typeface="华文楷体" pitchFamily="2" charset="-122"/>
+                <a:ea typeface="华文楷体" pitchFamily="2" charset="-122"/>
+              </a:rPr>
+              <a:t>JAVA</a:t>
+            </a:r>
+            <a:r>
+              <a:rPr lang="zh-CN" altLang="en-US" sz="2400" dirty="0" smtClean="0">
+                <a:latin typeface="华文楷体" pitchFamily="2" charset="-122"/>
+                <a:ea typeface="华文楷体" pitchFamily="2" charset="-122"/>
+              </a:rPr>
+              <a:t>语言开源软件子项目的项目。以至后来，不得不把个别项目从</a:t>
+            </a:r>
+            <a:r>
+              <a:rPr lang="en-US" sz="2400" dirty="0" smtClean="0">
+                <a:latin typeface="华文楷体" pitchFamily="2" charset="-122"/>
+                <a:ea typeface="华文楷体" pitchFamily="2" charset="-122"/>
+              </a:rPr>
               <a:t>Jakarta</a:t>
             </a:r>
             <a:r>
@@ -13534,98 +13507,35 @@
                 <a:latin typeface="华文楷体" pitchFamily="2" charset="-122"/>
                 <a:ea typeface="华文楷体" pitchFamily="2" charset="-122"/>
               </a:rPr>
-              <a:t>。但当时该项目的管理者也没有想到</a:t>
+              <a:t>中独立出来，成为</a:t>
             </a:r>
             <a:r>
               <a:rPr lang="en-US" sz="2400" dirty="0" smtClean="0">
                 <a:latin typeface="华文楷体" pitchFamily="2" charset="-122"/>
                 <a:ea typeface="华文楷体" pitchFamily="2" charset="-122"/>
               </a:rPr>
-              <a:t>Jakarta</a:t>
+              <a:t>Apache</a:t>
             </a:r>
             <a:r>
               <a:rPr lang="zh-CN" altLang="en-US" sz="2400" dirty="0" smtClean="0">
                 <a:latin typeface="华文楷体" pitchFamily="2" charset="-122"/>
                 <a:ea typeface="华文楷体" pitchFamily="2" charset="-122"/>
               </a:rPr>
-              <a:t>项目因为</a:t>
+              <a:t>软件基金会的顶级项目，</a:t>
             </a:r>
             <a:r>
               <a:rPr lang="en-US" sz="2400" dirty="0" smtClean="0">
                 <a:latin typeface="华文楷体" pitchFamily="2" charset="-122"/>
                 <a:ea typeface="华文楷体" pitchFamily="2" charset="-122"/>
               </a:rPr>
-              <a:t>JAVA</a:t>
+              <a:t>Struts</a:t>
             </a:r>
             <a:r>
               <a:rPr lang="zh-CN" altLang="en-US" sz="2400" dirty="0" smtClean="0">
                 <a:latin typeface="华文楷体" pitchFamily="2" charset="-122"/>
                 <a:ea typeface="华文楷体" pitchFamily="2" charset="-122"/>
               </a:rPr>
-              <a:t>的火爆而发展到如今一个囊括了众多基于</a:t>
-            </a:r>
-            <a:r>
-              <a:rPr lang="en-US" sz="2400" dirty="0" smtClean="0">
-                <a:latin typeface="华文楷体" pitchFamily="2" charset="-122"/>
-                <a:ea typeface="华文楷体" pitchFamily="2" charset="-122"/>
-              </a:rPr>
-              <a:t>JAVA</a:t>
-            </a:r>
-            <a:r>
-              <a:rPr lang="zh-CN" altLang="en-US" sz="2400" dirty="0" smtClean="0">
-                <a:latin typeface="华文楷体" pitchFamily="2" charset="-122"/>
-                <a:ea typeface="华文楷体" pitchFamily="2" charset="-122"/>
-              </a:rPr>
-              <a:t>语言开源软件子项目的项目。以至后来，不得不把个别项目从</a:t>
-            </a:r>
-            <a:r>
-              <a:rPr lang="en-US" sz="2400" dirty="0" smtClean="0">
-                <a:latin typeface="华文楷体" pitchFamily="2" charset="-122"/>
-                <a:ea typeface="华文楷体" pitchFamily="2" charset="-122"/>
-              </a:rPr>
-              <a:t>Jakarta</a:t>
-            </a:r>
-            <a:r>
-              <a:rPr lang="zh-CN" altLang="en-US" sz="2400" dirty="0" smtClean="0">
-                <a:latin typeface="华文楷体" pitchFamily="2" charset="-122"/>
-                <a:ea typeface="华文楷体" pitchFamily="2" charset="-122"/>
-              </a:rPr>
-              <a:t>中独立出来，成为</a:t>
-            </a:r>
-            <a:r>
-              <a:rPr lang="en-US" sz="2400" dirty="0" smtClean="0">
-                <a:latin typeface="华文楷体" pitchFamily="2" charset="-122"/>
-                <a:ea typeface="华文楷体" pitchFamily="2" charset="-122"/>
-              </a:rPr>
-              <a:t>Apache</a:t>
-            </a:r>
-            <a:r>
-              <a:rPr lang="zh-CN" altLang="en-US" sz="2400" dirty="0" smtClean="0">
-                <a:latin typeface="华文楷体" pitchFamily="2" charset="-122"/>
-                <a:ea typeface="华文楷体" pitchFamily="2" charset="-122"/>
-              </a:rPr>
-              <a:t>软件基金会的顶级项目，</a:t>
-            </a:r>
-            <a:r>
-              <a:rPr lang="en-US" sz="2400" dirty="0" smtClean="0">
-                <a:latin typeface="华文楷体" pitchFamily="2" charset="-122"/>
-                <a:ea typeface="华文楷体" pitchFamily="2" charset="-122"/>
-              </a:rPr>
-              <a:t>Struts</a:t>
-            </a:r>
-            <a:r>
-              <a:rPr lang="zh-CN" altLang="en-US" sz="2400" dirty="0" smtClean="0">
-                <a:latin typeface="华文楷体" pitchFamily="2" charset="-122"/>
-                <a:ea typeface="华文楷体" pitchFamily="2" charset="-122"/>
-              </a:rPr>
-              <a:t>项目就是其中之一</a:t>
-            </a:r>
-            <a:r>
-              <a:rPr lang="zh-CN" altLang="en-US" sz="2400" dirty="0" smtClean="0">
-                <a:latin typeface="华文楷体" pitchFamily="2" charset="-122"/>
-                <a:ea typeface="华文楷体" pitchFamily="2" charset="-122"/>
-              </a:rPr>
-              <a:t>。</a:t>
+              <a:t>项目就是其中之一。</a:t>
             </a:r>
             <a:endParaRPr lang="en-US" altLang="zh-CN" sz="2400" dirty="0" smtClean="0">
               <a:latin typeface="华文楷体" pitchFamily="2" charset="-122"/>
@@ -15238,14 +15148,7 @@
                 <a:latin typeface="华文楷体" pitchFamily="2" charset="-122"/>
                 <a:ea typeface="华文楷体" pitchFamily="2" charset="-122"/>
               </a:rPr>
-              <a:t>系统框架臃肿、低效、脱离现实的种种现状提出了质疑，并积极寻求探索</a:t>
-            </a:r>
-            <a:r>
-              <a:rPr lang="zh-CN" altLang="en-US" dirty="0" smtClean="0">
-                <a:latin typeface="华文楷体" pitchFamily="2" charset="-122"/>
-                <a:ea typeface="华文楷体" pitchFamily="2" charset="-122"/>
-              </a:rPr>
-              <a:t>革新之道</a:t>
+              <a:t>系统框架臃肿、低效、脱离现实的种种现状提出了质疑，并积极寻求探索革新之道</a:t>
             </a:r>
             <a:endParaRPr lang="en-US" altLang="zh-CN" dirty="0" smtClean="0">
               <a:latin typeface="华文楷体" pitchFamily="2" charset="-122"/>
@@ -16425,8 +16328,8 @@
         </p:nvSpPr>
         <p:spPr>
           <a:xfrm>
-            <a:off x="1524000" y="1714488"/>
-            <a:ext cx="7086600" cy="2228856"/>
+            <a:off x="1524000" y="1142984"/>
+            <a:ext cx="7086600" cy="2928958"/>
           </a:xfrm>
         </p:spPr>
         <p:txBody>
@@ -16455,6 +16358,26 @@
               <a:rPr lang="en-US" altLang="zh-CN" dirty="0" err="1" smtClean="0"/>
               <a:t>Jboss</a:t>
             </a:r>
+            <a:endParaRPr lang="en-US" altLang="zh-CN" dirty="0" smtClean="0"/>
+          </a:p>
+          <a:p>
+            <a:r>
+              <a:rPr lang="en-US" altLang="zh-CN" dirty="0" err="1" smtClean="0"/>
+              <a:t>WebLoigc</a:t>
+            </a:r>
+            <a:endParaRPr lang="en-US" altLang="zh-CN" dirty="0" smtClean="0"/>
+          </a:p>
+          <a:p>
+            <a:r>
+              <a:rPr lang="en-US" altLang="zh-CN" dirty="0" err="1" smtClean="0"/>
+              <a:t>Websphere</a:t>
+            </a:r>
+            <a:endParaRPr lang="en-US" altLang="zh-CN" dirty="0" smtClean="0"/>
+          </a:p>
+          <a:p>
+            <a:endParaRPr lang="en-US" altLang="zh-CN" dirty="0" smtClean="0"/>
+          </a:p>
+          <a:p>
             <a:endParaRPr lang="en-US" altLang="zh-CN" dirty="0" smtClean="0"/>
           </a:p>
           <a:p>
@@ -16477,7 +16400,7 @@
         </p:nvSpPr>
         <p:spPr>
           <a:xfrm>
-            <a:off x="1524000" y="714356"/>
+            <a:off x="1524000" y="357166"/>
             <a:ext cx="7086600" cy="700102"/>
           </a:xfrm>
         </p:spPr>
@@ -16487,15 +16410,23 @@
           <a:p>
             <a:r>
               <a:rPr lang="en-US" altLang="zh-CN" sz="3200" dirty="0" smtClean="0"/>
-              <a:t>Java Web</a:t>
+              <a:t>Java </a:t>
+            </a:r>
+            <a:r>
+              <a:rPr lang="en-US" altLang="zh-CN" sz="3200" dirty="0" smtClean="0"/>
+              <a:t>Web</a:t>
             </a:r>
             <a:r>
               <a:rPr lang="zh-CN" altLang="en-US" sz="3200" dirty="0" smtClean="0"/>
-              <a:t>服务器</a:t>
+              <a:t>服务器 </a:t>
             </a:r>
             <a:r>
               <a:rPr lang="en-US" altLang="zh-CN" sz="3200" dirty="0" smtClean="0"/>
-              <a:t>(windows</a:t>
+              <a:t>(</a:t>
+            </a:r>
+            <a:r>
+              <a:rPr lang="en-US" altLang="zh-CN" sz="3200" dirty="0" smtClean="0"/>
+              <a:t>windows</a:t>
             </a:r>
             <a:r>
               <a:rPr lang="zh-CN" altLang="en-US" sz="3200" dirty="0" smtClean="0"/>
@@ -16529,8 +16460,8 @@
         </p:nvSpPr>
         <p:spPr>
           <a:xfrm>
-            <a:off x="1785918" y="4214818"/>
-            <a:ext cx="5929354" cy="1569660"/>
+            <a:off x="1785918" y="4357694"/>
+            <a:ext cx="5929354" cy="3046988"/>
           </a:xfrm>
           <a:prstGeom prst="rect">
             <a:avLst/>
@@ -16561,7 +16492,37 @@
                 <a:latin typeface="华文楷体" pitchFamily="2" charset="-122"/>
                 <a:ea typeface="华文楷体" pitchFamily="2" charset="-122"/>
               </a:rPr>
-              <a:t>java </a:t>
+              <a:t>java Web</a:t>
+            </a:r>
+            <a:r>
+              <a:rPr lang="zh-CN" altLang="en-US" dirty="0" smtClean="0">
+                <a:solidFill>
+                  <a:srgbClr val="FF0000"/>
+                </a:solidFill>
+                <a:latin typeface="华文楷体" pitchFamily="2" charset="-122"/>
+                <a:ea typeface="华文楷体" pitchFamily="2" charset="-122"/>
+              </a:rPr>
+              <a:t>、大数据云计算、微服务项目会在</a:t>
+            </a:r>
+            <a:r>
+              <a:rPr lang="en-US" altLang="zh-CN" dirty="0" err="1" smtClean="0">
+                <a:solidFill>
+                  <a:srgbClr val="FF0000"/>
+                </a:solidFill>
+                <a:latin typeface="华文楷体" pitchFamily="2" charset="-122"/>
+                <a:ea typeface="华文楷体" pitchFamily="2" charset="-122"/>
+              </a:rPr>
+              <a:t>linux</a:t>
+            </a:r>
+            <a:r>
+              <a:rPr lang="zh-CN" altLang="en-US" dirty="0" smtClean="0">
+                <a:solidFill>
+                  <a:srgbClr val="FF0000"/>
+                </a:solidFill>
+                <a:latin typeface="华文楷体" pitchFamily="2" charset="-122"/>
+                <a:ea typeface="华文楷体" pitchFamily="2" charset="-122"/>
+              </a:rPr>
+              <a:t>系统</a:t>
             </a:r>
             <a:r>
               <a:rPr lang="en-US" altLang="zh-CN" dirty="0" smtClean="0">
@@ -16571,7 +16532,61 @@
                 <a:latin typeface="华文楷体" pitchFamily="2" charset="-122"/>
                 <a:ea typeface="华文楷体" pitchFamily="2" charset="-122"/>
               </a:rPr>
-              <a:t>Web</a:t>
+              <a:t>(</a:t>
+            </a:r>
+            <a:r>
+              <a:rPr lang="en-US" dirty="0" err="1" smtClean="0">
+                <a:solidFill>
+                  <a:schemeClr val="bg1"/>
+                </a:solidFill>
+                <a:latin typeface="楷体" pitchFamily="49" charset="-122"/>
+                <a:ea typeface="楷体" pitchFamily="49" charset="-122"/>
+              </a:rPr>
+              <a:t>ubuntu</a:t>
+            </a:r>
+            <a:r>
+              <a:rPr lang="en-US" dirty="0" smtClean="0"/>
+              <a:t> </a:t>
+            </a:r>
+            <a:r>
+              <a:rPr lang="en-US" dirty="0" smtClean="0">
+                <a:solidFill>
+                  <a:schemeClr val="bg1"/>
+                </a:solidFill>
+                <a:latin typeface="楷体" pitchFamily="49" charset="-122"/>
+                <a:ea typeface="楷体" pitchFamily="49" charset="-122"/>
+              </a:rPr>
+              <a:t>,</a:t>
+            </a:r>
+            <a:r>
+              <a:rPr lang="en-US" altLang="zh-CN" dirty="0" smtClean="0">
+                <a:solidFill>
+                  <a:schemeClr val="bg1"/>
+                </a:solidFill>
+                <a:latin typeface="楷体" pitchFamily="49" charset="-122"/>
+                <a:ea typeface="楷体" pitchFamily="49" charset="-122"/>
+              </a:rPr>
+              <a:t>red </a:t>
+            </a:r>
+            <a:r>
+              <a:rPr lang="en-US" altLang="zh-CN" dirty="0" smtClean="0">
+                <a:solidFill>
+                  <a:schemeClr val="bg1"/>
+                </a:solidFill>
+                <a:latin typeface="楷体" pitchFamily="49" charset="-122"/>
+                <a:ea typeface="楷体" pitchFamily="49" charset="-122"/>
+              </a:rPr>
+              <a:t>hat, centos</a:t>
+            </a:r>
+            <a:r>
+              <a:rPr lang="en-US" altLang="zh-CN" dirty="0" smtClean="0">
+                <a:solidFill>
+                  <a:srgbClr val="FF0000"/>
+                </a:solidFill>
+                <a:latin typeface="华文楷体" pitchFamily="2" charset="-122"/>
+                <a:ea typeface="华文楷体" pitchFamily="2" charset="-122"/>
+              </a:rPr>
+              <a:t>)</a:t>
             </a:r>
             <a:r>
               <a:rPr lang="zh-CN" altLang="en-US" dirty="0" smtClean="0">
@@ -16581,67 +16596,7 @@
                 <a:latin typeface="华文楷体" pitchFamily="2" charset="-122"/>
                 <a:ea typeface="华文楷体" pitchFamily="2" charset="-122"/>
               </a:rPr>
-              <a:t>、大数据云计算、微服务项目会</a:t>
-            </a:r>
-            <a:r>
-              <a:rPr lang="zh-CN" altLang="en-US" dirty="0" smtClean="0">
-                <a:solidFill>
-                  <a:srgbClr val="FF0000"/>
-                </a:solidFill>
-                <a:latin typeface="华文楷体" pitchFamily="2" charset="-122"/>
-                <a:ea typeface="华文楷体" pitchFamily="2" charset="-122"/>
-              </a:rPr>
-              <a:t>在</a:t>
-            </a:r>
-            <a:r>
-              <a:rPr lang="en-US" altLang="zh-CN" dirty="0" err="1" smtClean="0">
-                <a:solidFill>
-                  <a:srgbClr val="FF0000"/>
-                </a:solidFill>
-                <a:latin typeface="华文楷体" pitchFamily="2" charset="-122"/>
-                <a:ea typeface="华文楷体" pitchFamily="2" charset="-122"/>
-              </a:rPr>
-              <a:t>linux</a:t>
-            </a:r>
-            <a:r>
-              <a:rPr lang="zh-CN" altLang="en-US" dirty="0" smtClean="0">
-                <a:solidFill>
-                  <a:srgbClr val="FF0000"/>
-                </a:solidFill>
-                <a:latin typeface="华文楷体" pitchFamily="2" charset="-122"/>
-                <a:ea typeface="华文楷体" pitchFamily="2" charset="-122"/>
-              </a:rPr>
-              <a:t>系统</a:t>
-            </a:r>
-            <a:r>
-              <a:rPr lang="en-US" altLang="zh-CN" dirty="0" smtClean="0">
-                <a:solidFill>
-                  <a:srgbClr val="FF0000"/>
-                </a:solidFill>
-                <a:latin typeface="华文楷体" pitchFamily="2" charset="-122"/>
-                <a:ea typeface="华文楷体" pitchFamily="2" charset="-122"/>
-              </a:rPr>
-              <a:t>(red hat, centos)</a:t>
-            </a:r>
-            <a:r>
-              <a:rPr lang="zh-CN" altLang="en-US" dirty="0" smtClean="0">
-                <a:solidFill>
-                  <a:srgbClr val="FF0000"/>
-                </a:solidFill>
-                <a:latin typeface="华文楷体" pitchFamily="2" charset="-122"/>
-                <a:ea typeface="华文楷体" pitchFamily="2" charset="-122"/>
-              </a:rPr>
-              <a:t>中部署运行</a:t>
-            </a:r>
-            <a:r>
-              <a:rPr lang="zh-CN" altLang="en-US" dirty="0" smtClean="0">
-                <a:solidFill>
-                  <a:srgbClr val="FF0000"/>
-                </a:solidFill>
-                <a:latin typeface="华文楷体" pitchFamily="2" charset="-122"/>
-                <a:ea typeface="华文楷体" pitchFamily="2" charset="-122"/>
-              </a:rPr>
-              <a:t>。</a:t>
+              <a:t>中部署运行。</a:t>
             </a:r>
             <a:endParaRPr lang="en-US" altLang="zh-CN" dirty="0" smtClean="0">
               <a:solidFill>
@@ -16670,7 +16625,7 @@
                 <a:latin typeface="华文楷体" pitchFamily="2" charset="-122"/>
                 <a:ea typeface="华文楷体" pitchFamily="2" charset="-122"/>
               </a:rPr>
-              <a:t>系统的优势与特性</a:t>
+              <a:t>系统的优势与</a:t>
             </a:r>
             <a:r>
               <a:rPr lang="zh-CN" altLang="en-US" dirty="0" smtClean="0">
@@ -16680,8 +16635,45 @@
                 <a:latin typeface="华文楷体" pitchFamily="2" charset="-122"/>
                 <a:ea typeface="华文楷体" pitchFamily="2" charset="-122"/>
               </a:rPr>
-              <a:t>。</a:t>
-            </a:r>
+              <a:t>特性</a:t>
+            </a:r>
+            <a:r>
+              <a:rPr lang="zh-CN" altLang="en-US" dirty="0" smtClean="0">
+                <a:solidFill>
+                  <a:srgbClr val="FF0000"/>
+                </a:solidFill>
+                <a:latin typeface="华文楷体" pitchFamily="2" charset="-122"/>
+                <a:ea typeface="华文楷体" pitchFamily="2" charset="-122"/>
+              </a:rPr>
+              <a:t>：图形界面为辅，性能强，服务加载速度快</a:t>
+            </a:r>
+            <a:r>
+              <a:rPr lang="zh-CN" altLang="en-US" smtClean="0">
+                <a:solidFill>
+                  <a:srgbClr val="FF0000"/>
+                </a:solidFill>
+                <a:latin typeface="华文楷体" pitchFamily="2" charset="-122"/>
+                <a:ea typeface="华文楷体" pitchFamily="2" charset="-122"/>
+              </a:rPr>
+              <a:t>，安全性稳定性高</a:t>
+            </a:r>
+            <a:r>
+              <a:rPr lang="zh-CN" altLang="en-US" dirty="0" smtClean="0">
+                <a:solidFill>
+                  <a:srgbClr val="FF0000"/>
+                </a:solidFill>
+                <a:latin typeface="华文楷体" pitchFamily="2" charset="-122"/>
+                <a:ea typeface="华文楷体" pitchFamily="2" charset="-122"/>
+              </a:rPr>
+              <a:t>，服务器软硬件成本显著降低，作为服务器系统优势较大。</a:t>
+            </a:r>
+            <a:endParaRPr lang="zh-CN" altLang="en-US" dirty="0" smtClean="0">
+              <a:solidFill>
+                <a:srgbClr val="FF0000"/>
+              </a:solidFill>
+              <a:latin typeface="华文楷体" pitchFamily="2" charset="-122"/>
+              <a:ea typeface="华文楷体" pitchFamily="2" charset="-122"/>
+            </a:endParaRPr>
           </a:p>
           <a:p>
             <a:endParaRPr lang="zh-CN" altLang="en-US" dirty="0"/>
@@ -17490,7 +17482,7 @@
     </p:spTree>
     <p:extLst>
       <p:ext uri="{BB962C8B-B14F-4D97-AF65-F5344CB8AC3E}">
-        <p14:creationId xmlns="" xmlns:p14="http://schemas.microsoft.com/office/powerpoint/2010/main" val="3107653997"/>
+        <p14:creationId xmlns:p14="http://schemas.microsoft.com/office/powerpoint/2010/main" xmlns="" val="3107653997"/>
       </p:ext>
     </p:extLst>
   </p:cSld>
@@ -17841,7 +17833,7 @@
     </p:spTree>
     <p:extLst>
       <p:ext uri="{BB962C8B-B14F-4D97-AF65-F5344CB8AC3E}">
-        <p14:creationId xmlns="" xmlns:p14="http://schemas.microsoft.com/office/powerpoint/2010/main" val="2107609755"/>
+        <p14:creationId xmlns:p14="http://schemas.microsoft.com/office/powerpoint/2010/main" xmlns="" val="2107609755"/>
       </p:ext>
     </p:extLst>
   </p:cSld>
@@ -18132,7 +18124,7 @@
     </p:spTree>
     <p:extLst>
       <p:ext uri="{BB962C8B-B14F-4D97-AF65-F5344CB8AC3E}">
-        <p14:creationId xmlns="" xmlns:p14="http://schemas.microsoft.com/office/powerpoint/2010/main" val="380726262"/>
+        <p14:creationId xmlns:p14="http://schemas.microsoft.com/office/powerpoint/2010/main" xmlns="" val="380726262"/>
       </p:ext>
     </p:extLst>
   </p:cSld>
@@ -18538,7 +18530,7 @@
     </p:spTree>
     <p:extLst>
       <p:ext uri="{BB962C8B-B14F-4D97-AF65-F5344CB8AC3E}">
-        <p14:creationId xmlns="" xmlns:p14="http://schemas.microsoft.com/office/powerpoint/2010/main" val="260142944"/>
+        <p14:creationId xmlns:p14="http://schemas.microsoft.com/office/powerpoint/2010/main" xmlns="" val="260142944"/>
       </p:ext>
     </p:extLst>
   </p:cSld>
@@ -18884,7 +18876,7 @@
     </p:spTree>
     <p:extLst>
       <p:ext uri="{BB962C8B-B14F-4D97-AF65-F5344CB8AC3E}">
-        <p14:creationId xmlns="" xmlns:p14="http://schemas.microsoft.com/office/powerpoint/2010/main" val="228254223"/>
+        <p14:creationId xmlns:p14="http://schemas.microsoft.com/office/powerpoint/2010/main" xmlns="" val="228254223"/>
       </p:ext>
     </p:extLst>
   </p:cSld>
@@ -19160,7 +19152,7 @@
         <a:effectLst/>
         <a:extLst>
           <a:ext uri="{AF507438-7753-43E0-B8FC-AC1667EBCBE1}">
-            <a14:hiddenEffects xmlns="" xmlns:a14="http://schemas.microsoft.com/office/drawing/2010/main">
+            <a14:hiddenEffects xmlns:a14="http://schemas.microsoft.com/office/drawing/2010/main" xmlns="">
               <a:effectLst>
                 <a:outerShdw dist="35921" dir="2700000" algn="ctr" rotWithShape="0">
                   <a:schemeClr val="bg2"/>
@@ -19233,7 +19225,7 @@
         <a:effectLst/>
         <a:extLst>
           <a:ext uri="{AF507438-7753-43E0-B8FC-AC1667EBCBE1}">
-            <a14:hiddenEffects xmlns="" xmlns:a14="http://schemas.microsoft.com/office/drawing/2010/main">
+            <a14:hiddenEffects xmlns:a14="http://schemas.microsoft.com/office/drawing/2010/main" xmlns="">
               <a:effectLst>
                 <a:outerShdw dist="35921" dir="2700000" algn="ctr" rotWithShape="0">
                   <a:schemeClr val="bg2"/>

--- a/环宇IT开发培训简介.pptx
+++ b/环宇IT开发培训简介.pptx
@@ -5,7 +5,7 @@
     <p:sldMasterId id="2147483660" r:id="rId1"/>
   </p:sldMasterIdLst>
   <p:notesMasterIdLst>
-    <p:notesMasterId r:id="rId31"/>
+    <p:notesMasterId r:id="rId32"/>
   </p:notesMasterIdLst>
   <p:sldIdLst>
     <p:sldId id="256" r:id="rId2"/>
@@ -37,11 +37,12 @@
     <p:sldId id="285" r:id="rId28"/>
     <p:sldId id="283" r:id="rId29"/>
     <p:sldId id="286" r:id="rId30"/>
+    <p:sldId id="287" r:id="rId31"/>
   </p:sldIdLst>
   <p:sldSz cx="9144000" cy="6858000" type="screen4x3"/>
   <p:notesSz cx="6946900" cy="9283700"/>
   <p:custDataLst>
-    <p:tags r:id="rId32"/>
+    <p:tags r:id="rId33"/>
   </p:custDataLst>
   <p:defaultTextStyle>
     <a:defPPr>
@@ -16410,11 +16411,7 @@
           <a:p>
             <a:r>
               <a:rPr lang="en-US" altLang="zh-CN" sz="3200" dirty="0" smtClean="0"/>
-              <a:t>Java </a:t>
-            </a:r>
-            <a:r>
-              <a:rPr lang="en-US" altLang="zh-CN" sz="3200" dirty="0" smtClean="0"/>
-              <a:t>Web</a:t>
+              <a:t>Java Web</a:t>
             </a:r>
             <a:r>
               <a:rPr lang="zh-CN" altLang="en-US" sz="3200" dirty="0" smtClean="0"/>
@@ -16422,11 +16419,7 @@
             </a:r>
             <a:r>
               <a:rPr lang="en-US" altLang="zh-CN" sz="3200" dirty="0" smtClean="0"/>
-              <a:t>(</a:t>
-            </a:r>
-            <a:r>
-              <a:rPr lang="en-US" altLang="zh-CN" sz="3200" dirty="0" smtClean="0"/>
-              <a:t>windows</a:t>
+              <a:t>(windows</a:t>
             </a:r>
             <a:r>
               <a:rPr lang="zh-CN" altLang="en-US" sz="3200" dirty="0" smtClean="0"/>
@@ -16566,17 +16559,7 @@
                 <a:latin typeface="楷体" pitchFamily="49" charset="-122"/>
                 <a:ea typeface="楷体" pitchFamily="49" charset="-122"/>
               </a:rPr>
-              <a:t>red </a:t>
-            </a:r>
-            <a:r>
-              <a:rPr lang="en-US" altLang="zh-CN" dirty="0" smtClean="0">
-                <a:solidFill>
-                  <a:schemeClr val="bg1"/>
-                </a:solidFill>
-                <a:latin typeface="楷体" pitchFamily="49" charset="-122"/>
-                <a:ea typeface="楷体" pitchFamily="49" charset="-122"/>
-              </a:rPr>
-              <a:t>hat, centos</a:t>
+              <a:t>red hat, centos</a:t>
             </a:r>
             <a:r>
               <a:rPr lang="en-US" altLang="zh-CN" dirty="0" smtClean="0">
@@ -16625,7 +16608,17 @@
                 <a:latin typeface="华文楷体" pitchFamily="2" charset="-122"/>
                 <a:ea typeface="华文楷体" pitchFamily="2" charset="-122"/>
               </a:rPr>
-              <a:t>系统的优势与</a:t>
+              <a:t>系统的优势与特性：图形界面为辅，性能强，服务加载速度快</a:t>
+            </a:r>
+            <a:r>
+              <a:rPr lang="zh-CN" altLang="en-US" smtClean="0">
+                <a:solidFill>
+                  <a:srgbClr val="FF0000"/>
+                </a:solidFill>
+                <a:latin typeface="华文楷体" pitchFamily="2" charset="-122"/>
+                <a:ea typeface="华文楷体" pitchFamily="2" charset="-122"/>
+              </a:rPr>
+              <a:t>，安全性稳定性高</a:t>
             </a:r>
             <a:r>
               <a:rPr lang="zh-CN" altLang="en-US" dirty="0" smtClean="0">
@@ -16635,45 +16628,8 @@
                 <a:latin typeface="华文楷体" pitchFamily="2" charset="-122"/>
                 <a:ea typeface="华文楷体" pitchFamily="2" charset="-122"/>
               </a:rPr>
-              <a:t>特性</a:t>
-            </a:r>
-            <a:r>
-              <a:rPr lang="zh-CN" altLang="en-US" dirty="0" smtClean="0">
-                <a:solidFill>
-                  <a:srgbClr val="FF0000"/>
-                </a:solidFill>
-                <a:latin typeface="华文楷体" pitchFamily="2" charset="-122"/>
-                <a:ea typeface="华文楷体" pitchFamily="2" charset="-122"/>
-              </a:rPr>
-              <a:t>：图形界面为辅，性能强，服务加载速度快</a:t>
-            </a:r>
-            <a:r>
-              <a:rPr lang="zh-CN" altLang="en-US" smtClean="0">
-                <a:solidFill>
-                  <a:srgbClr val="FF0000"/>
-                </a:solidFill>
-                <a:latin typeface="华文楷体" pitchFamily="2" charset="-122"/>
-                <a:ea typeface="华文楷体" pitchFamily="2" charset="-122"/>
-              </a:rPr>
-              <a:t>，安全性稳定性高</a:t>
-            </a:r>
-            <a:r>
-              <a:rPr lang="zh-CN" altLang="en-US" dirty="0" smtClean="0">
-                <a:solidFill>
-                  <a:srgbClr val="FF0000"/>
-                </a:solidFill>
-                <a:latin typeface="华文楷体" pitchFamily="2" charset="-122"/>
-                <a:ea typeface="华文楷体" pitchFamily="2" charset="-122"/>
-              </a:rPr>
               <a:t>，服务器软硬件成本显著降低，作为服务器系统优势较大。</a:t>
             </a:r>
-            <a:endParaRPr lang="zh-CN" altLang="en-US" dirty="0" smtClean="0">
-              <a:solidFill>
-                <a:srgbClr val="FF0000"/>
-              </a:solidFill>
-              <a:latin typeface="华文楷体" pitchFamily="2" charset="-122"/>
-              <a:ea typeface="华文楷体" pitchFamily="2" charset="-122"/>
-            </a:endParaRPr>
           </a:p>
           <a:p>
             <a:endParaRPr lang="zh-CN" altLang="en-US" dirty="0"/>
@@ -16726,7 +16682,71 @@
           <a:bodyPr/>
           <a:lstStyle/>
           <a:p>
-            <a:endParaRPr lang="zh-CN" altLang="en-US" dirty="0"/>
+            <a:r>
+              <a:rPr lang="en-US" altLang="zh-CN" dirty="0" smtClean="0">
+                <a:latin typeface="Arial Unicode MS" pitchFamily="34" charset="-122"/>
+                <a:ea typeface="Arial Unicode MS" pitchFamily="34" charset="-122"/>
+                <a:cs typeface="Arial Unicode MS" pitchFamily="34" charset="-122"/>
+              </a:rPr>
+              <a:t>http</a:t>
+            </a:r>
+            <a:r>
+              <a:rPr lang="zh-CN" altLang="en-US" dirty="0" smtClean="0">
+                <a:latin typeface="Arial Unicode MS" pitchFamily="34" charset="-122"/>
+                <a:ea typeface="Arial Unicode MS" pitchFamily="34" charset="-122"/>
+                <a:cs typeface="Arial Unicode MS" pitchFamily="34" charset="-122"/>
+              </a:rPr>
+              <a:t>服务器用以解析静态</a:t>
+            </a:r>
+            <a:r>
+              <a:rPr lang="en-US" altLang="zh-CN" dirty="0" smtClean="0">
+                <a:latin typeface="Arial Unicode MS" pitchFamily="34" charset="-122"/>
+                <a:ea typeface="Arial Unicode MS" pitchFamily="34" charset="-122"/>
+                <a:cs typeface="Arial Unicode MS" pitchFamily="34" charset="-122"/>
+              </a:rPr>
+              <a:t>html</a:t>
+            </a:r>
+            <a:r>
+              <a:rPr lang="zh-CN" altLang="en-US" dirty="0" smtClean="0">
+                <a:latin typeface="Arial Unicode MS" pitchFamily="34" charset="-122"/>
+                <a:ea typeface="Arial Unicode MS" pitchFamily="34" charset="-122"/>
+                <a:cs typeface="Arial Unicode MS" pitchFamily="34" charset="-122"/>
+              </a:rPr>
+              <a:t>，配合</a:t>
+            </a:r>
+            <a:r>
+              <a:rPr lang="en-US" altLang="zh-CN" dirty="0" smtClean="0">
+                <a:latin typeface="Arial Unicode MS" pitchFamily="34" charset="-122"/>
+                <a:ea typeface="Arial Unicode MS" pitchFamily="34" charset="-122"/>
+                <a:cs typeface="Arial Unicode MS" pitchFamily="34" charset="-122"/>
+              </a:rPr>
+              <a:t>java web</a:t>
+            </a:r>
+            <a:r>
+              <a:rPr lang="zh-CN" altLang="en-US" dirty="0" smtClean="0">
+                <a:latin typeface="Arial Unicode MS" pitchFamily="34" charset="-122"/>
+                <a:ea typeface="Arial Unicode MS" pitchFamily="34" charset="-122"/>
+                <a:cs typeface="Arial Unicode MS" pitchFamily="34" charset="-122"/>
+              </a:rPr>
+              <a:t>服务器使用，还起到前端代理，负载均衡等作用，如</a:t>
+            </a:r>
+            <a:r>
+              <a:rPr lang="en-US" dirty="0" err="1" smtClean="0"/>
+              <a:t>Nginx</a:t>
+            </a:r>
+            <a:r>
+              <a:rPr lang="en-US" dirty="0" smtClean="0"/>
+              <a:t>/apache</a:t>
+            </a:r>
+            <a:r>
+              <a:rPr lang="zh-CN" altLang="en-US" dirty="0" smtClean="0"/>
+              <a:t>；</a:t>
+            </a:r>
+            <a:endParaRPr lang="zh-CN" altLang="en-US" dirty="0">
+              <a:latin typeface="Arial Unicode MS" pitchFamily="34" charset="-122"/>
+              <a:ea typeface="Arial Unicode MS" pitchFamily="34" charset="-122"/>
+              <a:cs typeface="Arial Unicode MS" pitchFamily="34" charset="-122"/>
+            </a:endParaRPr>
           </a:p>
         </p:txBody>
       </p:sp>
@@ -16970,6 +16990,80 @@
       </p:par>
     </p:tnLst>
   </p:timing>
+</p:sld>
+</file>
+
+<file path=ppt/slides/slide30.xml><?xml version="1.0" encoding="utf-8"?>
+<p:sld xmlns:a="http://schemas.openxmlformats.org/drawingml/2006/main" xmlns:r="http://schemas.openxmlformats.org/officeDocument/2006/relationships" xmlns:p="http://schemas.openxmlformats.org/presentationml/2006/main">
+  <p:cSld>
+    <p:spTree>
+      <p:nvGrpSpPr>
+        <p:cNvPr id="1" name=""/>
+        <p:cNvGrpSpPr/>
+        <p:nvPr/>
+      </p:nvGrpSpPr>
+      <p:grpSpPr>
+        <a:xfrm>
+          <a:off x="0" y="0"/>
+          <a:ext cx="0" cy="0"/>
+          <a:chOff x="0" y="0"/>
+          <a:chExt cx="0" cy="0"/>
+        </a:xfrm>
+      </p:grpSpPr>
+      <p:sp>
+        <p:nvSpPr>
+          <p:cNvPr id="2" name="标题 1"/>
+          <p:cNvSpPr>
+            <a:spLocks noGrp="1"/>
+          </p:cNvSpPr>
+          <p:nvPr>
+            <p:ph type="title"/>
+          </p:nvPr>
+        </p:nvSpPr>
+        <p:spPr/>
+        <p:txBody>
+          <a:bodyPr/>
+          <a:lstStyle/>
+          <a:p>
+            <a:r>
+              <a:rPr lang="zh-CN" altLang="en-US" dirty="0" smtClean="0">
+                <a:latin typeface="CW-GB Gothic LCPY6" pitchFamily="50" charset="-128"/>
+                <a:ea typeface="CW-GB Gothic LCPY6" pitchFamily="50" charset="-128"/>
+              </a:rPr>
+              <a:t>几个图形开发实例</a:t>
+            </a:r>
+            <a:endParaRPr lang="zh-CN" altLang="en-US" dirty="0">
+              <a:latin typeface="CW-GB Gothic LCPY6" pitchFamily="50" charset="-128"/>
+              <a:ea typeface="CW-GB Gothic LCPY6" pitchFamily="50" charset="-128"/>
+            </a:endParaRPr>
+          </a:p>
+        </p:txBody>
+      </p:sp>
+      <p:sp>
+        <p:nvSpPr>
+          <p:cNvPr id="3" name="内容占位符 2"/>
+          <p:cNvSpPr>
+            <a:spLocks noGrp="1"/>
+          </p:cNvSpPr>
+          <p:nvPr>
+            <p:ph idx="1"/>
+          </p:nvPr>
+        </p:nvSpPr>
+        <p:spPr/>
+        <p:txBody>
+          <a:bodyPr/>
+          <a:lstStyle/>
+          <a:p>
+            <a:endParaRPr lang="zh-CN" altLang="en-US" dirty="0"/>
+          </a:p>
+        </p:txBody>
+      </p:sp>
+    </p:spTree>
+  </p:cSld>
+  <p:clrMapOvr>
+    <a:masterClrMapping/>
+  </p:clrMapOvr>
+  <p:transition/>
 </p:sld>
 </file>
 

--- a/环宇IT开发培训简介.pptx
+++ b/环宇IT开发培训简介.pptx
@@ -5,7 +5,7 @@
     <p:sldMasterId id="2147483660" r:id="rId1"/>
   </p:sldMasterIdLst>
   <p:notesMasterIdLst>
-    <p:notesMasterId r:id="rId32"/>
+    <p:notesMasterId r:id="rId33"/>
   </p:notesMasterIdLst>
   <p:sldIdLst>
     <p:sldId id="256" r:id="rId2"/>
@@ -18,31 +18,32 @@
     <p:sldId id="270" r:id="rId9"/>
     <p:sldId id="271" r:id="rId10"/>
     <p:sldId id="259" r:id="rId11"/>
-    <p:sldId id="260" r:id="rId12"/>
-    <p:sldId id="261" r:id="rId13"/>
-    <p:sldId id="262" r:id="rId14"/>
-    <p:sldId id="263" r:id="rId15"/>
-    <p:sldId id="272" r:id="rId16"/>
-    <p:sldId id="273" r:id="rId17"/>
-    <p:sldId id="274" r:id="rId18"/>
-    <p:sldId id="275" r:id="rId19"/>
-    <p:sldId id="276" r:id="rId20"/>
-    <p:sldId id="277" r:id="rId21"/>
-    <p:sldId id="278" r:id="rId22"/>
-    <p:sldId id="279" r:id="rId23"/>
-    <p:sldId id="280" r:id="rId24"/>
-    <p:sldId id="281" r:id="rId25"/>
-    <p:sldId id="282" r:id="rId26"/>
-    <p:sldId id="284" r:id="rId27"/>
-    <p:sldId id="285" r:id="rId28"/>
-    <p:sldId id="283" r:id="rId29"/>
-    <p:sldId id="286" r:id="rId30"/>
-    <p:sldId id="287" r:id="rId31"/>
+    <p:sldId id="288" r:id="rId12"/>
+    <p:sldId id="260" r:id="rId13"/>
+    <p:sldId id="261" r:id="rId14"/>
+    <p:sldId id="262" r:id="rId15"/>
+    <p:sldId id="263" r:id="rId16"/>
+    <p:sldId id="272" r:id="rId17"/>
+    <p:sldId id="273" r:id="rId18"/>
+    <p:sldId id="274" r:id="rId19"/>
+    <p:sldId id="275" r:id="rId20"/>
+    <p:sldId id="276" r:id="rId21"/>
+    <p:sldId id="277" r:id="rId22"/>
+    <p:sldId id="278" r:id="rId23"/>
+    <p:sldId id="279" r:id="rId24"/>
+    <p:sldId id="280" r:id="rId25"/>
+    <p:sldId id="281" r:id="rId26"/>
+    <p:sldId id="282" r:id="rId27"/>
+    <p:sldId id="284" r:id="rId28"/>
+    <p:sldId id="285" r:id="rId29"/>
+    <p:sldId id="283" r:id="rId30"/>
+    <p:sldId id="286" r:id="rId31"/>
+    <p:sldId id="287" r:id="rId32"/>
   </p:sldIdLst>
   <p:sldSz cx="9144000" cy="6858000" type="screen4x3"/>
   <p:notesSz cx="6946900" cy="9283700"/>
   <p:custDataLst>
-    <p:tags r:id="rId33"/>
+    <p:tags r:id="rId34"/>
   </p:custDataLst>
   <p:defaultTextStyle>
     <a:defPPr>
@@ -2147,19 +2148,19 @@
     </dgm:pt>
   </dgm:ptLst>
   <dgm:cxnLst>
+    <dgm:cxn modelId="{E5BEB48B-9E03-4CFE-8AAE-2F7AEB1883BF}" srcId="{110BD9FD-AB01-4D91-9863-43AB5992E5F7}" destId="{F66B0327-5801-4A2E-9639-A1724D36520F}" srcOrd="0" destOrd="0" parTransId="{0613E683-D477-41F9-AD24-54F2B1CC7E8D}" sibTransId="{581CEB43-759C-4CF2-8DEF-93029824D2ED}"/>
+    <dgm:cxn modelId="{130C9274-0016-458B-BF0C-0974806C45E8}" type="presOf" srcId="{1EE26A47-8757-4F8F-93D3-3238C6457348}" destId="{86861747-D4F2-4850-928D-F14A95FFB4E4}" srcOrd="0" destOrd="0" presId="urn:microsoft.com/office/officeart/2008/layout/VerticalAccentList"/>
+    <dgm:cxn modelId="{B4E3924D-52E1-4786-BE93-7259F10DB819}" srcId="{1EE26A47-8757-4F8F-93D3-3238C6457348}" destId="{7AA3492D-532C-467B-ABB4-C5F016CBF481}" srcOrd="2" destOrd="0" parTransId="{24E09824-DD72-4F9B-8490-D9415E9FE928}" sibTransId="{6649347A-3FD1-497D-893A-2FE36E6ECC72}"/>
     <dgm:cxn modelId="{A349E01B-EB6F-47E2-926C-D6BF7D133811}" srcId="{7AA3492D-532C-467B-ABB4-C5F016CBF481}" destId="{32CC3289-1994-4B6E-B293-3D5D7BF5CF54}" srcOrd="0" destOrd="0" parTransId="{93A491EA-EAD3-4F3A-82B2-5BFE0930A834}" sibTransId="{D3CE9BCF-FE8C-4E9F-A609-129F32421C40}"/>
+    <dgm:cxn modelId="{7FE7A6A0-2047-485B-8026-E24EC295E575}" type="presOf" srcId="{7AA3492D-532C-467B-ABB4-C5F016CBF481}" destId="{F9F47AA2-9FA2-4858-9E55-C57DED33D52A}" srcOrd="0" destOrd="0" presId="urn:microsoft.com/office/officeart/2008/layout/VerticalAccentList"/>
     <dgm:cxn modelId="{3843095B-1BE4-4B0A-B4F9-2F95A9F10517}" srcId="{1EE26A47-8757-4F8F-93D3-3238C6457348}" destId="{110BD9FD-AB01-4D91-9863-43AB5992E5F7}" srcOrd="0" destOrd="0" parTransId="{0CD00F5D-D674-4859-B89E-1223C1B08666}" sibTransId="{28FF1B66-46B5-4C4F-A011-C7B8ACA2D7BD}"/>
-    <dgm:cxn modelId="{130C9274-0016-458B-BF0C-0974806C45E8}" type="presOf" srcId="{1EE26A47-8757-4F8F-93D3-3238C6457348}" destId="{86861747-D4F2-4850-928D-F14A95FFB4E4}" srcOrd="0" destOrd="0" presId="urn:microsoft.com/office/officeart/2008/layout/VerticalAccentList"/>
+    <dgm:cxn modelId="{C3E2A4E7-D51C-4841-80A0-496AA337D2CF}" type="presOf" srcId="{110BD9FD-AB01-4D91-9863-43AB5992E5F7}" destId="{C3151AFE-8CB6-4A98-BA02-1C0187A4ADD5}" srcOrd="0" destOrd="0" presId="urn:microsoft.com/office/officeart/2008/layout/VerticalAccentList"/>
+    <dgm:cxn modelId="{BDEBFB08-E5F1-4493-90F5-D8594FA79AF0}" type="presOf" srcId="{F66B0327-5801-4A2E-9639-A1724D36520F}" destId="{E8E78996-5BED-4845-B0FB-EB378FE08230}" srcOrd="0" destOrd="0" presId="urn:microsoft.com/office/officeart/2008/layout/VerticalAccentList"/>
+    <dgm:cxn modelId="{364B3976-298A-49A3-838C-4E3893F3E922}" type="presOf" srcId="{32CC3289-1994-4B6E-B293-3D5D7BF5CF54}" destId="{3F2F251E-04EC-47DC-9E9C-4AE63B040EA6}" srcOrd="0" destOrd="0" presId="urn:microsoft.com/office/officeart/2008/layout/VerticalAccentList"/>
+    <dgm:cxn modelId="{4763DF6D-ECFC-48B2-ADBF-4532E567D60F}" srcId="{4D0E24A4-EFD1-4183-B419-CE7B1E727F37}" destId="{8884A2E3-B685-4082-96A8-E6AD93AE05C2}" srcOrd="0" destOrd="0" parTransId="{9B64C4B6-3B9A-42FE-BD8C-15D60FE33027}" sibTransId="{9DBF805E-4671-45F9-9BC0-817CC5C51B01}"/>
     <dgm:cxn modelId="{B32734B3-4D0E-4D53-BEEF-292F6B4F8252}" srcId="{1EE26A47-8757-4F8F-93D3-3238C6457348}" destId="{4D0E24A4-EFD1-4183-B419-CE7B1E727F37}" srcOrd="1" destOrd="0" parTransId="{780D6EB5-E146-4B53-B1CC-D06366E8E202}" sibTransId="{89F27D26-796C-4271-9ABC-7ABA6EDE7A01}"/>
-    <dgm:cxn modelId="{E5BEB48B-9E03-4CFE-8AAE-2F7AEB1883BF}" srcId="{110BD9FD-AB01-4D91-9863-43AB5992E5F7}" destId="{F66B0327-5801-4A2E-9639-A1724D36520F}" srcOrd="0" destOrd="0" parTransId="{0613E683-D477-41F9-AD24-54F2B1CC7E8D}" sibTransId="{581CEB43-759C-4CF2-8DEF-93029824D2ED}"/>
-    <dgm:cxn modelId="{C3E2A4E7-D51C-4841-80A0-496AA337D2CF}" type="presOf" srcId="{110BD9FD-AB01-4D91-9863-43AB5992E5F7}" destId="{C3151AFE-8CB6-4A98-BA02-1C0187A4ADD5}" srcOrd="0" destOrd="0" presId="urn:microsoft.com/office/officeart/2008/layout/VerticalAccentList"/>
+    <dgm:cxn modelId="{72B138AB-DDC1-4706-B8A9-5AAAD04FB038}" type="presOf" srcId="{4D0E24A4-EFD1-4183-B419-CE7B1E727F37}" destId="{BC626D1F-8D80-4BD6-B2FF-B4B8E9BC9832}" srcOrd="0" destOrd="0" presId="urn:microsoft.com/office/officeart/2008/layout/VerticalAccentList"/>
     <dgm:cxn modelId="{CF836934-47A2-456B-A78F-71CE20D8FD24}" type="presOf" srcId="{8884A2E3-B685-4082-96A8-E6AD93AE05C2}" destId="{8442B89D-006C-4CBC-A1C9-8B9E68E90AB4}" srcOrd="0" destOrd="0" presId="urn:microsoft.com/office/officeart/2008/layout/VerticalAccentList"/>
-    <dgm:cxn modelId="{7FE7A6A0-2047-485B-8026-E24EC295E575}" type="presOf" srcId="{7AA3492D-532C-467B-ABB4-C5F016CBF481}" destId="{F9F47AA2-9FA2-4858-9E55-C57DED33D52A}" srcOrd="0" destOrd="0" presId="urn:microsoft.com/office/officeart/2008/layout/VerticalAccentList"/>
-    <dgm:cxn modelId="{72B138AB-DDC1-4706-B8A9-5AAAD04FB038}" type="presOf" srcId="{4D0E24A4-EFD1-4183-B419-CE7B1E727F37}" destId="{BC626D1F-8D80-4BD6-B2FF-B4B8E9BC9832}" srcOrd="0" destOrd="0" presId="urn:microsoft.com/office/officeart/2008/layout/VerticalAccentList"/>
-    <dgm:cxn modelId="{B4E3924D-52E1-4786-BE93-7259F10DB819}" srcId="{1EE26A47-8757-4F8F-93D3-3238C6457348}" destId="{7AA3492D-532C-467B-ABB4-C5F016CBF481}" srcOrd="2" destOrd="0" parTransId="{24E09824-DD72-4F9B-8490-D9415E9FE928}" sibTransId="{6649347A-3FD1-497D-893A-2FE36E6ECC72}"/>
-    <dgm:cxn modelId="{BDEBFB08-E5F1-4493-90F5-D8594FA79AF0}" type="presOf" srcId="{F66B0327-5801-4A2E-9639-A1724D36520F}" destId="{E8E78996-5BED-4845-B0FB-EB378FE08230}" srcOrd="0" destOrd="0" presId="urn:microsoft.com/office/officeart/2008/layout/VerticalAccentList"/>
-    <dgm:cxn modelId="{4763DF6D-ECFC-48B2-ADBF-4532E567D60F}" srcId="{4D0E24A4-EFD1-4183-B419-CE7B1E727F37}" destId="{8884A2E3-B685-4082-96A8-E6AD93AE05C2}" srcOrd="0" destOrd="0" parTransId="{9B64C4B6-3B9A-42FE-BD8C-15D60FE33027}" sibTransId="{9DBF805E-4671-45F9-9BC0-817CC5C51B01}"/>
-    <dgm:cxn modelId="{364B3976-298A-49A3-838C-4E3893F3E922}" type="presOf" srcId="{32CC3289-1994-4B6E-B293-3D5D7BF5CF54}" destId="{3F2F251E-04EC-47DC-9E9C-4AE63B040EA6}" srcOrd="0" destOrd="0" presId="urn:microsoft.com/office/officeart/2008/layout/VerticalAccentList"/>
     <dgm:cxn modelId="{46D336C2-2866-4AFC-854B-BDB5E5772F38}" type="presParOf" srcId="{86861747-D4F2-4850-928D-F14A95FFB4E4}" destId="{3D57D05B-6551-41E2-B2DD-9117A719901A}" srcOrd="0" destOrd="0" presId="urn:microsoft.com/office/officeart/2008/layout/VerticalAccentList"/>
     <dgm:cxn modelId="{B2328B01-3629-41D3-8432-604F6EEBC8AB}" type="presParOf" srcId="{3D57D05B-6551-41E2-B2DD-9117A719901A}" destId="{C3151AFE-8CB6-4A98-BA02-1C0187A4ADD5}" srcOrd="0" destOrd="0" presId="urn:microsoft.com/office/officeart/2008/layout/VerticalAccentList"/>
     <dgm:cxn modelId="{8F702BD2-66CD-47DF-B635-63FB4F88497E}" type="presParOf" srcId="{86861747-D4F2-4850-928D-F14A95FFB4E4}" destId="{11CAFAB1-BD69-4292-AA7F-280CBF8669C0}" srcOrd="1" destOrd="0" presId="urn:microsoft.com/office/officeart/2008/layout/VerticalAccentList"/>
@@ -2200,7 +2201,7 @@
   <dgm:whole/>
   <dgm:extLst>
     <a:ext uri="http://schemas.microsoft.com/office/drawing/2008/diagram">
-      <dsp:dataModelExt xmlns:dsp="http://schemas.microsoft.com/office/drawing/2008/diagram" xmlns="" relId="rId6" minVer="http://schemas.openxmlformats.org/drawingml/2006/diagram"/>
+      <dsp:dataModelExt xmlns:dsp="http://schemas.microsoft.com/office/drawing/2008/diagram" relId="rId6" minVer="http://schemas.openxmlformats.org/drawingml/2006/diagram"/>
     </a:ext>
   </dgm:extLst>
 </dgm:dataModel>
@@ -2523,7 +2524,7 @@
           <a:blip xmlns:r="http://schemas.openxmlformats.org/officeDocument/2006/relationships" r:embed="rId1">
             <a:extLst>
               <a:ext uri="{28A0092B-C50C-407E-A947-70E740481C1C}">
-                <a14:useLocalDpi xmlns:a14="http://schemas.microsoft.com/office/drawing/2010/main" xmlns="" val="0"/>
+                <a14:useLocalDpi xmlns:a14="http://schemas.microsoft.com/office/drawing/2010/main" val="0"/>
               </a:ext>
             </a:extLst>
           </a:blip>
@@ -2564,7 +2565,7 @@
           <a:blip xmlns:r="http://schemas.openxmlformats.org/officeDocument/2006/relationships" r:embed="rId1">
             <a:extLst>
               <a:ext uri="{28A0092B-C50C-407E-A947-70E740481C1C}">
-                <a14:useLocalDpi xmlns:a14="http://schemas.microsoft.com/office/drawing/2010/main" xmlns="" val="0"/>
+                <a14:useLocalDpi xmlns:a14="http://schemas.microsoft.com/office/drawing/2010/main" val="0"/>
               </a:ext>
             </a:extLst>
           </a:blip>
@@ -2592,11 +2593,11 @@
     </dgm:pt>
   </dgm:ptLst>
   <dgm:cxnLst>
+    <dgm:cxn modelId="{B2356760-85E8-462C-9DC4-7AE3CE594F00}" type="presOf" srcId="{E5A037C5-B3A1-4433-823B-5B51C7B38BFA}" destId="{3B57FC71-AB95-4B06-9F09-5A54CB32C9D7}" srcOrd="0" destOrd="0" presId="urn:microsoft.com/office/officeart/2005/8/layout/vList3#1"/>
     <dgm:cxn modelId="{EE2235AA-F6C9-4B40-AED2-F96C01F4FECE}" type="presOf" srcId="{AA53B6EC-F43C-4814-9BE0-C6863B2A1099}" destId="{50F48DDE-6F31-4BE2-BD53-01005FA12F97}" srcOrd="0" destOrd="0" presId="urn:microsoft.com/office/officeart/2005/8/layout/vList3#1"/>
-    <dgm:cxn modelId="{B2356760-85E8-462C-9DC4-7AE3CE594F00}" type="presOf" srcId="{E5A037C5-B3A1-4433-823B-5B51C7B38BFA}" destId="{3B57FC71-AB95-4B06-9F09-5A54CB32C9D7}" srcOrd="0" destOrd="0" presId="urn:microsoft.com/office/officeart/2005/8/layout/vList3#1"/>
     <dgm:cxn modelId="{905DE06D-A6F6-4027-BAF0-B68FEFBE72D9}" type="presOf" srcId="{62F79DBA-4F41-4E99-B263-ABCFDFABDB36}" destId="{63E9263F-3222-4DDC-ACD8-3DFA7EB2BAB5}" srcOrd="0" destOrd="0" presId="urn:microsoft.com/office/officeart/2005/8/layout/vList3#1"/>
+    <dgm:cxn modelId="{2E4D1DC4-6FAE-4C84-99F9-CE04C5ECE1CA}" srcId="{62F79DBA-4F41-4E99-B263-ABCFDFABDB36}" destId="{AA53B6EC-F43C-4814-9BE0-C6863B2A1099}" srcOrd="1" destOrd="0" parTransId="{549ACEBA-DC8A-4AF7-BBE7-61AB05110872}" sibTransId="{56A8596B-B3A1-436A-890C-063C3951C5A6}"/>
     <dgm:cxn modelId="{60C6FCD8-466C-453F-B6FE-BB9F2E6EDD86}" srcId="{62F79DBA-4F41-4E99-B263-ABCFDFABDB36}" destId="{E5A037C5-B3A1-4433-823B-5B51C7B38BFA}" srcOrd="0" destOrd="0" parTransId="{CF5FB1E4-AF3C-4953-8DB4-DB60562EBC95}" sibTransId="{FDFD65CB-DFEB-40D7-94E7-5E803289C2DD}"/>
-    <dgm:cxn modelId="{2E4D1DC4-6FAE-4C84-99F9-CE04C5ECE1CA}" srcId="{62F79DBA-4F41-4E99-B263-ABCFDFABDB36}" destId="{AA53B6EC-F43C-4814-9BE0-C6863B2A1099}" srcOrd="1" destOrd="0" parTransId="{549ACEBA-DC8A-4AF7-BBE7-61AB05110872}" sibTransId="{56A8596B-B3A1-436A-890C-063C3951C5A6}"/>
     <dgm:cxn modelId="{EBE65B18-801F-4D23-8357-9DE22AB8F66D}" type="presParOf" srcId="{63E9263F-3222-4DDC-ACD8-3DFA7EB2BAB5}" destId="{91BCAA56-8D6F-4438-9F77-75FC6251717F}" srcOrd="0" destOrd="0" presId="urn:microsoft.com/office/officeart/2005/8/layout/vList3#1"/>
     <dgm:cxn modelId="{5ECB5169-7AD3-40F2-A9D2-F47D1D471046}" type="presParOf" srcId="{91BCAA56-8D6F-4438-9F77-75FC6251717F}" destId="{738F8939-0158-44E0-AB89-8650AB97D6FB}" srcOrd="0" destOrd="0" presId="urn:microsoft.com/office/officeart/2005/8/layout/vList3#1"/>
     <dgm:cxn modelId="{E142AEB4-828A-40F4-BF15-AA8E00DABE3C}" type="presParOf" srcId="{91BCAA56-8D6F-4438-9F77-75FC6251717F}" destId="{3B57FC71-AB95-4B06-9F09-5A54CB32C9D7}" srcOrd="1" destOrd="0" presId="urn:microsoft.com/office/officeart/2005/8/layout/vList3#1"/>
@@ -2609,10 +2610,1976 @@
   <dgm:whole/>
   <dgm:extLst>
     <a:ext uri="http://schemas.microsoft.com/office/drawing/2008/diagram">
-      <dsp:dataModelExt xmlns:dsp="http://schemas.microsoft.com/office/drawing/2008/diagram" xmlns="" relId="rId6" minVer="http://schemas.openxmlformats.org/drawingml/2006/diagram"/>
+      <dsp:dataModelExt xmlns:dsp="http://schemas.microsoft.com/office/drawing/2008/diagram" relId="rId6" minVer="http://schemas.openxmlformats.org/drawingml/2006/diagram"/>
     </a:ext>
   </dgm:extLst>
 </dgm:dataModel>
+</file>
+
+<file path=ppt/diagrams/drawing1.xml><?xml version="1.0" encoding="utf-8"?>
+<dsp:drawing xmlns:dgm="http://schemas.openxmlformats.org/drawingml/2006/diagram" xmlns:dsp="http://schemas.microsoft.com/office/drawing/2008/diagram" xmlns:a="http://schemas.openxmlformats.org/drawingml/2006/main">
+  <dsp:spTree>
+    <dsp:nvGrpSpPr>
+      <dsp:cNvPr id="0" name=""/>
+      <dsp:cNvGrpSpPr/>
+    </dsp:nvGrpSpPr>
+    <dsp:grpSpPr/>
+    <dsp:sp modelId="{C3151AFE-8CB6-4A98-BA02-1C0187A4ADD5}">
+      <dsp:nvSpPr>
+        <dsp:cNvPr id="0" name=""/>
+        <dsp:cNvSpPr/>
+      </dsp:nvSpPr>
+      <dsp:spPr>
+        <a:xfrm>
+          <a:off x="495920" y="331"/>
+          <a:ext cx="4736306" cy="430573"/>
+        </a:xfrm>
+        <a:prstGeom prst="rect">
+          <a:avLst/>
+        </a:prstGeom>
+        <a:noFill/>
+        <a:ln>
+          <a:noFill/>
+        </a:ln>
+        <a:effectLst/>
+      </dsp:spPr>
+      <dsp:style>
+        <a:lnRef idx="0">
+          <a:scrgbClr r="0" g="0" b="0"/>
+        </a:lnRef>
+        <a:fillRef idx="0">
+          <a:scrgbClr r="0" g="0" b="0"/>
+        </a:fillRef>
+        <a:effectRef idx="0">
+          <a:scrgbClr r="0" g="0" b="0"/>
+        </a:effectRef>
+        <a:fontRef idx="minor"/>
+      </dsp:style>
+      <dsp:txBody>
+        <a:bodyPr spcFirstLastPara="0" vert="horz" wrap="square" lIns="72390" tIns="72390" rIns="72390" bIns="72390" numCol="1" spcCol="1270" anchor="b" anchorCtr="0">
+          <a:noAutofit/>
+        </a:bodyPr>
+        <a:lstStyle/>
+        <a:p>
+          <a:pPr lvl="0" algn="l" defTabSz="844550">
+            <a:lnSpc>
+              <a:spcPct val="90000"/>
+            </a:lnSpc>
+            <a:spcBef>
+              <a:spcPct val="0"/>
+            </a:spcBef>
+            <a:spcAft>
+              <a:spcPct val="35000"/>
+            </a:spcAft>
+          </a:pPr>
+          <a:endParaRPr kumimoji="1" lang="ja-JP" altLang="en-US" sz="1900" kern="1200" dirty="0"/>
+        </a:p>
+      </dsp:txBody>
+      <dsp:txXfrm>
+        <a:off x="495920" y="331"/>
+        <a:ext cx="4736306" cy="430573"/>
+      </dsp:txXfrm>
+    </dsp:sp>
+    <dsp:sp modelId="{60CE4FD8-1531-4259-858D-B6887C92D577}">
+      <dsp:nvSpPr>
+        <dsp:cNvPr id="0" name=""/>
+        <dsp:cNvSpPr/>
+      </dsp:nvSpPr>
+      <dsp:spPr>
+        <a:xfrm>
+          <a:off x="495920" y="430905"/>
+          <a:ext cx="1108295" cy="877093"/>
+        </a:xfrm>
+        <a:prstGeom prst="chevron">
+          <a:avLst>
+            <a:gd name="adj" fmla="val 70610"/>
+          </a:avLst>
+        </a:prstGeom>
+        <a:solidFill>
+          <a:schemeClr val="accent1">
+            <a:hueOff val="0"/>
+            <a:satOff val="0"/>
+            <a:lumOff val="0"/>
+            <a:alphaOff val="0"/>
+          </a:schemeClr>
+        </a:solidFill>
+        <a:ln w="25400" cap="flat" cmpd="sng" algn="ctr">
+          <a:solidFill>
+            <a:schemeClr val="accent1">
+              <a:hueOff val="0"/>
+              <a:satOff val="0"/>
+              <a:lumOff val="0"/>
+              <a:alphaOff val="0"/>
+            </a:schemeClr>
+          </a:solidFill>
+          <a:prstDash val="solid"/>
+        </a:ln>
+        <a:effectLst/>
+      </dsp:spPr>
+      <dsp:style>
+        <a:lnRef idx="2">
+          <a:scrgbClr r="0" g="0" b="0"/>
+        </a:lnRef>
+        <a:fillRef idx="1">
+          <a:scrgbClr r="0" g="0" b="0"/>
+        </a:fillRef>
+        <a:effectRef idx="0">
+          <a:scrgbClr r="0" g="0" b="0"/>
+        </a:effectRef>
+        <a:fontRef idx="minor">
+          <a:schemeClr val="lt1"/>
+        </a:fontRef>
+      </dsp:style>
+    </dsp:sp>
+    <dsp:sp modelId="{D546A46A-F8F6-4E89-9B92-F888028C9BFC}">
+      <dsp:nvSpPr>
+        <dsp:cNvPr id="0" name=""/>
+        <dsp:cNvSpPr/>
+      </dsp:nvSpPr>
+      <dsp:spPr>
+        <a:xfrm>
+          <a:off x="1161634" y="430905"/>
+          <a:ext cx="1108295" cy="877093"/>
+        </a:xfrm>
+        <a:prstGeom prst="chevron">
+          <a:avLst>
+            <a:gd name="adj" fmla="val 70610"/>
+          </a:avLst>
+        </a:prstGeom>
+        <a:solidFill>
+          <a:schemeClr val="accent1">
+            <a:hueOff val="0"/>
+            <a:satOff val="0"/>
+            <a:lumOff val="0"/>
+            <a:alphaOff val="0"/>
+          </a:schemeClr>
+        </a:solidFill>
+        <a:ln w="25400" cap="flat" cmpd="sng" algn="ctr">
+          <a:solidFill>
+            <a:schemeClr val="accent1">
+              <a:hueOff val="0"/>
+              <a:satOff val="0"/>
+              <a:lumOff val="0"/>
+              <a:alphaOff val="0"/>
+            </a:schemeClr>
+          </a:solidFill>
+          <a:prstDash val="solid"/>
+        </a:ln>
+        <a:effectLst/>
+      </dsp:spPr>
+      <dsp:style>
+        <a:lnRef idx="2">
+          <a:scrgbClr r="0" g="0" b="0"/>
+        </a:lnRef>
+        <a:fillRef idx="1">
+          <a:scrgbClr r="0" g="0" b="0"/>
+        </a:fillRef>
+        <a:effectRef idx="0">
+          <a:scrgbClr r="0" g="0" b="0"/>
+        </a:effectRef>
+        <a:fontRef idx="minor">
+          <a:schemeClr val="lt1"/>
+        </a:fontRef>
+      </dsp:style>
+    </dsp:sp>
+    <dsp:sp modelId="{AEE7975C-C47A-4CF7-8B41-738DA1EFBF61}">
+      <dsp:nvSpPr>
+        <dsp:cNvPr id="0" name=""/>
+        <dsp:cNvSpPr/>
+      </dsp:nvSpPr>
+      <dsp:spPr>
+        <a:xfrm>
+          <a:off x="1827874" y="430905"/>
+          <a:ext cx="1108295" cy="877093"/>
+        </a:xfrm>
+        <a:prstGeom prst="chevron">
+          <a:avLst>
+            <a:gd name="adj" fmla="val 70610"/>
+          </a:avLst>
+        </a:prstGeom>
+        <a:solidFill>
+          <a:schemeClr val="accent1">
+            <a:hueOff val="0"/>
+            <a:satOff val="0"/>
+            <a:lumOff val="0"/>
+            <a:alphaOff val="0"/>
+          </a:schemeClr>
+        </a:solidFill>
+        <a:ln w="25400" cap="flat" cmpd="sng" algn="ctr">
+          <a:solidFill>
+            <a:schemeClr val="accent1">
+              <a:hueOff val="0"/>
+              <a:satOff val="0"/>
+              <a:lumOff val="0"/>
+              <a:alphaOff val="0"/>
+            </a:schemeClr>
+          </a:solidFill>
+          <a:prstDash val="solid"/>
+        </a:ln>
+        <a:effectLst/>
+      </dsp:spPr>
+      <dsp:style>
+        <a:lnRef idx="2">
+          <a:scrgbClr r="0" g="0" b="0"/>
+        </a:lnRef>
+        <a:fillRef idx="1">
+          <a:scrgbClr r="0" g="0" b="0"/>
+        </a:fillRef>
+        <a:effectRef idx="0">
+          <a:scrgbClr r="0" g="0" b="0"/>
+        </a:effectRef>
+        <a:fontRef idx="minor">
+          <a:schemeClr val="lt1"/>
+        </a:fontRef>
+      </dsp:style>
+    </dsp:sp>
+    <dsp:sp modelId="{FC9F2035-9EB2-4E38-9977-580CCEF0DB28}">
+      <dsp:nvSpPr>
+        <dsp:cNvPr id="0" name=""/>
+        <dsp:cNvSpPr/>
+      </dsp:nvSpPr>
+      <dsp:spPr>
+        <a:xfrm>
+          <a:off x="2493589" y="430905"/>
+          <a:ext cx="1108295" cy="877093"/>
+        </a:xfrm>
+        <a:prstGeom prst="chevron">
+          <a:avLst>
+            <a:gd name="adj" fmla="val 70610"/>
+          </a:avLst>
+        </a:prstGeom>
+        <a:solidFill>
+          <a:schemeClr val="accent1">
+            <a:hueOff val="0"/>
+            <a:satOff val="0"/>
+            <a:lumOff val="0"/>
+            <a:alphaOff val="0"/>
+          </a:schemeClr>
+        </a:solidFill>
+        <a:ln w="25400" cap="flat" cmpd="sng" algn="ctr">
+          <a:solidFill>
+            <a:schemeClr val="accent1">
+              <a:hueOff val="0"/>
+              <a:satOff val="0"/>
+              <a:lumOff val="0"/>
+              <a:alphaOff val="0"/>
+            </a:schemeClr>
+          </a:solidFill>
+          <a:prstDash val="solid"/>
+        </a:ln>
+        <a:effectLst/>
+      </dsp:spPr>
+      <dsp:style>
+        <a:lnRef idx="2">
+          <a:scrgbClr r="0" g="0" b="0"/>
+        </a:lnRef>
+        <a:fillRef idx="1">
+          <a:scrgbClr r="0" g="0" b="0"/>
+        </a:fillRef>
+        <a:effectRef idx="0">
+          <a:scrgbClr r="0" g="0" b="0"/>
+        </a:effectRef>
+        <a:fontRef idx="minor">
+          <a:schemeClr val="lt1"/>
+        </a:fontRef>
+      </dsp:style>
+    </dsp:sp>
+    <dsp:sp modelId="{17F233C7-ED7F-43C0-97DF-0C706B8A54DC}">
+      <dsp:nvSpPr>
+        <dsp:cNvPr id="0" name=""/>
+        <dsp:cNvSpPr/>
+      </dsp:nvSpPr>
+      <dsp:spPr>
+        <a:xfrm>
+          <a:off x="3159829" y="430905"/>
+          <a:ext cx="1108295" cy="877093"/>
+        </a:xfrm>
+        <a:prstGeom prst="chevron">
+          <a:avLst>
+            <a:gd name="adj" fmla="val 70610"/>
+          </a:avLst>
+        </a:prstGeom>
+        <a:solidFill>
+          <a:schemeClr val="accent1">
+            <a:hueOff val="0"/>
+            <a:satOff val="0"/>
+            <a:lumOff val="0"/>
+            <a:alphaOff val="0"/>
+          </a:schemeClr>
+        </a:solidFill>
+        <a:ln w="25400" cap="flat" cmpd="sng" algn="ctr">
+          <a:solidFill>
+            <a:schemeClr val="accent1">
+              <a:hueOff val="0"/>
+              <a:satOff val="0"/>
+              <a:lumOff val="0"/>
+              <a:alphaOff val="0"/>
+            </a:schemeClr>
+          </a:solidFill>
+          <a:prstDash val="solid"/>
+        </a:ln>
+        <a:effectLst/>
+      </dsp:spPr>
+      <dsp:style>
+        <a:lnRef idx="2">
+          <a:scrgbClr r="0" g="0" b="0"/>
+        </a:lnRef>
+        <a:fillRef idx="1">
+          <a:scrgbClr r="0" g="0" b="0"/>
+        </a:fillRef>
+        <a:effectRef idx="0">
+          <a:scrgbClr r="0" g="0" b="0"/>
+        </a:effectRef>
+        <a:fontRef idx="minor">
+          <a:schemeClr val="lt1"/>
+        </a:fontRef>
+      </dsp:style>
+    </dsp:sp>
+    <dsp:sp modelId="{F7D2D4A8-6BE5-4D7F-AA7E-FBD3610089A9}">
+      <dsp:nvSpPr>
+        <dsp:cNvPr id="0" name=""/>
+        <dsp:cNvSpPr/>
+      </dsp:nvSpPr>
+      <dsp:spPr>
+        <a:xfrm>
+          <a:off x="3825543" y="430905"/>
+          <a:ext cx="1108295" cy="877093"/>
+        </a:xfrm>
+        <a:prstGeom prst="chevron">
+          <a:avLst>
+            <a:gd name="adj" fmla="val 70610"/>
+          </a:avLst>
+        </a:prstGeom>
+        <a:solidFill>
+          <a:schemeClr val="accent1">
+            <a:hueOff val="0"/>
+            <a:satOff val="0"/>
+            <a:lumOff val="0"/>
+            <a:alphaOff val="0"/>
+          </a:schemeClr>
+        </a:solidFill>
+        <a:ln w="25400" cap="flat" cmpd="sng" algn="ctr">
+          <a:solidFill>
+            <a:schemeClr val="accent1">
+              <a:hueOff val="0"/>
+              <a:satOff val="0"/>
+              <a:lumOff val="0"/>
+              <a:alphaOff val="0"/>
+            </a:schemeClr>
+          </a:solidFill>
+          <a:prstDash val="solid"/>
+        </a:ln>
+        <a:effectLst/>
+      </dsp:spPr>
+      <dsp:style>
+        <a:lnRef idx="2">
+          <a:scrgbClr r="0" g="0" b="0"/>
+        </a:lnRef>
+        <a:fillRef idx="1">
+          <a:scrgbClr r="0" g="0" b="0"/>
+        </a:fillRef>
+        <a:effectRef idx="0">
+          <a:scrgbClr r="0" g="0" b="0"/>
+        </a:effectRef>
+        <a:fontRef idx="minor">
+          <a:schemeClr val="lt1"/>
+        </a:fontRef>
+      </dsp:style>
+    </dsp:sp>
+    <dsp:sp modelId="{111AF94E-5134-4666-A1C9-AAF981923AED}">
+      <dsp:nvSpPr>
+        <dsp:cNvPr id="0" name=""/>
+        <dsp:cNvSpPr/>
+      </dsp:nvSpPr>
+      <dsp:spPr>
+        <a:xfrm>
+          <a:off x="4491784" y="430905"/>
+          <a:ext cx="1108295" cy="877093"/>
+        </a:xfrm>
+        <a:prstGeom prst="chevron">
+          <a:avLst>
+            <a:gd name="adj" fmla="val 70610"/>
+          </a:avLst>
+        </a:prstGeom>
+        <a:solidFill>
+          <a:schemeClr val="accent1">
+            <a:hueOff val="0"/>
+            <a:satOff val="0"/>
+            <a:lumOff val="0"/>
+            <a:alphaOff val="0"/>
+          </a:schemeClr>
+        </a:solidFill>
+        <a:ln w="25400" cap="flat" cmpd="sng" algn="ctr">
+          <a:solidFill>
+            <a:schemeClr val="accent1">
+              <a:hueOff val="0"/>
+              <a:satOff val="0"/>
+              <a:lumOff val="0"/>
+              <a:alphaOff val="0"/>
+            </a:schemeClr>
+          </a:solidFill>
+          <a:prstDash val="solid"/>
+        </a:ln>
+        <a:effectLst/>
+      </dsp:spPr>
+      <dsp:style>
+        <a:lnRef idx="2">
+          <a:scrgbClr r="0" g="0" b="0"/>
+        </a:lnRef>
+        <a:fillRef idx="1">
+          <a:scrgbClr r="0" g="0" b="0"/>
+        </a:fillRef>
+        <a:effectRef idx="0">
+          <a:scrgbClr r="0" g="0" b="0"/>
+        </a:effectRef>
+        <a:fontRef idx="minor">
+          <a:schemeClr val="lt1"/>
+        </a:fontRef>
+      </dsp:style>
+    </dsp:sp>
+    <dsp:sp modelId="{E8E78996-5BED-4845-B0FB-EB378FE08230}">
+      <dsp:nvSpPr>
+        <dsp:cNvPr id="0" name=""/>
+        <dsp:cNvSpPr/>
+      </dsp:nvSpPr>
+      <dsp:spPr>
+        <a:xfrm>
+          <a:off x="495920" y="522459"/>
+          <a:ext cx="4797878" cy="701675"/>
+        </a:xfrm>
+        <a:prstGeom prst="rect">
+          <a:avLst/>
+        </a:prstGeom>
+        <a:solidFill>
+          <a:schemeClr val="lt1">
+            <a:hueOff val="0"/>
+            <a:satOff val="0"/>
+            <a:lumOff val="0"/>
+            <a:alphaOff val="0"/>
+          </a:schemeClr>
+        </a:solidFill>
+        <a:ln w="25400" cap="flat" cmpd="sng" algn="ctr">
+          <a:solidFill>
+            <a:schemeClr val="accent1">
+              <a:hueOff val="0"/>
+              <a:satOff val="0"/>
+              <a:lumOff val="0"/>
+              <a:alphaOff val="0"/>
+            </a:schemeClr>
+          </a:solidFill>
+          <a:prstDash val="solid"/>
+        </a:ln>
+        <a:effectLst/>
+      </dsp:spPr>
+      <dsp:style>
+        <a:lnRef idx="2">
+          <a:scrgbClr r="0" g="0" b="0"/>
+        </a:lnRef>
+        <a:fillRef idx="1">
+          <a:scrgbClr r="0" g="0" b="0"/>
+        </a:fillRef>
+        <a:effectRef idx="0">
+          <a:scrgbClr r="0" g="0" b="0"/>
+        </a:effectRef>
+        <a:fontRef idx="minor"/>
+      </dsp:style>
+      <dsp:txBody>
+        <a:bodyPr spcFirstLastPara="0" vert="horz" wrap="square" lIns="86360" tIns="86360" rIns="86360" bIns="86360" numCol="1" spcCol="1270" anchor="ctr" anchorCtr="0">
+          <a:noAutofit/>
+        </a:bodyPr>
+        <a:lstStyle/>
+        <a:p>
+          <a:pPr lvl="0" algn="l" defTabSz="1511300">
+            <a:lnSpc>
+              <a:spcPct val="90000"/>
+            </a:lnSpc>
+            <a:spcBef>
+              <a:spcPct val="0"/>
+            </a:spcBef>
+            <a:spcAft>
+              <a:spcPct val="35000"/>
+            </a:spcAft>
+          </a:pPr>
+          <a:r>
+            <a:rPr kumimoji="1" lang="zh-CN" altLang="en-US" sz="3400" kern="1200" dirty="0" smtClean="0">
+              <a:latin typeface="DFKai-SB" panose="03000509000000000000" pitchFamily="65" charset="-120"/>
+              <a:ea typeface="DFKai-SB" panose="03000509000000000000" pitchFamily="65" charset="-120"/>
+              <a:cs typeface="Arial Unicode MS" panose="020B0604020202020204" pitchFamily="50" charset="-128"/>
+            </a:rPr>
+            <a:t>在线商品销售</a:t>
+          </a:r>
+          <a:endParaRPr kumimoji="1" lang="ja-JP" altLang="en-US" sz="3400" kern="1200" dirty="0">
+            <a:latin typeface="DFKai-SB" panose="03000509000000000000" pitchFamily="65" charset="-120"/>
+            <a:ea typeface="DFKai-SB" panose="03000509000000000000" pitchFamily="65" charset="-120"/>
+            <a:cs typeface="Arial Unicode MS" panose="020B0604020202020204" pitchFamily="50" charset="-128"/>
+          </a:endParaRPr>
+        </a:p>
+      </dsp:txBody>
+      <dsp:txXfrm>
+        <a:off x="495920" y="522459"/>
+        <a:ext cx="4797878" cy="701675"/>
+      </dsp:txXfrm>
+    </dsp:sp>
+    <dsp:sp modelId="{BC626D1F-8D80-4BD6-B2FF-B4B8E9BC9832}">
+      <dsp:nvSpPr>
+        <dsp:cNvPr id="0" name=""/>
+        <dsp:cNvSpPr/>
+      </dsp:nvSpPr>
+      <dsp:spPr>
+        <a:xfrm>
+          <a:off x="495920" y="1378166"/>
+          <a:ext cx="4736306" cy="430573"/>
+        </a:xfrm>
+        <a:prstGeom prst="rect">
+          <a:avLst/>
+        </a:prstGeom>
+        <a:noFill/>
+        <a:ln>
+          <a:noFill/>
+        </a:ln>
+        <a:effectLst/>
+      </dsp:spPr>
+      <dsp:style>
+        <a:lnRef idx="0">
+          <a:scrgbClr r="0" g="0" b="0"/>
+        </a:lnRef>
+        <a:fillRef idx="0">
+          <a:scrgbClr r="0" g="0" b="0"/>
+        </a:fillRef>
+        <a:effectRef idx="0">
+          <a:scrgbClr r="0" g="0" b="0"/>
+        </a:effectRef>
+        <a:fontRef idx="minor"/>
+      </dsp:style>
+      <dsp:txBody>
+        <a:bodyPr spcFirstLastPara="0" vert="horz" wrap="square" lIns="72390" tIns="72390" rIns="72390" bIns="72390" numCol="1" spcCol="1270" anchor="b" anchorCtr="0">
+          <a:noAutofit/>
+        </a:bodyPr>
+        <a:lstStyle/>
+        <a:p>
+          <a:pPr lvl="0" algn="l" defTabSz="844550">
+            <a:lnSpc>
+              <a:spcPct val="90000"/>
+            </a:lnSpc>
+            <a:spcBef>
+              <a:spcPct val="0"/>
+            </a:spcBef>
+            <a:spcAft>
+              <a:spcPct val="35000"/>
+            </a:spcAft>
+          </a:pPr>
+          <a:endParaRPr kumimoji="1" lang="ja-JP" altLang="en-US" sz="1900" kern="1200"/>
+        </a:p>
+      </dsp:txBody>
+      <dsp:txXfrm>
+        <a:off x="495920" y="1378166"/>
+        <a:ext cx="4736306" cy="430573"/>
+      </dsp:txXfrm>
+    </dsp:sp>
+    <dsp:sp modelId="{7F5E982B-7A02-40AD-8228-AAB0212A3B50}">
+      <dsp:nvSpPr>
+        <dsp:cNvPr id="0" name=""/>
+        <dsp:cNvSpPr/>
+      </dsp:nvSpPr>
+      <dsp:spPr>
+        <a:xfrm>
+          <a:off x="495920" y="1808739"/>
+          <a:ext cx="1108295" cy="877093"/>
+        </a:xfrm>
+        <a:prstGeom prst="chevron">
+          <a:avLst>
+            <a:gd name="adj" fmla="val 70610"/>
+          </a:avLst>
+        </a:prstGeom>
+        <a:solidFill>
+          <a:schemeClr val="accent1">
+            <a:hueOff val="0"/>
+            <a:satOff val="0"/>
+            <a:lumOff val="0"/>
+            <a:alphaOff val="0"/>
+          </a:schemeClr>
+        </a:solidFill>
+        <a:ln w="25400" cap="flat" cmpd="sng" algn="ctr">
+          <a:solidFill>
+            <a:schemeClr val="accent1">
+              <a:hueOff val="0"/>
+              <a:satOff val="0"/>
+              <a:lumOff val="0"/>
+              <a:alphaOff val="0"/>
+            </a:schemeClr>
+          </a:solidFill>
+          <a:prstDash val="solid"/>
+        </a:ln>
+        <a:effectLst/>
+      </dsp:spPr>
+      <dsp:style>
+        <a:lnRef idx="2">
+          <a:scrgbClr r="0" g="0" b="0"/>
+        </a:lnRef>
+        <a:fillRef idx="1">
+          <a:scrgbClr r="0" g="0" b="0"/>
+        </a:fillRef>
+        <a:effectRef idx="0">
+          <a:scrgbClr r="0" g="0" b="0"/>
+        </a:effectRef>
+        <a:fontRef idx="minor">
+          <a:schemeClr val="lt1"/>
+        </a:fontRef>
+      </dsp:style>
+    </dsp:sp>
+    <dsp:sp modelId="{1692B9DD-FCE5-4F42-B53C-7FD39B539BDE}">
+      <dsp:nvSpPr>
+        <dsp:cNvPr id="0" name=""/>
+        <dsp:cNvSpPr/>
+      </dsp:nvSpPr>
+      <dsp:spPr>
+        <a:xfrm>
+          <a:off x="1161634" y="1808739"/>
+          <a:ext cx="1108295" cy="877093"/>
+        </a:xfrm>
+        <a:prstGeom prst="chevron">
+          <a:avLst>
+            <a:gd name="adj" fmla="val 70610"/>
+          </a:avLst>
+        </a:prstGeom>
+        <a:solidFill>
+          <a:schemeClr val="accent1">
+            <a:hueOff val="0"/>
+            <a:satOff val="0"/>
+            <a:lumOff val="0"/>
+            <a:alphaOff val="0"/>
+          </a:schemeClr>
+        </a:solidFill>
+        <a:ln w="25400" cap="flat" cmpd="sng" algn="ctr">
+          <a:solidFill>
+            <a:schemeClr val="accent1">
+              <a:hueOff val="0"/>
+              <a:satOff val="0"/>
+              <a:lumOff val="0"/>
+              <a:alphaOff val="0"/>
+            </a:schemeClr>
+          </a:solidFill>
+          <a:prstDash val="solid"/>
+        </a:ln>
+        <a:effectLst/>
+      </dsp:spPr>
+      <dsp:style>
+        <a:lnRef idx="2">
+          <a:scrgbClr r="0" g="0" b="0"/>
+        </a:lnRef>
+        <a:fillRef idx="1">
+          <a:scrgbClr r="0" g="0" b="0"/>
+        </a:fillRef>
+        <a:effectRef idx="0">
+          <a:scrgbClr r="0" g="0" b="0"/>
+        </a:effectRef>
+        <a:fontRef idx="minor">
+          <a:schemeClr val="lt1"/>
+        </a:fontRef>
+      </dsp:style>
+    </dsp:sp>
+    <dsp:sp modelId="{83D2CF9D-F821-47EA-9FE5-70393DB6B10E}">
+      <dsp:nvSpPr>
+        <dsp:cNvPr id="0" name=""/>
+        <dsp:cNvSpPr/>
+      </dsp:nvSpPr>
+      <dsp:spPr>
+        <a:xfrm>
+          <a:off x="1827874" y="1808739"/>
+          <a:ext cx="1108295" cy="877093"/>
+        </a:xfrm>
+        <a:prstGeom prst="chevron">
+          <a:avLst>
+            <a:gd name="adj" fmla="val 70610"/>
+          </a:avLst>
+        </a:prstGeom>
+        <a:solidFill>
+          <a:schemeClr val="accent1">
+            <a:hueOff val="0"/>
+            <a:satOff val="0"/>
+            <a:lumOff val="0"/>
+            <a:alphaOff val="0"/>
+          </a:schemeClr>
+        </a:solidFill>
+        <a:ln w="25400" cap="flat" cmpd="sng" algn="ctr">
+          <a:solidFill>
+            <a:schemeClr val="accent1">
+              <a:hueOff val="0"/>
+              <a:satOff val="0"/>
+              <a:lumOff val="0"/>
+              <a:alphaOff val="0"/>
+            </a:schemeClr>
+          </a:solidFill>
+          <a:prstDash val="solid"/>
+        </a:ln>
+        <a:effectLst/>
+      </dsp:spPr>
+      <dsp:style>
+        <a:lnRef idx="2">
+          <a:scrgbClr r="0" g="0" b="0"/>
+        </a:lnRef>
+        <a:fillRef idx="1">
+          <a:scrgbClr r="0" g="0" b="0"/>
+        </a:fillRef>
+        <a:effectRef idx="0">
+          <a:scrgbClr r="0" g="0" b="0"/>
+        </a:effectRef>
+        <a:fontRef idx="minor">
+          <a:schemeClr val="lt1"/>
+        </a:fontRef>
+      </dsp:style>
+    </dsp:sp>
+    <dsp:sp modelId="{08870AF8-EFD9-4350-B5F4-157140E9C4D5}">
+      <dsp:nvSpPr>
+        <dsp:cNvPr id="0" name=""/>
+        <dsp:cNvSpPr/>
+      </dsp:nvSpPr>
+      <dsp:spPr>
+        <a:xfrm>
+          <a:off x="2493589" y="1808739"/>
+          <a:ext cx="1108295" cy="877093"/>
+        </a:xfrm>
+        <a:prstGeom prst="chevron">
+          <a:avLst>
+            <a:gd name="adj" fmla="val 70610"/>
+          </a:avLst>
+        </a:prstGeom>
+        <a:solidFill>
+          <a:schemeClr val="accent1">
+            <a:hueOff val="0"/>
+            <a:satOff val="0"/>
+            <a:lumOff val="0"/>
+            <a:alphaOff val="0"/>
+          </a:schemeClr>
+        </a:solidFill>
+        <a:ln w="25400" cap="flat" cmpd="sng" algn="ctr">
+          <a:solidFill>
+            <a:schemeClr val="accent1">
+              <a:hueOff val="0"/>
+              <a:satOff val="0"/>
+              <a:lumOff val="0"/>
+              <a:alphaOff val="0"/>
+            </a:schemeClr>
+          </a:solidFill>
+          <a:prstDash val="solid"/>
+        </a:ln>
+        <a:effectLst/>
+      </dsp:spPr>
+      <dsp:style>
+        <a:lnRef idx="2">
+          <a:scrgbClr r="0" g="0" b="0"/>
+        </a:lnRef>
+        <a:fillRef idx="1">
+          <a:scrgbClr r="0" g="0" b="0"/>
+        </a:fillRef>
+        <a:effectRef idx="0">
+          <a:scrgbClr r="0" g="0" b="0"/>
+        </a:effectRef>
+        <a:fontRef idx="minor">
+          <a:schemeClr val="lt1"/>
+        </a:fontRef>
+      </dsp:style>
+    </dsp:sp>
+    <dsp:sp modelId="{DF60ABE8-E723-4DD3-8471-32E5F23559ED}">
+      <dsp:nvSpPr>
+        <dsp:cNvPr id="0" name=""/>
+        <dsp:cNvSpPr/>
+      </dsp:nvSpPr>
+      <dsp:spPr>
+        <a:xfrm>
+          <a:off x="3159829" y="1808739"/>
+          <a:ext cx="1108295" cy="877093"/>
+        </a:xfrm>
+        <a:prstGeom prst="chevron">
+          <a:avLst>
+            <a:gd name="adj" fmla="val 70610"/>
+          </a:avLst>
+        </a:prstGeom>
+        <a:solidFill>
+          <a:schemeClr val="accent1">
+            <a:hueOff val="0"/>
+            <a:satOff val="0"/>
+            <a:lumOff val="0"/>
+            <a:alphaOff val="0"/>
+          </a:schemeClr>
+        </a:solidFill>
+        <a:ln w="25400" cap="flat" cmpd="sng" algn="ctr">
+          <a:solidFill>
+            <a:schemeClr val="accent1">
+              <a:hueOff val="0"/>
+              <a:satOff val="0"/>
+              <a:lumOff val="0"/>
+              <a:alphaOff val="0"/>
+            </a:schemeClr>
+          </a:solidFill>
+          <a:prstDash val="solid"/>
+        </a:ln>
+        <a:effectLst/>
+      </dsp:spPr>
+      <dsp:style>
+        <a:lnRef idx="2">
+          <a:scrgbClr r="0" g="0" b="0"/>
+        </a:lnRef>
+        <a:fillRef idx="1">
+          <a:scrgbClr r="0" g="0" b="0"/>
+        </a:fillRef>
+        <a:effectRef idx="0">
+          <a:scrgbClr r="0" g="0" b="0"/>
+        </a:effectRef>
+        <a:fontRef idx="minor">
+          <a:schemeClr val="lt1"/>
+        </a:fontRef>
+      </dsp:style>
+    </dsp:sp>
+    <dsp:sp modelId="{8A39BD5B-05CE-41FF-AD11-7558A0DA2FB4}">
+      <dsp:nvSpPr>
+        <dsp:cNvPr id="0" name=""/>
+        <dsp:cNvSpPr/>
+      </dsp:nvSpPr>
+      <dsp:spPr>
+        <a:xfrm>
+          <a:off x="3825543" y="1808739"/>
+          <a:ext cx="1108295" cy="877093"/>
+        </a:xfrm>
+        <a:prstGeom prst="chevron">
+          <a:avLst>
+            <a:gd name="adj" fmla="val 70610"/>
+          </a:avLst>
+        </a:prstGeom>
+        <a:solidFill>
+          <a:schemeClr val="accent1">
+            <a:hueOff val="0"/>
+            <a:satOff val="0"/>
+            <a:lumOff val="0"/>
+            <a:alphaOff val="0"/>
+          </a:schemeClr>
+        </a:solidFill>
+        <a:ln w="25400" cap="flat" cmpd="sng" algn="ctr">
+          <a:solidFill>
+            <a:schemeClr val="accent1">
+              <a:hueOff val="0"/>
+              <a:satOff val="0"/>
+              <a:lumOff val="0"/>
+              <a:alphaOff val="0"/>
+            </a:schemeClr>
+          </a:solidFill>
+          <a:prstDash val="solid"/>
+        </a:ln>
+        <a:effectLst/>
+      </dsp:spPr>
+      <dsp:style>
+        <a:lnRef idx="2">
+          <a:scrgbClr r="0" g="0" b="0"/>
+        </a:lnRef>
+        <a:fillRef idx="1">
+          <a:scrgbClr r="0" g="0" b="0"/>
+        </a:fillRef>
+        <a:effectRef idx="0">
+          <a:scrgbClr r="0" g="0" b="0"/>
+        </a:effectRef>
+        <a:fontRef idx="minor">
+          <a:schemeClr val="lt1"/>
+        </a:fontRef>
+      </dsp:style>
+    </dsp:sp>
+    <dsp:sp modelId="{2A836744-A3DB-4176-91EA-01E6DBAB69ED}">
+      <dsp:nvSpPr>
+        <dsp:cNvPr id="0" name=""/>
+        <dsp:cNvSpPr/>
+      </dsp:nvSpPr>
+      <dsp:spPr>
+        <a:xfrm>
+          <a:off x="4491784" y="1808739"/>
+          <a:ext cx="1108295" cy="877093"/>
+        </a:xfrm>
+        <a:prstGeom prst="chevron">
+          <a:avLst>
+            <a:gd name="adj" fmla="val 70610"/>
+          </a:avLst>
+        </a:prstGeom>
+        <a:solidFill>
+          <a:schemeClr val="accent1">
+            <a:hueOff val="0"/>
+            <a:satOff val="0"/>
+            <a:lumOff val="0"/>
+            <a:alphaOff val="0"/>
+          </a:schemeClr>
+        </a:solidFill>
+        <a:ln w="25400" cap="flat" cmpd="sng" algn="ctr">
+          <a:solidFill>
+            <a:schemeClr val="accent1">
+              <a:hueOff val="0"/>
+              <a:satOff val="0"/>
+              <a:lumOff val="0"/>
+              <a:alphaOff val="0"/>
+            </a:schemeClr>
+          </a:solidFill>
+          <a:prstDash val="solid"/>
+        </a:ln>
+        <a:effectLst/>
+      </dsp:spPr>
+      <dsp:style>
+        <a:lnRef idx="2">
+          <a:scrgbClr r="0" g="0" b="0"/>
+        </a:lnRef>
+        <a:fillRef idx="1">
+          <a:scrgbClr r="0" g="0" b="0"/>
+        </a:fillRef>
+        <a:effectRef idx="0">
+          <a:scrgbClr r="0" g="0" b="0"/>
+        </a:effectRef>
+        <a:fontRef idx="minor">
+          <a:schemeClr val="lt1"/>
+        </a:fontRef>
+      </dsp:style>
+    </dsp:sp>
+    <dsp:sp modelId="{8442B89D-006C-4CBC-A1C9-8B9E68E90AB4}">
+      <dsp:nvSpPr>
+        <dsp:cNvPr id="0" name=""/>
+        <dsp:cNvSpPr/>
+      </dsp:nvSpPr>
+      <dsp:spPr>
+        <a:xfrm>
+          <a:off x="495920" y="1896449"/>
+          <a:ext cx="4797878" cy="701675"/>
+        </a:xfrm>
+        <a:prstGeom prst="rect">
+          <a:avLst/>
+        </a:prstGeom>
+        <a:solidFill>
+          <a:schemeClr val="lt1">
+            <a:hueOff val="0"/>
+            <a:satOff val="0"/>
+            <a:lumOff val="0"/>
+            <a:alphaOff val="0"/>
+          </a:schemeClr>
+        </a:solidFill>
+        <a:ln w="25400" cap="flat" cmpd="sng" algn="ctr">
+          <a:solidFill>
+            <a:schemeClr val="accent1">
+              <a:hueOff val="0"/>
+              <a:satOff val="0"/>
+              <a:lumOff val="0"/>
+              <a:alphaOff val="0"/>
+            </a:schemeClr>
+          </a:solidFill>
+          <a:prstDash val="solid"/>
+        </a:ln>
+        <a:effectLst/>
+      </dsp:spPr>
+      <dsp:style>
+        <a:lnRef idx="2">
+          <a:scrgbClr r="0" g="0" b="0"/>
+        </a:lnRef>
+        <a:fillRef idx="1">
+          <a:scrgbClr r="0" g="0" b="0"/>
+        </a:fillRef>
+        <a:effectRef idx="0">
+          <a:scrgbClr r="0" g="0" b="0"/>
+        </a:effectRef>
+        <a:fontRef idx="minor"/>
+      </dsp:style>
+      <dsp:txBody>
+        <a:bodyPr spcFirstLastPara="0" vert="horz" wrap="square" lIns="86360" tIns="86360" rIns="86360" bIns="86360" numCol="1" spcCol="1270" anchor="ctr" anchorCtr="0">
+          <a:noAutofit/>
+        </a:bodyPr>
+        <a:lstStyle/>
+        <a:p>
+          <a:pPr lvl="0" algn="l" defTabSz="1511300">
+            <a:lnSpc>
+              <a:spcPct val="90000"/>
+            </a:lnSpc>
+            <a:spcBef>
+              <a:spcPct val="0"/>
+            </a:spcBef>
+            <a:spcAft>
+              <a:spcPct val="35000"/>
+            </a:spcAft>
+          </a:pPr>
+          <a:r>
+            <a:rPr kumimoji="1" lang="zh-CN" altLang="en-US" sz="3400" kern="1200" dirty="0" smtClean="0">
+              <a:latin typeface="DFKai-SB" panose="03000509000000000000" pitchFamily="65" charset="-120"/>
+              <a:ea typeface="DFKai-SB" panose="03000509000000000000" pitchFamily="65" charset="-120"/>
+            </a:rPr>
+            <a:t>在线理财销售</a:t>
+          </a:r>
+          <a:endParaRPr kumimoji="1" lang="ja-JP" altLang="en-US" sz="3400" kern="1200" dirty="0">
+            <a:latin typeface="DFKai-SB" panose="03000509000000000000" pitchFamily="65" charset="-120"/>
+            <a:ea typeface="DFKai-SB" panose="03000509000000000000" pitchFamily="65" charset="-120"/>
+          </a:endParaRPr>
+        </a:p>
+      </dsp:txBody>
+      <dsp:txXfrm>
+        <a:off x="495920" y="1896449"/>
+        <a:ext cx="4797878" cy="701675"/>
+      </dsp:txXfrm>
+    </dsp:sp>
+    <dsp:sp modelId="{F9F47AA2-9FA2-4858-9E55-C57DED33D52A}">
+      <dsp:nvSpPr>
+        <dsp:cNvPr id="0" name=""/>
+        <dsp:cNvSpPr/>
+      </dsp:nvSpPr>
+      <dsp:spPr>
+        <a:xfrm>
+          <a:off x="495920" y="2756001"/>
+          <a:ext cx="4736306" cy="430573"/>
+        </a:xfrm>
+        <a:prstGeom prst="rect">
+          <a:avLst/>
+        </a:prstGeom>
+        <a:noFill/>
+        <a:ln>
+          <a:noFill/>
+        </a:ln>
+        <a:effectLst/>
+      </dsp:spPr>
+      <dsp:style>
+        <a:lnRef idx="0">
+          <a:scrgbClr r="0" g="0" b="0"/>
+        </a:lnRef>
+        <a:fillRef idx="0">
+          <a:scrgbClr r="0" g="0" b="0"/>
+        </a:fillRef>
+        <a:effectRef idx="0">
+          <a:scrgbClr r="0" g="0" b="0"/>
+        </a:effectRef>
+        <a:fontRef idx="minor"/>
+      </dsp:style>
+      <dsp:txBody>
+        <a:bodyPr spcFirstLastPara="0" vert="horz" wrap="square" lIns="72390" tIns="72390" rIns="72390" bIns="72390" numCol="1" spcCol="1270" anchor="b" anchorCtr="0">
+          <a:noAutofit/>
+        </a:bodyPr>
+        <a:lstStyle/>
+        <a:p>
+          <a:pPr lvl="0" algn="l" defTabSz="844550">
+            <a:lnSpc>
+              <a:spcPct val="90000"/>
+            </a:lnSpc>
+            <a:spcBef>
+              <a:spcPct val="0"/>
+            </a:spcBef>
+            <a:spcAft>
+              <a:spcPct val="35000"/>
+            </a:spcAft>
+          </a:pPr>
+          <a:endParaRPr kumimoji="1" lang="ja-JP" altLang="en-US" sz="1900" kern="1200"/>
+        </a:p>
+      </dsp:txBody>
+      <dsp:txXfrm>
+        <a:off x="495920" y="2756001"/>
+        <a:ext cx="4736306" cy="430573"/>
+      </dsp:txXfrm>
+    </dsp:sp>
+    <dsp:sp modelId="{81C4A2EE-7DF9-42C7-B63C-1897D31EAA97}">
+      <dsp:nvSpPr>
+        <dsp:cNvPr id="0" name=""/>
+        <dsp:cNvSpPr/>
+      </dsp:nvSpPr>
+      <dsp:spPr>
+        <a:xfrm>
+          <a:off x="495920" y="3186574"/>
+          <a:ext cx="1108295" cy="877093"/>
+        </a:xfrm>
+        <a:prstGeom prst="chevron">
+          <a:avLst>
+            <a:gd name="adj" fmla="val 70610"/>
+          </a:avLst>
+        </a:prstGeom>
+        <a:solidFill>
+          <a:schemeClr val="accent1">
+            <a:hueOff val="0"/>
+            <a:satOff val="0"/>
+            <a:lumOff val="0"/>
+            <a:alphaOff val="0"/>
+          </a:schemeClr>
+        </a:solidFill>
+        <a:ln w="25400" cap="flat" cmpd="sng" algn="ctr">
+          <a:solidFill>
+            <a:schemeClr val="accent1">
+              <a:hueOff val="0"/>
+              <a:satOff val="0"/>
+              <a:lumOff val="0"/>
+              <a:alphaOff val="0"/>
+            </a:schemeClr>
+          </a:solidFill>
+          <a:prstDash val="solid"/>
+        </a:ln>
+        <a:effectLst/>
+      </dsp:spPr>
+      <dsp:style>
+        <a:lnRef idx="2">
+          <a:scrgbClr r="0" g="0" b="0"/>
+        </a:lnRef>
+        <a:fillRef idx="1">
+          <a:scrgbClr r="0" g="0" b="0"/>
+        </a:fillRef>
+        <a:effectRef idx="0">
+          <a:scrgbClr r="0" g="0" b="0"/>
+        </a:effectRef>
+        <a:fontRef idx="minor">
+          <a:schemeClr val="lt1"/>
+        </a:fontRef>
+      </dsp:style>
+    </dsp:sp>
+    <dsp:sp modelId="{1024625D-AE91-4BF2-B55F-5A35A47E1D78}">
+      <dsp:nvSpPr>
+        <dsp:cNvPr id="0" name=""/>
+        <dsp:cNvSpPr/>
+      </dsp:nvSpPr>
+      <dsp:spPr>
+        <a:xfrm>
+          <a:off x="1161634" y="3186574"/>
+          <a:ext cx="1108295" cy="877093"/>
+        </a:xfrm>
+        <a:prstGeom prst="chevron">
+          <a:avLst>
+            <a:gd name="adj" fmla="val 70610"/>
+          </a:avLst>
+        </a:prstGeom>
+        <a:solidFill>
+          <a:schemeClr val="accent1">
+            <a:hueOff val="0"/>
+            <a:satOff val="0"/>
+            <a:lumOff val="0"/>
+            <a:alphaOff val="0"/>
+          </a:schemeClr>
+        </a:solidFill>
+        <a:ln w="25400" cap="flat" cmpd="sng" algn="ctr">
+          <a:solidFill>
+            <a:schemeClr val="accent1">
+              <a:hueOff val="0"/>
+              <a:satOff val="0"/>
+              <a:lumOff val="0"/>
+              <a:alphaOff val="0"/>
+            </a:schemeClr>
+          </a:solidFill>
+          <a:prstDash val="solid"/>
+        </a:ln>
+        <a:effectLst/>
+      </dsp:spPr>
+      <dsp:style>
+        <a:lnRef idx="2">
+          <a:scrgbClr r="0" g="0" b="0"/>
+        </a:lnRef>
+        <a:fillRef idx="1">
+          <a:scrgbClr r="0" g="0" b="0"/>
+        </a:fillRef>
+        <a:effectRef idx="0">
+          <a:scrgbClr r="0" g="0" b="0"/>
+        </a:effectRef>
+        <a:fontRef idx="minor">
+          <a:schemeClr val="lt1"/>
+        </a:fontRef>
+      </dsp:style>
+    </dsp:sp>
+    <dsp:sp modelId="{22D72528-CC89-4DF5-9432-E53CD872CA1A}">
+      <dsp:nvSpPr>
+        <dsp:cNvPr id="0" name=""/>
+        <dsp:cNvSpPr/>
+      </dsp:nvSpPr>
+      <dsp:spPr>
+        <a:xfrm>
+          <a:off x="1827874" y="3186574"/>
+          <a:ext cx="1108295" cy="877093"/>
+        </a:xfrm>
+        <a:prstGeom prst="chevron">
+          <a:avLst>
+            <a:gd name="adj" fmla="val 70610"/>
+          </a:avLst>
+        </a:prstGeom>
+        <a:solidFill>
+          <a:schemeClr val="accent1">
+            <a:hueOff val="0"/>
+            <a:satOff val="0"/>
+            <a:lumOff val="0"/>
+            <a:alphaOff val="0"/>
+          </a:schemeClr>
+        </a:solidFill>
+        <a:ln w="25400" cap="flat" cmpd="sng" algn="ctr">
+          <a:solidFill>
+            <a:schemeClr val="accent1">
+              <a:hueOff val="0"/>
+              <a:satOff val="0"/>
+              <a:lumOff val="0"/>
+              <a:alphaOff val="0"/>
+            </a:schemeClr>
+          </a:solidFill>
+          <a:prstDash val="solid"/>
+        </a:ln>
+        <a:effectLst/>
+      </dsp:spPr>
+      <dsp:style>
+        <a:lnRef idx="2">
+          <a:scrgbClr r="0" g="0" b="0"/>
+        </a:lnRef>
+        <a:fillRef idx="1">
+          <a:scrgbClr r="0" g="0" b="0"/>
+        </a:fillRef>
+        <a:effectRef idx="0">
+          <a:scrgbClr r="0" g="0" b="0"/>
+        </a:effectRef>
+        <a:fontRef idx="minor">
+          <a:schemeClr val="lt1"/>
+        </a:fontRef>
+      </dsp:style>
+    </dsp:sp>
+    <dsp:sp modelId="{4F47AECD-0158-41AD-B04B-16AF72E5EBA1}">
+      <dsp:nvSpPr>
+        <dsp:cNvPr id="0" name=""/>
+        <dsp:cNvSpPr/>
+      </dsp:nvSpPr>
+      <dsp:spPr>
+        <a:xfrm>
+          <a:off x="2493589" y="3186574"/>
+          <a:ext cx="1108295" cy="877093"/>
+        </a:xfrm>
+        <a:prstGeom prst="chevron">
+          <a:avLst>
+            <a:gd name="adj" fmla="val 70610"/>
+          </a:avLst>
+        </a:prstGeom>
+        <a:solidFill>
+          <a:schemeClr val="accent1">
+            <a:hueOff val="0"/>
+            <a:satOff val="0"/>
+            <a:lumOff val="0"/>
+            <a:alphaOff val="0"/>
+          </a:schemeClr>
+        </a:solidFill>
+        <a:ln w="25400" cap="flat" cmpd="sng" algn="ctr">
+          <a:solidFill>
+            <a:schemeClr val="accent1">
+              <a:hueOff val="0"/>
+              <a:satOff val="0"/>
+              <a:lumOff val="0"/>
+              <a:alphaOff val="0"/>
+            </a:schemeClr>
+          </a:solidFill>
+          <a:prstDash val="solid"/>
+        </a:ln>
+        <a:effectLst/>
+      </dsp:spPr>
+      <dsp:style>
+        <a:lnRef idx="2">
+          <a:scrgbClr r="0" g="0" b="0"/>
+        </a:lnRef>
+        <a:fillRef idx="1">
+          <a:scrgbClr r="0" g="0" b="0"/>
+        </a:fillRef>
+        <a:effectRef idx="0">
+          <a:scrgbClr r="0" g="0" b="0"/>
+        </a:effectRef>
+        <a:fontRef idx="minor">
+          <a:schemeClr val="lt1"/>
+        </a:fontRef>
+      </dsp:style>
+    </dsp:sp>
+    <dsp:sp modelId="{99705927-E78E-4610-8AAA-431C9F05B0D4}">
+      <dsp:nvSpPr>
+        <dsp:cNvPr id="0" name=""/>
+        <dsp:cNvSpPr/>
+      </dsp:nvSpPr>
+      <dsp:spPr>
+        <a:xfrm>
+          <a:off x="3159829" y="3186574"/>
+          <a:ext cx="1108295" cy="877093"/>
+        </a:xfrm>
+        <a:prstGeom prst="chevron">
+          <a:avLst>
+            <a:gd name="adj" fmla="val 70610"/>
+          </a:avLst>
+        </a:prstGeom>
+        <a:solidFill>
+          <a:schemeClr val="accent1">
+            <a:hueOff val="0"/>
+            <a:satOff val="0"/>
+            <a:lumOff val="0"/>
+            <a:alphaOff val="0"/>
+          </a:schemeClr>
+        </a:solidFill>
+        <a:ln w="25400" cap="flat" cmpd="sng" algn="ctr">
+          <a:solidFill>
+            <a:schemeClr val="accent1">
+              <a:hueOff val="0"/>
+              <a:satOff val="0"/>
+              <a:lumOff val="0"/>
+              <a:alphaOff val="0"/>
+            </a:schemeClr>
+          </a:solidFill>
+          <a:prstDash val="solid"/>
+        </a:ln>
+        <a:effectLst/>
+      </dsp:spPr>
+      <dsp:style>
+        <a:lnRef idx="2">
+          <a:scrgbClr r="0" g="0" b="0"/>
+        </a:lnRef>
+        <a:fillRef idx="1">
+          <a:scrgbClr r="0" g="0" b="0"/>
+        </a:fillRef>
+        <a:effectRef idx="0">
+          <a:scrgbClr r="0" g="0" b="0"/>
+        </a:effectRef>
+        <a:fontRef idx="minor">
+          <a:schemeClr val="lt1"/>
+        </a:fontRef>
+      </dsp:style>
+    </dsp:sp>
+    <dsp:sp modelId="{407733C2-6132-4E74-8862-186B19E08B04}">
+      <dsp:nvSpPr>
+        <dsp:cNvPr id="0" name=""/>
+        <dsp:cNvSpPr/>
+      </dsp:nvSpPr>
+      <dsp:spPr>
+        <a:xfrm>
+          <a:off x="3825543" y="3186574"/>
+          <a:ext cx="1108295" cy="877093"/>
+        </a:xfrm>
+        <a:prstGeom prst="chevron">
+          <a:avLst>
+            <a:gd name="adj" fmla="val 70610"/>
+          </a:avLst>
+        </a:prstGeom>
+        <a:solidFill>
+          <a:schemeClr val="accent1">
+            <a:hueOff val="0"/>
+            <a:satOff val="0"/>
+            <a:lumOff val="0"/>
+            <a:alphaOff val="0"/>
+          </a:schemeClr>
+        </a:solidFill>
+        <a:ln w="25400" cap="flat" cmpd="sng" algn="ctr">
+          <a:solidFill>
+            <a:schemeClr val="accent1">
+              <a:hueOff val="0"/>
+              <a:satOff val="0"/>
+              <a:lumOff val="0"/>
+              <a:alphaOff val="0"/>
+            </a:schemeClr>
+          </a:solidFill>
+          <a:prstDash val="solid"/>
+        </a:ln>
+        <a:effectLst/>
+      </dsp:spPr>
+      <dsp:style>
+        <a:lnRef idx="2">
+          <a:scrgbClr r="0" g="0" b="0"/>
+        </a:lnRef>
+        <a:fillRef idx="1">
+          <a:scrgbClr r="0" g="0" b="0"/>
+        </a:fillRef>
+        <a:effectRef idx="0">
+          <a:scrgbClr r="0" g="0" b="0"/>
+        </a:effectRef>
+        <a:fontRef idx="minor">
+          <a:schemeClr val="lt1"/>
+        </a:fontRef>
+      </dsp:style>
+    </dsp:sp>
+    <dsp:sp modelId="{977B1622-ED73-4D0A-AF07-80C4545C6E84}">
+      <dsp:nvSpPr>
+        <dsp:cNvPr id="0" name=""/>
+        <dsp:cNvSpPr/>
+      </dsp:nvSpPr>
+      <dsp:spPr>
+        <a:xfrm>
+          <a:off x="4491784" y="3186574"/>
+          <a:ext cx="1108295" cy="877093"/>
+        </a:xfrm>
+        <a:prstGeom prst="chevron">
+          <a:avLst>
+            <a:gd name="adj" fmla="val 70610"/>
+          </a:avLst>
+        </a:prstGeom>
+        <a:solidFill>
+          <a:schemeClr val="accent1">
+            <a:hueOff val="0"/>
+            <a:satOff val="0"/>
+            <a:lumOff val="0"/>
+            <a:alphaOff val="0"/>
+          </a:schemeClr>
+        </a:solidFill>
+        <a:ln w="25400" cap="flat" cmpd="sng" algn="ctr">
+          <a:solidFill>
+            <a:schemeClr val="accent1">
+              <a:hueOff val="0"/>
+              <a:satOff val="0"/>
+              <a:lumOff val="0"/>
+              <a:alphaOff val="0"/>
+            </a:schemeClr>
+          </a:solidFill>
+          <a:prstDash val="solid"/>
+        </a:ln>
+        <a:effectLst/>
+      </dsp:spPr>
+      <dsp:style>
+        <a:lnRef idx="2">
+          <a:scrgbClr r="0" g="0" b="0"/>
+        </a:lnRef>
+        <a:fillRef idx="1">
+          <a:scrgbClr r="0" g="0" b="0"/>
+        </a:fillRef>
+        <a:effectRef idx="0">
+          <a:scrgbClr r="0" g="0" b="0"/>
+        </a:effectRef>
+        <a:fontRef idx="minor">
+          <a:schemeClr val="lt1"/>
+        </a:fontRef>
+      </dsp:style>
+    </dsp:sp>
+    <dsp:sp modelId="{3F2F251E-04EC-47DC-9E9C-4AE63B040EA6}">
+      <dsp:nvSpPr>
+        <dsp:cNvPr id="0" name=""/>
+        <dsp:cNvSpPr/>
+      </dsp:nvSpPr>
+      <dsp:spPr>
+        <a:xfrm>
+          <a:off x="495920" y="3274283"/>
+          <a:ext cx="4797878" cy="701675"/>
+        </a:xfrm>
+        <a:prstGeom prst="rect">
+          <a:avLst/>
+        </a:prstGeom>
+        <a:solidFill>
+          <a:schemeClr val="lt1">
+            <a:hueOff val="0"/>
+            <a:satOff val="0"/>
+            <a:lumOff val="0"/>
+            <a:alphaOff val="0"/>
+          </a:schemeClr>
+        </a:solidFill>
+        <a:ln w="25400" cap="flat" cmpd="sng" algn="ctr">
+          <a:solidFill>
+            <a:schemeClr val="accent1">
+              <a:hueOff val="0"/>
+              <a:satOff val="0"/>
+              <a:lumOff val="0"/>
+              <a:alphaOff val="0"/>
+            </a:schemeClr>
+          </a:solidFill>
+          <a:prstDash val="solid"/>
+        </a:ln>
+        <a:effectLst/>
+      </dsp:spPr>
+      <dsp:style>
+        <a:lnRef idx="2">
+          <a:scrgbClr r="0" g="0" b="0"/>
+        </a:lnRef>
+        <a:fillRef idx="1">
+          <a:scrgbClr r="0" g="0" b="0"/>
+        </a:fillRef>
+        <a:effectRef idx="0">
+          <a:scrgbClr r="0" g="0" b="0"/>
+        </a:effectRef>
+        <a:fontRef idx="minor"/>
+      </dsp:style>
+      <dsp:txBody>
+        <a:bodyPr spcFirstLastPara="0" vert="horz" wrap="square" lIns="86360" tIns="86360" rIns="86360" bIns="86360" numCol="1" spcCol="1270" anchor="ctr" anchorCtr="0">
+          <a:noAutofit/>
+        </a:bodyPr>
+        <a:lstStyle/>
+        <a:p>
+          <a:pPr lvl="0" algn="l" defTabSz="1511300">
+            <a:lnSpc>
+              <a:spcPct val="90000"/>
+            </a:lnSpc>
+            <a:spcBef>
+              <a:spcPct val="0"/>
+            </a:spcBef>
+            <a:spcAft>
+              <a:spcPct val="35000"/>
+            </a:spcAft>
+          </a:pPr>
+          <a:r>
+            <a:rPr kumimoji="1" lang="zh-CN" altLang="en-US" sz="3400" kern="1200" dirty="0" smtClean="0">
+              <a:latin typeface="DFKai-SB" panose="03000509000000000000" pitchFamily="65" charset="-120"/>
+              <a:ea typeface="DFKai-SB" panose="03000509000000000000" pitchFamily="65" charset="-120"/>
+            </a:rPr>
+            <a:t>在线租车打车服务</a:t>
+          </a:r>
+          <a:endParaRPr kumimoji="1" lang="ja-JP" altLang="en-US" sz="3400" kern="1200" dirty="0">
+            <a:latin typeface="DFKai-SB" panose="03000509000000000000" pitchFamily="65" charset="-120"/>
+            <a:ea typeface="DFKai-SB" panose="03000509000000000000" pitchFamily="65" charset="-120"/>
+          </a:endParaRPr>
+        </a:p>
+      </dsp:txBody>
+      <dsp:txXfrm>
+        <a:off x="495920" y="3274283"/>
+        <a:ext cx="4797878" cy="701675"/>
+      </dsp:txXfrm>
+    </dsp:sp>
+  </dsp:spTree>
+</dsp:drawing>
+</file>
+
+<file path=ppt/diagrams/drawing2.xml><?xml version="1.0" encoding="utf-8"?>
+<dsp:drawing xmlns:dgm="http://schemas.openxmlformats.org/drawingml/2006/diagram" xmlns:dsp="http://schemas.microsoft.com/office/drawing/2008/diagram" xmlns:a="http://schemas.openxmlformats.org/drawingml/2006/main">
+  <dsp:spTree>
+    <dsp:nvGrpSpPr>
+      <dsp:cNvPr id="0" name=""/>
+      <dsp:cNvGrpSpPr/>
+    </dsp:nvGrpSpPr>
+    <dsp:grpSpPr/>
+    <dsp:sp modelId="{3B57FC71-AB95-4B06-9F09-5A54CB32C9D7}">
+      <dsp:nvSpPr>
+        <dsp:cNvPr id="0" name=""/>
+        <dsp:cNvSpPr/>
+      </dsp:nvSpPr>
+      <dsp:spPr>
+        <a:xfrm rot="10800000">
+          <a:off x="1194608" y="147328"/>
+          <a:ext cx="5475501" cy="1938523"/>
+        </a:xfrm>
+        <a:prstGeom prst="homePlate">
+          <a:avLst/>
+        </a:prstGeom>
+        <a:solidFill>
+          <a:schemeClr val="accent1">
+            <a:hueOff val="0"/>
+            <a:satOff val="0"/>
+            <a:lumOff val="0"/>
+            <a:alphaOff val="0"/>
+          </a:schemeClr>
+        </a:solidFill>
+        <a:ln w="25400" cap="flat" cmpd="sng" algn="ctr">
+          <a:solidFill>
+            <a:schemeClr val="lt1">
+              <a:hueOff val="0"/>
+              <a:satOff val="0"/>
+              <a:lumOff val="0"/>
+              <a:alphaOff val="0"/>
+            </a:schemeClr>
+          </a:solidFill>
+          <a:prstDash val="solid"/>
+        </a:ln>
+        <a:effectLst/>
+      </dsp:spPr>
+      <dsp:style>
+        <a:lnRef idx="2">
+          <a:scrgbClr r="0" g="0" b="0"/>
+        </a:lnRef>
+        <a:fillRef idx="1">
+          <a:scrgbClr r="0" g="0" b="0"/>
+        </a:fillRef>
+        <a:effectRef idx="0">
+          <a:scrgbClr r="0" g="0" b="0"/>
+        </a:effectRef>
+        <a:fontRef idx="minor">
+          <a:schemeClr val="lt1"/>
+        </a:fontRef>
+      </dsp:style>
+      <dsp:txBody>
+        <a:bodyPr spcFirstLastPara="0" vert="horz" wrap="square" lIns="881328" tIns="53340" rIns="99568" bIns="53340" numCol="1" spcCol="1270" anchor="ctr" anchorCtr="0">
+          <a:noAutofit/>
+        </a:bodyPr>
+        <a:lstStyle/>
+        <a:p>
+          <a:pPr lvl="0" algn="ctr" defTabSz="622300" rtl="0">
+            <a:lnSpc>
+              <a:spcPct val="90000"/>
+            </a:lnSpc>
+            <a:spcBef>
+              <a:spcPct val="0"/>
+            </a:spcBef>
+            <a:spcAft>
+              <a:spcPct val="35000"/>
+            </a:spcAft>
+          </a:pPr>
+          <a:r>
+            <a:rPr kumimoji="1" lang="en-US" sz="1400" u="sng" kern="1200" dirty="0" smtClean="0">
+              <a:latin typeface="DotumChe" panose="020B0609000101010101" pitchFamily="49" charset="-127"/>
+              <a:ea typeface="DotumChe" panose="020B0609000101010101" pitchFamily="49" charset="-127"/>
+              <a:cs typeface="Arial Unicode MS" panose="020B0604020202020204" pitchFamily="50" charset="-128"/>
+            </a:rPr>
+            <a:t>Java</a:t>
+          </a:r>
+          <a:r>
+            <a:rPr kumimoji="1" lang="zh-CN" sz="1400" u="sng" kern="1200" dirty="0" smtClean="0">
+              <a:latin typeface="DotumChe" panose="020B0609000101010101" pitchFamily="49" charset="-127"/>
+              <a:ea typeface="DotumChe" panose="020B0609000101010101" pitchFamily="49" charset="-127"/>
+              <a:cs typeface="Arial Unicode MS" panose="020B0604020202020204" pitchFamily="50" charset="-128"/>
+            </a:rPr>
+            <a:t>是一门面向对象编程语言，不仅吸收了</a:t>
+          </a:r>
+          <a:r>
+            <a:rPr kumimoji="1" lang="en-US" sz="1400" u="sng" kern="1200" dirty="0" smtClean="0">
+              <a:latin typeface="DotumChe" panose="020B0609000101010101" pitchFamily="49" charset="-127"/>
+              <a:ea typeface="DotumChe" panose="020B0609000101010101" pitchFamily="49" charset="-127"/>
+              <a:cs typeface="Arial Unicode MS" panose="020B0604020202020204" pitchFamily="50" charset="-128"/>
+            </a:rPr>
+            <a:t>C++</a:t>
+          </a:r>
+          <a:r>
+            <a:rPr kumimoji="1" lang="zh-CN" sz="1400" u="sng" kern="1200" dirty="0" smtClean="0">
+              <a:latin typeface="DotumChe" panose="020B0609000101010101" pitchFamily="49" charset="-127"/>
+              <a:ea typeface="DotumChe" panose="020B0609000101010101" pitchFamily="49" charset="-127"/>
+              <a:cs typeface="Arial Unicode MS" panose="020B0604020202020204" pitchFamily="50" charset="-128"/>
+            </a:rPr>
+            <a:t>语言的各种优点，还摒弃了</a:t>
+          </a:r>
+          <a:r>
+            <a:rPr kumimoji="1" lang="en-US" sz="1400" u="sng" kern="1200" dirty="0" smtClean="0">
+              <a:latin typeface="DotumChe" panose="020B0609000101010101" pitchFamily="49" charset="-127"/>
+              <a:ea typeface="DotumChe" panose="020B0609000101010101" pitchFamily="49" charset="-127"/>
+              <a:cs typeface="Arial Unicode MS" panose="020B0604020202020204" pitchFamily="50" charset="-128"/>
+            </a:rPr>
+            <a:t>C++</a:t>
+          </a:r>
+          <a:r>
+            <a:rPr kumimoji="1" lang="zh-CN" sz="1400" u="sng" kern="1200" dirty="0" smtClean="0">
+              <a:latin typeface="DotumChe" panose="020B0609000101010101" pitchFamily="49" charset="-127"/>
+              <a:ea typeface="DotumChe" panose="020B0609000101010101" pitchFamily="49" charset="-127"/>
+              <a:cs typeface="Arial Unicode MS" panose="020B0604020202020204" pitchFamily="50" charset="-128"/>
+            </a:rPr>
+            <a:t>里难以理解的多继承、指针等概念，因此</a:t>
+          </a:r>
+          <a:r>
+            <a:rPr kumimoji="1" lang="en-US" sz="1400" u="sng" kern="1200" dirty="0" smtClean="0">
+              <a:latin typeface="DotumChe" panose="020B0609000101010101" pitchFamily="49" charset="-127"/>
+              <a:ea typeface="DotumChe" panose="020B0609000101010101" pitchFamily="49" charset="-127"/>
+              <a:cs typeface="Arial Unicode MS" panose="020B0604020202020204" pitchFamily="50" charset="-128"/>
+            </a:rPr>
+            <a:t>Java</a:t>
+          </a:r>
+          <a:r>
+            <a:rPr kumimoji="1" lang="zh-CN" sz="1400" u="sng" kern="1200" dirty="0" smtClean="0">
+              <a:latin typeface="DotumChe" panose="020B0609000101010101" pitchFamily="49" charset="-127"/>
+              <a:ea typeface="DotumChe" panose="020B0609000101010101" pitchFamily="49" charset="-127"/>
+              <a:cs typeface="Arial Unicode MS" panose="020B0604020202020204" pitchFamily="50" charset="-128"/>
+            </a:rPr>
+            <a:t>语言具有功能强大和简单易用两个特征。</a:t>
+          </a:r>
+          <a:r>
+            <a:rPr kumimoji="1" lang="en-US" sz="1400" u="sng" kern="1200" dirty="0" smtClean="0">
+              <a:latin typeface="DotumChe" panose="020B0609000101010101" pitchFamily="49" charset="-127"/>
+              <a:ea typeface="DotumChe" panose="020B0609000101010101" pitchFamily="49" charset="-127"/>
+              <a:cs typeface="Arial Unicode MS" panose="020B0604020202020204" pitchFamily="50" charset="-128"/>
+            </a:rPr>
+            <a:t>Java</a:t>
+          </a:r>
+          <a:r>
+            <a:rPr kumimoji="1" lang="zh-CN" sz="1400" u="sng" kern="1200" dirty="0" smtClean="0">
+              <a:latin typeface="DotumChe" panose="020B0609000101010101" pitchFamily="49" charset="-127"/>
+              <a:ea typeface="DotumChe" panose="020B0609000101010101" pitchFamily="49" charset="-127"/>
+              <a:cs typeface="Arial Unicode MS" panose="020B0604020202020204" pitchFamily="50" charset="-128"/>
+            </a:rPr>
+            <a:t>语言作为静态面向对象编程语言的代表，极好地实现了面向对象理论，允许程序员以优雅的思维方式进行复杂的编程</a:t>
+          </a:r>
+          <a:r>
+            <a:rPr kumimoji="1" lang="en-US" sz="1400" u="sng" kern="1200" dirty="0" smtClean="0">
+              <a:latin typeface="DotumChe" panose="020B0609000101010101" pitchFamily="49" charset="-127"/>
+              <a:ea typeface="DotumChe" panose="020B0609000101010101" pitchFamily="49" charset="-127"/>
+              <a:cs typeface="Arial Unicode MS" panose="020B0604020202020204" pitchFamily="50" charset="-128"/>
+            </a:rPr>
+            <a:t> </a:t>
+          </a:r>
+          <a:r>
+            <a:rPr kumimoji="1" lang="zh-CN" sz="1400" u="sng" kern="1200" dirty="0" smtClean="0">
+              <a:latin typeface="DotumChe" panose="020B0609000101010101" pitchFamily="49" charset="-127"/>
+              <a:ea typeface="DotumChe" panose="020B0609000101010101" pitchFamily="49" charset="-127"/>
+              <a:cs typeface="Arial Unicode MS" panose="020B0604020202020204" pitchFamily="50" charset="-128"/>
+            </a:rPr>
+            <a:t>。</a:t>
+          </a:r>
+          <a:endParaRPr lang="ja-JP" sz="1400" kern="1200" dirty="0">
+            <a:latin typeface="DotumChe" panose="020B0609000101010101" pitchFamily="49" charset="-127"/>
+            <a:ea typeface="DotumChe" panose="020B0609000101010101" pitchFamily="49" charset="-127"/>
+            <a:cs typeface="Arial Unicode MS" panose="020B0604020202020204" pitchFamily="50" charset="-128"/>
+          </a:endParaRPr>
+        </a:p>
+      </dsp:txBody>
+      <dsp:txXfrm rot="10800000">
+        <a:off x="1679239" y="147328"/>
+        <a:ext cx="4990870" cy="1938523"/>
+      </dsp:txXfrm>
+    </dsp:sp>
+    <dsp:sp modelId="{738F8939-0158-44E0-AB89-8650AB97D6FB}">
+      <dsp:nvSpPr>
+        <dsp:cNvPr id="0" name=""/>
+        <dsp:cNvSpPr/>
+      </dsp:nvSpPr>
+      <dsp:spPr>
+        <a:xfrm>
+          <a:off x="540621" y="66215"/>
+          <a:ext cx="1822904" cy="1805996"/>
+        </a:xfrm>
+        <a:prstGeom prst="ellipse">
+          <a:avLst/>
+        </a:prstGeom>
+        <a:blipFill>
+          <a:blip xmlns:r="http://schemas.openxmlformats.org/officeDocument/2006/relationships" r:embed="rId1">
+            <a:extLst>
+              <a:ext uri="{28A0092B-C50C-407E-A947-70E740481C1C}">
+                <a14:useLocalDpi xmlns:a14="http://schemas.microsoft.com/office/drawing/2010/main" val="0"/>
+              </a:ext>
+            </a:extLst>
+          </a:blip>
+          <a:srcRect/>
+          <a:stretch>
+            <a:fillRect t="-32000" b="-32000"/>
+          </a:stretch>
+        </a:blipFill>
+        <a:ln w="25400" cap="flat" cmpd="sng" algn="ctr">
+          <a:solidFill>
+            <a:schemeClr val="lt1">
+              <a:hueOff val="0"/>
+              <a:satOff val="0"/>
+              <a:lumOff val="0"/>
+              <a:alphaOff val="0"/>
+            </a:schemeClr>
+          </a:solidFill>
+          <a:prstDash val="solid"/>
+        </a:ln>
+        <a:effectLst/>
+      </dsp:spPr>
+      <dsp:style>
+        <a:lnRef idx="2">
+          <a:scrgbClr r="0" g="0" b="0"/>
+        </a:lnRef>
+        <a:fillRef idx="1">
+          <a:scrgbClr r="0" g="0" b="0"/>
+        </a:fillRef>
+        <a:effectRef idx="0">
+          <a:scrgbClr r="0" g="0" b="0"/>
+        </a:effectRef>
+        <a:fontRef idx="minor"/>
+      </dsp:style>
+    </dsp:sp>
+    <dsp:sp modelId="{50F48DDE-6F31-4BE2-BD53-01005FA12F97}">
+      <dsp:nvSpPr>
+        <dsp:cNvPr id="0" name=""/>
+        <dsp:cNvSpPr/>
+      </dsp:nvSpPr>
+      <dsp:spPr>
+        <a:xfrm rot="10800000">
+          <a:off x="1633772" y="2536511"/>
+          <a:ext cx="4836417" cy="1998601"/>
+        </a:xfrm>
+        <a:prstGeom prst="homePlate">
+          <a:avLst/>
+        </a:prstGeom>
+        <a:solidFill>
+          <a:schemeClr val="accent1">
+            <a:hueOff val="0"/>
+            <a:satOff val="0"/>
+            <a:lumOff val="0"/>
+            <a:alphaOff val="0"/>
+          </a:schemeClr>
+        </a:solidFill>
+        <a:ln w="25400" cap="flat" cmpd="sng" algn="ctr">
+          <a:solidFill>
+            <a:schemeClr val="lt1">
+              <a:hueOff val="0"/>
+              <a:satOff val="0"/>
+              <a:lumOff val="0"/>
+              <a:alphaOff val="0"/>
+            </a:schemeClr>
+          </a:solidFill>
+          <a:prstDash val="solid"/>
+        </a:ln>
+        <a:effectLst/>
+      </dsp:spPr>
+      <dsp:style>
+        <a:lnRef idx="2">
+          <a:scrgbClr r="0" g="0" b="0"/>
+        </a:lnRef>
+        <a:fillRef idx="1">
+          <a:scrgbClr r="0" g="0" b="0"/>
+        </a:fillRef>
+        <a:effectRef idx="0">
+          <a:scrgbClr r="0" g="0" b="0"/>
+        </a:effectRef>
+        <a:fontRef idx="minor">
+          <a:schemeClr val="lt1"/>
+        </a:fontRef>
+      </dsp:style>
+      <dsp:txBody>
+        <a:bodyPr spcFirstLastPara="0" vert="horz" wrap="square" lIns="881328" tIns="53340" rIns="99568" bIns="53340" numCol="1" spcCol="1270" anchor="ctr" anchorCtr="0">
+          <a:noAutofit/>
+        </a:bodyPr>
+        <a:lstStyle/>
+        <a:p>
+          <a:pPr lvl="0" algn="ctr" defTabSz="622300" rtl="0">
+            <a:lnSpc>
+              <a:spcPct val="90000"/>
+            </a:lnSpc>
+            <a:spcBef>
+              <a:spcPct val="0"/>
+            </a:spcBef>
+            <a:spcAft>
+              <a:spcPct val="35000"/>
+            </a:spcAft>
+          </a:pPr>
+          <a:r>
+            <a:rPr kumimoji="1" lang="en-US" sz="1400" u="sng" kern="1200" dirty="0" smtClean="0">
+              <a:latin typeface="DotumChe" panose="020B0609000101010101" pitchFamily="49" charset="-127"/>
+              <a:ea typeface="DotumChe" panose="020B0609000101010101" pitchFamily="49" charset="-127"/>
+            </a:rPr>
+            <a:t>Java</a:t>
+          </a:r>
+          <a:r>
+            <a:rPr kumimoji="1" lang="zh-CN" sz="1400" u="sng" kern="1200" dirty="0" smtClean="0">
+              <a:latin typeface="DotumChe" panose="020B0609000101010101" pitchFamily="49" charset="-127"/>
+              <a:ea typeface="DotumChe" panose="020B0609000101010101" pitchFamily="49" charset="-127"/>
+            </a:rPr>
+            <a:t>具有简单性、面向对象、分布式、健壮性、安全性、平台独立与可移植性、多线程、动态性等特点。</a:t>
+          </a:r>
+          <a:r>
+            <a:rPr kumimoji="1" lang="zh-CN" altLang="en-US" sz="1400" u="sng" kern="1200" dirty="0" smtClean="0">
+              <a:latin typeface="DotumChe" panose="020B0609000101010101" pitchFamily="49" charset="-127"/>
+              <a:ea typeface="DotumChe" panose="020B0609000101010101" pitchFamily="49" charset="-127"/>
+            </a:rPr>
+            <a:t>首次引入虚拟机概念，用于解释字节码</a:t>
+          </a:r>
+          <a:r>
+            <a:rPr kumimoji="1" lang="en-US" altLang="zh-CN" sz="1400" u="sng" kern="1200" dirty="0" smtClean="0">
+              <a:latin typeface="DotumChe" panose="020B0609000101010101" pitchFamily="49" charset="-127"/>
+              <a:ea typeface="DotumChe" panose="020B0609000101010101" pitchFamily="49" charset="-127"/>
+            </a:rPr>
+            <a:t>(class</a:t>
+          </a:r>
+          <a:r>
+            <a:rPr kumimoji="1" lang="zh-CN" altLang="en-US" sz="1400" u="sng" kern="1200" dirty="0" smtClean="0">
+              <a:latin typeface="DotumChe" panose="020B0609000101010101" pitchFamily="49" charset="-127"/>
+              <a:ea typeface="DotumChe" panose="020B0609000101010101" pitchFamily="49" charset="-127"/>
+            </a:rPr>
+            <a:t>文件</a:t>
+          </a:r>
+          <a:r>
+            <a:rPr kumimoji="1" lang="en-US" altLang="zh-CN" sz="1400" u="sng" kern="1200" dirty="0" smtClean="0">
+              <a:latin typeface="DotumChe" panose="020B0609000101010101" pitchFamily="49" charset="-127"/>
+              <a:ea typeface="DotumChe" panose="020B0609000101010101" pitchFamily="49" charset="-127"/>
+            </a:rPr>
+            <a:t>)</a:t>
+          </a:r>
+          <a:r>
+            <a:rPr kumimoji="1" lang="zh-CN" altLang="en-US" sz="1400" u="sng" kern="1200" dirty="0" smtClean="0">
+              <a:latin typeface="DotumChe" panose="020B0609000101010101" pitchFamily="49" charset="-127"/>
+              <a:ea typeface="DotumChe" panose="020B0609000101010101" pitchFamily="49" charset="-127"/>
+            </a:rPr>
+            <a:t>以实现跨平台。</a:t>
+          </a:r>
+          <a:r>
+            <a:rPr kumimoji="1" lang="en-US" sz="1400" u="sng" kern="1200" dirty="0" smtClean="0">
+              <a:latin typeface="DotumChe" panose="020B0609000101010101" pitchFamily="49" charset="-127"/>
+              <a:ea typeface="DotumChe" panose="020B0609000101010101" pitchFamily="49" charset="-127"/>
+            </a:rPr>
+            <a:t>Java</a:t>
+          </a:r>
+          <a:r>
+            <a:rPr kumimoji="1" lang="zh-CN" sz="1400" u="sng" kern="1200" dirty="0" smtClean="0">
+              <a:latin typeface="DotumChe" panose="020B0609000101010101" pitchFamily="49" charset="-127"/>
+              <a:ea typeface="DotumChe" panose="020B0609000101010101" pitchFamily="49" charset="-127"/>
+            </a:rPr>
+            <a:t>可以编写桌面应用程序、</a:t>
+          </a:r>
+          <a:r>
+            <a:rPr kumimoji="1" lang="en-US" sz="1400" u="sng" kern="1200" dirty="0" smtClean="0">
+              <a:latin typeface="DotumChe" panose="020B0609000101010101" pitchFamily="49" charset="-127"/>
+              <a:ea typeface="DotumChe" panose="020B0609000101010101" pitchFamily="49" charset="-127"/>
+            </a:rPr>
+            <a:t>Web</a:t>
+          </a:r>
+          <a:r>
+            <a:rPr kumimoji="1" lang="zh-CN" sz="1400" u="sng" kern="1200" dirty="0" smtClean="0">
+              <a:latin typeface="DotumChe" panose="020B0609000101010101" pitchFamily="49" charset="-127"/>
+              <a:ea typeface="DotumChe" panose="020B0609000101010101" pitchFamily="49" charset="-127"/>
+            </a:rPr>
+            <a:t>应用程序、分布式系统</a:t>
+          </a:r>
+          <a:r>
+            <a:rPr kumimoji="1" lang="zh-CN" altLang="en-US" sz="1400" u="sng" kern="1200" dirty="0" smtClean="0">
+              <a:latin typeface="DotumChe" panose="020B0609000101010101" pitchFamily="49" charset="-127"/>
+              <a:ea typeface="DotumChe" panose="020B0609000101010101" pitchFamily="49" charset="-127"/>
+            </a:rPr>
+            <a:t>（云计算大数据）</a:t>
+          </a:r>
+          <a:r>
+            <a:rPr kumimoji="1" lang="zh-CN" sz="1400" u="sng" kern="1200" dirty="0" smtClean="0">
+              <a:latin typeface="DotumChe" panose="020B0609000101010101" pitchFamily="49" charset="-127"/>
+              <a:ea typeface="DotumChe" panose="020B0609000101010101" pitchFamily="49" charset="-127"/>
+            </a:rPr>
+            <a:t>、</a:t>
+          </a:r>
+          <a:r>
+            <a:rPr kumimoji="1" lang="zh-CN" altLang="en-US" sz="1400" u="sng" kern="1200" dirty="0" smtClean="0">
+              <a:latin typeface="DotumChe" panose="020B0609000101010101" pitchFamily="49" charset="-127"/>
+              <a:ea typeface="DotumChe" panose="020B0609000101010101" pitchFamily="49" charset="-127"/>
+            </a:rPr>
+            <a:t>移动端程序</a:t>
+          </a:r>
+          <a:r>
+            <a:rPr kumimoji="1" lang="zh-CN" sz="1400" u="sng" kern="1200" dirty="0" smtClean="0">
+              <a:latin typeface="DotumChe" panose="020B0609000101010101" pitchFamily="49" charset="-127"/>
+              <a:ea typeface="DotumChe" panose="020B0609000101010101" pitchFamily="49" charset="-127"/>
+            </a:rPr>
+            <a:t>和嵌入式系统应用程序等。</a:t>
+          </a:r>
+          <a:endParaRPr lang="ja-JP" sz="1400" kern="1200" dirty="0">
+            <a:latin typeface="DotumChe" panose="020B0609000101010101" pitchFamily="49" charset="-127"/>
+            <a:ea typeface="DotumChe" panose="020B0609000101010101" pitchFamily="49" charset="-127"/>
+          </a:endParaRPr>
+        </a:p>
+      </dsp:txBody>
+      <dsp:txXfrm rot="10800000">
+        <a:off x="2133422" y="2536511"/>
+        <a:ext cx="4336767" cy="1998601"/>
+      </dsp:txXfrm>
+    </dsp:sp>
+    <dsp:sp modelId="{04B0CB61-477F-4CBE-971C-693C1C6C9633}">
+      <dsp:nvSpPr>
+        <dsp:cNvPr id="0" name=""/>
+        <dsp:cNvSpPr/>
+      </dsp:nvSpPr>
+      <dsp:spPr>
+        <a:xfrm>
+          <a:off x="688111" y="2592292"/>
+          <a:ext cx="1908964" cy="1887039"/>
+        </a:xfrm>
+        <a:prstGeom prst="ellipse">
+          <a:avLst/>
+        </a:prstGeom>
+        <a:blipFill>
+          <a:blip xmlns:r="http://schemas.openxmlformats.org/officeDocument/2006/relationships" r:embed="rId1">
+            <a:extLst>
+              <a:ext uri="{28A0092B-C50C-407E-A947-70E740481C1C}">
+                <a14:useLocalDpi xmlns:a14="http://schemas.microsoft.com/office/drawing/2010/main" val="0"/>
+              </a:ext>
+            </a:extLst>
+          </a:blip>
+          <a:srcRect/>
+          <a:stretch>
+            <a:fillRect t="-32000" b="-32000"/>
+          </a:stretch>
+        </a:blipFill>
+        <a:ln w="25400" cap="flat" cmpd="sng" algn="ctr">
+          <a:solidFill>
+            <a:schemeClr val="lt1">
+              <a:hueOff val="0"/>
+              <a:satOff val="0"/>
+              <a:lumOff val="0"/>
+              <a:alphaOff val="0"/>
+            </a:schemeClr>
+          </a:solidFill>
+          <a:prstDash val="solid"/>
+        </a:ln>
+        <a:effectLst/>
+      </dsp:spPr>
+      <dsp:style>
+        <a:lnRef idx="2">
+          <a:scrgbClr r="0" g="0" b="0"/>
+        </a:lnRef>
+        <a:fillRef idx="1">
+          <a:scrgbClr r="0" g="0" b="0"/>
+        </a:fillRef>
+        <a:effectRef idx="0">
+          <a:scrgbClr r="0" g="0" b="0"/>
+        </a:effectRef>
+        <a:fontRef idx="minor"/>
+      </dsp:style>
+    </dsp:sp>
+  </dsp:spTree>
+</dsp:drawing>
 </file>
 
 <file path=ppt/diagrams/layout1.xml><?xml version="1.0" encoding="utf-8"?>
@@ -5467,14 +7434,14 @@
           </a:ln>
           <a:extLst>
             <a:ext uri="{909E8E84-426E-40DD-AFC4-6F175D3DCCD1}">
-              <a14:hiddenFill xmlns:a14="http://schemas.microsoft.com/office/drawing/2010/main" xmlns="">
+              <a14:hiddenFill xmlns:a14="http://schemas.microsoft.com/office/drawing/2010/main">
                 <a:solidFill>
                   <a:schemeClr val="accent1"/>
                 </a:solidFill>
               </a14:hiddenFill>
             </a:ext>
             <a:ext uri="{91240B29-F687-4F45-9708-019B960494DF}">
-              <a14:hiddenLine xmlns:a14="http://schemas.microsoft.com/office/drawing/2010/main" xmlns="" w="9525">
+              <a14:hiddenLine xmlns:a14="http://schemas.microsoft.com/office/drawing/2010/main" w="9525">
                 <a:solidFill>
                   <a:schemeClr val="tx1"/>
                 </a:solidFill>
@@ -5533,7 +7500,7 @@
           <a:effectLst/>
           <a:extLst>
             <a:ext uri="{AF507438-7753-43E0-B8FC-AC1667EBCBE1}">
-              <a14:hiddenEffects xmlns:a14="http://schemas.microsoft.com/office/drawing/2010/main" xmlns="">
+              <a14:hiddenEffects xmlns:a14="http://schemas.microsoft.com/office/drawing/2010/main">
                 <a:effectLst>
                   <a:outerShdw dist="35921" dir="2700000" algn="ctr" rotWithShape="0">
                     <a:srgbClr val="808080"/>
@@ -5542,7 +7509,7 @@
               </a14:hiddenEffects>
             </a:ext>
             <a:ext uri="{53640926-AAD7-44D8-BBD7-CCE9431645EC}">
-              <a14:shadowObscured xmlns:a14="http://schemas.microsoft.com/office/drawing/2010/main" xmlns="" val="1"/>
+              <a14:shadowObscured xmlns:a14="http://schemas.microsoft.com/office/drawing/2010/main" val="1"/>
             </a:ext>
           </a:extLst>
         </p:spPr>
@@ -5571,14 +7538,14 @@
           </a:ln>
           <a:extLst>
             <a:ext uri="{909E8E84-426E-40DD-AFC4-6F175D3DCCD1}">
-              <a14:hiddenFill xmlns:a14="http://schemas.microsoft.com/office/drawing/2010/main" xmlns="">
+              <a14:hiddenFill xmlns:a14="http://schemas.microsoft.com/office/drawing/2010/main">
                 <a:solidFill>
                   <a:schemeClr val="accent1"/>
                 </a:solidFill>
               </a14:hiddenFill>
             </a:ext>
             <a:ext uri="{91240B29-F687-4F45-9708-019B960494DF}">
-              <a14:hiddenLine xmlns:a14="http://schemas.microsoft.com/office/drawing/2010/main" xmlns="" w="9525">
+              <a14:hiddenLine xmlns:a14="http://schemas.microsoft.com/office/drawing/2010/main" w="9525">
                 <a:solidFill>
                   <a:schemeClr val="tx1"/>
                 </a:solidFill>
@@ -5689,14 +7656,14 @@
           </a:ln>
           <a:extLst>
             <a:ext uri="{909E8E84-426E-40DD-AFC4-6F175D3DCCD1}">
-              <a14:hiddenFill xmlns:a14="http://schemas.microsoft.com/office/drawing/2010/main" xmlns="">
+              <a14:hiddenFill xmlns:a14="http://schemas.microsoft.com/office/drawing/2010/main">
                 <a:solidFill>
                   <a:schemeClr val="accent1"/>
                 </a:solidFill>
               </a14:hiddenFill>
             </a:ext>
             <a:ext uri="{91240B29-F687-4F45-9708-019B960494DF}">
-              <a14:hiddenLine xmlns:a14="http://schemas.microsoft.com/office/drawing/2010/main" xmlns="" w="9525">
+              <a14:hiddenLine xmlns:a14="http://schemas.microsoft.com/office/drawing/2010/main" w="9525">
                 <a:solidFill>
                   <a:schemeClr val="tx1"/>
                 </a:solidFill>
@@ -5749,14 +7716,14 @@
           </a:ln>
           <a:extLst>
             <a:ext uri="{909E8E84-426E-40DD-AFC4-6F175D3DCCD1}">
-              <a14:hiddenFill xmlns:a14="http://schemas.microsoft.com/office/drawing/2010/main" xmlns="">
+              <a14:hiddenFill xmlns:a14="http://schemas.microsoft.com/office/drawing/2010/main">
                 <a:solidFill>
                   <a:schemeClr val="accent1"/>
                 </a:solidFill>
               </a14:hiddenFill>
             </a:ext>
             <a:ext uri="{91240B29-F687-4F45-9708-019B960494DF}">
-              <a14:hiddenLine xmlns:a14="http://schemas.microsoft.com/office/drawing/2010/main" xmlns="" w="9525">
+              <a14:hiddenLine xmlns:a14="http://schemas.microsoft.com/office/drawing/2010/main" w="9525">
                 <a:solidFill>
                   <a:schemeClr val="tx1"/>
                 </a:solidFill>
@@ -5809,14 +7776,14 @@
           </a:ln>
           <a:extLst>
             <a:ext uri="{909E8E84-426E-40DD-AFC4-6F175D3DCCD1}">
-              <a14:hiddenFill xmlns:a14="http://schemas.microsoft.com/office/drawing/2010/main" xmlns="">
+              <a14:hiddenFill xmlns:a14="http://schemas.microsoft.com/office/drawing/2010/main">
                 <a:solidFill>
                   <a:schemeClr val="accent1"/>
                 </a:solidFill>
               </a14:hiddenFill>
             </a:ext>
             <a:ext uri="{91240B29-F687-4F45-9708-019B960494DF}">
-              <a14:hiddenLine xmlns:a14="http://schemas.microsoft.com/office/drawing/2010/main" xmlns="" w="9525">
+              <a14:hiddenLine xmlns:a14="http://schemas.microsoft.com/office/drawing/2010/main" w="9525">
                 <a:solidFill>
                   <a:schemeClr val="tx1"/>
                 </a:solidFill>
@@ -5853,7 +7820,7 @@
     </p:spTree>
     <p:extLst>
       <p:ext uri="{BB962C8B-B14F-4D97-AF65-F5344CB8AC3E}">
-        <p14:creationId xmlns:p14="http://schemas.microsoft.com/office/powerpoint/2010/main" xmlns="" val="3001568234"/>
+        <p14:creationId xmlns:p14="http://schemas.microsoft.com/office/powerpoint/2010/main" val="3001568234"/>
       </p:ext>
     </p:extLst>
   </p:cSld>
@@ -6220,7 +8187,7 @@
     </p:spTree>
     <p:extLst>
       <p:ext uri="{BB962C8B-B14F-4D97-AF65-F5344CB8AC3E}">
-        <p14:creationId xmlns:p14="http://schemas.microsoft.com/office/powerpoint/2010/main" xmlns="" val="4247654126"/>
+        <p14:creationId xmlns:p14="http://schemas.microsoft.com/office/powerpoint/2010/main" val="4247654126"/>
       </p:ext>
     </p:extLst>
   </p:cSld>
@@ -6368,7 +8335,7 @@
     </p:spTree>
     <p:extLst>
       <p:ext uri="{BB962C8B-B14F-4D97-AF65-F5344CB8AC3E}">
-        <p14:creationId xmlns:p14="http://schemas.microsoft.com/office/powerpoint/2010/main" xmlns="" val="3914089631"/>
+        <p14:creationId xmlns:p14="http://schemas.microsoft.com/office/powerpoint/2010/main" val="3914089631"/>
       </p:ext>
     </p:extLst>
   </p:cSld>
@@ -6506,7 +8473,7 @@
     </p:spTree>
     <p:extLst>
       <p:ext uri="{BB962C8B-B14F-4D97-AF65-F5344CB8AC3E}">
-        <p14:creationId xmlns:p14="http://schemas.microsoft.com/office/powerpoint/2010/main" xmlns="" val="1058433384"/>
+        <p14:creationId xmlns:p14="http://schemas.microsoft.com/office/powerpoint/2010/main" val="1058433384"/>
       </p:ext>
     </p:extLst>
   </p:cSld>
@@ -6634,7 +8601,7 @@
     </p:spTree>
     <p:extLst>
       <p:ext uri="{BB962C8B-B14F-4D97-AF65-F5344CB8AC3E}">
-        <p14:creationId xmlns:p14="http://schemas.microsoft.com/office/powerpoint/2010/main" xmlns="" val="3683914965"/>
+        <p14:creationId xmlns:p14="http://schemas.microsoft.com/office/powerpoint/2010/main" val="3683914965"/>
       </p:ext>
     </p:extLst>
   </p:cSld>
@@ -6922,7 +8889,7 @@
     </p:spTree>
     <p:extLst>
       <p:ext uri="{BB962C8B-B14F-4D97-AF65-F5344CB8AC3E}">
-        <p14:creationId xmlns:p14="http://schemas.microsoft.com/office/powerpoint/2010/main" xmlns="" val="1688867932"/>
+        <p14:creationId xmlns:p14="http://schemas.microsoft.com/office/powerpoint/2010/main" val="1688867932"/>
       </p:ext>
     </p:extLst>
   </p:cSld>
@@ -7349,7 +9316,7 @@
     </p:spTree>
     <p:extLst>
       <p:ext uri="{BB962C8B-B14F-4D97-AF65-F5344CB8AC3E}">
-        <p14:creationId xmlns:p14="http://schemas.microsoft.com/office/powerpoint/2010/main" xmlns="" val="3091454421"/>
+        <p14:creationId xmlns:p14="http://schemas.microsoft.com/office/powerpoint/2010/main" val="3091454421"/>
       </p:ext>
     </p:extLst>
   </p:cSld>
@@ -7403,7 +9370,7 @@
     </p:spTree>
     <p:extLst>
       <p:ext uri="{BB962C8B-B14F-4D97-AF65-F5344CB8AC3E}">
-        <p14:creationId xmlns:p14="http://schemas.microsoft.com/office/powerpoint/2010/main" xmlns="" val="1709739791"/>
+        <p14:creationId xmlns:p14="http://schemas.microsoft.com/office/powerpoint/2010/main" val="1709739791"/>
       </p:ext>
     </p:extLst>
   </p:cSld>
@@ -7434,7 +9401,7 @@
     </p:spTree>
     <p:extLst>
       <p:ext uri="{BB962C8B-B14F-4D97-AF65-F5344CB8AC3E}">
-        <p14:creationId xmlns:p14="http://schemas.microsoft.com/office/powerpoint/2010/main" xmlns="" val="208619746"/>
+        <p14:creationId xmlns:p14="http://schemas.microsoft.com/office/powerpoint/2010/main" val="208619746"/>
       </p:ext>
     </p:extLst>
   </p:cSld>
@@ -7679,7 +9646,7 @@
     </p:spTree>
     <p:extLst>
       <p:ext uri="{BB962C8B-B14F-4D97-AF65-F5344CB8AC3E}">
-        <p14:creationId xmlns:p14="http://schemas.microsoft.com/office/powerpoint/2010/main" xmlns="" val="1201940715"/>
+        <p14:creationId xmlns:p14="http://schemas.microsoft.com/office/powerpoint/2010/main" val="1201940715"/>
       </p:ext>
     </p:extLst>
   </p:cSld>
@@ -7872,7 +9839,7 @@
     </p:spTree>
     <p:extLst>
       <p:ext uri="{BB962C8B-B14F-4D97-AF65-F5344CB8AC3E}">
-        <p14:creationId xmlns:p14="http://schemas.microsoft.com/office/powerpoint/2010/main" xmlns="" val="2895571190"/>
+        <p14:creationId xmlns:p14="http://schemas.microsoft.com/office/powerpoint/2010/main" val="2895571190"/>
       </p:ext>
     </p:extLst>
   </p:cSld>
@@ -7937,14 +9904,14 @@
           <a:effectLst/>
           <a:extLst>
             <a:ext uri="{909E8E84-426E-40DD-AFC4-6F175D3DCCD1}">
-              <a14:hiddenFill xmlns:a14="http://schemas.microsoft.com/office/drawing/2010/main" xmlns="">
+              <a14:hiddenFill xmlns:a14="http://schemas.microsoft.com/office/drawing/2010/main">
                 <a:solidFill>
                   <a:schemeClr val="accent1"/>
                 </a:solidFill>
               </a14:hiddenFill>
             </a:ext>
             <a:ext uri="{91240B29-F687-4F45-9708-019B960494DF}">
-              <a14:hiddenLine xmlns:a14="http://schemas.microsoft.com/office/drawing/2010/main" xmlns="" w="9525">
+              <a14:hiddenLine xmlns:a14="http://schemas.microsoft.com/office/drawing/2010/main" w="9525">
                 <a:solidFill>
                   <a:schemeClr val="tx1"/>
                 </a:solidFill>
@@ -7954,7 +9921,7 @@
               </a14:hiddenLine>
             </a:ext>
             <a:ext uri="{AF507438-7753-43E0-B8FC-AC1667EBCBE1}">
-              <a14:hiddenEffects xmlns:a14="http://schemas.microsoft.com/office/drawing/2010/main" xmlns="">
+              <a14:hiddenEffects xmlns:a14="http://schemas.microsoft.com/office/drawing/2010/main">
                 <a:effectLst>
                   <a:outerShdw dist="35921" dir="2700000" algn="ctr" rotWithShape="0">
                     <a:schemeClr val="bg2"/>
@@ -8065,14 +10032,14 @@
           <a:effectLst/>
           <a:extLst>
             <a:ext uri="{909E8E84-426E-40DD-AFC4-6F175D3DCCD1}">
-              <a14:hiddenFill xmlns:a14="http://schemas.microsoft.com/office/drawing/2010/main" xmlns="">
+              <a14:hiddenFill xmlns:a14="http://schemas.microsoft.com/office/drawing/2010/main">
                 <a:solidFill>
                   <a:schemeClr val="accent1"/>
                 </a:solidFill>
               </a14:hiddenFill>
             </a:ext>
             <a:ext uri="{91240B29-F687-4F45-9708-019B960494DF}">
-              <a14:hiddenLine xmlns:a14="http://schemas.microsoft.com/office/drawing/2010/main" xmlns="" w="9525">
+              <a14:hiddenLine xmlns:a14="http://schemas.microsoft.com/office/drawing/2010/main" w="9525">
                 <a:solidFill>
                   <a:schemeClr val="tx1"/>
                 </a:solidFill>
@@ -8082,7 +10049,7 @@
               </a14:hiddenLine>
             </a:ext>
             <a:ext uri="{AF507438-7753-43E0-B8FC-AC1667EBCBE1}">
-              <a14:hiddenEffects xmlns:a14="http://schemas.microsoft.com/office/drawing/2010/main" xmlns="">
+              <a14:hiddenEffects xmlns:a14="http://schemas.microsoft.com/office/drawing/2010/main">
                 <a:effectLst>
                   <a:outerShdw dist="35921" dir="2700000" algn="ctr" rotWithShape="0">
                     <a:schemeClr val="bg2"/>
@@ -9449,14 +11416,14 @@
           <a:effectLst/>
           <a:extLst>
             <a:ext uri="{909E8E84-426E-40DD-AFC4-6F175D3DCCD1}">
-              <a14:hiddenFill xmlns:a14="http://schemas.microsoft.com/office/drawing/2010/main" xmlns="">
+              <a14:hiddenFill xmlns:a14="http://schemas.microsoft.com/office/drawing/2010/main">
                 <a:solidFill>
                   <a:schemeClr val="accent1"/>
                 </a:solidFill>
               </a14:hiddenFill>
             </a:ext>
             <a:ext uri="{AF507438-7753-43E0-B8FC-AC1667EBCBE1}">
-              <a14:hiddenEffects xmlns:a14="http://schemas.microsoft.com/office/drawing/2010/main" xmlns="">
+              <a14:hiddenEffects xmlns:a14="http://schemas.microsoft.com/office/drawing/2010/main">
                 <a:effectLst>
                   <a:outerShdw dist="35921" dir="2700000" algn="ctr" rotWithShape="0">
                     <a:schemeClr val="bg2"/>
@@ -9835,6 +11802,118 @@
       </p:grpSpPr>
       <p:sp>
         <p:nvSpPr>
+          <p:cNvPr id="2" name="标题 1"/>
+          <p:cNvSpPr>
+            <a:spLocks noGrp="1"/>
+          </p:cNvSpPr>
+          <p:nvPr>
+            <p:ph type="title"/>
+          </p:nvPr>
+        </p:nvSpPr>
+        <p:spPr>
+          <a:xfrm>
+            <a:off x="1524000" y="620688"/>
+            <a:ext cx="7086600" cy="932656"/>
+          </a:xfrm>
+        </p:spPr>
+        <p:txBody>
+          <a:bodyPr/>
+          <a:lstStyle/>
+          <a:p>
+            <a:r>
+              <a:rPr lang="zh-CN" altLang="en-US" sz="3200" dirty="0">
+                <a:latin typeface="仿宋" panose="02010609060101010101" pitchFamily="49" charset="-122"/>
+                <a:ea typeface="仿宋" panose="02010609060101010101" pitchFamily="49" charset="-122"/>
+                <a:cs typeface="Ebrima" panose="02000000000000000000" pitchFamily="2" charset="0"/>
+              </a:rPr>
+              <a:t>编程语言的核心技术</a:t>
+            </a:r>
+          </a:p>
+        </p:txBody>
+      </p:sp>
+      <p:sp>
+        <p:nvSpPr>
+          <p:cNvPr id="3" name="内容占位符 2"/>
+          <p:cNvSpPr>
+            <a:spLocks noGrp="1"/>
+          </p:cNvSpPr>
+          <p:nvPr>
+            <p:ph idx="1"/>
+          </p:nvPr>
+        </p:nvSpPr>
+        <p:spPr/>
+        <p:txBody>
+          <a:bodyPr/>
+          <a:lstStyle/>
+          <a:p>
+            <a:r>
+              <a:rPr lang="zh-CN" altLang="en-US" dirty="0">
+                <a:latin typeface="黑体" panose="02010609060101010101" pitchFamily="49" charset="-122"/>
+                <a:ea typeface="黑体" panose="02010609060101010101" pitchFamily="49" charset="-122"/>
+              </a:rPr>
+              <a:t>操作系统，</a:t>
+            </a:r>
+            <a:r>
+              <a:rPr lang="zh-CN" altLang="en-US" dirty="0" smtClean="0">
+                <a:latin typeface="黑体" panose="02010609060101010101" pitchFamily="49" charset="-122"/>
+                <a:ea typeface="黑体" panose="02010609060101010101" pitchFamily="49" charset="-122"/>
+              </a:rPr>
+              <a:t>计算机网络通信，数据结构</a:t>
+            </a:r>
+            <a:r>
+              <a:rPr lang="zh-CN" altLang="en-US" dirty="0">
+                <a:latin typeface="黑体" panose="02010609060101010101" pitchFamily="49" charset="-122"/>
+                <a:ea typeface="黑体" panose="02010609060101010101" pitchFamily="49" charset="-122"/>
+              </a:rPr>
+              <a:t>和算法</a:t>
+            </a:r>
+            <a:r>
+              <a:rPr lang="zh-CN" altLang="en-US" dirty="0" smtClean="0">
+                <a:latin typeface="黑体" panose="02010609060101010101" pitchFamily="49" charset="-122"/>
+                <a:ea typeface="黑体" panose="02010609060101010101" pitchFamily="49" charset="-122"/>
+              </a:rPr>
+              <a:t>，面向对象设计模式，多线程等等，学好这些才是最重要的</a:t>
+            </a:r>
+            <a:endParaRPr lang="zh-CN" altLang="en-US" dirty="0">
+              <a:latin typeface="黑体" panose="02010609060101010101" pitchFamily="49" charset="-122"/>
+              <a:ea typeface="黑体" panose="02010609060101010101" pitchFamily="49" charset="-122"/>
+            </a:endParaRPr>
+          </a:p>
+        </p:txBody>
+      </p:sp>
+    </p:spTree>
+    <p:extLst>
+      <p:ext uri="{BB962C8B-B14F-4D97-AF65-F5344CB8AC3E}">
+        <p14:creationId xmlns:p14="http://schemas.microsoft.com/office/powerpoint/2010/main" val="1518858692"/>
+      </p:ext>
+    </p:extLst>
+  </p:cSld>
+  <p:clrMapOvr>
+    <a:masterClrMapping/>
+  </p:clrMapOvr>
+  <p:transition/>
+</p:sld>
+</file>
+
+<file path=ppt/slides/slide12.xml><?xml version="1.0" encoding="utf-8"?>
+<p:sld xmlns:a="http://schemas.openxmlformats.org/drawingml/2006/main" xmlns:r="http://schemas.openxmlformats.org/officeDocument/2006/relationships" xmlns:p="http://schemas.openxmlformats.org/presentationml/2006/main">
+  <p:cSld>
+    <p:spTree>
+      <p:nvGrpSpPr>
+        <p:cNvPr id="1" name=""/>
+        <p:cNvGrpSpPr/>
+        <p:nvPr/>
+      </p:nvGrpSpPr>
+      <p:grpSpPr>
+        <a:xfrm>
+          <a:off x="0" y="0"/>
+          <a:ext cx="0" cy="0"/>
+          <a:chOff x="0" y="0"/>
+          <a:chExt cx="0" cy="0"/>
+        </a:xfrm>
+      </p:grpSpPr>
+      <p:sp>
+        <p:nvSpPr>
           <p:cNvPr id="34819" name="Rectangle 3"/>
           <p:cNvSpPr>
             <a:spLocks noGrp="1" noChangeArrowheads="1"/>
@@ -9881,7 +11960,7 @@
           <p:nvPr>
             <p:extLst>
               <p:ext uri="{D42A27DB-BD31-4B8C-83A1-F6EECF244321}">
-                <p14:modId xmlns:p14="http://schemas.microsoft.com/office/powerpoint/2010/main" xmlns="" val="3487094351"/>
+                <p14:modId xmlns:p14="http://schemas.microsoft.com/office/powerpoint/2010/main" val="3487094351"/>
               </p:ext>
             </p:extLst>
           </p:nvPr>
@@ -9912,7 +11991,7 @@
 </p:sld>
 </file>
 
-<file path=ppt/slides/slide12.xml><?xml version="1.0" encoding="utf-8"?>
+<file path=ppt/slides/slide13.xml><?xml version="1.0" encoding="utf-8"?>
 <p:sld xmlns:a="http://schemas.openxmlformats.org/drawingml/2006/main" xmlns:r="http://schemas.openxmlformats.org/officeDocument/2006/relationships" xmlns:p="http://schemas.openxmlformats.org/presentationml/2006/main">
   <p:cSld>
     <p:spTree>
@@ -10454,645 +12533,6 @@
             <a:pPr marL="0" indent="0">
               <a:buNone/>
             </a:pPr>
-            <a:endParaRPr lang="ja-JP" altLang="en-US" dirty="0"/>
-          </a:p>
-        </p:txBody>
-      </p:sp>
-    </p:spTree>
-  </p:cSld>
-  <p:clrMapOvr>
-    <a:masterClrMapping/>
-  </p:clrMapOvr>
-  <p:transition/>
-  <p:timing>
-    <p:tnLst>
-      <p:par>
-        <p:cTn id="1" dur="indefinite" restart="never" nodeType="tmRoot"/>
-      </p:par>
-    </p:tnLst>
-  </p:timing>
-</p:sld>
-</file>
-
-<file path=ppt/slides/slide13.xml><?xml version="1.0" encoding="utf-8"?>
-<p:sld xmlns:a="http://schemas.openxmlformats.org/drawingml/2006/main" xmlns:r="http://schemas.openxmlformats.org/officeDocument/2006/relationships" xmlns:p="http://schemas.openxmlformats.org/presentationml/2006/main">
-  <p:cSld>
-    <p:spTree>
-      <p:nvGrpSpPr>
-        <p:cNvPr id="1" name=""/>
-        <p:cNvGrpSpPr/>
-        <p:nvPr/>
-      </p:nvGrpSpPr>
-      <p:grpSpPr>
-        <a:xfrm>
-          <a:off x="0" y="0"/>
-          <a:ext cx="0" cy="0"/>
-          <a:chOff x="0" y="0"/>
-          <a:chExt cx="0" cy="0"/>
-        </a:xfrm>
-      </p:grpSpPr>
-      <p:sp>
-        <p:nvSpPr>
-          <p:cNvPr id="33794" name="Rectangle 2"/>
-          <p:cNvSpPr>
-            <a:spLocks noGrp="1" noChangeArrowheads="1"/>
-          </p:cNvSpPr>
-          <p:nvPr>
-            <p:ph type="body" idx="1"/>
-          </p:nvPr>
-        </p:nvSpPr>
-        <p:spPr>
-          <a:xfrm>
-            <a:off x="1524000" y="428604"/>
-            <a:ext cx="7086600" cy="6215106"/>
-          </a:xfrm>
-        </p:spPr>
-        <p:txBody>
-          <a:bodyPr/>
-          <a:lstStyle/>
-          <a:p>
-            <a:r>
-              <a:rPr lang="en-US" sz="2000" dirty="0" smtClean="0"/>
-              <a:t>1998</a:t>
-            </a:r>
-            <a:r>
-              <a:rPr lang="zh-CN" altLang="en-US" sz="2000" dirty="0" smtClean="0"/>
-              <a:t>年</a:t>
-            </a:r>
-            <a:r>
-              <a:rPr lang="en-US" sz="2000" dirty="0" smtClean="0"/>
-              <a:t>12</a:t>
-            </a:r>
-            <a:r>
-              <a:rPr lang="zh-CN" altLang="en-US" sz="2000" dirty="0" smtClean="0"/>
-              <a:t>月</a:t>
-            </a:r>
-            <a:r>
-              <a:rPr lang="en-US" sz="2000" dirty="0" smtClean="0"/>
-              <a:t>8</a:t>
-            </a:r>
-            <a:r>
-              <a:rPr lang="zh-CN" altLang="en-US" sz="2000" dirty="0" smtClean="0"/>
-              <a:t>日，第二代</a:t>
-            </a:r>
-            <a:r>
-              <a:rPr lang="en-US" sz="2000" dirty="0" smtClean="0"/>
-              <a:t>Java</a:t>
-            </a:r>
-            <a:r>
-              <a:rPr lang="zh-CN" altLang="en-US" sz="2000" dirty="0" smtClean="0"/>
-              <a:t>平台的企业版</a:t>
-            </a:r>
-            <a:r>
-              <a:rPr lang="en-US" sz="2000" dirty="0" smtClean="0"/>
-              <a:t>J2EE</a:t>
-            </a:r>
-            <a:r>
-              <a:rPr lang="zh-CN" altLang="en-US" sz="2000" dirty="0" smtClean="0"/>
-              <a:t>发布。</a:t>
-            </a:r>
-            <a:r>
-              <a:rPr lang="en-US" sz="2000" dirty="0" smtClean="0"/>
-              <a:t>1999</a:t>
-            </a:r>
-            <a:r>
-              <a:rPr lang="zh-CN" altLang="en-US" sz="2000" dirty="0" smtClean="0"/>
-              <a:t>年</a:t>
-            </a:r>
-            <a:r>
-              <a:rPr lang="en-US" sz="2000" dirty="0" smtClean="0"/>
-              <a:t>6</a:t>
-            </a:r>
-            <a:r>
-              <a:rPr lang="zh-CN" altLang="en-US" sz="2000" dirty="0" smtClean="0"/>
-              <a:t>月，</a:t>
-            </a:r>
-            <a:r>
-              <a:rPr lang="en-US" sz="2000" dirty="0" smtClean="0"/>
-              <a:t>Sun</a:t>
-            </a:r>
-            <a:r>
-              <a:rPr lang="zh-CN" altLang="en-US" sz="2000" dirty="0" smtClean="0"/>
-              <a:t>公司发布了第二代</a:t>
-            </a:r>
-            <a:r>
-              <a:rPr lang="en-US" sz="2000" dirty="0" smtClean="0"/>
-              <a:t>Java</a:t>
-            </a:r>
-            <a:r>
-              <a:rPr lang="zh-CN" altLang="en-US" sz="2000" dirty="0" smtClean="0"/>
-              <a:t>平台（简称为</a:t>
-            </a:r>
-            <a:r>
-              <a:rPr lang="en-US" sz="2000" dirty="0" smtClean="0"/>
-              <a:t>Java2</a:t>
-            </a:r>
-            <a:r>
-              <a:rPr lang="zh-CN" altLang="en-US" sz="2000" dirty="0" smtClean="0"/>
-              <a:t>）的</a:t>
-            </a:r>
-            <a:r>
-              <a:rPr lang="en-US" sz="2000" dirty="0" smtClean="0"/>
-              <a:t>3</a:t>
-            </a:r>
-            <a:r>
-              <a:rPr lang="zh-CN" altLang="en-US" sz="2000" dirty="0" smtClean="0"/>
-              <a:t>个版本：</a:t>
-            </a:r>
-            <a:r>
-              <a:rPr lang="en-US" sz="2000" dirty="0" smtClean="0">
-                <a:hlinkClick r:id="rId2"/>
-              </a:rPr>
-              <a:t>J2ME</a:t>
-            </a:r>
-            <a:r>
-              <a:rPr lang="zh-CN" altLang="en-US" sz="2000" dirty="0" smtClean="0"/>
-              <a:t>（</a:t>
-            </a:r>
-            <a:r>
-              <a:rPr lang="en-US" sz="2000" dirty="0" smtClean="0"/>
-              <a:t>Java2 Micro Edition</a:t>
-            </a:r>
-            <a:r>
-              <a:rPr lang="zh-CN" altLang="en-US" sz="2000" dirty="0" smtClean="0"/>
-              <a:t>，</a:t>
-            </a:r>
-            <a:r>
-              <a:rPr lang="en-US" sz="2000" dirty="0" smtClean="0"/>
-              <a:t>Java2</a:t>
-            </a:r>
-            <a:r>
-              <a:rPr lang="zh-CN" altLang="en-US" sz="2000" dirty="0" smtClean="0"/>
-              <a:t>平台的微型版），应用于移动、无线及有限资源的环境；</a:t>
-            </a:r>
-            <a:r>
-              <a:rPr lang="en-US" sz="2000" dirty="0" smtClean="0">
-                <a:hlinkClick r:id="rId3"/>
-              </a:rPr>
-              <a:t>J2SE</a:t>
-            </a:r>
-            <a:r>
-              <a:rPr lang="zh-CN" altLang="en-US" sz="2000" dirty="0" smtClean="0"/>
-              <a:t>（</a:t>
-            </a:r>
-            <a:r>
-              <a:rPr lang="en-US" sz="2000" dirty="0" smtClean="0"/>
-              <a:t>Java 2 Standard Edition</a:t>
-            </a:r>
-            <a:r>
-              <a:rPr lang="zh-CN" altLang="en-US" sz="2000" dirty="0" smtClean="0"/>
-              <a:t>，</a:t>
-            </a:r>
-            <a:r>
-              <a:rPr lang="en-US" sz="2000" dirty="0" smtClean="0"/>
-              <a:t>Java 2</a:t>
-            </a:r>
-            <a:r>
-              <a:rPr lang="zh-CN" altLang="en-US" sz="2000" dirty="0" smtClean="0"/>
-              <a:t>平台的标准版），应用于桌面环境；</a:t>
-            </a:r>
-            <a:r>
-              <a:rPr lang="en-US" sz="2000" dirty="0" smtClean="0">
-                <a:hlinkClick r:id="rId4"/>
-              </a:rPr>
-              <a:t>J2EE</a:t>
-            </a:r>
-            <a:r>
-              <a:rPr lang="zh-CN" altLang="en-US" sz="2000" dirty="0" smtClean="0"/>
-              <a:t>（</a:t>
-            </a:r>
-            <a:r>
-              <a:rPr lang="en-US" sz="2000" dirty="0" smtClean="0"/>
-              <a:t>Java 2Enterprise Edition</a:t>
-            </a:r>
-            <a:r>
-              <a:rPr lang="zh-CN" altLang="en-US" sz="2000" dirty="0" smtClean="0"/>
-              <a:t>，</a:t>
-            </a:r>
-            <a:r>
-              <a:rPr lang="en-US" sz="2000" dirty="0" smtClean="0"/>
-              <a:t>Java 2</a:t>
-            </a:r>
-            <a:r>
-              <a:rPr lang="zh-CN" altLang="en-US" sz="2000" dirty="0" smtClean="0"/>
-              <a:t>平台的企业版），应用于基于</a:t>
-            </a:r>
-            <a:r>
-              <a:rPr lang="en-US" sz="2000" dirty="0" smtClean="0"/>
-              <a:t>Java</a:t>
-            </a:r>
-            <a:r>
-              <a:rPr lang="zh-CN" altLang="en-US" sz="2000" dirty="0" smtClean="0"/>
-              <a:t>的应用服务器。</a:t>
-            </a:r>
-            <a:r>
-              <a:rPr lang="en-US" sz="2000" dirty="0" smtClean="0"/>
-              <a:t>Java 2</a:t>
-            </a:r>
-            <a:r>
-              <a:rPr lang="zh-CN" altLang="en-US" sz="2000" dirty="0" smtClean="0"/>
-              <a:t>平台的发布，是</a:t>
-            </a:r>
-            <a:r>
-              <a:rPr lang="en-US" sz="2000" dirty="0" smtClean="0"/>
-              <a:t>Java</a:t>
-            </a:r>
-            <a:r>
-              <a:rPr lang="zh-CN" altLang="en-US" sz="2000" dirty="0" smtClean="0"/>
-              <a:t>发展过程中最重要的一个里程碑，标志着</a:t>
-            </a:r>
-            <a:r>
-              <a:rPr lang="en-US" sz="2000" dirty="0" smtClean="0"/>
-              <a:t>Java</a:t>
-            </a:r>
-            <a:r>
-              <a:rPr lang="zh-CN" altLang="en-US" sz="2000" dirty="0" smtClean="0"/>
-              <a:t>的应用开始普及。</a:t>
-            </a:r>
-          </a:p>
-          <a:p>
-            <a:r>
-              <a:rPr lang="en-US" sz="2000" dirty="0" smtClean="0"/>
-              <a:t>1999</a:t>
-            </a:r>
-            <a:r>
-              <a:rPr lang="zh-CN" altLang="en-US" sz="2000" dirty="0" smtClean="0"/>
-              <a:t>年</a:t>
-            </a:r>
-            <a:r>
-              <a:rPr lang="en-US" sz="2000" dirty="0" smtClean="0"/>
-              <a:t>4</a:t>
-            </a:r>
-            <a:r>
-              <a:rPr lang="zh-CN" altLang="en-US" sz="2000" dirty="0" smtClean="0"/>
-              <a:t>月</a:t>
-            </a:r>
-            <a:r>
-              <a:rPr lang="en-US" sz="2000" dirty="0" smtClean="0"/>
-              <a:t>27</a:t>
-            </a:r>
-            <a:r>
-              <a:rPr lang="zh-CN" altLang="en-US" sz="2000" dirty="0" smtClean="0"/>
-              <a:t>日，</a:t>
-            </a:r>
-            <a:r>
-              <a:rPr lang="en-US" sz="2000" dirty="0" err="1" smtClean="0"/>
-              <a:t>HotSpot</a:t>
-            </a:r>
-            <a:r>
-              <a:rPr lang="zh-CN" altLang="en-US" sz="2000" dirty="0" smtClean="0"/>
-              <a:t>虚拟机发布。</a:t>
-            </a:r>
-            <a:r>
-              <a:rPr lang="en-US" sz="2000" dirty="0" err="1" smtClean="0">
-                <a:hlinkClick r:id="rId5"/>
-              </a:rPr>
-              <a:t>HotSpot</a:t>
-            </a:r>
-            <a:r>
-              <a:rPr lang="zh-CN" altLang="en-US" sz="2000" dirty="0" smtClean="0"/>
-              <a:t>虚拟机发布时是作为</a:t>
-            </a:r>
-            <a:r>
-              <a:rPr lang="en-US" sz="2000" dirty="0" smtClean="0"/>
-              <a:t>JDK 1.2</a:t>
-            </a:r>
-            <a:r>
-              <a:rPr lang="zh-CN" altLang="en-US" sz="2000" dirty="0" smtClean="0"/>
-              <a:t>的附加程序提供的，后来它成为了</a:t>
-            </a:r>
-            <a:r>
-              <a:rPr lang="en-US" sz="2000" dirty="0" smtClean="0"/>
-              <a:t>JDK 1.3</a:t>
-            </a:r>
-            <a:r>
-              <a:rPr lang="zh-CN" altLang="en-US" sz="2000" dirty="0" smtClean="0"/>
-              <a:t>及之后所有版本的</a:t>
-            </a:r>
-            <a:r>
-              <a:rPr lang="en-US" sz="2000" dirty="0" smtClean="0"/>
-              <a:t>Sun JDK</a:t>
-            </a:r>
-            <a:r>
-              <a:rPr lang="zh-CN" altLang="en-US" sz="2000" dirty="0" smtClean="0"/>
-              <a:t>的默认虚拟机。</a:t>
-            </a:r>
-          </a:p>
-          <a:p>
-            <a:r>
-              <a:rPr lang="en-US" sz="2000" dirty="0" smtClean="0"/>
-              <a:t>2000</a:t>
-            </a:r>
-            <a:r>
-              <a:rPr lang="ja-JP" altLang="en-US" sz="2000" dirty="0" smtClean="0"/>
-              <a:t>年</a:t>
-            </a:r>
-            <a:r>
-              <a:rPr lang="en-US" sz="2000" dirty="0" smtClean="0"/>
-              <a:t>5</a:t>
-            </a:r>
-            <a:r>
-              <a:rPr lang="ja-JP" altLang="en-US" sz="2000" dirty="0" smtClean="0"/>
-              <a:t>月，</a:t>
-            </a:r>
-            <a:r>
-              <a:rPr lang="en-US" sz="2000" dirty="0" smtClean="0"/>
-              <a:t>JDK1.3</a:t>
-            </a:r>
-            <a:r>
-              <a:rPr lang="ja-JP" altLang="en-US" sz="2000" dirty="0" smtClean="0"/>
-              <a:t>、</a:t>
-            </a:r>
-            <a:r>
-              <a:rPr lang="en-US" sz="2000" dirty="0" smtClean="0"/>
-              <a:t>JDK1.4</a:t>
-            </a:r>
-            <a:r>
-              <a:rPr lang="ja-JP" altLang="en-US" sz="2000" dirty="0" smtClean="0"/>
-              <a:t>和</a:t>
-            </a:r>
-            <a:r>
-              <a:rPr lang="en-US" sz="2000" dirty="0" smtClean="0"/>
-              <a:t>J2SE1.3</a:t>
-            </a:r>
-            <a:r>
-              <a:rPr lang="ja-JP" altLang="en-US" sz="2000" dirty="0" smtClean="0"/>
-              <a:t>相继发布，几周后其获得了</a:t>
-            </a:r>
-            <a:r>
-              <a:rPr lang="en-US" sz="2000" dirty="0" smtClean="0">
-                <a:hlinkClick r:id="rId6"/>
-              </a:rPr>
-              <a:t>Apple</a:t>
-            </a:r>
-            <a:r>
-              <a:rPr lang="ja-JP" altLang="en-US" sz="2000" dirty="0" smtClean="0"/>
-              <a:t>公司</a:t>
-            </a:r>
-            <a:r>
-              <a:rPr lang="en-US" sz="2000" dirty="0" smtClean="0"/>
-              <a:t>Mac OS X</a:t>
-            </a:r>
-            <a:r>
-              <a:rPr lang="ja-JP" altLang="en-US" sz="2000" dirty="0" smtClean="0"/>
-              <a:t>的工业标准的支持。</a:t>
-            </a:r>
-            <a:r>
-              <a:rPr lang="en-US" sz="2000" dirty="0" smtClean="0"/>
-              <a:t>2001</a:t>
-            </a:r>
-            <a:r>
-              <a:rPr lang="ja-JP" altLang="en-US" sz="2000" dirty="0" smtClean="0"/>
-              <a:t>年</a:t>
-            </a:r>
-            <a:r>
-              <a:rPr lang="en-US" sz="2000" dirty="0" smtClean="0"/>
-              <a:t>9</a:t>
-            </a:r>
-            <a:r>
-              <a:rPr lang="ja-JP" altLang="en-US" sz="2000" dirty="0" smtClean="0"/>
-              <a:t>月</a:t>
-            </a:r>
-            <a:r>
-              <a:rPr lang="en-US" sz="2000" dirty="0" smtClean="0"/>
-              <a:t>24</a:t>
-            </a:r>
-            <a:r>
-              <a:rPr lang="ja-JP" altLang="en-US" sz="2000" dirty="0" smtClean="0"/>
-              <a:t>日，</a:t>
-            </a:r>
-            <a:r>
-              <a:rPr lang="en-US" sz="2000" dirty="0" smtClean="0"/>
-              <a:t>J2EE1.3</a:t>
-            </a:r>
-            <a:r>
-              <a:rPr lang="ja-JP" altLang="en-US" sz="2000" dirty="0" smtClean="0"/>
-              <a:t>发布。</a:t>
-            </a:r>
-            <a:r>
-              <a:rPr lang="en-US" sz="2000" dirty="0" smtClean="0"/>
-              <a:t>2002</a:t>
-            </a:r>
-            <a:r>
-              <a:rPr lang="zh-CN" altLang="en-US" sz="2000" dirty="0" smtClean="0"/>
-              <a:t>年</a:t>
-            </a:r>
-            <a:r>
-              <a:rPr lang="en-US" sz="2000" dirty="0" smtClean="0"/>
-              <a:t>2</a:t>
-            </a:r>
-            <a:r>
-              <a:rPr lang="zh-CN" altLang="en-US" sz="2000" dirty="0" smtClean="0"/>
-              <a:t>月</a:t>
-            </a:r>
-            <a:r>
-              <a:rPr lang="en-US" sz="2000" dirty="0" smtClean="0"/>
-              <a:t>26</a:t>
-            </a:r>
-            <a:r>
-              <a:rPr lang="zh-CN" altLang="en-US" sz="2000" dirty="0" smtClean="0"/>
-              <a:t>日，</a:t>
-            </a:r>
-            <a:r>
-              <a:rPr lang="en-US" sz="2000" dirty="0" smtClean="0"/>
-              <a:t>J2SE1.4</a:t>
-            </a:r>
-            <a:r>
-              <a:rPr lang="zh-CN" altLang="en-US" sz="2000" dirty="0" smtClean="0"/>
-              <a:t>发布。自此</a:t>
-            </a:r>
-            <a:r>
-              <a:rPr lang="en-US" sz="2000" dirty="0" smtClean="0"/>
-              <a:t>Java</a:t>
-            </a:r>
-            <a:r>
-              <a:rPr lang="zh-CN" altLang="en-US" sz="2000" dirty="0" smtClean="0"/>
-              <a:t>的计算能力有了大幅提升，与</a:t>
-            </a:r>
-            <a:r>
-              <a:rPr lang="en-US" sz="2000" dirty="0" smtClean="0"/>
-              <a:t>J2SE1.3</a:t>
-            </a:r>
-            <a:r>
-              <a:rPr lang="zh-CN" altLang="en-US" sz="2000" dirty="0" smtClean="0"/>
-              <a:t>相比，其多了近</a:t>
-            </a:r>
-            <a:r>
-              <a:rPr lang="en-US" sz="2000" dirty="0" smtClean="0"/>
-              <a:t>62%</a:t>
-            </a:r>
-            <a:r>
-              <a:rPr lang="zh-CN" altLang="en-US" sz="2000" dirty="0" smtClean="0"/>
-              <a:t>的类和接口。在这些新特性当中，还提供了广泛的</a:t>
-            </a:r>
-            <a:r>
-              <a:rPr lang="en-US" sz="2000" dirty="0" smtClean="0">
-                <a:hlinkClick r:id="rId7"/>
-              </a:rPr>
-              <a:t>XML</a:t>
-            </a:r>
-            <a:r>
-              <a:rPr lang="zh-CN" altLang="en-US" sz="2000" dirty="0" smtClean="0"/>
-              <a:t>支持、安全套接字</a:t>
-            </a:r>
-            <a:r>
-              <a:rPr lang="zh-CN" altLang="en-US" sz="2000" i="1" dirty="0" smtClean="0"/>
-              <a:t>（</a:t>
-            </a:r>
-            <a:r>
-              <a:rPr lang="en-US" sz="2000" i="1" dirty="0" smtClean="0"/>
-              <a:t>Socket</a:t>
-            </a:r>
-            <a:r>
-              <a:rPr lang="zh-CN" altLang="en-US" sz="2000" i="1" dirty="0" smtClean="0"/>
-              <a:t>）</a:t>
-            </a:r>
-            <a:r>
-              <a:rPr lang="zh-CN" altLang="en-US" sz="2000" dirty="0" smtClean="0"/>
-              <a:t>支持</a:t>
-            </a:r>
-            <a:r>
-              <a:rPr lang="zh-CN" altLang="en-US" sz="2000" i="1" dirty="0" smtClean="0"/>
-              <a:t>（通过</a:t>
-            </a:r>
-            <a:r>
-              <a:rPr lang="en-US" sz="2000" i="1" dirty="0" smtClean="0"/>
-              <a:t>SSL</a:t>
-            </a:r>
-            <a:r>
-              <a:rPr lang="zh-CN" altLang="en-US" sz="2000" i="1" dirty="0" smtClean="0"/>
-              <a:t>与</a:t>
-            </a:r>
-            <a:r>
-              <a:rPr lang="en-US" sz="2000" i="1" dirty="0" smtClean="0"/>
-              <a:t>TLS</a:t>
-            </a:r>
-            <a:r>
-              <a:rPr lang="zh-CN" altLang="en-US" sz="2000" i="1" dirty="0" smtClean="0"/>
-              <a:t>协议）</a:t>
-            </a:r>
-            <a:r>
-              <a:rPr lang="zh-CN" altLang="en-US" sz="2000" dirty="0" smtClean="0"/>
-              <a:t>、全新的</a:t>
-            </a:r>
-            <a:r>
-              <a:rPr lang="en-US" sz="2000" dirty="0" smtClean="0"/>
-              <a:t>I/OAPI</a:t>
-            </a:r>
-            <a:r>
-              <a:rPr lang="zh-CN" altLang="en-US" sz="2000" dirty="0" smtClean="0"/>
-              <a:t>、正则表达式、日志与断言。</a:t>
-            </a:r>
-            <a:r>
-              <a:rPr lang="en-US" sz="2000" dirty="0" smtClean="0"/>
-              <a:t>2004</a:t>
-            </a:r>
-            <a:r>
-              <a:rPr lang="zh-CN" altLang="en-US" sz="2000" dirty="0" smtClean="0"/>
-              <a:t>年</a:t>
-            </a:r>
-            <a:r>
-              <a:rPr lang="en-US" sz="2000" dirty="0" smtClean="0"/>
-              <a:t>9</a:t>
-            </a:r>
-            <a:r>
-              <a:rPr lang="zh-CN" altLang="en-US" sz="2000" dirty="0" smtClean="0"/>
-              <a:t>月</a:t>
-            </a:r>
-            <a:r>
-              <a:rPr lang="en-US" sz="2000" dirty="0" smtClean="0"/>
-              <a:t>30</a:t>
-            </a:r>
-            <a:r>
-              <a:rPr lang="zh-CN" altLang="en-US" sz="2000" dirty="0" smtClean="0"/>
-              <a:t>日，</a:t>
-            </a:r>
-            <a:r>
-              <a:rPr lang="en-US" sz="2000" dirty="0" smtClean="0"/>
-              <a:t>J2SE1.5</a:t>
-            </a:r>
-            <a:r>
-              <a:rPr lang="zh-CN" altLang="en-US" sz="2000" dirty="0" smtClean="0"/>
-              <a:t>发布，成为</a:t>
-            </a:r>
-            <a:r>
-              <a:rPr lang="en-US" sz="2000" dirty="0" smtClean="0"/>
-              <a:t>Java</a:t>
-            </a:r>
-            <a:r>
-              <a:rPr lang="zh-CN" altLang="en-US" sz="2000" dirty="0" smtClean="0"/>
-              <a:t>语言发展史上的又一里程碑。为了表示该版本的重要性，</a:t>
-            </a:r>
-            <a:r>
-              <a:rPr lang="en-US" sz="2000" dirty="0" smtClean="0"/>
-              <a:t>J2SE 1.5</a:t>
-            </a:r>
-            <a:r>
-              <a:rPr lang="zh-CN" altLang="en-US" sz="2000" dirty="0" smtClean="0"/>
-              <a:t>更名为</a:t>
-            </a:r>
-            <a:r>
-              <a:rPr lang="en-US" sz="2000" dirty="0" smtClean="0"/>
-              <a:t>Java SE 5.0</a:t>
-            </a:r>
-            <a:r>
-              <a:rPr lang="zh-CN" altLang="en-US" sz="2000" i="1" dirty="0" smtClean="0"/>
-              <a:t>（内部版本号</a:t>
-            </a:r>
-            <a:r>
-              <a:rPr lang="en-US" sz="2000" i="1" dirty="0" smtClean="0"/>
-              <a:t>1.5.0</a:t>
-            </a:r>
-            <a:r>
-              <a:rPr lang="zh-CN" altLang="en-US" sz="2000" i="1" dirty="0" smtClean="0"/>
-              <a:t>）</a:t>
-            </a:r>
-            <a:r>
-              <a:rPr lang="zh-CN" altLang="en-US" sz="2000" dirty="0" smtClean="0"/>
-              <a:t>，代号为</a:t>
-            </a:r>
-            <a:r>
-              <a:rPr lang="en-US" sz="2000" dirty="0" smtClean="0"/>
-              <a:t>“Tiger”</a:t>
-            </a:r>
-            <a:r>
-              <a:rPr lang="zh-CN" altLang="en-US" sz="2000" dirty="0" smtClean="0"/>
-              <a:t>，</a:t>
-            </a:r>
-            <a:r>
-              <a:rPr lang="en-US" sz="2000" dirty="0" smtClean="0"/>
-              <a:t>Tiger</a:t>
-            </a:r>
-            <a:r>
-              <a:rPr lang="zh-CN" altLang="en-US" sz="2000" dirty="0" smtClean="0"/>
-              <a:t>包含了从</a:t>
-            </a:r>
-            <a:r>
-              <a:rPr lang="en-US" sz="2000" dirty="0" smtClean="0"/>
-              <a:t>1996</a:t>
-            </a:r>
-            <a:r>
-              <a:rPr lang="zh-CN" altLang="en-US" sz="2000" dirty="0" smtClean="0"/>
-              <a:t>年发布</a:t>
-            </a:r>
-            <a:r>
-              <a:rPr lang="en-US" sz="2000" dirty="0" smtClean="0"/>
-              <a:t>1.0</a:t>
-            </a:r>
-            <a:r>
-              <a:rPr lang="zh-CN" altLang="en-US" sz="2000" dirty="0" smtClean="0"/>
-              <a:t>版本以来的最重大的更新，其中包括泛型支持、基本类型的自动装箱、改进的循环、枚举类型、格式化</a:t>
-            </a:r>
-            <a:r>
-              <a:rPr lang="en-US" sz="2000" dirty="0" smtClean="0"/>
-              <a:t>I/O</a:t>
-            </a:r>
-            <a:r>
-              <a:rPr lang="zh-CN" altLang="en-US" sz="2000" dirty="0" smtClean="0"/>
-              <a:t>及可变参数。</a:t>
-            </a:r>
-          </a:p>
-          <a:p>
             <a:endParaRPr lang="ja-JP" altLang="en-US" dirty="0"/>
           </a:p>
         </p:txBody>
@@ -11132,6 +12572,645 @@
       </p:grpSpPr>
       <p:sp>
         <p:nvSpPr>
+          <p:cNvPr id="33794" name="Rectangle 2"/>
+          <p:cNvSpPr>
+            <a:spLocks noGrp="1" noChangeArrowheads="1"/>
+          </p:cNvSpPr>
+          <p:nvPr>
+            <p:ph type="body" idx="1"/>
+          </p:nvPr>
+        </p:nvSpPr>
+        <p:spPr>
+          <a:xfrm>
+            <a:off x="1524000" y="428604"/>
+            <a:ext cx="7086600" cy="6215106"/>
+          </a:xfrm>
+        </p:spPr>
+        <p:txBody>
+          <a:bodyPr/>
+          <a:lstStyle/>
+          <a:p>
+            <a:r>
+              <a:rPr lang="en-US" sz="2000" dirty="0" smtClean="0"/>
+              <a:t>1998</a:t>
+            </a:r>
+            <a:r>
+              <a:rPr lang="zh-CN" altLang="en-US" sz="2000" dirty="0" smtClean="0"/>
+              <a:t>年</a:t>
+            </a:r>
+            <a:r>
+              <a:rPr lang="en-US" sz="2000" dirty="0" smtClean="0"/>
+              <a:t>12</a:t>
+            </a:r>
+            <a:r>
+              <a:rPr lang="zh-CN" altLang="en-US" sz="2000" dirty="0" smtClean="0"/>
+              <a:t>月</a:t>
+            </a:r>
+            <a:r>
+              <a:rPr lang="en-US" sz="2000" dirty="0" smtClean="0"/>
+              <a:t>8</a:t>
+            </a:r>
+            <a:r>
+              <a:rPr lang="zh-CN" altLang="en-US" sz="2000" dirty="0" smtClean="0"/>
+              <a:t>日，第二代</a:t>
+            </a:r>
+            <a:r>
+              <a:rPr lang="en-US" sz="2000" dirty="0" smtClean="0"/>
+              <a:t>Java</a:t>
+            </a:r>
+            <a:r>
+              <a:rPr lang="zh-CN" altLang="en-US" sz="2000" dirty="0" smtClean="0"/>
+              <a:t>平台的企业版</a:t>
+            </a:r>
+            <a:r>
+              <a:rPr lang="en-US" sz="2000" dirty="0" smtClean="0"/>
+              <a:t>J2EE</a:t>
+            </a:r>
+            <a:r>
+              <a:rPr lang="zh-CN" altLang="en-US" sz="2000" dirty="0" smtClean="0"/>
+              <a:t>发布。</a:t>
+            </a:r>
+            <a:r>
+              <a:rPr lang="en-US" sz="2000" dirty="0" smtClean="0"/>
+              <a:t>1999</a:t>
+            </a:r>
+            <a:r>
+              <a:rPr lang="zh-CN" altLang="en-US" sz="2000" dirty="0" smtClean="0"/>
+              <a:t>年</a:t>
+            </a:r>
+            <a:r>
+              <a:rPr lang="en-US" sz="2000" dirty="0" smtClean="0"/>
+              <a:t>6</a:t>
+            </a:r>
+            <a:r>
+              <a:rPr lang="zh-CN" altLang="en-US" sz="2000" dirty="0" smtClean="0"/>
+              <a:t>月，</a:t>
+            </a:r>
+            <a:r>
+              <a:rPr lang="en-US" sz="2000" dirty="0" smtClean="0"/>
+              <a:t>Sun</a:t>
+            </a:r>
+            <a:r>
+              <a:rPr lang="zh-CN" altLang="en-US" sz="2000" dirty="0" smtClean="0"/>
+              <a:t>公司发布了第二代</a:t>
+            </a:r>
+            <a:r>
+              <a:rPr lang="en-US" sz="2000" dirty="0" smtClean="0"/>
+              <a:t>Java</a:t>
+            </a:r>
+            <a:r>
+              <a:rPr lang="zh-CN" altLang="en-US" sz="2000" dirty="0" smtClean="0"/>
+              <a:t>平台（简称为</a:t>
+            </a:r>
+            <a:r>
+              <a:rPr lang="en-US" sz="2000" dirty="0" smtClean="0"/>
+              <a:t>Java2</a:t>
+            </a:r>
+            <a:r>
+              <a:rPr lang="zh-CN" altLang="en-US" sz="2000" dirty="0" smtClean="0"/>
+              <a:t>）的</a:t>
+            </a:r>
+            <a:r>
+              <a:rPr lang="en-US" sz="2000" dirty="0" smtClean="0"/>
+              <a:t>3</a:t>
+            </a:r>
+            <a:r>
+              <a:rPr lang="zh-CN" altLang="en-US" sz="2000" dirty="0" smtClean="0"/>
+              <a:t>个版本：</a:t>
+            </a:r>
+            <a:r>
+              <a:rPr lang="en-US" sz="2000" dirty="0" smtClean="0">
+                <a:hlinkClick r:id="rId2"/>
+              </a:rPr>
+              <a:t>J2ME</a:t>
+            </a:r>
+            <a:r>
+              <a:rPr lang="zh-CN" altLang="en-US" sz="2000" dirty="0" smtClean="0"/>
+              <a:t>（</a:t>
+            </a:r>
+            <a:r>
+              <a:rPr lang="en-US" sz="2000" dirty="0" smtClean="0"/>
+              <a:t>Java2 Micro Edition</a:t>
+            </a:r>
+            <a:r>
+              <a:rPr lang="zh-CN" altLang="en-US" sz="2000" dirty="0" smtClean="0"/>
+              <a:t>，</a:t>
+            </a:r>
+            <a:r>
+              <a:rPr lang="en-US" sz="2000" dirty="0" smtClean="0"/>
+              <a:t>Java2</a:t>
+            </a:r>
+            <a:r>
+              <a:rPr lang="zh-CN" altLang="en-US" sz="2000" dirty="0" smtClean="0"/>
+              <a:t>平台的微型版），应用于移动、无线及有限资源的环境；</a:t>
+            </a:r>
+            <a:r>
+              <a:rPr lang="en-US" sz="2000" dirty="0" smtClean="0">
+                <a:hlinkClick r:id="rId3"/>
+              </a:rPr>
+              <a:t>J2SE</a:t>
+            </a:r>
+            <a:r>
+              <a:rPr lang="zh-CN" altLang="en-US" sz="2000" dirty="0" smtClean="0"/>
+              <a:t>（</a:t>
+            </a:r>
+            <a:r>
+              <a:rPr lang="en-US" sz="2000" dirty="0" smtClean="0"/>
+              <a:t>Java 2 Standard Edition</a:t>
+            </a:r>
+            <a:r>
+              <a:rPr lang="zh-CN" altLang="en-US" sz="2000" dirty="0" smtClean="0"/>
+              <a:t>，</a:t>
+            </a:r>
+            <a:r>
+              <a:rPr lang="en-US" sz="2000" dirty="0" smtClean="0"/>
+              <a:t>Java 2</a:t>
+            </a:r>
+            <a:r>
+              <a:rPr lang="zh-CN" altLang="en-US" sz="2000" dirty="0" smtClean="0"/>
+              <a:t>平台的标准版），应用于桌面环境；</a:t>
+            </a:r>
+            <a:r>
+              <a:rPr lang="en-US" sz="2000" dirty="0" smtClean="0">
+                <a:hlinkClick r:id="rId4"/>
+              </a:rPr>
+              <a:t>J2EE</a:t>
+            </a:r>
+            <a:r>
+              <a:rPr lang="zh-CN" altLang="en-US" sz="2000" dirty="0" smtClean="0"/>
+              <a:t>（</a:t>
+            </a:r>
+            <a:r>
+              <a:rPr lang="en-US" sz="2000" dirty="0" smtClean="0"/>
+              <a:t>Java 2Enterprise Edition</a:t>
+            </a:r>
+            <a:r>
+              <a:rPr lang="zh-CN" altLang="en-US" sz="2000" dirty="0" smtClean="0"/>
+              <a:t>，</a:t>
+            </a:r>
+            <a:r>
+              <a:rPr lang="en-US" sz="2000" dirty="0" smtClean="0"/>
+              <a:t>Java 2</a:t>
+            </a:r>
+            <a:r>
+              <a:rPr lang="zh-CN" altLang="en-US" sz="2000" dirty="0" smtClean="0"/>
+              <a:t>平台的企业版），应用于基于</a:t>
+            </a:r>
+            <a:r>
+              <a:rPr lang="en-US" sz="2000" dirty="0" smtClean="0"/>
+              <a:t>Java</a:t>
+            </a:r>
+            <a:r>
+              <a:rPr lang="zh-CN" altLang="en-US" sz="2000" dirty="0" smtClean="0"/>
+              <a:t>的应用服务器。</a:t>
+            </a:r>
+            <a:r>
+              <a:rPr lang="en-US" sz="2000" dirty="0" smtClean="0"/>
+              <a:t>Java 2</a:t>
+            </a:r>
+            <a:r>
+              <a:rPr lang="zh-CN" altLang="en-US" sz="2000" dirty="0" smtClean="0"/>
+              <a:t>平台的发布，是</a:t>
+            </a:r>
+            <a:r>
+              <a:rPr lang="en-US" sz="2000" dirty="0" smtClean="0"/>
+              <a:t>Java</a:t>
+            </a:r>
+            <a:r>
+              <a:rPr lang="zh-CN" altLang="en-US" sz="2000" dirty="0" smtClean="0"/>
+              <a:t>发展过程中最重要的一个里程碑，标志着</a:t>
+            </a:r>
+            <a:r>
+              <a:rPr lang="en-US" sz="2000" dirty="0" smtClean="0"/>
+              <a:t>Java</a:t>
+            </a:r>
+            <a:r>
+              <a:rPr lang="zh-CN" altLang="en-US" sz="2000" dirty="0" smtClean="0"/>
+              <a:t>的应用开始普及。</a:t>
+            </a:r>
+          </a:p>
+          <a:p>
+            <a:r>
+              <a:rPr lang="en-US" sz="2000" dirty="0" smtClean="0"/>
+              <a:t>1999</a:t>
+            </a:r>
+            <a:r>
+              <a:rPr lang="zh-CN" altLang="en-US" sz="2000" dirty="0" smtClean="0"/>
+              <a:t>年</a:t>
+            </a:r>
+            <a:r>
+              <a:rPr lang="en-US" sz="2000" dirty="0" smtClean="0"/>
+              <a:t>4</a:t>
+            </a:r>
+            <a:r>
+              <a:rPr lang="zh-CN" altLang="en-US" sz="2000" dirty="0" smtClean="0"/>
+              <a:t>月</a:t>
+            </a:r>
+            <a:r>
+              <a:rPr lang="en-US" sz="2000" dirty="0" smtClean="0"/>
+              <a:t>27</a:t>
+            </a:r>
+            <a:r>
+              <a:rPr lang="zh-CN" altLang="en-US" sz="2000" dirty="0" smtClean="0"/>
+              <a:t>日，</a:t>
+            </a:r>
+            <a:r>
+              <a:rPr lang="en-US" sz="2000" dirty="0" err="1" smtClean="0"/>
+              <a:t>HotSpot</a:t>
+            </a:r>
+            <a:r>
+              <a:rPr lang="zh-CN" altLang="en-US" sz="2000" dirty="0" smtClean="0"/>
+              <a:t>虚拟机发布。</a:t>
+            </a:r>
+            <a:r>
+              <a:rPr lang="en-US" sz="2000" dirty="0" err="1" smtClean="0">
+                <a:hlinkClick r:id="rId5"/>
+              </a:rPr>
+              <a:t>HotSpot</a:t>
+            </a:r>
+            <a:r>
+              <a:rPr lang="zh-CN" altLang="en-US" sz="2000" dirty="0" smtClean="0"/>
+              <a:t>虚拟机发布时是作为</a:t>
+            </a:r>
+            <a:r>
+              <a:rPr lang="en-US" sz="2000" dirty="0" smtClean="0"/>
+              <a:t>JDK 1.2</a:t>
+            </a:r>
+            <a:r>
+              <a:rPr lang="zh-CN" altLang="en-US" sz="2000" dirty="0" smtClean="0"/>
+              <a:t>的附加程序提供的，后来它成为了</a:t>
+            </a:r>
+            <a:r>
+              <a:rPr lang="en-US" sz="2000" dirty="0" smtClean="0"/>
+              <a:t>JDK 1.3</a:t>
+            </a:r>
+            <a:r>
+              <a:rPr lang="zh-CN" altLang="en-US" sz="2000" dirty="0" smtClean="0"/>
+              <a:t>及之后所有版本的</a:t>
+            </a:r>
+            <a:r>
+              <a:rPr lang="en-US" sz="2000" dirty="0" smtClean="0"/>
+              <a:t>Sun JDK</a:t>
+            </a:r>
+            <a:r>
+              <a:rPr lang="zh-CN" altLang="en-US" sz="2000" dirty="0" smtClean="0"/>
+              <a:t>的默认虚拟机。</a:t>
+            </a:r>
+          </a:p>
+          <a:p>
+            <a:r>
+              <a:rPr lang="en-US" sz="2000" dirty="0" smtClean="0"/>
+              <a:t>2000</a:t>
+            </a:r>
+            <a:r>
+              <a:rPr lang="ja-JP" altLang="en-US" sz="2000" dirty="0" smtClean="0"/>
+              <a:t>年</a:t>
+            </a:r>
+            <a:r>
+              <a:rPr lang="en-US" sz="2000" dirty="0" smtClean="0"/>
+              <a:t>5</a:t>
+            </a:r>
+            <a:r>
+              <a:rPr lang="ja-JP" altLang="en-US" sz="2000" dirty="0" smtClean="0"/>
+              <a:t>月，</a:t>
+            </a:r>
+            <a:r>
+              <a:rPr lang="en-US" sz="2000" dirty="0" smtClean="0"/>
+              <a:t>JDK1.3</a:t>
+            </a:r>
+            <a:r>
+              <a:rPr lang="ja-JP" altLang="en-US" sz="2000" dirty="0" smtClean="0"/>
+              <a:t>、</a:t>
+            </a:r>
+            <a:r>
+              <a:rPr lang="en-US" sz="2000" dirty="0" smtClean="0"/>
+              <a:t>JDK1.4</a:t>
+            </a:r>
+            <a:r>
+              <a:rPr lang="ja-JP" altLang="en-US" sz="2000" dirty="0" smtClean="0"/>
+              <a:t>和</a:t>
+            </a:r>
+            <a:r>
+              <a:rPr lang="en-US" sz="2000" dirty="0" smtClean="0"/>
+              <a:t>J2SE1.3</a:t>
+            </a:r>
+            <a:r>
+              <a:rPr lang="ja-JP" altLang="en-US" sz="2000" dirty="0" smtClean="0"/>
+              <a:t>相继发布，几周后其获得了</a:t>
+            </a:r>
+            <a:r>
+              <a:rPr lang="en-US" sz="2000" dirty="0" smtClean="0">
+                <a:hlinkClick r:id="rId6"/>
+              </a:rPr>
+              <a:t>Apple</a:t>
+            </a:r>
+            <a:r>
+              <a:rPr lang="ja-JP" altLang="en-US" sz="2000" dirty="0" smtClean="0"/>
+              <a:t>公司</a:t>
+            </a:r>
+            <a:r>
+              <a:rPr lang="en-US" sz="2000" dirty="0" smtClean="0"/>
+              <a:t>Mac OS X</a:t>
+            </a:r>
+            <a:r>
+              <a:rPr lang="ja-JP" altLang="en-US" sz="2000" dirty="0" smtClean="0"/>
+              <a:t>的工业标准的支持。</a:t>
+            </a:r>
+            <a:r>
+              <a:rPr lang="en-US" sz="2000" dirty="0" smtClean="0"/>
+              <a:t>2001</a:t>
+            </a:r>
+            <a:r>
+              <a:rPr lang="ja-JP" altLang="en-US" sz="2000" dirty="0" smtClean="0"/>
+              <a:t>年</a:t>
+            </a:r>
+            <a:r>
+              <a:rPr lang="en-US" sz="2000" dirty="0" smtClean="0"/>
+              <a:t>9</a:t>
+            </a:r>
+            <a:r>
+              <a:rPr lang="ja-JP" altLang="en-US" sz="2000" dirty="0" smtClean="0"/>
+              <a:t>月</a:t>
+            </a:r>
+            <a:r>
+              <a:rPr lang="en-US" sz="2000" dirty="0" smtClean="0"/>
+              <a:t>24</a:t>
+            </a:r>
+            <a:r>
+              <a:rPr lang="ja-JP" altLang="en-US" sz="2000" dirty="0" smtClean="0"/>
+              <a:t>日，</a:t>
+            </a:r>
+            <a:r>
+              <a:rPr lang="en-US" sz="2000" dirty="0" smtClean="0"/>
+              <a:t>J2EE1.3</a:t>
+            </a:r>
+            <a:r>
+              <a:rPr lang="ja-JP" altLang="en-US" sz="2000" dirty="0" smtClean="0"/>
+              <a:t>发布。</a:t>
+            </a:r>
+            <a:r>
+              <a:rPr lang="en-US" sz="2000" dirty="0" smtClean="0"/>
+              <a:t>2002</a:t>
+            </a:r>
+            <a:r>
+              <a:rPr lang="zh-CN" altLang="en-US" sz="2000" dirty="0" smtClean="0"/>
+              <a:t>年</a:t>
+            </a:r>
+            <a:r>
+              <a:rPr lang="en-US" sz="2000" dirty="0" smtClean="0"/>
+              <a:t>2</a:t>
+            </a:r>
+            <a:r>
+              <a:rPr lang="zh-CN" altLang="en-US" sz="2000" dirty="0" smtClean="0"/>
+              <a:t>月</a:t>
+            </a:r>
+            <a:r>
+              <a:rPr lang="en-US" sz="2000" dirty="0" smtClean="0"/>
+              <a:t>26</a:t>
+            </a:r>
+            <a:r>
+              <a:rPr lang="zh-CN" altLang="en-US" sz="2000" dirty="0" smtClean="0"/>
+              <a:t>日，</a:t>
+            </a:r>
+            <a:r>
+              <a:rPr lang="en-US" sz="2000" dirty="0" smtClean="0"/>
+              <a:t>J2SE1.4</a:t>
+            </a:r>
+            <a:r>
+              <a:rPr lang="zh-CN" altLang="en-US" sz="2000" dirty="0" smtClean="0"/>
+              <a:t>发布。自此</a:t>
+            </a:r>
+            <a:r>
+              <a:rPr lang="en-US" sz="2000" dirty="0" smtClean="0"/>
+              <a:t>Java</a:t>
+            </a:r>
+            <a:r>
+              <a:rPr lang="zh-CN" altLang="en-US" sz="2000" dirty="0" smtClean="0"/>
+              <a:t>的计算能力有了大幅提升，与</a:t>
+            </a:r>
+            <a:r>
+              <a:rPr lang="en-US" sz="2000" dirty="0" smtClean="0"/>
+              <a:t>J2SE1.3</a:t>
+            </a:r>
+            <a:r>
+              <a:rPr lang="zh-CN" altLang="en-US" sz="2000" dirty="0" smtClean="0"/>
+              <a:t>相比，其多了近</a:t>
+            </a:r>
+            <a:r>
+              <a:rPr lang="en-US" sz="2000" dirty="0" smtClean="0"/>
+              <a:t>62%</a:t>
+            </a:r>
+            <a:r>
+              <a:rPr lang="zh-CN" altLang="en-US" sz="2000" dirty="0" smtClean="0"/>
+              <a:t>的类和接口。在这些新特性当中，还提供了广泛的</a:t>
+            </a:r>
+            <a:r>
+              <a:rPr lang="en-US" sz="2000" dirty="0" smtClean="0">
+                <a:hlinkClick r:id="rId7"/>
+              </a:rPr>
+              <a:t>XML</a:t>
+            </a:r>
+            <a:r>
+              <a:rPr lang="zh-CN" altLang="en-US" sz="2000" dirty="0" smtClean="0"/>
+              <a:t>支持、安全套接字</a:t>
+            </a:r>
+            <a:r>
+              <a:rPr lang="zh-CN" altLang="en-US" sz="2000" i="1" dirty="0" smtClean="0"/>
+              <a:t>（</a:t>
+            </a:r>
+            <a:r>
+              <a:rPr lang="en-US" sz="2000" i="1" dirty="0" smtClean="0"/>
+              <a:t>Socket</a:t>
+            </a:r>
+            <a:r>
+              <a:rPr lang="zh-CN" altLang="en-US" sz="2000" i="1" dirty="0" smtClean="0"/>
+              <a:t>）</a:t>
+            </a:r>
+            <a:r>
+              <a:rPr lang="zh-CN" altLang="en-US" sz="2000" dirty="0" smtClean="0"/>
+              <a:t>支持</a:t>
+            </a:r>
+            <a:r>
+              <a:rPr lang="zh-CN" altLang="en-US" sz="2000" i="1" dirty="0" smtClean="0"/>
+              <a:t>（通过</a:t>
+            </a:r>
+            <a:r>
+              <a:rPr lang="en-US" sz="2000" i="1" dirty="0" smtClean="0"/>
+              <a:t>SSL</a:t>
+            </a:r>
+            <a:r>
+              <a:rPr lang="zh-CN" altLang="en-US" sz="2000" i="1" dirty="0" smtClean="0"/>
+              <a:t>与</a:t>
+            </a:r>
+            <a:r>
+              <a:rPr lang="en-US" sz="2000" i="1" dirty="0" smtClean="0"/>
+              <a:t>TLS</a:t>
+            </a:r>
+            <a:r>
+              <a:rPr lang="zh-CN" altLang="en-US" sz="2000" i="1" dirty="0" smtClean="0"/>
+              <a:t>协议）</a:t>
+            </a:r>
+            <a:r>
+              <a:rPr lang="zh-CN" altLang="en-US" sz="2000" dirty="0" smtClean="0"/>
+              <a:t>、全新的</a:t>
+            </a:r>
+            <a:r>
+              <a:rPr lang="en-US" sz="2000" dirty="0" smtClean="0"/>
+              <a:t>I/OAPI</a:t>
+            </a:r>
+            <a:r>
+              <a:rPr lang="zh-CN" altLang="en-US" sz="2000" dirty="0" smtClean="0"/>
+              <a:t>、正则表达式、日志与断言。</a:t>
+            </a:r>
+            <a:r>
+              <a:rPr lang="en-US" sz="2000" dirty="0" smtClean="0"/>
+              <a:t>2004</a:t>
+            </a:r>
+            <a:r>
+              <a:rPr lang="zh-CN" altLang="en-US" sz="2000" dirty="0" smtClean="0"/>
+              <a:t>年</a:t>
+            </a:r>
+            <a:r>
+              <a:rPr lang="en-US" sz="2000" dirty="0" smtClean="0"/>
+              <a:t>9</a:t>
+            </a:r>
+            <a:r>
+              <a:rPr lang="zh-CN" altLang="en-US" sz="2000" dirty="0" smtClean="0"/>
+              <a:t>月</a:t>
+            </a:r>
+            <a:r>
+              <a:rPr lang="en-US" sz="2000" dirty="0" smtClean="0"/>
+              <a:t>30</a:t>
+            </a:r>
+            <a:r>
+              <a:rPr lang="zh-CN" altLang="en-US" sz="2000" dirty="0" smtClean="0"/>
+              <a:t>日，</a:t>
+            </a:r>
+            <a:r>
+              <a:rPr lang="en-US" sz="2000" dirty="0" smtClean="0"/>
+              <a:t>J2SE1.5</a:t>
+            </a:r>
+            <a:r>
+              <a:rPr lang="zh-CN" altLang="en-US" sz="2000" dirty="0" smtClean="0"/>
+              <a:t>发布，成为</a:t>
+            </a:r>
+            <a:r>
+              <a:rPr lang="en-US" sz="2000" dirty="0" smtClean="0"/>
+              <a:t>Java</a:t>
+            </a:r>
+            <a:r>
+              <a:rPr lang="zh-CN" altLang="en-US" sz="2000" dirty="0" smtClean="0"/>
+              <a:t>语言发展史上的又一里程碑。为了表示该版本的重要性，</a:t>
+            </a:r>
+            <a:r>
+              <a:rPr lang="en-US" sz="2000" dirty="0" smtClean="0"/>
+              <a:t>J2SE 1.5</a:t>
+            </a:r>
+            <a:r>
+              <a:rPr lang="zh-CN" altLang="en-US" sz="2000" dirty="0" smtClean="0"/>
+              <a:t>更名为</a:t>
+            </a:r>
+            <a:r>
+              <a:rPr lang="en-US" sz="2000" dirty="0" smtClean="0"/>
+              <a:t>Java SE 5.0</a:t>
+            </a:r>
+            <a:r>
+              <a:rPr lang="zh-CN" altLang="en-US" sz="2000" i="1" dirty="0" smtClean="0"/>
+              <a:t>（内部版本号</a:t>
+            </a:r>
+            <a:r>
+              <a:rPr lang="en-US" sz="2000" i="1" dirty="0" smtClean="0"/>
+              <a:t>1.5.0</a:t>
+            </a:r>
+            <a:r>
+              <a:rPr lang="zh-CN" altLang="en-US" sz="2000" i="1" dirty="0" smtClean="0"/>
+              <a:t>）</a:t>
+            </a:r>
+            <a:r>
+              <a:rPr lang="zh-CN" altLang="en-US" sz="2000" dirty="0" smtClean="0"/>
+              <a:t>，代号为</a:t>
+            </a:r>
+            <a:r>
+              <a:rPr lang="en-US" sz="2000" dirty="0" smtClean="0"/>
+              <a:t>“Tiger”</a:t>
+            </a:r>
+            <a:r>
+              <a:rPr lang="zh-CN" altLang="en-US" sz="2000" dirty="0" smtClean="0"/>
+              <a:t>，</a:t>
+            </a:r>
+            <a:r>
+              <a:rPr lang="en-US" sz="2000" dirty="0" smtClean="0"/>
+              <a:t>Tiger</a:t>
+            </a:r>
+            <a:r>
+              <a:rPr lang="zh-CN" altLang="en-US" sz="2000" dirty="0" smtClean="0"/>
+              <a:t>包含了从</a:t>
+            </a:r>
+            <a:r>
+              <a:rPr lang="en-US" sz="2000" dirty="0" smtClean="0"/>
+              <a:t>1996</a:t>
+            </a:r>
+            <a:r>
+              <a:rPr lang="zh-CN" altLang="en-US" sz="2000" dirty="0" smtClean="0"/>
+              <a:t>年发布</a:t>
+            </a:r>
+            <a:r>
+              <a:rPr lang="en-US" sz="2000" dirty="0" smtClean="0"/>
+              <a:t>1.0</a:t>
+            </a:r>
+            <a:r>
+              <a:rPr lang="zh-CN" altLang="en-US" sz="2000" dirty="0" smtClean="0"/>
+              <a:t>版本以来的最重大的更新，其中包括泛型支持、基本类型的自动装箱、改进的循环、枚举类型、格式化</a:t>
+            </a:r>
+            <a:r>
+              <a:rPr lang="en-US" sz="2000" dirty="0" smtClean="0"/>
+              <a:t>I/O</a:t>
+            </a:r>
+            <a:r>
+              <a:rPr lang="zh-CN" altLang="en-US" sz="2000" dirty="0" smtClean="0"/>
+              <a:t>及可变参数。</a:t>
+            </a:r>
+          </a:p>
+          <a:p>
+            <a:endParaRPr lang="ja-JP" altLang="en-US" dirty="0"/>
+          </a:p>
+        </p:txBody>
+      </p:sp>
+    </p:spTree>
+  </p:cSld>
+  <p:clrMapOvr>
+    <a:masterClrMapping/>
+  </p:clrMapOvr>
+  <p:transition/>
+  <p:timing>
+    <p:tnLst>
+      <p:par>
+        <p:cTn id="1" dur="indefinite" restart="never" nodeType="tmRoot"/>
+      </p:par>
+    </p:tnLst>
+  </p:timing>
+</p:sld>
+</file>
+
+<file path=ppt/slides/slide15.xml><?xml version="1.0" encoding="utf-8"?>
+<p:sld xmlns:a="http://schemas.openxmlformats.org/drawingml/2006/main" xmlns:r="http://schemas.openxmlformats.org/officeDocument/2006/relationships" xmlns:p="http://schemas.openxmlformats.org/presentationml/2006/main">
+  <p:cSld>
+    <p:spTree>
+      <p:nvGrpSpPr>
+        <p:cNvPr id="1" name=""/>
+        <p:cNvGrpSpPr/>
+        <p:nvPr/>
+      </p:nvGrpSpPr>
+      <p:grpSpPr>
+        <a:xfrm>
+          <a:off x="0" y="0"/>
+          <a:ext cx="0" cy="0"/>
+          <a:chOff x="0" y="0"/>
+          <a:chExt cx="0" cy="0"/>
+        </a:xfrm>
+      </p:grpSpPr>
+      <p:sp>
+        <p:nvSpPr>
           <p:cNvPr id="3" name="コンテンツ プレースホルダー 2"/>
           <p:cNvSpPr>
             <a:spLocks noGrp="1"/>
@@ -11482,7 +13561,7 @@
     </p:spTree>
     <p:extLst>
       <p:ext uri="{BB962C8B-B14F-4D97-AF65-F5344CB8AC3E}">
-        <p14:creationId xmlns:p14="http://schemas.microsoft.com/office/powerpoint/2010/main" xmlns="" val="2962440247"/>
+        <p14:creationId xmlns:p14="http://schemas.microsoft.com/office/powerpoint/2010/main" val="2962440247"/>
       </p:ext>
     </p:extLst>
   </p:cSld>
@@ -11500,7 +13579,7 @@
 </p:sld>
 </file>
 
-<file path=ppt/slides/slide15.xml><?xml version="1.0" encoding="utf-8"?>
+<file path=ppt/slides/slide16.xml><?xml version="1.0" encoding="utf-8"?>
 <p:sld xmlns:a="http://schemas.openxmlformats.org/drawingml/2006/main" xmlns:r="http://schemas.openxmlformats.org/officeDocument/2006/relationships" xmlns:p="http://schemas.openxmlformats.org/presentationml/2006/main">
   <p:cSld>
     <p:spTree>
@@ -11883,7 +13962,7 @@
 </p:sld>
 </file>
 
-<file path=ppt/slides/slide16.xml><?xml version="1.0" encoding="utf-8"?>
+<file path=ppt/slides/slide17.xml><?xml version="1.0" encoding="utf-8"?>
 <p:sld xmlns:a="http://schemas.openxmlformats.org/drawingml/2006/main" xmlns:r="http://schemas.openxmlformats.org/officeDocument/2006/relationships" xmlns:p="http://schemas.openxmlformats.org/presentationml/2006/main">
   <p:cSld>
     <p:spTree>
@@ -12092,7 +14171,7 @@
 </p:sld>
 </file>
 
-<file path=ppt/slides/slide17.xml><?xml version="1.0" encoding="utf-8"?>
+<file path=ppt/slides/slide18.xml><?xml version="1.0" encoding="utf-8"?>
 <p:sld xmlns:a="http://schemas.openxmlformats.org/drawingml/2006/main" xmlns:r="http://schemas.openxmlformats.org/officeDocument/2006/relationships" xmlns:p="http://schemas.openxmlformats.org/presentationml/2006/main">
   <p:cSld>
     <p:spTree>
@@ -12456,7 +14535,7 @@
 </p:sld>
 </file>
 
-<file path=ppt/slides/slide18.xml><?xml version="1.0" encoding="utf-8"?>
+<file path=ppt/slides/slide19.xml><?xml version="1.0" encoding="utf-8"?>
 <p:sld xmlns:a="http://schemas.openxmlformats.org/drawingml/2006/main" xmlns:r="http://schemas.openxmlformats.org/officeDocument/2006/relationships" xmlns:p="http://schemas.openxmlformats.org/presentationml/2006/main">
   <p:cSld>
     <p:spTree>
@@ -12631,347 +14710,6 @@
           </a:p>
           <a:p>
             <a:endParaRPr lang="zh-CN" altLang="en-US" dirty="0"/>
-          </a:p>
-        </p:txBody>
-      </p:sp>
-    </p:spTree>
-  </p:cSld>
-  <p:clrMapOvr>
-    <a:masterClrMapping/>
-  </p:clrMapOvr>
-  <p:transition/>
-</p:sld>
-</file>
-
-<file path=ppt/slides/slide19.xml><?xml version="1.0" encoding="utf-8"?>
-<p:sld xmlns:a="http://schemas.openxmlformats.org/drawingml/2006/main" xmlns:r="http://schemas.openxmlformats.org/officeDocument/2006/relationships" xmlns:p="http://schemas.openxmlformats.org/presentationml/2006/main">
-  <p:cSld>
-    <p:spTree>
-      <p:nvGrpSpPr>
-        <p:cNvPr id="1" name=""/>
-        <p:cNvGrpSpPr/>
-        <p:nvPr/>
-      </p:nvGrpSpPr>
-      <p:grpSpPr>
-        <a:xfrm>
-          <a:off x="0" y="0"/>
-          <a:ext cx="0" cy="0"/>
-          <a:chOff x="0" y="0"/>
-          <a:chExt cx="0" cy="0"/>
-        </a:xfrm>
-      </p:grpSpPr>
-      <p:sp>
-        <p:nvSpPr>
-          <p:cNvPr id="2" name="标题 1"/>
-          <p:cNvSpPr>
-            <a:spLocks noGrp="1"/>
-          </p:cNvSpPr>
-          <p:nvPr>
-            <p:ph type="title"/>
-          </p:nvPr>
-        </p:nvSpPr>
-        <p:spPr>
-          <a:xfrm>
-            <a:off x="1524000" y="442882"/>
-            <a:ext cx="7086600" cy="700102"/>
-          </a:xfrm>
-        </p:spPr>
-        <p:txBody>
-          <a:bodyPr/>
-          <a:lstStyle/>
-          <a:p>
-            <a:r>
-              <a:rPr lang="zh-CN" altLang="en-US" dirty="0" smtClean="0">
-                <a:latin typeface="KF-GB P Mincho UB" pitchFamily="18" charset="-122"/>
-                <a:ea typeface="KF-GB P Mincho UB" pitchFamily="18" charset="-122"/>
-              </a:rPr>
-              <a:t>补充</a:t>
-            </a:r>
-            <a:endParaRPr lang="zh-CN" altLang="en-US" dirty="0">
-              <a:latin typeface="KF-GB P Mincho UB" pitchFamily="18" charset="-122"/>
-              <a:ea typeface="KF-GB P Mincho UB" pitchFamily="18" charset="-122"/>
-            </a:endParaRPr>
-          </a:p>
-        </p:txBody>
-      </p:sp>
-      <p:sp>
-        <p:nvSpPr>
-          <p:cNvPr id="3" name="内容占位符 2"/>
-          <p:cNvSpPr>
-            <a:spLocks noGrp="1"/>
-          </p:cNvSpPr>
-          <p:nvPr>
-            <p:ph idx="1"/>
-          </p:nvPr>
-        </p:nvSpPr>
-        <p:spPr>
-          <a:xfrm>
-            <a:off x="1428728" y="1285860"/>
-            <a:ext cx="7358114" cy="5072098"/>
-          </a:xfrm>
-        </p:spPr>
-        <p:txBody>
-          <a:bodyPr/>
-          <a:lstStyle/>
-          <a:p>
-            <a:r>
-              <a:rPr lang="en-US" dirty="0" smtClean="0">
-                <a:latin typeface="KF-GB P Mincho UB" pitchFamily="18" charset="-122"/>
-                <a:ea typeface="KF-GB P Mincho UB" pitchFamily="18" charset="-122"/>
-              </a:rPr>
-              <a:t>Apache</a:t>
-            </a:r>
-            <a:r>
-              <a:rPr lang="zh-CN" altLang="en-US" dirty="0" smtClean="0">
-                <a:latin typeface="KF-GB P Mincho UB" pitchFamily="18" charset="-122"/>
-                <a:ea typeface="KF-GB P Mincho UB" pitchFamily="18" charset="-122"/>
-              </a:rPr>
-              <a:t>软件基金会</a:t>
-            </a:r>
-            <a:endParaRPr lang="en-US" altLang="zh-CN" dirty="0" smtClean="0">
-              <a:latin typeface="KF-GB P Mincho UB" pitchFamily="18" charset="-122"/>
-              <a:ea typeface="KF-GB P Mincho UB" pitchFamily="18" charset="-122"/>
-            </a:endParaRPr>
-          </a:p>
-          <a:p>
-            <a:pPr>
-              <a:buNone/>
-            </a:pPr>
-            <a:endParaRPr lang="en-US" sz="2400" dirty="0" smtClean="0">
-              <a:latin typeface="KF-GB P Mincho UB" pitchFamily="18" charset="-122"/>
-              <a:ea typeface="KF-GB P Mincho UB" pitchFamily="18" charset="-122"/>
-            </a:endParaRPr>
-          </a:p>
-          <a:p>
-            <a:pPr>
-              <a:buNone/>
-            </a:pPr>
-            <a:r>
-              <a:rPr lang="en-US" sz="2400" dirty="0" smtClean="0">
-                <a:latin typeface="KF-GB P Mincho UB" pitchFamily="18" charset="-122"/>
-                <a:ea typeface="KF-GB P Mincho UB" pitchFamily="18" charset="-122"/>
-              </a:rPr>
-              <a:t>   </a:t>
-            </a:r>
-            <a:r>
-              <a:rPr lang="en-US" sz="2400" dirty="0" smtClean="0">
-                <a:latin typeface="华文楷体" pitchFamily="2" charset="-122"/>
-                <a:ea typeface="华文楷体" pitchFamily="2" charset="-122"/>
-              </a:rPr>
-              <a:t>Apache</a:t>
-            </a:r>
-            <a:r>
-              <a:rPr lang="zh-CN" altLang="en-US" sz="2400" dirty="0" smtClean="0">
-                <a:latin typeface="华文楷体" pitchFamily="2" charset="-122"/>
-                <a:ea typeface="华文楷体" pitchFamily="2" charset="-122"/>
-              </a:rPr>
-              <a:t>软件基金会正式创建于</a:t>
-            </a:r>
-            <a:r>
-              <a:rPr lang="en-US" sz="2400" dirty="0" smtClean="0">
-                <a:latin typeface="华文楷体" pitchFamily="2" charset="-122"/>
-                <a:ea typeface="华文楷体" pitchFamily="2" charset="-122"/>
-              </a:rPr>
-              <a:t>1999</a:t>
-            </a:r>
-            <a:r>
-              <a:rPr lang="zh-CN" altLang="en-US" sz="2400" dirty="0" smtClean="0">
-                <a:latin typeface="华文楷体" pitchFamily="2" charset="-122"/>
-                <a:ea typeface="华文楷体" pitchFamily="2" charset="-122"/>
-              </a:rPr>
-              <a:t>年</a:t>
-            </a:r>
-            <a:r>
-              <a:rPr lang="en-US" sz="2400" dirty="0" smtClean="0">
-                <a:latin typeface="华文楷体" pitchFamily="2" charset="-122"/>
-                <a:ea typeface="华文楷体" pitchFamily="2" charset="-122"/>
-              </a:rPr>
-              <a:t>7</a:t>
-            </a:r>
-            <a:r>
-              <a:rPr lang="zh-CN" altLang="en-US" sz="2400" dirty="0" smtClean="0">
-                <a:latin typeface="华文楷体" pitchFamily="2" charset="-122"/>
-                <a:ea typeface="华文楷体" pitchFamily="2" charset="-122"/>
-              </a:rPr>
-              <a:t>月，它的创建者是一个自称为</a:t>
-            </a:r>
-            <a:r>
-              <a:rPr lang="en-US" sz="2400" dirty="0" smtClean="0">
-                <a:latin typeface="华文楷体" pitchFamily="2" charset="-122"/>
-                <a:ea typeface="华文楷体" pitchFamily="2" charset="-122"/>
-              </a:rPr>
-              <a:t>“Apache</a:t>
-            </a:r>
-            <a:r>
-              <a:rPr lang="zh-CN" altLang="en-US" sz="2400" dirty="0" smtClean="0">
-                <a:latin typeface="华文楷体" pitchFamily="2" charset="-122"/>
-                <a:ea typeface="华文楷体" pitchFamily="2" charset="-122"/>
-              </a:rPr>
-              <a:t>组织</a:t>
-            </a:r>
-            <a:r>
-              <a:rPr lang="en-US" sz="2400" dirty="0" smtClean="0">
-                <a:latin typeface="华文楷体" pitchFamily="2" charset="-122"/>
-                <a:ea typeface="华文楷体" pitchFamily="2" charset="-122"/>
-              </a:rPr>
-              <a:t>”</a:t>
-            </a:r>
-            <a:r>
-              <a:rPr lang="zh-CN" altLang="en-US" sz="2400" dirty="0" smtClean="0">
-                <a:latin typeface="华文楷体" pitchFamily="2" charset="-122"/>
-                <a:ea typeface="华文楷体" pitchFamily="2" charset="-122"/>
-              </a:rPr>
-              <a:t>的群体。这个</a:t>
-            </a:r>
-            <a:r>
-              <a:rPr lang="en-US" sz="2400" dirty="0" smtClean="0">
-                <a:latin typeface="华文楷体" pitchFamily="2" charset="-122"/>
-                <a:ea typeface="华文楷体" pitchFamily="2" charset="-122"/>
-              </a:rPr>
-              <a:t>“Apache</a:t>
-            </a:r>
-            <a:r>
-              <a:rPr lang="zh-CN" altLang="en-US" sz="2400" dirty="0" smtClean="0">
-                <a:latin typeface="华文楷体" pitchFamily="2" charset="-122"/>
-                <a:ea typeface="华文楷体" pitchFamily="2" charset="-122"/>
-              </a:rPr>
-              <a:t>组织</a:t>
-            </a:r>
-            <a:r>
-              <a:rPr lang="en-US" sz="2400" dirty="0" smtClean="0">
-                <a:latin typeface="华文楷体" pitchFamily="2" charset="-122"/>
-                <a:ea typeface="华文楷体" pitchFamily="2" charset="-122"/>
-              </a:rPr>
-              <a:t>”</a:t>
-            </a:r>
-            <a:r>
-              <a:rPr lang="zh-CN" altLang="en-US" sz="2400" dirty="0" smtClean="0">
-                <a:latin typeface="华文楷体" pitchFamily="2" charset="-122"/>
-                <a:ea typeface="华文楷体" pitchFamily="2" charset="-122"/>
-              </a:rPr>
-              <a:t>在</a:t>
-            </a:r>
-            <a:r>
-              <a:rPr lang="en-US" sz="2400" dirty="0" smtClean="0">
-                <a:latin typeface="华文楷体" pitchFamily="2" charset="-122"/>
-                <a:ea typeface="华文楷体" pitchFamily="2" charset="-122"/>
-              </a:rPr>
-              <a:t>1999</a:t>
-            </a:r>
-            <a:r>
-              <a:rPr lang="zh-CN" altLang="en-US" sz="2400" dirty="0" smtClean="0">
-                <a:latin typeface="华文楷体" pitchFamily="2" charset="-122"/>
-                <a:ea typeface="华文楷体" pitchFamily="2" charset="-122"/>
-              </a:rPr>
-              <a:t>年以前就已经存在很长时间了，这个组织的开发爱好者们聚集在一起，在美国伊利诺伊斯大学超级计算机应用程序国家中心（</a:t>
-            </a:r>
-            <a:r>
-              <a:rPr lang="en-US" sz="2400" dirty="0" smtClean="0">
-                <a:latin typeface="华文楷体" pitchFamily="2" charset="-122"/>
-                <a:ea typeface="华文楷体" pitchFamily="2" charset="-122"/>
-              </a:rPr>
-              <a:t>National Center for Supercomputing Applications</a:t>
-            </a:r>
-            <a:r>
-              <a:rPr lang="zh-CN" altLang="en-US" sz="2400" dirty="0" smtClean="0">
-                <a:latin typeface="华文楷体" pitchFamily="2" charset="-122"/>
-                <a:ea typeface="华文楷体" pitchFamily="2" charset="-122"/>
-              </a:rPr>
-              <a:t>，简称为</a:t>
-            </a:r>
-            <a:r>
-              <a:rPr lang="en-US" sz="2400" dirty="0" smtClean="0">
-                <a:latin typeface="华文楷体" pitchFamily="2" charset="-122"/>
-                <a:ea typeface="华文楷体" pitchFamily="2" charset="-122"/>
-                <a:hlinkClick r:id="rId2"/>
-              </a:rPr>
-              <a:t>NCSA</a:t>
-            </a:r>
-            <a:r>
-              <a:rPr lang="zh-CN" altLang="en-US" sz="2400" dirty="0" smtClean="0">
-                <a:latin typeface="华文楷体" pitchFamily="2" charset="-122"/>
-                <a:ea typeface="华文楷体" pitchFamily="2" charset="-122"/>
-              </a:rPr>
-              <a:t>）开发的</a:t>
-            </a:r>
-            <a:r>
-              <a:rPr lang="en-US" sz="2400" dirty="0" smtClean="0">
-                <a:latin typeface="华文楷体" pitchFamily="2" charset="-122"/>
-                <a:ea typeface="华文楷体" pitchFamily="2" charset="-122"/>
-              </a:rPr>
-              <a:t>NCSA </a:t>
-            </a:r>
-            <a:r>
-              <a:rPr lang="en-US" sz="2400" dirty="0" err="1" smtClean="0">
-                <a:latin typeface="华文楷体" pitchFamily="2" charset="-122"/>
-                <a:ea typeface="华文楷体" pitchFamily="2" charset="-122"/>
-              </a:rPr>
-              <a:t>HTTPd</a:t>
-            </a:r>
-            <a:r>
-              <a:rPr lang="zh-CN" altLang="en-US" sz="2400" dirty="0" smtClean="0">
-                <a:latin typeface="华文楷体" pitchFamily="2" charset="-122"/>
-                <a:ea typeface="华文楷体" pitchFamily="2" charset="-122"/>
-              </a:rPr>
-              <a:t>服务器的基础上开发与维护了一个叫</a:t>
-            </a:r>
-            <a:r>
-              <a:rPr lang="en-US" sz="2400" dirty="0" smtClean="0">
-                <a:latin typeface="华文楷体" pitchFamily="2" charset="-122"/>
-                <a:ea typeface="华文楷体" pitchFamily="2" charset="-122"/>
-              </a:rPr>
-              <a:t>Apache</a:t>
-            </a:r>
-            <a:r>
-              <a:rPr lang="zh-CN" altLang="en-US" sz="2400" dirty="0" smtClean="0">
-                <a:latin typeface="华文楷体" pitchFamily="2" charset="-122"/>
-                <a:ea typeface="华文楷体" pitchFamily="2" charset="-122"/>
-              </a:rPr>
-              <a:t>的</a:t>
-            </a:r>
-            <a:r>
-              <a:rPr lang="en-US" sz="2400" dirty="0" err="1" smtClean="0">
-                <a:latin typeface="华文楷体" pitchFamily="2" charset="-122"/>
-                <a:ea typeface="华文楷体" pitchFamily="2" charset="-122"/>
-                <a:hlinkClick r:id="rId3"/>
-              </a:rPr>
-              <a:t>HTTP服务器</a:t>
-            </a:r>
-            <a:r>
-              <a:rPr lang="zh-CN" altLang="en-US" sz="2400" dirty="0" smtClean="0">
-                <a:latin typeface="华文楷体" pitchFamily="2" charset="-122"/>
-                <a:ea typeface="华文楷体" pitchFamily="2" charset="-122"/>
-              </a:rPr>
-              <a:t>。</a:t>
-            </a:r>
-            <a:endParaRPr lang="en-US" altLang="zh-CN" sz="2400" dirty="0" smtClean="0">
-              <a:latin typeface="华文楷体" pitchFamily="2" charset="-122"/>
-              <a:ea typeface="华文楷体" pitchFamily="2" charset="-122"/>
-            </a:endParaRPr>
-          </a:p>
-          <a:p>
-            <a:pPr>
-              <a:buNone/>
-            </a:pPr>
-            <a:endParaRPr lang="en-US" altLang="zh-CN" sz="2400" dirty="0" smtClean="0">
-              <a:latin typeface="华文楷体" pitchFamily="2" charset="-122"/>
-              <a:ea typeface="华文楷体" pitchFamily="2" charset="-122"/>
-            </a:endParaRPr>
-          </a:p>
-          <a:p>
-            <a:pPr>
-              <a:buNone/>
-            </a:pPr>
-            <a:endParaRPr lang="zh-CN" altLang="en-US" sz="2400" dirty="0" smtClean="0">
-              <a:latin typeface="华文楷体" pitchFamily="2" charset="-122"/>
-              <a:ea typeface="华文楷体" pitchFamily="2" charset="-122"/>
-            </a:endParaRPr>
-          </a:p>
-          <a:p>
-            <a:endParaRPr lang="zh-CN" altLang="en-US" dirty="0">
-              <a:latin typeface="KF-GB P Mincho UB" pitchFamily="18" charset="-122"/>
-              <a:ea typeface="KF-GB P Mincho UB" pitchFamily="18" charset="-122"/>
-            </a:endParaRPr>
           </a:p>
         </p:txBody>
       </p:sp>
@@ -13118,7 +14856,7 @@
           <p:nvPr>
             <p:extLst>
               <p:ext uri="{D42A27DB-BD31-4B8C-83A1-F6EECF244321}">
-                <p14:modId xmlns:p14="http://schemas.microsoft.com/office/powerpoint/2010/main" xmlns="" val="567323000"/>
+                <p14:modId xmlns:p14="http://schemas.microsoft.com/office/powerpoint/2010/main" val="567323000"/>
               </p:ext>
             </p:extLst>
           </p:nvPr>
@@ -13136,7 +14874,7 @@
     </p:spTree>
     <p:extLst>
       <p:ext uri="{BB962C8B-B14F-4D97-AF65-F5344CB8AC3E}">
-        <p14:creationId xmlns:p14="http://schemas.microsoft.com/office/powerpoint/2010/main" xmlns="" val="1172025170"/>
+        <p14:creationId xmlns:p14="http://schemas.microsoft.com/office/powerpoint/2010/main" val="1172025170"/>
       </p:ext>
     </p:extLst>
   </p:cSld>
@@ -13254,6 +14992,347 @@
       </p:grpSpPr>
       <p:sp>
         <p:nvSpPr>
+          <p:cNvPr id="2" name="标题 1"/>
+          <p:cNvSpPr>
+            <a:spLocks noGrp="1"/>
+          </p:cNvSpPr>
+          <p:nvPr>
+            <p:ph type="title"/>
+          </p:nvPr>
+        </p:nvSpPr>
+        <p:spPr>
+          <a:xfrm>
+            <a:off x="1524000" y="442882"/>
+            <a:ext cx="7086600" cy="700102"/>
+          </a:xfrm>
+        </p:spPr>
+        <p:txBody>
+          <a:bodyPr/>
+          <a:lstStyle/>
+          <a:p>
+            <a:r>
+              <a:rPr lang="zh-CN" altLang="en-US" dirty="0" smtClean="0">
+                <a:latin typeface="KF-GB P Mincho UB" pitchFamily="18" charset="-122"/>
+                <a:ea typeface="KF-GB P Mincho UB" pitchFamily="18" charset="-122"/>
+              </a:rPr>
+              <a:t>补充</a:t>
+            </a:r>
+            <a:endParaRPr lang="zh-CN" altLang="en-US" dirty="0">
+              <a:latin typeface="KF-GB P Mincho UB" pitchFamily="18" charset="-122"/>
+              <a:ea typeface="KF-GB P Mincho UB" pitchFamily="18" charset="-122"/>
+            </a:endParaRPr>
+          </a:p>
+        </p:txBody>
+      </p:sp>
+      <p:sp>
+        <p:nvSpPr>
+          <p:cNvPr id="3" name="内容占位符 2"/>
+          <p:cNvSpPr>
+            <a:spLocks noGrp="1"/>
+          </p:cNvSpPr>
+          <p:nvPr>
+            <p:ph idx="1"/>
+          </p:nvPr>
+        </p:nvSpPr>
+        <p:spPr>
+          <a:xfrm>
+            <a:off x="1428728" y="1285860"/>
+            <a:ext cx="7358114" cy="5072098"/>
+          </a:xfrm>
+        </p:spPr>
+        <p:txBody>
+          <a:bodyPr/>
+          <a:lstStyle/>
+          <a:p>
+            <a:r>
+              <a:rPr lang="en-US" dirty="0" smtClean="0">
+                <a:latin typeface="KF-GB P Mincho UB" pitchFamily="18" charset="-122"/>
+                <a:ea typeface="KF-GB P Mincho UB" pitchFamily="18" charset="-122"/>
+              </a:rPr>
+              <a:t>Apache</a:t>
+            </a:r>
+            <a:r>
+              <a:rPr lang="zh-CN" altLang="en-US" dirty="0" smtClean="0">
+                <a:latin typeface="KF-GB P Mincho UB" pitchFamily="18" charset="-122"/>
+                <a:ea typeface="KF-GB P Mincho UB" pitchFamily="18" charset="-122"/>
+              </a:rPr>
+              <a:t>软件基金会</a:t>
+            </a:r>
+            <a:endParaRPr lang="en-US" altLang="zh-CN" dirty="0" smtClean="0">
+              <a:latin typeface="KF-GB P Mincho UB" pitchFamily="18" charset="-122"/>
+              <a:ea typeface="KF-GB P Mincho UB" pitchFamily="18" charset="-122"/>
+            </a:endParaRPr>
+          </a:p>
+          <a:p>
+            <a:pPr>
+              <a:buNone/>
+            </a:pPr>
+            <a:endParaRPr lang="en-US" sz="2400" dirty="0" smtClean="0">
+              <a:latin typeface="KF-GB P Mincho UB" pitchFamily="18" charset="-122"/>
+              <a:ea typeface="KF-GB P Mincho UB" pitchFamily="18" charset="-122"/>
+            </a:endParaRPr>
+          </a:p>
+          <a:p>
+            <a:pPr>
+              <a:buNone/>
+            </a:pPr>
+            <a:r>
+              <a:rPr lang="en-US" sz="2400" dirty="0" smtClean="0">
+                <a:latin typeface="KF-GB P Mincho UB" pitchFamily="18" charset="-122"/>
+                <a:ea typeface="KF-GB P Mincho UB" pitchFamily="18" charset="-122"/>
+              </a:rPr>
+              <a:t>   </a:t>
+            </a:r>
+            <a:r>
+              <a:rPr lang="en-US" sz="2400" dirty="0" smtClean="0">
+                <a:latin typeface="华文楷体" pitchFamily="2" charset="-122"/>
+                <a:ea typeface="华文楷体" pitchFamily="2" charset="-122"/>
+              </a:rPr>
+              <a:t>Apache</a:t>
+            </a:r>
+            <a:r>
+              <a:rPr lang="zh-CN" altLang="en-US" sz="2400" dirty="0" smtClean="0">
+                <a:latin typeface="华文楷体" pitchFamily="2" charset="-122"/>
+                <a:ea typeface="华文楷体" pitchFamily="2" charset="-122"/>
+              </a:rPr>
+              <a:t>软件基金会正式创建于</a:t>
+            </a:r>
+            <a:r>
+              <a:rPr lang="en-US" sz="2400" dirty="0" smtClean="0">
+                <a:latin typeface="华文楷体" pitchFamily="2" charset="-122"/>
+                <a:ea typeface="华文楷体" pitchFamily="2" charset="-122"/>
+              </a:rPr>
+              <a:t>1999</a:t>
+            </a:r>
+            <a:r>
+              <a:rPr lang="zh-CN" altLang="en-US" sz="2400" dirty="0" smtClean="0">
+                <a:latin typeface="华文楷体" pitchFamily="2" charset="-122"/>
+                <a:ea typeface="华文楷体" pitchFamily="2" charset="-122"/>
+              </a:rPr>
+              <a:t>年</a:t>
+            </a:r>
+            <a:r>
+              <a:rPr lang="en-US" sz="2400" dirty="0" smtClean="0">
+                <a:latin typeface="华文楷体" pitchFamily="2" charset="-122"/>
+                <a:ea typeface="华文楷体" pitchFamily="2" charset="-122"/>
+              </a:rPr>
+              <a:t>7</a:t>
+            </a:r>
+            <a:r>
+              <a:rPr lang="zh-CN" altLang="en-US" sz="2400" dirty="0" smtClean="0">
+                <a:latin typeface="华文楷体" pitchFamily="2" charset="-122"/>
+                <a:ea typeface="华文楷体" pitchFamily="2" charset="-122"/>
+              </a:rPr>
+              <a:t>月，它的创建者是一个自称为</a:t>
+            </a:r>
+            <a:r>
+              <a:rPr lang="en-US" sz="2400" dirty="0" smtClean="0">
+                <a:latin typeface="华文楷体" pitchFamily="2" charset="-122"/>
+                <a:ea typeface="华文楷体" pitchFamily="2" charset="-122"/>
+              </a:rPr>
+              <a:t>“Apache</a:t>
+            </a:r>
+            <a:r>
+              <a:rPr lang="zh-CN" altLang="en-US" sz="2400" dirty="0" smtClean="0">
+                <a:latin typeface="华文楷体" pitchFamily="2" charset="-122"/>
+                <a:ea typeface="华文楷体" pitchFamily="2" charset="-122"/>
+              </a:rPr>
+              <a:t>组织</a:t>
+            </a:r>
+            <a:r>
+              <a:rPr lang="en-US" sz="2400" dirty="0" smtClean="0">
+                <a:latin typeface="华文楷体" pitchFamily="2" charset="-122"/>
+                <a:ea typeface="华文楷体" pitchFamily="2" charset="-122"/>
+              </a:rPr>
+              <a:t>”</a:t>
+            </a:r>
+            <a:r>
+              <a:rPr lang="zh-CN" altLang="en-US" sz="2400" dirty="0" smtClean="0">
+                <a:latin typeface="华文楷体" pitchFamily="2" charset="-122"/>
+                <a:ea typeface="华文楷体" pitchFamily="2" charset="-122"/>
+              </a:rPr>
+              <a:t>的群体。这个</a:t>
+            </a:r>
+            <a:r>
+              <a:rPr lang="en-US" sz="2400" dirty="0" smtClean="0">
+                <a:latin typeface="华文楷体" pitchFamily="2" charset="-122"/>
+                <a:ea typeface="华文楷体" pitchFamily="2" charset="-122"/>
+              </a:rPr>
+              <a:t>“Apache</a:t>
+            </a:r>
+            <a:r>
+              <a:rPr lang="zh-CN" altLang="en-US" sz="2400" dirty="0" smtClean="0">
+                <a:latin typeface="华文楷体" pitchFamily="2" charset="-122"/>
+                <a:ea typeface="华文楷体" pitchFamily="2" charset="-122"/>
+              </a:rPr>
+              <a:t>组织</a:t>
+            </a:r>
+            <a:r>
+              <a:rPr lang="en-US" sz="2400" dirty="0" smtClean="0">
+                <a:latin typeface="华文楷体" pitchFamily="2" charset="-122"/>
+                <a:ea typeface="华文楷体" pitchFamily="2" charset="-122"/>
+              </a:rPr>
+              <a:t>”</a:t>
+            </a:r>
+            <a:r>
+              <a:rPr lang="zh-CN" altLang="en-US" sz="2400" dirty="0" smtClean="0">
+                <a:latin typeface="华文楷体" pitchFamily="2" charset="-122"/>
+                <a:ea typeface="华文楷体" pitchFamily="2" charset="-122"/>
+              </a:rPr>
+              <a:t>在</a:t>
+            </a:r>
+            <a:r>
+              <a:rPr lang="en-US" sz="2400" dirty="0" smtClean="0">
+                <a:latin typeface="华文楷体" pitchFamily="2" charset="-122"/>
+                <a:ea typeface="华文楷体" pitchFamily="2" charset="-122"/>
+              </a:rPr>
+              <a:t>1999</a:t>
+            </a:r>
+            <a:r>
+              <a:rPr lang="zh-CN" altLang="en-US" sz="2400" dirty="0" smtClean="0">
+                <a:latin typeface="华文楷体" pitchFamily="2" charset="-122"/>
+                <a:ea typeface="华文楷体" pitchFamily="2" charset="-122"/>
+              </a:rPr>
+              <a:t>年以前就已经存在很长时间了，这个组织的开发爱好者们聚集在一起，在美国伊利诺伊斯大学超级计算机应用程序国家中心（</a:t>
+            </a:r>
+            <a:r>
+              <a:rPr lang="en-US" sz="2400" dirty="0" smtClean="0">
+                <a:latin typeface="华文楷体" pitchFamily="2" charset="-122"/>
+                <a:ea typeface="华文楷体" pitchFamily="2" charset="-122"/>
+              </a:rPr>
+              <a:t>National Center for Supercomputing Applications</a:t>
+            </a:r>
+            <a:r>
+              <a:rPr lang="zh-CN" altLang="en-US" sz="2400" dirty="0" smtClean="0">
+                <a:latin typeface="华文楷体" pitchFamily="2" charset="-122"/>
+                <a:ea typeface="华文楷体" pitchFamily="2" charset="-122"/>
+              </a:rPr>
+              <a:t>，简称为</a:t>
+            </a:r>
+            <a:r>
+              <a:rPr lang="en-US" sz="2400" dirty="0" smtClean="0">
+                <a:latin typeface="华文楷体" pitchFamily="2" charset="-122"/>
+                <a:ea typeface="华文楷体" pitchFamily="2" charset="-122"/>
+                <a:hlinkClick r:id="rId2"/>
+              </a:rPr>
+              <a:t>NCSA</a:t>
+            </a:r>
+            <a:r>
+              <a:rPr lang="zh-CN" altLang="en-US" sz="2400" dirty="0" smtClean="0">
+                <a:latin typeface="华文楷体" pitchFamily="2" charset="-122"/>
+                <a:ea typeface="华文楷体" pitchFamily="2" charset="-122"/>
+              </a:rPr>
+              <a:t>）开发的</a:t>
+            </a:r>
+            <a:r>
+              <a:rPr lang="en-US" sz="2400" dirty="0" smtClean="0">
+                <a:latin typeface="华文楷体" pitchFamily="2" charset="-122"/>
+                <a:ea typeface="华文楷体" pitchFamily="2" charset="-122"/>
+              </a:rPr>
+              <a:t>NCSA </a:t>
+            </a:r>
+            <a:r>
+              <a:rPr lang="en-US" sz="2400" dirty="0" err="1" smtClean="0">
+                <a:latin typeface="华文楷体" pitchFamily="2" charset="-122"/>
+                <a:ea typeface="华文楷体" pitchFamily="2" charset="-122"/>
+              </a:rPr>
+              <a:t>HTTPd</a:t>
+            </a:r>
+            <a:r>
+              <a:rPr lang="zh-CN" altLang="en-US" sz="2400" dirty="0" smtClean="0">
+                <a:latin typeface="华文楷体" pitchFamily="2" charset="-122"/>
+                <a:ea typeface="华文楷体" pitchFamily="2" charset="-122"/>
+              </a:rPr>
+              <a:t>服务器的基础上开发与维护了一个叫</a:t>
+            </a:r>
+            <a:r>
+              <a:rPr lang="en-US" sz="2400" dirty="0" smtClean="0">
+                <a:latin typeface="华文楷体" pitchFamily="2" charset="-122"/>
+                <a:ea typeface="华文楷体" pitchFamily="2" charset="-122"/>
+              </a:rPr>
+              <a:t>Apache</a:t>
+            </a:r>
+            <a:r>
+              <a:rPr lang="zh-CN" altLang="en-US" sz="2400" dirty="0" smtClean="0">
+                <a:latin typeface="华文楷体" pitchFamily="2" charset="-122"/>
+                <a:ea typeface="华文楷体" pitchFamily="2" charset="-122"/>
+              </a:rPr>
+              <a:t>的</a:t>
+            </a:r>
+            <a:r>
+              <a:rPr lang="en-US" sz="2400" dirty="0" err="1" smtClean="0">
+                <a:latin typeface="华文楷体" pitchFamily="2" charset="-122"/>
+                <a:ea typeface="华文楷体" pitchFamily="2" charset="-122"/>
+                <a:hlinkClick r:id="rId3"/>
+              </a:rPr>
+              <a:t>HTTP服务器</a:t>
+            </a:r>
+            <a:r>
+              <a:rPr lang="zh-CN" altLang="en-US" sz="2400" dirty="0" smtClean="0">
+                <a:latin typeface="华文楷体" pitchFamily="2" charset="-122"/>
+                <a:ea typeface="华文楷体" pitchFamily="2" charset="-122"/>
+              </a:rPr>
+              <a:t>。</a:t>
+            </a:r>
+            <a:endParaRPr lang="en-US" altLang="zh-CN" sz="2400" dirty="0" smtClean="0">
+              <a:latin typeface="华文楷体" pitchFamily="2" charset="-122"/>
+              <a:ea typeface="华文楷体" pitchFamily="2" charset="-122"/>
+            </a:endParaRPr>
+          </a:p>
+          <a:p>
+            <a:pPr>
+              <a:buNone/>
+            </a:pPr>
+            <a:endParaRPr lang="en-US" altLang="zh-CN" sz="2400" dirty="0" smtClean="0">
+              <a:latin typeface="华文楷体" pitchFamily="2" charset="-122"/>
+              <a:ea typeface="华文楷体" pitchFamily="2" charset="-122"/>
+            </a:endParaRPr>
+          </a:p>
+          <a:p>
+            <a:pPr>
+              <a:buNone/>
+            </a:pPr>
+            <a:endParaRPr lang="zh-CN" altLang="en-US" sz="2400" dirty="0" smtClean="0">
+              <a:latin typeface="华文楷体" pitchFamily="2" charset="-122"/>
+              <a:ea typeface="华文楷体" pitchFamily="2" charset="-122"/>
+            </a:endParaRPr>
+          </a:p>
+          <a:p>
+            <a:endParaRPr lang="zh-CN" altLang="en-US" dirty="0">
+              <a:latin typeface="KF-GB P Mincho UB" pitchFamily="18" charset="-122"/>
+              <a:ea typeface="KF-GB P Mincho UB" pitchFamily="18" charset="-122"/>
+            </a:endParaRPr>
+          </a:p>
+        </p:txBody>
+      </p:sp>
+    </p:spTree>
+  </p:cSld>
+  <p:clrMapOvr>
+    <a:masterClrMapping/>
+  </p:clrMapOvr>
+  <p:transition/>
+</p:sld>
+</file>
+
+<file path=ppt/slides/slide21.xml><?xml version="1.0" encoding="utf-8"?>
+<p:sld xmlns:a="http://schemas.openxmlformats.org/drawingml/2006/main" xmlns:r="http://schemas.openxmlformats.org/officeDocument/2006/relationships" xmlns:p="http://schemas.openxmlformats.org/presentationml/2006/main">
+  <p:cSld>
+    <p:spTree>
+      <p:nvGrpSpPr>
+        <p:cNvPr id="1" name=""/>
+        <p:cNvGrpSpPr/>
+        <p:nvPr/>
+      </p:nvGrpSpPr>
+      <p:grpSpPr>
+        <a:xfrm>
+          <a:off x="0" y="0"/>
+          <a:ext cx="0" cy="0"/>
+          <a:chOff x="0" y="0"/>
+          <a:chExt cx="0" cy="0"/>
+        </a:xfrm>
+      </p:grpSpPr>
+      <p:sp>
+        <p:nvSpPr>
           <p:cNvPr id="3" name="内容占位符 2"/>
           <p:cNvSpPr>
             <a:spLocks noGrp="1"/>
@@ -13569,7 +15648,7 @@
 </p:sld>
 </file>
 
-<file path=ppt/slides/slide21.xml><?xml version="1.0" encoding="utf-8"?>
+<file path=ppt/slides/slide22.xml><?xml version="1.0" encoding="utf-8"?>
 <p:sld xmlns:a="http://schemas.openxmlformats.org/drawingml/2006/main" xmlns:r="http://schemas.openxmlformats.org/officeDocument/2006/relationships" xmlns:p="http://schemas.openxmlformats.org/presentationml/2006/main">
   <p:cSld>
     <p:spTree>
@@ -13970,476 +16049,6 @@
               <a:rPr lang="ja-JP" altLang="en-US" sz="2000" dirty="0" smtClean="0"/>
               <a:t>服务器</a:t>
             </a:r>
-            <a:endParaRPr lang="zh-CN" altLang="en-US" sz="2000" dirty="0" smtClean="0"/>
-          </a:p>
-          <a:p>
-            <a:endParaRPr lang="zh-CN" altLang="en-US" sz="2000" dirty="0"/>
-          </a:p>
-        </p:txBody>
-      </p:sp>
-    </p:spTree>
-  </p:cSld>
-  <p:clrMapOvr>
-    <a:masterClrMapping/>
-  </p:clrMapOvr>
-  <p:transition/>
-</p:sld>
-</file>
-
-<file path=ppt/slides/slide22.xml><?xml version="1.0" encoding="utf-8"?>
-<p:sld xmlns:a="http://schemas.openxmlformats.org/drawingml/2006/main" xmlns:r="http://schemas.openxmlformats.org/officeDocument/2006/relationships" xmlns:p="http://schemas.openxmlformats.org/presentationml/2006/main">
-  <p:cSld>
-    <p:spTree>
-      <p:nvGrpSpPr>
-        <p:cNvPr id="1" name=""/>
-        <p:cNvGrpSpPr/>
-        <p:nvPr/>
-      </p:nvGrpSpPr>
-      <p:grpSpPr>
-        <a:xfrm>
-          <a:off x="0" y="0"/>
-          <a:ext cx="0" cy="0"/>
-          <a:chOff x="0" y="0"/>
-          <a:chExt cx="0" cy="0"/>
-        </a:xfrm>
-      </p:grpSpPr>
-      <p:sp>
-        <p:nvSpPr>
-          <p:cNvPr id="3" name="内容占位符 2"/>
-          <p:cNvSpPr>
-            <a:spLocks noGrp="1"/>
-          </p:cNvSpPr>
-          <p:nvPr>
-            <p:ph idx="1"/>
-          </p:nvPr>
-        </p:nvSpPr>
-        <p:spPr>
-          <a:xfrm>
-            <a:off x="785786" y="428604"/>
-            <a:ext cx="7929618" cy="6143668"/>
-          </a:xfrm>
-        </p:spPr>
-        <p:txBody>
-          <a:bodyPr/>
-          <a:lstStyle/>
-          <a:p>
-            <a:r>
-              <a:rPr lang="en-US" sz="2000" dirty="0" smtClean="0"/>
-              <a:t>Gump</a:t>
-            </a:r>
-            <a:r>
-              <a:rPr lang="ja-JP" altLang="en-US" sz="2000" dirty="0" smtClean="0"/>
-              <a:t>：整合管理器</a:t>
-            </a:r>
-            <a:endParaRPr lang="zh-CN" altLang="en-US" sz="2000" dirty="0" smtClean="0"/>
-          </a:p>
-          <a:p>
-            <a:r>
-              <a:rPr lang="en-US" sz="2000" b="1" dirty="0" err="1" smtClean="0">
-                <a:solidFill>
-                  <a:srgbClr val="FF0000"/>
-                </a:solidFill>
-              </a:rPr>
-              <a:t>Hadoop</a:t>
-            </a:r>
-            <a:r>
-              <a:rPr lang="ja-JP" altLang="en-US" sz="2000" dirty="0" smtClean="0"/>
-              <a:t>：并行运算编程工具和分布式文件系统。</a:t>
-            </a:r>
-            <a:endParaRPr lang="zh-CN" altLang="en-US" sz="2000" dirty="0" smtClean="0"/>
-          </a:p>
-          <a:p>
-            <a:r>
-              <a:rPr lang="en-US" sz="2000" dirty="0" smtClean="0"/>
-              <a:t>Harmony</a:t>
-            </a:r>
-            <a:r>
-              <a:rPr lang="ja-JP" altLang="en-US" sz="2000" dirty="0" smtClean="0"/>
-              <a:t>：一个兼容</a:t>
-            </a:r>
-            <a:r>
-              <a:rPr lang="en-US" sz="2000" dirty="0" smtClean="0"/>
-              <a:t>JAVA</a:t>
-            </a:r>
-            <a:r>
-              <a:rPr lang="ja-JP" altLang="en-US" sz="2000" dirty="0" smtClean="0"/>
-              <a:t>标准的</a:t>
-            </a:r>
-            <a:r>
-              <a:rPr lang="en-US" sz="2000" dirty="0" smtClean="0"/>
-              <a:t>JAVA</a:t>
-            </a:r>
-            <a:r>
-              <a:rPr lang="ja-JP" altLang="en-US" sz="2000" dirty="0" smtClean="0"/>
-              <a:t>语言的开源实现。</a:t>
-            </a:r>
-            <a:endParaRPr lang="zh-CN" altLang="en-US" sz="2000" dirty="0" smtClean="0"/>
-          </a:p>
-          <a:p>
-            <a:r>
-              <a:rPr lang="en-US" sz="2000" dirty="0" err="1" smtClean="0"/>
-              <a:t>HiveMind</a:t>
-            </a:r>
-            <a:r>
-              <a:rPr lang="ja-JP" altLang="en-US" sz="2000" dirty="0" smtClean="0"/>
-              <a:t>：一个服务（</a:t>
-            </a:r>
-            <a:r>
-              <a:rPr lang="en-US" sz="2000" dirty="0" smtClean="0"/>
-              <a:t>Services</a:t>
-            </a:r>
-            <a:r>
-              <a:rPr lang="ja-JP" altLang="en-US" sz="2000" dirty="0" smtClean="0"/>
-              <a:t>）与配置（</a:t>
-            </a:r>
-            <a:r>
-              <a:rPr lang="en-US" sz="2000" dirty="0" smtClean="0"/>
-              <a:t>configuration</a:t>
-            </a:r>
-            <a:r>
-              <a:rPr lang="ja-JP" altLang="en-US" sz="2000" dirty="0" smtClean="0"/>
-              <a:t>）的微内核</a:t>
-            </a:r>
-            <a:endParaRPr lang="zh-CN" altLang="en-US" sz="2000" dirty="0" smtClean="0"/>
-          </a:p>
-          <a:p>
-            <a:r>
-              <a:rPr lang="en-US" sz="2000" b="1" dirty="0" err="1" smtClean="0">
-                <a:solidFill>
-                  <a:srgbClr val="FF0000"/>
-                </a:solidFill>
-              </a:rPr>
-              <a:t>iBATIS</a:t>
-            </a:r>
-            <a:r>
-              <a:rPr lang="zh-CN" altLang="en-US" sz="2000" dirty="0" smtClean="0"/>
-              <a:t>：一个基于</a:t>
-            </a:r>
-            <a:r>
-              <a:rPr lang="en-US" sz="2000" dirty="0" smtClean="0"/>
-              <a:t>JAVA</a:t>
-            </a:r>
-            <a:r>
-              <a:rPr lang="zh-CN" altLang="en-US" sz="2000" dirty="0" smtClean="0"/>
-              <a:t>语言的数据持久化框架</a:t>
-            </a:r>
-          </a:p>
-          <a:p>
-            <a:r>
-              <a:rPr lang="en-US" sz="2000" dirty="0" smtClean="0"/>
-              <a:t>Incubator</a:t>
-            </a:r>
-            <a:r>
-              <a:rPr lang="zh-CN" altLang="en-US" sz="2000" dirty="0" smtClean="0"/>
-              <a:t>：为了帮助那些希望获取</a:t>
-            </a:r>
-            <a:r>
-              <a:rPr lang="en-US" sz="2000" b="1" dirty="0" smtClean="0"/>
-              <a:t>Apache</a:t>
-            </a:r>
-            <a:r>
-              <a:rPr lang="zh-CN" altLang="en-US" sz="2000" b="1" dirty="0" smtClean="0"/>
-              <a:t>软件基金会</a:t>
-            </a:r>
-            <a:r>
-              <a:rPr lang="zh-CN" altLang="en-US" sz="2000" dirty="0" smtClean="0"/>
-              <a:t>支持的计划进入</a:t>
-            </a:r>
-            <a:r>
-              <a:rPr lang="en-US" sz="2000" b="1" dirty="0" smtClean="0"/>
-              <a:t>Apache</a:t>
-            </a:r>
-            <a:r>
-              <a:rPr lang="zh-CN" altLang="en-US" sz="2000" b="1" dirty="0" smtClean="0"/>
-              <a:t>软件基金会</a:t>
-            </a:r>
-            <a:r>
-              <a:rPr lang="zh-CN" altLang="en-US" sz="2000" dirty="0" smtClean="0"/>
-              <a:t>的审核项目</a:t>
-            </a:r>
-          </a:p>
-          <a:p>
-            <a:r>
-              <a:rPr lang="en-US" sz="2000" dirty="0" smtClean="0"/>
-              <a:t>Jackrabbit</a:t>
-            </a:r>
-            <a:r>
-              <a:rPr lang="ja-JP" altLang="en-US" sz="2000" dirty="0" smtClean="0"/>
-              <a:t>：内容仓库</a:t>
-            </a:r>
-            <a:r>
-              <a:rPr lang="en-US" sz="2000" dirty="0" smtClean="0"/>
-              <a:t>API</a:t>
-            </a:r>
-            <a:r>
-              <a:rPr lang="ja-JP" altLang="en-US" sz="2000" dirty="0" smtClean="0"/>
-              <a:t>标准（</a:t>
-            </a:r>
-            <a:r>
-              <a:rPr lang="en-US" sz="2000" dirty="0" smtClean="0"/>
-              <a:t>Content Repository for Java Technology API</a:t>
-            </a:r>
-            <a:r>
-              <a:rPr lang="ja-JP" altLang="en-US" sz="2000" dirty="0" smtClean="0"/>
-              <a:t>，即</a:t>
-            </a:r>
-            <a:r>
-              <a:rPr lang="en-US" sz="2000" dirty="0" smtClean="0"/>
-              <a:t>JSR-170</a:t>
-            </a:r>
-            <a:r>
-              <a:rPr lang="ja-JP" altLang="en-US" sz="2000" dirty="0" smtClean="0"/>
-              <a:t>）的一个开源实现项目。</a:t>
-            </a:r>
-            <a:endParaRPr lang="zh-CN" altLang="en-US" sz="2000" dirty="0" smtClean="0"/>
-          </a:p>
-          <a:p>
-            <a:r>
-              <a:rPr lang="en-US" sz="2000" b="1" dirty="0" smtClean="0">
-                <a:solidFill>
-                  <a:srgbClr val="FF0000"/>
-                </a:solidFill>
-              </a:rPr>
-              <a:t>Jakarta</a:t>
-            </a:r>
-            <a:r>
-              <a:rPr lang="ja-JP" altLang="en-US" sz="2000" dirty="0" smtClean="0"/>
-              <a:t>：在</a:t>
-            </a:r>
-            <a:r>
-              <a:rPr lang="en-US" sz="2000" dirty="0" smtClean="0"/>
-              <a:t>ASF</a:t>
-            </a:r>
-            <a:r>
-              <a:rPr lang="ja-JP" altLang="en-US" sz="2000" dirty="0" smtClean="0"/>
-              <a:t>中，基于</a:t>
-            </a:r>
-            <a:r>
-              <a:rPr lang="en-US" sz="2000" dirty="0" smtClean="0"/>
-              <a:t>Java</a:t>
-            </a:r>
-            <a:r>
-              <a:rPr lang="ja-JP" altLang="en-US" sz="2000" dirty="0" smtClean="0"/>
-              <a:t>语言的一组开源子项目的集合，现在包含的子项目有：</a:t>
-            </a:r>
-            <a:r>
-              <a:rPr lang="en-US" sz="2000" dirty="0" smtClean="0"/>
-              <a:t>BCEL</a:t>
-            </a:r>
-            <a:r>
-              <a:rPr lang="ja-JP" altLang="en-US" sz="2000" dirty="0" smtClean="0"/>
-              <a:t>，</a:t>
-            </a:r>
-            <a:r>
-              <a:rPr lang="en-US" sz="2000" dirty="0" smtClean="0"/>
-              <a:t>BSF</a:t>
-            </a:r>
-            <a:r>
-              <a:rPr lang="ja-JP" altLang="en-US" sz="2000" dirty="0" smtClean="0"/>
-              <a:t>，</a:t>
-            </a:r>
-            <a:r>
-              <a:rPr lang="en-US" sz="2000" dirty="0" smtClean="0"/>
-              <a:t>Cactus</a:t>
-            </a:r>
-            <a:r>
-              <a:rPr lang="ja-JP" altLang="en-US" sz="2000" dirty="0" smtClean="0"/>
-              <a:t>，</a:t>
-            </a:r>
-            <a:r>
-              <a:rPr lang="en-US" sz="2000" dirty="0" smtClean="0"/>
-              <a:t>Commons</a:t>
-            </a:r>
-            <a:r>
-              <a:rPr lang="ja-JP" altLang="en-US" sz="2000" dirty="0" smtClean="0"/>
-              <a:t>，</a:t>
-            </a:r>
-            <a:r>
-              <a:rPr lang="en-US" sz="2000" dirty="0" smtClean="0"/>
-              <a:t>ECS</a:t>
-            </a:r>
-            <a:r>
-              <a:rPr lang="ja-JP" altLang="en-US" sz="2000" dirty="0" smtClean="0"/>
-              <a:t>，</a:t>
-            </a:r>
-            <a:r>
-              <a:rPr lang="en-US" sz="2000" dirty="0" err="1" smtClean="0"/>
-              <a:t>HttpComponents</a:t>
-            </a:r>
-            <a:r>
-              <a:rPr lang="ja-JP" altLang="en-US" sz="2000" dirty="0" smtClean="0"/>
-              <a:t>，</a:t>
-            </a:r>
-            <a:r>
-              <a:rPr lang="en-US" sz="2000" dirty="0" smtClean="0"/>
-              <a:t>JCS</a:t>
-            </a:r>
-            <a:r>
-              <a:rPr lang="ja-JP" altLang="en-US" sz="2000" dirty="0" smtClean="0"/>
-              <a:t>，</a:t>
-            </a:r>
-            <a:r>
-              <a:rPr lang="en-US" sz="2000" dirty="0" err="1" smtClean="0"/>
-              <a:t>JMeter</a:t>
-            </a:r>
-            <a:r>
-              <a:rPr lang="ja-JP" altLang="en-US" sz="2000" dirty="0" smtClean="0"/>
-              <a:t>，</a:t>
-            </a:r>
-            <a:r>
-              <a:rPr lang="en-US" sz="2000" dirty="0" smtClean="0"/>
-              <a:t>ORO</a:t>
-            </a:r>
-            <a:r>
-              <a:rPr lang="ja-JP" altLang="en-US" sz="2000" dirty="0" smtClean="0"/>
-              <a:t>，</a:t>
-            </a:r>
-            <a:r>
-              <a:rPr lang="en-US" sz="2000" dirty="0" err="1" smtClean="0"/>
-              <a:t>Regexp</a:t>
-            </a:r>
-            <a:r>
-              <a:rPr lang="ja-JP" altLang="en-US" sz="2000" dirty="0" smtClean="0"/>
-              <a:t>，</a:t>
-            </a:r>
-            <a:r>
-              <a:rPr lang="en-US" sz="2000" dirty="0" smtClean="0"/>
-              <a:t>Slide</a:t>
-            </a:r>
-            <a:r>
-              <a:rPr lang="ja-JP" altLang="en-US" sz="2000" dirty="0" smtClean="0"/>
-              <a:t>，</a:t>
-            </a:r>
-            <a:r>
-              <a:rPr lang="en-US" sz="2000" dirty="0" err="1" smtClean="0"/>
-              <a:t>Taglibs</a:t>
-            </a:r>
-            <a:r>
-              <a:rPr lang="ja-JP" altLang="en-US" sz="2000" dirty="0" smtClean="0"/>
-              <a:t>，</a:t>
-            </a:r>
-            <a:r>
-              <a:rPr lang="en-US" sz="2000" dirty="0" smtClean="0"/>
-              <a:t>Turbine</a:t>
-            </a:r>
-            <a:r>
-              <a:rPr lang="ja-JP" altLang="en-US" sz="2000" dirty="0" smtClean="0"/>
-              <a:t>，</a:t>
-            </a:r>
-            <a:r>
-              <a:rPr lang="en-US" sz="2000" dirty="0" smtClean="0"/>
-              <a:t>Velocity</a:t>
-            </a:r>
-            <a:endParaRPr lang="zh-CN" altLang="en-US" sz="2000" dirty="0" smtClean="0"/>
-          </a:p>
-          <a:p>
-            <a:r>
-              <a:rPr lang="en-US" sz="2000" dirty="0" smtClean="0"/>
-              <a:t>James</a:t>
-            </a:r>
-            <a:r>
-              <a:rPr lang="zh-CN" altLang="en-US" sz="2000" dirty="0" smtClean="0"/>
-              <a:t>：</a:t>
-            </a:r>
-            <a:r>
-              <a:rPr lang="en-US" sz="2000" dirty="0" smtClean="0"/>
-              <a:t>JAVA</a:t>
-            </a:r>
-            <a:r>
-              <a:rPr lang="zh-CN" altLang="en-US" sz="2000" dirty="0" smtClean="0"/>
-              <a:t>语言实现的邮件新闻服务器</a:t>
-            </a:r>
-          </a:p>
-          <a:p>
-            <a:r>
-              <a:rPr lang="en-US" sz="2000" dirty="0" smtClean="0"/>
-              <a:t>Labs</a:t>
-            </a:r>
-            <a:r>
-              <a:rPr lang="zh-CN" altLang="en-US" sz="2000" dirty="0" smtClean="0"/>
-              <a:t>：为基金会成员提供最新变更的思维的计划</a:t>
-            </a:r>
-          </a:p>
-          <a:p>
-            <a:r>
-              <a:rPr lang="en-US" sz="2000" dirty="0" smtClean="0"/>
-              <a:t>Lenya</a:t>
-            </a:r>
-            <a:r>
-              <a:rPr lang="zh-CN" altLang="en-US" sz="2000" dirty="0" smtClean="0"/>
-              <a:t>：内容管理系统</a:t>
-            </a:r>
-          </a:p>
-          <a:p>
-            <a:r>
-              <a:rPr lang="en-US" sz="2000" dirty="0" smtClean="0"/>
-              <a:t>Logging</a:t>
-            </a:r>
-            <a:r>
-              <a:rPr lang="zh-CN" altLang="en-US" sz="2000" dirty="0" smtClean="0"/>
-              <a:t>：一个开发可以在</a:t>
-            </a:r>
-            <a:r>
-              <a:rPr lang="en-US" sz="2000" dirty="0" smtClean="0"/>
-              <a:t>C++</a:t>
-            </a:r>
-            <a:r>
-              <a:rPr lang="zh-CN" altLang="en-US" sz="2000" dirty="0" smtClean="0"/>
-              <a:t>、</a:t>
-            </a:r>
-            <a:r>
-              <a:rPr lang="en-US" sz="2000" dirty="0" smtClean="0"/>
-              <a:t>Java</a:t>
-            </a:r>
-            <a:r>
-              <a:rPr lang="zh-CN" altLang="en-US" sz="2000" dirty="0" smtClean="0"/>
-              <a:t>、</a:t>
-            </a:r>
-            <a:r>
-              <a:rPr lang="en-US" sz="2000" dirty="0" smtClean="0"/>
-              <a:t>Perl</a:t>
-            </a:r>
-            <a:r>
-              <a:rPr lang="zh-CN" altLang="en-US" sz="2000" dirty="0" smtClean="0"/>
-              <a:t>、</a:t>
-            </a:r>
-            <a:r>
-              <a:rPr lang="en-US" sz="2000" dirty="0" smtClean="0"/>
-              <a:t>PHP</a:t>
-            </a:r>
-            <a:r>
-              <a:rPr lang="zh-CN" altLang="en-US" sz="2000" dirty="0" smtClean="0"/>
-              <a:t>、</a:t>
-            </a:r>
-            <a:r>
-              <a:rPr lang="en-US" sz="2000" dirty="0" smtClean="0"/>
-              <a:t>.NET</a:t>
-            </a:r>
-            <a:r>
-              <a:rPr lang="zh-CN" altLang="en-US" sz="2000" dirty="0" smtClean="0"/>
-              <a:t>计算机语言下运行的通用日志工具项目集合。</a:t>
-            </a:r>
-          </a:p>
-          <a:p>
-            <a:r>
-              <a:rPr lang="en-US" sz="2000" dirty="0" err="1" smtClean="0"/>
-              <a:t>Lucene</a:t>
-            </a:r>
-            <a:r>
-              <a:rPr lang="ja-JP" altLang="en-US" sz="2000" dirty="0" smtClean="0"/>
-              <a:t>：高性能的，基于</a:t>
-            </a:r>
-            <a:r>
-              <a:rPr lang="en-US" sz="2000" dirty="0" smtClean="0"/>
-              <a:t>Java</a:t>
-            </a:r>
-            <a:r>
-              <a:rPr lang="ja-JP" altLang="en-US" sz="2000" dirty="0" smtClean="0"/>
-              <a:t>语言的全文检索项目。</a:t>
-            </a:r>
-            <a:endParaRPr lang="zh-CN" altLang="en-US" sz="2000" dirty="0" smtClean="0"/>
-          </a:p>
-          <a:p>
             <a:endParaRPr lang="zh-CN" altLang="en-US" sz="2000" dirty="0" smtClean="0"/>
           </a:p>
           <a:p>
@@ -14485,8 +16094,8 @@
         </p:nvSpPr>
         <p:spPr>
           <a:xfrm>
-            <a:off x="642910" y="142852"/>
-            <a:ext cx="8143932" cy="6000792"/>
+            <a:off x="785786" y="428604"/>
+            <a:ext cx="7929618" cy="6143668"/>
           </a:xfrm>
         </p:spPr>
         <p:txBody>
@@ -14494,162 +16103,183 @@
           <a:lstStyle/>
           <a:p>
             <a:r>
+              <a:rPr lang="en-US" sz="2000" dirty="0" smtClean="0"/>
+              <a:t>Gump</a:t>
+            </a:r>
+            <a:r>
+              <a:rPr lang="ja-JP" altLang="en-US" sz="2000" dirty="0" smtClean="0"/>
+              <a:t>：整合管理器</a:t>
+            </a:r>
+            <a:endParaRPr lang="zh-CN" altLang="en-US" sz="2000" dirty="0" smtClean="0"/>
+          </a:p>
+          <a:p>
+            <a:r>
+              <a:rPr lang="en-US" sz="2000" b="1" dirty="0" err="1" smtClean="0">
+                <a:solidFill>
+                  <a:srgbClr val="FF0000"/>
+                </a:solidFill>
+              </a:rPr>
+              <a:t>Hadoop</a:t>
+            </a:r>
+            <a:r>
+              <a:rPr lang="ja-JP" altLang="en-US" sz="2000" dirty="0" smtClean="0"/>
+              <a:t>：并行运算编程工具和分布式文件系统。</a:t>
+            </a:r>
+            <a:endParaRPr lang="zh-CN" altLang="en-US" sz="2000" dirty="0" smtClean="0"/>
+          </a:p>
+          <a:p>
+            <a:r>
+              <a:rPr lang="en-US" sz="2000" dirty="0" smtClean="0"/>
+              <a:t>Harmony</a:t>
+            </a:r>
+            <a:r>
+              <a:rPr lang="ja-JP" altLang="en-US" sz="2000" dirty="0" smtClean="0"/>
+              <a:t>：一个兼容</a:t>
+            </a:r>
+            <a:r>
+              <a:rPr lang="en-US" sz="2000" dirty="0" smtClean="0"/>
+              <a:t>JAVA</a:t>
+            </a:r>
+            <a:r>
+              <a:rPr lang="ja-JP" altLang="en-US" sz="2000" dirty="0" smtClean="0"/>
+              <a:t>标准的</a:t>
+            </a:r>
+            <a:r>
+              <a:rPr lang="en-US" sz="2000" dirty="0" smtClean="0"/>
+              <a:t>JAVA</a:t>
+            </a:r>
+            <a:r>
+              <a:rPr lang="ja-JP" altLang="en-US" sz="2000" dirty="0" smtClean="0"/>
+              <a:t>语言的开源实现。</a:t>
+            </a:r>
+            <a:endParaRPr lang="zh-CN" altLang="en-US" sz="2000" dirty="0" smtClean="0"/>
+          </a:p>
+          <a:p>
+            <a:r>
+              <a:rPr lang="en-US" sz="2000" dirty="0" err="1" smtClean="0"/>
+              <a:t>HiveMind</a:t>
+            </a:r>
+            <a:r>
+              <a:rPr lang="ja-JP" altLang="en-US" sz="2000" dirty="0" smtClean="0"/>
+              <a:t>：一个服务（</a:t>
+            </a:r>
+            <a:r>
+              <a:rPr lang="en-US" sz="2000" dirty="0" smtClean="0"/>
+              <a:t>Services</a:t>
+            </a:r>
+            <a:r>
+              <a:rPr lang="ja-JP" altLang="en-US" sz="2000" dirty="0" smtClean="0"/>
+              <a:t>）与配置（</a:t>
+            </a:r>
+            <a:r>
+              <a:rPr lang="en-US" sz="2000" dirty="0" smtClean="0"/>
+              <a:t>configuration</a:t>
+            </a:r>
+            <a:r>
+              <a:rPr lang="ja-JP" altLang="en-US" sz="2000" dirty="0" smtClean="0"/>
+              <a:t>）的微内核</a:t>
+            </a:r>
+            <a:endParaRPr lang="zh-CN" altLang="en-US" sz="2000" dirty="0" smtClean="0"/>
+          </a:p>
+          <a:p>
+            <a:r>
+              <a:rPr lang="en-US" sz="2000" b="1" dirty="0" err="1" smtClean="0">
+                <a:solidFill>
+                  <a:srgbClr val="FF0000"/>
+                </a:solidFill>
+              </a:rPr>
+              <a:t>iBATIS</a:t>
+            </a:r>
+            <a:r>
+              <a:rPr lang="zh-CN" altLang="en-US" sz="2000" dirty="0" smtClean="0"/>
+              <a:t>：一个基于</a:t>
+            </a:r>
+            <a:r>
+              <a:rPr lang="en-US" sz="2000" dirty="0" smtClean="0"/>
+              <a:t>JAVA</a:t>
+            </a:r>
+            <a:r>
+              <a:rPr lang="zh-CN" altLang="en-US" sz="2000" dirty="0" smtClean="0"/>
+              <a:t>语言的数据持久化框架</a:t>
+            </a:r>
+          </a:p>
+          <a:p>
+            <a:r>
+              <a:rPr lang="en-US" sz="2000" dirty="0" smtClean="0"/>
+              <a:t>Incubator</a:t>
+            </a:r>
+            <a:r>
+              <a:rPr lang="zh-CN" altLang="en-US" sz="2000" dirty="0" smtClean="0"/>
+              <a:t>：为了帮助那些希望获取</a:t>
+            </a:r>
+            <a:r>
+              <a:rPr lang="en-US" sz="2000" b="1" dirty="0" smtClean="0"/>
+              <a:t>Apache</a:t>
+            </a:r>
+            <a:r>
+              <a:rPr lang="zh-CN" altLang="en-US" sz="2000" b="1" dirty="0" smtClean="0"/>
+              <a:t>软件基金会</a:t>
+            </a:r>
+            <a:r>
+              <a:rPr lang="zh-CN" altLang="en-US" sz="2000" dirty="0" smtClean="0"/>
+              <a:t>支持的计划进入</a:t>
+            </a:r>
+            <a:r>
+              <a:rPr lang="en-US" sz="2000" b="1" dirty="0" smtClean="0"/>
+              <a:t>Apache</a:t>
+            </a:r>
+            <a:r>
+              <a:rPr lang="zh-CN" altLang="en-US" sz="2000" b="1" dirty="0" smtClean="0"/>
+              <a:t>软件基金会</a:t>
+            </a:r>
+            <a:r>
+              <a:rPr lang="zh-CN" altLang="en-US" sz="2000" dirty="0" smtClean="0"/>
+              <a:t>的审核项目</a:t>
+            </a:r>
+          </a:p>
+          <a:p>
+            <a:r>
+              <a:rPr lang="en-US" sz="2000" dirty="0" smtClean="0"/>
+              <a:t>Jackrabbit</a:t>
+            </a:r>
+            <a:r>
+              <a:rPr lang="ja-JP" altLang="en-US" sz="2000" dirty="0" smtClean="0"/>
+              <a:t>：内容仓库</a:t>
+            </a:r>
+            <a:r>
+              <a:rPr lang="en-US" sz="2000" dirty="0" smtClean="0"/>
+              <a:t>API</a:t>
+            </a:r>
+            <a:r>
+              <a:rPr lang="ja-JP" altLang="en-US" sz="2000" dirty="0" smtClean="0"/>
+              <a:t>标准（</a:t>
+            </a:r>
+            <a:r>
+              <a:rPr lang="en-US" sz="2000" dirty="0" smtClean="0"/>
+              <a:t>Content Repository for Java Technology API</a:t>
+            </a:r>
+            <a:r>
+              <a:rPr lang="ja-JP" altLang="en-US" sz="2000" dirty="0" smtClean="0"/>
+              <a:t>，即</a:t>
+            </a:r>
+            <a:r>
+              <a:rPr lang="en-US" sz="2000" dirty="0" smtClean="0"/>
+              <a:t>JSR-170</a:t>
+            </a:r>
+            <a:r>
+              <a:rPr lang="ja-JP" altLang="en-US" sz="2000" dirty="0" smtClean="0"/>
+              <a:t>）的一个开源实现项目。</a:t>
+            </a:r>
+            <a:endParaRPr lang="zh-CN" altLang="en-US" sz="2000" dirty="0" smtClean="0"/>
+          </a:p>
+          <a:p>
+            <a:r>
               <a:rPr lang="en-US" sz="2000" b="1" dirty="0" smtClean="0">
                 <a:solidFill>
                   <a:srgbClr val="FF0000"/>
                 </a:solidFill>
               </a:rPr>
-              <a:t>Maven</a:t>
-            </a:r>
-            <a:r>
-              <a:rPr lang="ja-JP" altLang="en-US" sz="2000" dirty="0" smtClean="0"/>
-              <a:t>：项目集成构建工具</a:t>
-            </a:r>
-            <a:endParaRPr lang="zh-CN" altLang="en-US" sz="2000" dirty="0" smtClean="0"/>
-          </a:p>
-          <a:p>
-            <a:r>
-              <a:rPr lang="en-US" sz="2000" dirty="0" err="1" smtClean="0"/>
-              <a:t>MyFaces</a:t>
-            </a:r>
-            <a:r>
-              <a:rPr lang="ja-JP" altLang="en-US" sz="2000" dirty="0" smtClean="0"/>
-              <a:t>：一个</a:t>
-            </a:r>
-            <a:r>
-              <a:rPr lang="en-US" sz="2000" dirty="0" err="1" smtClean="0"/>
-              <a:t>JavaServer</a:t>
-            </a:r>
-            <a:r>
-              <a:rPr lang="en-US" sz="2000" dirty="0" smtClean="0"/>
-              <a:t> Faces</a:t>
-            </a:r>
-            <a:r>
-              <a:rPr lang="ja-JP" altLang="en-US" sz="2000" dirty="0" smtClean="0"/>
-              <a:t>（</a:t>
-            </a:r>
-            <a:r>
-              <a:rPr lang="en-US" sz="2000" dirty="0" smtClean="0"/>
-              <a:t>JSF</a:t>
-            </a:r>
-            <a:r>
-              <a:rPr lang="ja-JP" altLang="en-US" sz="2000" dirty="0" smtClean="0"/>
-              <a:t>）的实现框架。</a:t>
-            </a:r>
-            <a:endParaRPr lang="zh-CN" altLang="en-US" sz="2000" dirty="0" smtClean="0"/>
-          </a:p>
-          <a:p>
-            <a:r>
-              <a:rPr lang="en-US" sz="2000" dirty="0" err="1" smtClean="0"/>
-              <a:t>mod_perl</a:t>
-            </a:r>
-            <a:r>
-              <a:rPr lang="ja-JP" altLang="en-US" sz="2000" dirty="0" smtClean="0"/>
-              <a:t>：为</a:t>
-            </a:r>
-            <a:r>
-              <a:rPr lang="en-US" sz="2000" dirty="0" smtClean="0"/>
-              <a:t>Apache</a:t>
-            </a:r>
-            <a:r>
-              <a:rPr lang="ja-JP" altLang="en-US" sz="2000" dirty="0" smtClean="0"/>
-              <a:t>服务器提供</a:t>
-            </a:r>
-            <a:r>
-              <a:rPr lang="en-US" sz="2000" dirty="0" smtClean="0"/>
-              <a:t>Perl</a:t>
-            </a:r>
-            <a:r>
-              <a:rPr lang="ja-JP" altLang="en-US" sz="2000" dirty="0" smtClean="0"/>
-              <a:t>语言整合的项目</a:t>
-            </a:r>
-            <a:endParaRPr lang="zh-CN" altLang="en-US" sz="2000" dirty="0" smtClean="0"/>
-          </a:p>
-          <a:p>
-            <a:r>
-              <a:rPr lang="en-US" sz="2000" dirty="0" smtClean="0"/>
-              <a:t>POI</a:t>
-            </a:r>
-            <a:r>
-              <a:rPr lang="ja-JP" altLang="en-US" sz="2000" dirty="0" smtClean="0"/>
-              <a:t>：提供</a:t>
-            </a:r>
-            <a:r>
-              <a:rPr lang="en-US" sz="2000" dirty="0" smtClean="0"/>
-              <a:t>API</a:t>
-            </a:r>
-            <a:r>
-              <a:rPr lang="ja-JP" altLang="en-US" sz="2000" dirty="0" smtClean="0"/>
-              <a:t>以供</a:t>
-            </a:r>
-            <a:r>
-              <a:rPr lang="en-US" sz="2000" dirty="0" smtClean="0"/>
-              <a:t>JAVA</a:t>
-            </a:r>
-            <a:r>
-              <a:rPr lang="ja-JP" altLang="en-US" sz="2000" dirty="0" smtClean="0"/>
-              <a:t>程式对</a:t>
-            </a:r>
-            <a:r>
-              <a:rPr lang="en-US" sz="2000" dirty="0" smtClean="0"/>
-              <a:t>Microsoft Office</a:t>
-            </a:r>
-            <a:r>
-              <a:rPr lang="ja-JP" altLang="en-US" sz="2000" dirty="0" smtClean="0"/>
-              <a:t>格式档案的读</a:t>
-            </a:r>
-            <a:r>
-              <a:rPr lang="en-US" sz="2000" dirty="0" smtClean="0"/>
-              <a:t>/</a:t>
-            </a:r>
-            <a:r>
-              <a:rPr lang="ja-JP" altLang="en-US" sz="2000" dirty="0" smtClean="0"/>
-              <a:t>写。</a:t>
-            </a:r>
-            <a:endParaRPr lang="zh-CN" altLang="en-US" sz="2000" dirty="0" smtClean="0"/>
-          </a:p>
-          <a:p>
-            <a:r>
-              <a:rPr lang="en-US" sz="2000" dirty="0" smtClean="0"/>
-              <a:t>Portals</a:t>
-            </a:r>
-            <a:r>
-              <a:rPr lang="ja-JP" altLang="en-US" sz="2000" dirty="0" smtClean="0"/>
-              <a:t>：与门户（</a:t>
-            </a:r>
-            <a:r>
-              <a:rPr lang="en-US" sz="2000" dirty="0" smtClean="0"/>
-              <a:t>Portal</a:t>
-            </a:r>
-            <a:r>
-              <a:rPr lang="ja-JP" altLang="en-US" sz="2000" dirty="0" smtClean="0"/>
-              <a:t>）技术相关的几个项目集合</a:t>
-            </a:r>
-            <a:endParaRPr lang="zh-CN" altLang="en-US" sz="2000" dirty="0" smtClean="0"/>
-          </a:p>
-          <a:p>
-            <a:r>
-              <a:rPr lang="en-US" sz="2000" dirty="0" err="1" smtClean="0"/>
-              <a:t>Santuario</a:t>
-            </a:r>
-            <a:r>
-              <a:rPr lang="ja-JP" altLang="en-US" sz="2000" dirty="0" smtClean="0"/>
-              <a:t>：发展</a:t>
-            </a:r>
-            <a:r>
-              <a:rPr lang="en-US" sz="2000" dirty="0" smtClean="0"/>
-              <a:t>XML</a:t>
-            </a:r>
-            <a:r>
-              <a:rPr lang="ja-JP" altLang="en-US" sz="2000" dirty="0" smtClean="0"/>
-              <a:t>安全性方面的项目</a:t>
-            </a:r>
-            <a:endParaRPr lang="zh-CN" altLang="en-US" sz="2000" dirty="0" smtClean="0"/>
-          </a:p>
-          <a:p>
-            <a:r>
-              <a:rPr lang="en-US" sz="2000" dirty="0" smtClean="0"/>
-              <a:t>Shale</a:t>
+              <a:t>Jakarta</a:t>
             </a:r>
             <a:r>
               <a:rPr lang="ja-JP" altLang="en-US" sz="2000" dirty="0" smtClean="0"/>
@@ -14657,227 +16287,23 @@
             </a:r>
             <a:r>
               <a:rPr lang="en-US" sz="2000" dirty="0" smtClean="0"/>
-              <a:t>Struts</a:t>
+              <a:t>ASF</a:t>
             </a:r>
             <a:r>
               <a:rPr lang="ja-JP" altLang="en-US" sz="2000" dirty="0" smtClean="0"/>
-              <a:t>之后，发展起来基于</a:t>
-            </a:r>
-            <a:r>
-              <a:rPr lang="en-US" sz="2000" dirty="0" smtClean="0"/>
-              <a:t>JAVA</a:t>
+              <a:t>中，基于</a:t>
+            </a:r>
+            <a:r>
+              <a:rPr lang="en-US" sz="2000" dirty="0" smtClean="0"/>
+              <a:t>Java</a:t>
             </a:r>
             <a:r>
               <a:rPr lang="ja-JP" altLang="en-US" sz="2000" dirty="0" smtClean="0"/>
-              <a:t>语言</a:t>
-            </a:r>
-            <a:r>
-              <a:rPr lang="en-US" sz="2000" dirty="0" smtClean="0"/>
-              <a:t>Web</a:t>
-            </a:r>
-            <a:r>
-              <a:rPr lang="ja-JP" altLang="en-US" sz="2000" dirty="0" smtClean="0"/>
-              <a:t>应用框架</a:t>
-            </a:r>
-            <a:endParaRPr lang="zh-CN" altLang="en-US" sz="2000" dirty="0" smtClean="0"/>
-          </a:p>
-          <a:p>
-            <a:r>
-              <a:rPr lang="en-US" sz="2000" dirty="0" err="1" smtClean="0"/>
-              <a:t>SpamAssassin</a:t>
-            </a:r>
-            <a:r>
-              <a:rPr lang="ja-JP" altLang="en-US" sz="2000" dirty="0" smtClean="0"/>
-              <a:t>：垃圾邮件过滤器</a:t>
-            </a:r>
-            <a:endParaRPr lang="zh-CN" altLang="en-US" sz="2000" dirty="0" smtClean="0"/>
-          </a:p>
-          <a:p>
-            <a:r>
-              <a:rPr lang="en-US" sz="2000" b="1" dirty="0" smtClean="0">
-                <a:solidFill>
-                  <a:srgbClr val="FF0000"/>
-                </a:solidFill>
-              </a:rPr>
-              <a:t>Struts</a:t>
-            </a:r>
-            <a:r>
-              <a:rPr lang="ja-JP" altLang="en-US" sz="2000" dirty="0" smtClean="0"/>
-              <a:t>：一个基于</a:t>
-            </a:r>
-            <a:r>
-              <a:rPr lang="en-US" sz="2000" dirty="0" smtClean="0"/>
-              <a:t>J2EE</a:t>
-            </a:r>
-            <a:r>
-              <a:rPr lang="ja-JP" altLang="en-US" sz="2000" dirty="0" smtClean="0"/>
-              <a:t>平台的</a:t>
-            </a:r>
-            <a:r>
-              <a:rPr lang="en-US" sz="2000" dirty="0" smtClean="0"/>
-              <a:t>MVC</a:t>
-            </a:r>
-            <a:r>
-              <a:rPr lang="ja-JP" altLang="en-US" sz="2000" dirty="0" smtClean="0"/>
-              <a:t>设计模式的</a:t>
-            </a:r>
-            <a:r>
-              <a:rPr lang="en-US" sz="2000" dirty="0" smtClean="0"/>
-              <a:t>Web</a:t>
-            </a:r>
-            <a:r>
-              <a:rPr lang="ja-JP" altLang="en-US" sz="2000" dirty="0" smtClean="0"/>
-              <a:t>应用框架</a:t>
-            </a:r>
-            <a:endParaRPr lang="zh-CN" altLang="en-US" sz="2000" dirty="0" smtClean="0"/>
-          </a:p>
-          <a:p>
-            <a:r>
-              <a:rPr lang="en-US" sz="2000" b="1" dirty="0" smtClean="0">
-                <a:solidFill>
-                  <a:srgbClr val="FF0000"/>
-                </a:solidFill>
-              </a:rPr>
-              <a:t>Subversion</a:t>
-            </a:r>
-            <a:r>
-              <a:rPr lang="en-US" sz="2000" dirty="0" smtClean="0"/>
-              <a:t>: </a:t>
-            </a:r>
-            <a:r>
-              <a:rPr lang="ja-JP" altLang="en-US" sz="2000" dirty="0" smtClean="0"/>
-              <a:t>一个软件版本管理系统。</a:t>
-            </a:r>
-            <a:endParaRPr lang="zh-CN" altLang="en-US" sz="2000" dirty="0" smtClean="0"/>
-          </a:p>
-          <a:p>
-            <a:r>
-              <a:rPr lang="en-US" sz="2000" dirty="0" smtClean="0"/>
-              <a:t>Tapestry</a:t>
-            </a:r>
-            <a:r>
-              <a:rPr lang="ja-JP" altLang="en-US" sz="2000" dirty="0" smtClean="0"/>
-              <a:t>：另一个</a:t>
-            </a:r>
-            <a:r>
-              <a:rPr lang="en-US" sz="2000" dirty="0" smtClean="0"/>
-              <a:t>J2EE</a:t>
-            </a:r>
-            <a:r>
-              <a:rPr lang="ja-JP" altLang="en-US" sz="2000" dirty="0" smtClean="0"/>
-              <a:t>平台的、能产生动态、高性能</a:t>
-            </a:r>
-            <a:r>
-              <a:rPr lang="en-US" sz="2000" dirty="0" smtClean="0"/>
-              <a:t>Web</a:t>
-            </a:r>
-            <a:r>
-              <a:rPr lang="ja-JP" altLang="en-US" sz="2000" dirty="0" smtClean="0"/>
-              <a:t>应用的框架。</a:t>
-            </a:r>
-            <a:endParaRPr lang="zh-CN" altLang="en-US" sz="2000" dirty="0" smtClean="0"/>
-          </a:p>
-          <a:p>
-            <a:r>
-              <a:rPr lang="en-US" sz="2000" b="1" dirty="0" smtClean="0">
-                <a:solidFill>
-                  <a:srgbClr val="FF0000"/>
-                </a:solidFill>
-              </a:rPr>
-              <a:t>Tomcat</a:t>
-            </a:r>
-            <a:r>
-              <a:rPr lang="ja-JP" altLang="en-US" sz="2000" dirty="0" smtClean="0"/>
-              <a:t>：一个运行</a:t>
-            </a:r>
-            <a:r>
-              <a:rPr lang="en-US" sz="2000" dirty="0" smtClean="0"/>
-              <a:t>Java </a:t>
-            </a:r>
-            <a:r>
-              <a:rPr lang="en-US" sz="2000" dirty="0" err="1" smtClean="0"/>
-              <a:t>Servlet</a:t>
-            </a:r>
-            <a:r>
-              <a:rPr lang="ja-JP" altLang="en-US" sz="2000" dirty="0" smtClean="0"/>
-              <a:t>与</a:t>
-            </a:r>
-            <a:r>
-              <a:rPr lang="en-US" sz="2000" dirty="0" err="1" smtClean="0"/>
-              <a:t>JavaServer</a:t>
-            </a:r>
-            <a:r>
-              <a:rPr lang="en-US" sz="2000" dirty="0" smtClean="0"/>
-              <a:t> Pages</a:t>
-            </a:r>
-            <a:r>
-              <a:rPr lang="ja-JP" altLang="en-US" sz="2000" dirty="0" smtClean="0"/>
-              <a:t>（</a:t>
-            </a:r>
-            <a:r>
-              <a:rPr lang="en-US" sz="2000" dirty="0" smtClean="0"/>
-              <a:t>JSP</a:t>
-            </a:r>
-            <a:r>
-              <a:rPr lang="ja-JP" altLang="en-US" sz="2000" dirty="0" smtClean="0"/>
-              <a:t>）的容器。</a:t>
-            </a:r>
-            <a:endParaRPr lang="zh-CN" altLang="en-US" sz="2000" dirty="0" smtClean="0"/>
-          </a:p>
-          <a:p>
-            <a:r>
-              <a:rPr lang="en-US" sz="2000" b="1" dirty="0" smtClean="0">
-                <a:solidFill>
-                  <a:srgbClr val="FF0000"/>
-                </a:solidFill>
-              </a:rPr>
-              <a:t>Web Services</a:t>
-            </a:r>
-            <a:r>
-              <a:rPr lang="ja-JP" altLang="en-US" sz="2000" dirty="0" smtClean="0"/>
-              <a:t>：与</a:t>
-            </a:r>
-            <a:r>
-              <a:rPr lang="en-US" sz="2000" dirty="0" smtClean="0"/>
-              <a:t>Web Services</a:t>
-            </a:r>
-            <a:r>
-              <a:rPr lang="ja-JP" altLang="en-US" sz="2000" dirty="0" smtClean="0"/>
-              <a:t>技术相关的项目集合</a:t>
-            </a:r>
-            <a:endParaRPr lang="zh-CN" altLang="en-US" sz="2000" dirty="0" smtClean="0"/>
-          </a:p>
-          <a:p>
-            <a:r>
-              <a:rPr lang="en-US" sz="2000" dirty="0" err="1" smtClean="0"/>
-              <a:t>Xalan</a:t>
-            </a:r>
-            <a:r>
-              <a:rPr lang="ja-JP" altLang="en-US" sz="2000" dirty="0" smtClean="0"/>
-              <a:t>：</a:t>
-            </a:r>
-            <a:r>
-              <a:rPr lang="en-US" sz="2000" dirty="0" smtClean="0"/>
-              <a:t>XML</a:t>
-            </a:r>
-            <a:r>
-              <a:rPr lang="ja-JP" altLang="en-US" sz="2000" dirty="0" smtClean="0"/>
-              <a:t>转换处理器</a:t>
-            </a:r>
-            <a:endParaRPr lang="zh-CN" altLang="en-US" sz="2000" dirty="0" smtClean="0"/>
-          </a:p>
-          <a:p>
-            <a:r>
-              <a:rPr lang="en-US" sz="2000" dirty="0" err="1" smtClean="0"/>
-              <a:t>Xerces</a:t>
-            </a:r>
-            <a:r>
-              <a:rPr lang="ja-JP" altLang="en-US" sz="2000" dirty="0" smtClean="0"/>
-              <a:t>：一组可以在</a:t>
-            </a:r>
-            <a:r>
-              <a:rPr lang="en-US" sz="2000" dirty="0" smtClean="0"/>
-              <a:t>Java</a:t>
+              <a:t>语言的一组开源子项目的集合，现在包含的子项目有：</a:t>
+            </a:r>
+            <a:r>
+              <a:rPr lang="en-US" sz="2000" dirty="0" smtClean="0"/>
+              <a:t>BCEL</a:t>
             </a:r>
             <a:r>
               <a:rPr lang="ja-JP" altLang="en-US" sz="2000" dirty="0" smtClean="0"/>
@@ -14885,7 +16311,7 @@
             </a:r>
             <a:r>
               <a:rPr lang="en-US" sz="2000" dirty="0" smtClean="0"/>
-              <a:t>C++</a:t>
+              <a:t>BSF</a:t>
             </a:r>
             <a:r>
               <a:rPr lang="ja-JP" altLang="en-US" sz="2000" dirty="0" smtClean="0"/>
@@ -14893,89 +16319,209 @@
             </a:r>
             <a:r>
               <a:rPr lang="en-US" sz="2000" dirty="0" smtClean="0"/>
+              <a:t>Cactus</a:t>
+            </a:r>
+            <a:r>
+              <a:rPr lang="ja-JP" altLang="en-US" sz="2000" dirty="0" smtClean="0"/>
+              <a:t>，</a:t>
+            </a:r>
+            <a:r>
+              <a:rPr lang="en-US" sz="2000" dirty="0" smtClean="0"/>
+              <a:t>Commons</a:t>
+            </a:r>
+            <a:r>
+              <a:rPr lang="ja-JP" altLang="en-US" sz="2000" dirty="0" smtClean="0"/>
+              <a:t>，</a:t>
+            </a:r>
+            <a:r>
+              <a:rPr lang="en-US" sz="2000" dirty="0" smtClean="0"/>
+              <a:t>ECS</a:t>
+            </a:r>
+            <a:r>
+              <a:rPr lang="ja-JP" altLang="en-US" sz="2000" dirty="0" smtClean="0"/>
+              <a:t>，</a:t>
+            </a:r>
+            <a:r>
+              <a:rPr lang="en-US" sz="2000" dirty="0" err="1" smtClean="0"/>
+              <a:t>HttpComponents</a:t>
+            </a:r>
+            <a:r>
+              <a:rPr lang="ja-JP" altLang="en-US" sz="2000" dirty="0" smtClean="0"/>
+              <a:t>，</a:t>
+            </a:r>
+            <a:r>
+              <a:rPr lang="en-US" sz="2000" dirty="0" smtClean="0"/>
+              <a:t>JCS</a:t>
+            </a:r>
+            <a:r>
+              <a:rPr lang="ja-JP" altLang="en-US" sz="2000" dirty="0" smtClean="0"/>
+              <a:t>，</a:t>
+            </a:r>
+            <a:r>
+              <a:rPr lang="en-US" sz="2000" dirty="0" err="1" smtClean="0"/>
+              <a:t>JMeter</a:t>
+            </a:r>
+            <a:r>
+              <a:rPr lang="ja-JP" altLang="en-US" sz="2000" dirty="0" smtClean="0"/>
+              <a:t>，</a:t>
+            </a:r>
+            <a:r>
+              <a:rPr lang="en-US" sz="2000" dirty="0" smtClean="0"/>
+              <a:t>ORO</a:t>
+            </a:r>
+            <a:r>
+              <a:rPr lang="ja-JP" altLang="en-US" sz="2000" dirty="0" smtClean="0"/>
+              <a:t>，</a:t>
+            </a:r>
+            <a:r>
+              <a:rPr lang="en-US" sz="2000" dirty="0" err="1" smtClean="0"/>
+              <a:t>Regexp</a:t>
+            </a:r>
+            <a:r>
+              <a:rPr lang="ja-JP" altLang="en-US" sz="2000" dirty="0" smtClean="0"/>
+              <a:t>，</a:t>
+            </a:r>
+            <a:r>
+              <a:rPr lang="en-US" sz="2000" dirty="0" smtClean="0"/>
+              <a:t>Slide</a:t>
+            </a:r>
+            <a:r>
+              <a:rPr lang="ja-JP" altLang="en-US" sz="2000" dirty="0" smtClean="0"/>
+              <a:t>，</a:t>
+            </a:r>
+            <a:r>
+              <a:rPr lang="en-US" sz="2000" dirty="0" err="1" smtClean="0"/>
+              <a:t>Taglibs</a:t>
+            </a:r>
+            <a:r>
+              <a:rPr lang="ja-JP" altLang="en-US" sz="2000" dirty="0" smtClean="0"/>
+              <a:t>，</a:t>
+            </a:r>
+            <a:r>
+              <a:rPr lang="en-US" sz="2000" dirty="0" smtClean="0"/>
+              <a:t>Turbine</a:t>
+            </a:r>
+            <a:r>
+              <a:rPr lang="ja-JP" altLang="en-US" sz="2000" dirty="0" smtClean="0"/>
+              <a:t>，</a:t>
+            </a:r>
+            <a:r>
+              <a:rPr lang="en-US" sz="2000" dirty="0" smtClean="0"/>
+              <a:t>Velocity</a:t>
+            </a:r>
+            <a:endParaRPr lang="zh-CN" altLang="en-US" sz="2000" dirty="0" smtClean="0"/>
+          </a:p>
+          <a:p>
+            <a:r>
+              <a:rPr lang="en-US" sz="2000" dirty="0" smtClean="0"/>
+              <a:t>James</a:t>
+            </a:r>
+            <a:r>
+              <a:rPr lang="zh-CN" altLang="en-US" sz="2000" dirty="0" smtClean="0"/>
+              <a:t>：</a:t>
+            </a:r>
+            <a:r>
+              <a:rPr lang="en-US" sz="2000" dirty="0" smtClean="0"/>
+              <a:t>JAVA</a:t>
+            </a:r>
+            <a:r>
+              <a:rPr lang="zh-CN" altLang="en-US" sz="2000" dirty="0" smtClean="0"/>
+              <a:t>语言实现的邮件新闻服务器</a:t>
+            </a:r>
+          </a:p>
+          <a:p>
+            <a:r>
+              <a:rPr lang="en-US" sz="2000" dirty="0" smtClean="0"/>
+              <a:t>Labs</a:t>
+            </a:r>
+            <a:r>
+              <a:rPr lang="zh-CN" altLang="en-US" sz="2000" dirty="0" smtClean="0"/>
+              <a:t>：为基金会成员提供最新变更的思维的计划</a:t>
+            </a:r>
+          </a:p>
+          <a:p>
+            <a:r>
+              <a:rPr lang="en-US" sz="2000" dirty="0" smtClean="0"/>
+              <a:t>Lenya</a:t>
+            </a:r>
+            <a:r>
+              <a:rPr lang="zh-CN" altLang="en-US" sz="2000" dirty="0" smtClean="0"/>
+              <a:t>：内容管理系统</a:t>
+            </a:r>
+          </a:p>
+          <a:p>
+            <a:r>
+              <a:rPr lang="en-US" sz="2000" dirty="0" smtClean="0"/>
+              <a:t>Logging</a:t>
+            </a:r>
+            <a:r>
+              <a:rPr lang="zh-CN" altLang="en-US" sz="2000" dirty="0" smtClean="0"/>
+              <a:t>：一个开发可以在</a:t>
+            </a:r>
+            <a:r>
+              <a:rPr lang="en-US" sz="2000" dirty="0" smtClean="0"/>
+              <a:t>C++</a:t>
+            </a:r>
+            <a:r>
+              <a:rPr lang="zh-CN" altLang="en-US" sz="2000" dirty="0" smtClean="0"/>
+              <a:t>、</a:t>
+            </a:r>
+            <a:r>
+              <a:rPr lang="en-US" sz="2000" dirty="0" smtClean="0"/>
+              <a:t>Java</a:t>
+            </a:r>
+            <a:r>
+              <a:rPr lang="zh-CN" altLang="en-US" sz="2000" dirty="0" smtClean="0"/>
+              <a:t>、</a:t>
+            </a:r>
+            <a:r>
+              <a:rPr lang="en-US" sz="2000" dirty="0" smtClean="0"/>
               <a:t>Perl</a:t>
             </a:r>
             <a:r>
+              <a:rPr lang="zh-CN" altLang="en-US" sz="2000" dirty="0" smtClean="0"/>
+              <a:t>、</a:t>
+            </a:r>
+            <a:r>
+              <a:rPr lang="en-US" sz="2000" dirty="0" smtClean="0"/>
+              <a:t>PHP</a:t>
+            </a:r>
+            <a:r>
+              <a:rPr lang="zh-CN" altLang="en-US" sz="2000" dirty="0" smtClean="0"/>
+              <a:t>、</a:t>
+            </a:r>
+            <a:r>
+              <a:rPr lang="en-US" sz="2000" dirty="0" smtClean="0"/>
+              <a:t>.NET</a:t>
+            </a:r>
+            <a:r>
+              <a:rPr lang="zh-CN" altLang="en-US" sz="2000" dirty="0" smtClean="0"/>
+              <a:t>计算机语言下运行的通用日志工具项目集合。</a:t>
+            </a:r>
+          </a:p>
+          <a:p>
+            <a:r>
+              <a:rPr lang="en-US" sz="2000" dirty="0" err="1" smtClean="0"/>
+              <a:t>Lucene</a:t>
+            </a:r>
+            <a:r>
               <a:rPr lang="ja-JP" altLang="en-US" sz="2000" dirty="0" smtClean="0"/>
-              <a:t>计算机语言下使用的</a:t>
-            </a:r>
-            <a:r>
-              <a:rPr lang="en-US" sz="2000" dirty="0" smtClean="0"/>
-              <a:t>XML</a:t>
+              <a:t>：高性能的，基于</a:t>
+            </a:r>
+            <a:r>
+              <a:rPr lang="en-US" sz="2000" dirty="0" smtClean="0"/>
+              <a:t>Java</a:t>
             </a:r>
             <a:r>
               <a:rPr lang="ja-JP" altLang="en-US" sz="2000" dirty="0" smtClean="0"/>
-              <a:t>解析器项目。</a:t>
+              <a:t>语言的全文检索项目。</a:t>
             </a:r>
             <a:endParaRPr lang="zh-CN" altLang="en-US" sz="2000" dirty="0" smtClean="0"/>
           </a:p>
           <a:p>
-            <a:r>
-              <a:rPr lang="en-US" sz="2000" dirty="0" smtClean="0"/>
-              <a:t>Apache XML</a:t>
-            </a:r>
-            <a:r>
-              <a:rPr lang="ja-JP" altLang="en-US" sz="2000" dirty="0" smtClean="0"/>
-              <a:t>：</a:t>
-            </a:r>
-            <a:r>
-              <a:rPr lang="en-US" sz="2000" dirty="0" smtClean="0"/>
-              <a:t>XML</a:t>
-            </a:r>
-            <a:r>
-              <a:rPr lang="ja-JP" altLang="en-US" sz="2000" dirty="0" smtClean="0"/>
-              <a:t>解决方案</a:t>
-            </a:r>
             <a:endParaRPr lang="zh-CN" altLang="en-US" sz="2000" dirty="0" smtClean="0"/>
           </a:p>
           <a:p>
-            <a:r>
-              <a:rPr lang="en-US" sz="2000" dirty="0" err="1" smtClean="0"/>
-              <a:t>XMLBeans</a:t>
-            </a:r>
-            <a:r>
-              <a:rPr lang="ja-JP" altLang="en-US" sz="2000" dirty="0" smtClean="0"/>
-              <a:t>：基于</a:t>
-            </a:r>
-            <a:r>
-              <a:rPr lang="en-US" sz="2000" dirty="0" smtClean="0"/>
-              <a:t>JAVA</a:t>
-            </a:r>
-            <a:r>
-              <a:rPr lang="ja-JP" altLang="en-US" sz="2000" dirty="0" smtClean="0"/>
-              <a:t>语言</a:t>
-            </a:r>
-            <a:r>
-              <a:rPr lang="en-US" sz="2000" dirty="0" smtClean="0"/>
-              <a:t>XML</a:t>
-            </a:r>
-            <a:r>
-              <a:rPr lang="ja-JP" altLang="en-US" sz="2000" dirty="0" smtClean="0"/>
-              <a:t>对象绑定工具</a:t>
-            </a:r>
-            <a:endParaRPr lang="zh-CN" altLang="en-US" sz="2000" dirty="0" smtClean="0"/>
-          </a:p>
-          <a:p>
-            <a:r>
-              <a:rPr lang="en-US" sz="2000" dirty="0" smtClean="0"/>
-              <a:t>XML Graphics</a:t>
-            </a:r>
-            <a:r>
-              <a:rPr lang="zh-CN" altLang="en-US" sz="2000" dirty="0" smtClean="0"/>
-              <a:t>：发展</a:t>
-            </a:r>
-            <a:r>
-              <a:rPr lang="en-US" sz="2000" dirty="0" smtClean="0"/>
-              <a:t>XML</a:t>
-            </a:r>
-            <a:r>
-              <a:rPr lang="zh-CN" altLang="en-US" sz="2000" dirty="0" smtClean="0"/>
-              <a:t>与图形进行转换的计划项目</a:t>
-            </a:r>
-            <a:r>
-              <a:rPr lang="en-US" sz="2000" dirty="0" smtClean="0"/>
-              <a:t> </a:t>
-            </a:r>
             <a:endParaRPr lang="zh-CN" altLang="en-US" sz="2000" dirty="0"/>
           </a:p>
         </p:txBody>
@@ -14990,6 +16536,539 @@
 </file>
 
 <file path=ppt/slides/slide24.xml><?xml version="1.0" encoding="utf-8"?>
+<p:sld xmlns:a="http://schemas.openxmlformats.org/drawingml/2006/main" xmlns:r="http://schemas.openxmlformats.org/officeDocument/2006/relationships" xmlns:p="http://schemas.openxmlformats.org/presentationml/2006/main">
+  <p:cSld>
+    <p:spTree>
+      <p:nvGrpSpPr>
+        <p:cNvPr id="1" name=""/>
+        <p:cNvGrpSpPr/>
+        <p:nvPr/>
+      </p:nvGrpSpPr>
+      <p:grpSpPr>
+        <a:xfrm>
+          <a:off x="0" y="0"/>
+          <a:ext cx="0" cy="0"/>
+          <a:chOff x="0" y="0"/>
+          <a:chExt cx="0" cy="0"/>
+        </a:xfrm>
+      </p:grpSpPr>
+      <p:sp>
+        <p:nvSpPr>
+          <p:cNvPr id="3" name="内容占位符 2"/>
+          <p:cNvSpPr>
+            <a:spLocks noGrp="1"/>
+          </p:cNvSpPr>
+          <p:nvPr>
+            <p:ph idx="1"/>
+          </p:nvPr>
+        </p:nvSpPr>
+        <p:spPr>
+          <a:xfrm>
+            <a:off x="642910" y="142852"/>
+            <a:ext cx="8143932" cy="6000792"/>
+          </a:xfrm>
+        </p:spPr>
+        <p:txBody>
+          <a:bodyPr/>
+          <a:lstStyle/>
+          <a:p>
+            <a:r>
+              <a:rPr lang="en-US" sz="2000" b="1" dirty="0" smtClean="0">
+                <a:solidFill>
+                  <a:srgbClr val="FF0000"/>
+                </a:solidFill>
+              </a:rPr>
+              <a:t>Maven</a:t>
+            </a:r>
+            <a:r>
+              <a:rPr lang="ja-JP" altLang="en-US" sz="2000" dirty="0" smtClean="0"/>
+              <a:t>：项目集成构建工具</a:t>
+            </a:r>
+            <a:endParaRPr lang="zh-CN" altLang="en-US" sz="2000" dirty="0" smtClean="0"/>
+          </a:p>
+          <a:p>
+            <a:r>
+              <a:rPr lang="en-US" sz="2000" dirty="0" err="1" smtClean="0"/>
+              <a:t>MyFaces</a:t>
+            </a:r>
+            <a:r>
+              <a:rPr lang="ja-JP" altLang="en-US" sz="2000" dirty="0" smtClean="0"/>
+              <a:t>：一个</a:t>
+            </a:r>
+            <a:r>
+              <a:rPr lang="en-US" sz="2000" dirty="0" err="1" smtClean="0"/>
+              <a:t>JavaServer</a:t>
+            </a:r>
+            <a:r>
+              <a:rPr lang="en-US" sz="2000" dirty="0" smtClean="0"/>
+              <a:t> Faces</a:t>
+            </a:r>
+            <a:r>
+              <a:rPr lang="ja-JP" altLang="en-US" sz="2000" dirty="0" smtClean="0"/>
+              <a:t>（</a:t>
+            </a:r>
+            <a:r>
+              <a:rPr lang="en-US" sz="2000" dirty="0" smtClean="0"/>
+              <a:t>JSF</a:t>
+            </a:r>
+            <a:r>
+              <a:rPr lang="ja-JP" altLang="en-US" sz="2000" dirty="0" smtClean="0"/>
+              <a:t>）的实现框架。</a:t>
+            </a:r>
+            <a:endParaRPr lang="zh-CN" altLang="en-US" sz="2000" dirty="0" smtClean="0"/>
+          </a:p>
+          <a:p>
+            <a:r>
+              <a:rPr lang="en-US" sz="2000" dirty="0" err="1" smtClean="0"/>
+              <a:t>mod_perl</a:t>
+            </a:r>
+            <a:r>
+              <a:rPr lang="ja-JP" altLang="en-US" sz="2000" dirty="0" smtClean="0"/>
+              <a:t>：为</a:t>
+            </a:r>
+            <a:r>
+              <a:rPr lang="en-US" sz="2000" dirty="0" smtClean="0"/>
+              <a:t>Apache</a:t>
+            </a:r>
+            <a:r>
+              <a:rPr lang="ja-JP" altLang="en-US" sz="2000" dirty="0" smtClean="0"/>
+              <a:t>服务器提供</a:t>
+            </a:r>
+            <a:r>
+              <a:rPr lang="en-US" sz="2000" dirty="0" smtClean="0"/>
+              <a:t>Perl</a:t>
+            </a:r>
+            <a:r>
+              <a:rPr lang="ja-JP" altLang="en-US" sz="2000" dirty="0" smtClean="0"/>
+              <a:t>语言整合的项目</a:t>
+            </a:r>
+            <a:endParaRPr lang="zh-CN" altLang="en-US" sz="2000" dirty="0" smtClean="0"/>
+          </a:p>
+          <a:p>
+            <a:r>
+              <a:rPr lang="en-US" sz="2000" dirty="0" smtClean="0"/>
+              <a:t>POI</a:t>
+            </a:r>
+            <a:r>
+              <a:rPr lang="ja-JP" altLang="en-US" sz="2000" dirty="0" smtClean="0"/>
+              <a:t>：提供</a:t>
+            </a:r>
+            <a:r>
+              <a:rPr lang="en-US" sz="2000" dirty="0" smtClean="0"/>
+              <a:t>API</a:t>
+            </a:r>
+            <a:r>
+              <a:rPr lang="ja-JP" altLang="en-US" sz="2000" dirty="0" smtClean="0"/>
+              <a:t>以供</a:t>
+            </a:r>
+            <a:r>
+              <a:rPr lang="en-US" sz="2000" dirty="0" smtClean="0"/>
+              <a:t>JAVA</a:t>
+            </a:r>
+            <a:r>
+              <a:rPr lang="ja-JP" altLang="en-US" sz="2000" dirty="0" smtClean="0"/>
+              <a:t>程式对</a:t>
+            </a:r>
+            <a:r>
+              <a:rPr lang="en-US" sz="2000" dirty="0" smtClean="0"/>
+              <a:t>Microsoft Office</a:t>
+            </a:r>
+            <a:r>
+              <a:rPr lang="ja-JP" altLang="en-US" sz="2000" dirty="0" smtClean="0"/>
+              <a:t>格式档案的读</a:t>
+            </a:r>
+            <a:r>
+              <a:rPr lang="en-US" sz="2000" dirty="0" smtClean="0"/>
+              <a:t>/</a:t>
+            </a:r>
+            <a:r>
+              <a:rPr lang="ja-JP" altLang="en-US" sz="2000" dirty="0" smtClean="0"/>
+              <a:t>写。</a:t>
+            </a:r>
+            <a:endParaRPr lang="zh-CN" altLang="en-US" sz="2000" dirty="0" smtClean="0"/>
+          </a:p>
+          <a:p>
+            <a:r>
+              <a:rPr lang="en-US" sz="2000" dirty="0" smtClean="0"/>
+              <a:t>Portals</a:t>
+            </a:r>
+            <a:r>
+              <a:rPr lang="ja-JP" altLang="en-US" sz="2000" dirty="0" smtClean="0"/>
+              <a:t>：与门户（</a:t>
+            </a:r>
+            <a:r>
+              <a:rPr lang="en-US" sz="2000" dirty="0" smtClean="0"/>
+              <a:t>Portal</a:t>
+            </a:r>
+            <a:r>
+              <a:rPr lang="ja-JP" altLang="en-US" sz="2000" dirty="0" smtClean="0"/>
+              <a:t>）技术相关的几个项目集合</a:t>
+            </a:r>
+            <a:endParaRPr lang="zh-CN" altLang="en-US" sz="2000" dirty="0" smtClean="0"/>
+          </a:p>
+          <a:p>
+            <a:r>
+              <a:rPr lang="en-US" sz="2000" dirty="0" err="1" smtClean="0"/>
+              <a:t>Santuario</a:t>
+            </a:r>
+            <a:r>
+              <a:rPr lang="ja-JP" altLang="en-US" sz="2000" dirty="0" smtClean="0"/>
+              <a:t>：发展</a:t>
+            </a:r>
+            <a:r>
+              <a:rPr lang="en-US" sz="2000" dirty="0" smtClean="0"/>
+              <a:t>XML</a:t>
+            </a:r>
+            <a:r>
+              <a:rPr lang="ja-JP" altLang="en-US" sz="2000" dirty="0" smtClean="0"/>
+              <a:t>安全性方面的项目</a:t>
+            </a:r>
+            <a:endParaRPr lang="zh-CN" altLang="en-US" sz="2000" dirty="0" smtClean="0"/>
+          </a:p>
+          <a:p>
+            <a:r>
+              <a:rPr lang="en-US" sz="2000" dirty="0" smtClean="0"/>
+              <a:t>Shale</a:t>
+            </a:r>
+            <a:r>
+              <a:rPr lang="ja-JP" altLang="en-US" sz="2000" dirty="0" smtClean="0"/>
+              <a:t>：在</a:t>
+            </a:r>
+            <a:r>
+              <a:rPr lang="en-US" sz="2000" dirty="0" smtClean="0"/>
+              <a:t>Struts</a:t>
+            </a:r>
+            <a:r>
+              <a:rPr lang="ja-JP" altLang="en-US" sz="2000" dirty="0" smtClean="0"/>
+              <a:t>之后，发展起来基于</a:t>
+            </a:r>
+            <a:r>
+              <a:rPr lang="en-US" sz="2000" dirty="0" smtClean="0"/>
+              <a:t>JAVA</a:t>
+            </a:r>
+            <a:r>
+              <a:rPr lang="ja-JP" altLang="en-US" sz="2000" dirty="0" smtClean="0"/>
+              <a:t>语言</a:t>
+            </a:r>
+            <a:r>
+              <a:rPr lang="en-US" sz="2000" dirty="0" smtClean="0"/>
+              <a:t>Web</a:t>
+            </a:r>
+            <a:r>
+              <a:rPr lang="ja-JP" altLang="en-US" sz="2000" dirty="0" smtClean="0"/>
+              <a:t>应用框架</a:t>
+            </a:r>
+            <a:endParaRPr lang="zh-CN" altLang="en-US" sz="2000" dirty="0" smtClean="0"/>
+          </a:p>
+          <a:p>
+            <a:r>
+              <a:rPr lang="en-US" sz="2000" dirty="0" err="1" smtClean="0"/>
+              <a:t>SpamAssassin</a:t>
+            </a:r>
+            <a:r>
+              <a:rPr lang="ja-JP" altLang="en-US" sz="2000" dirty="0" smtClean="0"/>
+              <a:t>：垃圾邮件过滤器</a:t>
+            </a:r>
+            <a:endParaRPr lang="zh-CN" altLang="en-US" sz="2000" dirty="0" smtClean="0"/>
+          </a:p>
+          <a:p>
+            <a:r>
+              <a:rPr lang="en-US" sz="2000" b="1" dirty="0" smtClean="0">
+                <a:solidFill>
+                  <a:srgbClr val="FF0000"/>
+                </a:solidFill>
+              </a:rPr>
+              <a:t>Struts</a:t>
+            </a:r>
+            <a:r>
+              <a:rPr lang="ja-JP" altLang="en-US" sz="2000" dirty="0" smtClean="0"/>
+              <a:t>：一个基于</a:t>
+            </a:r>
+            <a:r>
+              <a:rPr lang="en-US" sz="2000" dirty="0" smtClean="0"/>
+              <a:t>J2EE</a:t>
+            </a:r>
+            <a:r>
+              <a:rPr lang="ja-JP" altLang="en-US" sz="2000" dirty="0" smtClean="0"/>
+              <a:t>平台的</a:t>
+            </a:r>
+            <a:r>
+              <a:rPr lang="en-US" sz="2000" dirty="0" smtClean="0"/>
+              <a:t>MVC</a:t>
+            </a:r>
+            <a:r>
+              <a:rPr lang="ja-JP" altLang="en-US" sz="2000" dirty="0" smtClean="0"/>
+              <a:t>设计模式的</a:t>
+            </a:r>
+            <a:r>
+              <a:rPr lang="en-US" sz="2000" dirty="0" smtClean="0"/>
+              <a:t>Web</a:t>
+            </a:r>
+            <a:r>
+              <a:rPr lang="ja-JP" altLang="en-US" sz="2000" dirty="0" smtClean="0"/>
+              <a:t>应用框架</a:t>
+            </a:r>
+            <a:endParaRPr lang="zh-CN" altLang="en-US" sz="2000" dirty="0" smtClean="0"/>
+          </a:p>
+          <a:p>
+            <a:r>
+              <a:rPr lang="en-US" sz="2000" b="1" dirty="0" smtClean="0">
+                <a:solidFill>
+                  <a:srgbClr val="FF0000"/>
+                </a:solidFill>
+              </a:rPr>
+              <a:t>Subversion</a:t>
+            </a:r>
+            <a:r>
+              <a:rPr lang="en-US" sz="2000" dirty="0" smtClean="0"/>
+              <a:t>: </a:t>
+            </a:r>
+            <a:r>
+              <a:rPr lang="ja-JP" altLang="en-US" sz="2000" dirty="0" smtClean="0"/>
+              <a:t>一个软件版本管理系统。</a:t>
+            </a:r>
+            <a:endParaRPr lang="zh-CN" altLang="en-US" sz="2000" dirty="0" smtClean="0"/>
+          </a:p>
+          <a:p>
+            <a:r>
+              <a:rPr lang="en-US" sz="2000" dirty="0" smtClean="0"/>
+              <a:t>Tapestry</a:t>
+            </a:r>
+            <a:r>
+              <a:rPr lang="ja-JP" altLang="en-US" sz="2000" dirty="0" smtClean="0"/>
+              <a:t>：另一个</a:t>
+            </a:r>
+            <a:r>
+              <a:rPr lang="en-US" sz="2000" dirty="0" smtClean="0"/>
+              <a:t>J2EE</a:t>
+            </a:r>
+            <a:r>
+              <a:rPr lang="ja-JP" altLang="en-US" sz="2000" dirty="0" smtClean="0"/>
+              <a:t>平台的、能产生动态、高性能</a:t>
+            </a:r>
+            <a:r>
+              <a:rPr lang="en-US" sz="2000" dirty="0" smtClean="0"/>
+              <a:t>Web</a:t>
+            </a:r>
+            <a:r>
+              <a:rPr lang="ja-JP" altLang="en-US" sz="2000" dirty="0" smtClean="0"/>
+              <a:t>应用的框架。</a:t>
+            </a:r>
+            <a:endParaRPr lang="zh-CN" altLang="en-US" sz="2000" dirty="0" smtClean="0"/>
+          </a:p>
+          <a:p>
+            <a:r>
+              <a:rPr lang="en-US" sz="2000" b="1" dirty="0" smtClean="0">
+                <a:solidFill>
+                  <a:srgbClr val="FF0000"/>
+                </a:solidFill>
+              </a:rPr>
+              <a:t>Tomcat</a:t>
+            </a:r>
+            <a:r>
+              <a:rPr lang="ja-JP" altLang="en-US" sz="2000" dirty="0" smtClean="0"/>
+              <a:t>：一个运行</a:t>
+            </a:r>
+            <a:r>
+              <a:rPr lang="en-US" sz="2000" dirty="0" smtClean="0"/>
+              <a:t>Java </a:t>
+            </a:r>
+            <a:r>
+              <a:rPr lang="en-US" sz="2000" dirty="0" err="1" smtClean="0"/>
+              <a:t>Servlet</a:t>
+            </a:r>
+            <a:r>
+              <a:rPr lang="ja-JP" altLang="en-US" sz="2000" dirty="0" smtClean="0"/>
+              <a:t>与</a:t>
+            </a:r>
+            <a:r>
+              <a:rPr lang="en-US" sz="2000" dirty="0" err="1" smtClean="0"/>
+              <a:t>JavaServer</a:t>
+            </a:r>
+            <a:r>
+              <a:rPr lang="en-US" sz="2000" dirty="0" smtClean="0"/>
+              <a:t> Pages</a:t>
+            </a:r>
+            <a:r>
+              <a:rPr lang="ja-JP" altLang="en-US" sz="2000" dirty="0" smtClean="0"/>
+              <a:t>（</a:t>
+            </a:r>
+            <a:r>
+              <a:rPr lang="en-US" sz="2000" dirty="0" smtClean="0"/>
+              <a:t>JSP</a:t>
+            </a:r>
+            <a:r>
+              <a:rPr lang="ja-JP" altLang="en-US" sz="2000" dirty="0" smtClean="0"/>
+              <a:t>）的容器。</a:t>
+            </a:r>
+            <a:endParaRPr lang="zh-CN" altLang="en-US" sz="2000" dirty="0" smtClean="0"/>
+          </a:p>
+          <a:p>
+            <a:r>
+              <a:rPr lang="en-US" sz="2000" b="1" dirty="0" smtClean="0">
+                <a:solidFill>
+                  <a:srgbClr val="FF0000"/>
+                </a:solidFill>
+              </a:rPr>
+              <a:t>Web Services</a:t>
+            </a:r>
+            <a:r>
+              <a:rPr lang="ja-JP" altLang="en-US" sz="2000" dirty="0" smtClean="0"/>
+              <a:t>：与</a:t>
+            </a:r>
+            <a:r>
+              <a:rPr lang="en-US" sz="2000" dirty="0" smtClean="0"/>
+              <a:t>Web Services</a:t>
+            </a:r>
+            <a:r>
+              <a:rPr lang="ja-JP" altLang="en-US" sz="2000" dirty="0" smtClean="0"/>
+              <a:t>技术相关的项目集合</a:t>
+            </a:r>
+            <a:endParaRPr lang="zh-CN" altLang="en-US" sz="2000" dirty="0" smtClean="0"/>
+          </a:p>
+          <a:p>
+            <a:r>
+              <a:rPr lang="en-US" sz="2000" dirty="0" err="1" smtClean="0"/>
+              <a:t>Xalan</a:t>
+            </a:r>
+            <a:r>
+              <a:rPr lang="ja-JP" altLang="en-US" sz="2000" dirty="0" smtClean="0"/>
+              <a:t>：</a:t>
+            </a:r>
+            <a:r>
+              <a:rPr lang="en-US" sz="2000" dirty="0" smtClean="0"/>
+              <a:t>XML</a:t>
+            </a:r>
+            <a:r>
+              <a:rPr lang="ja-JP" altLang="en-US" sz="2000" dirty="0" smtClean="0"/>
+              <a:t>转换处理器</a:t>
+            </a:r>
+            <a:endParaRPr lang="zh-CN" altLang="en-US" sz="2000" dirty="0" smtClean="0"/>
+          </a:p>
+          <a:p>
+            <a:r>
+              <a:rPr lang="en-US" sz="2000" dirty="0" err="1" smtClean="0"/>
+              <a:t>Xerces</a:t>
+            </a:r>
+            <a:r>
+              <a:rPr lang="ja-JP" altLang="en-US" sz="2000" dirty="0" smtClean="0"/>
+              <a:t>：一组可以在</a:t>
+            </a:r>
+            <a:r>
+              <a:rPr lang="en-US" sz="2000" dirty="0" smtClean="0"/>
+              <a:t>Java</a:t>
+            </a:r>
+            <a:r>
+              <a:rPr lang="ja-JP" altLang="en-US" sz="2000" dirty="0" smtClean="0"/>
+              <a:t>，</a:t>
+            </a:r>
+            <a:r>
+              <a:rPr lang="en-US" sz="2000" dirty="0" smtClean="0"/>
+              <a:t>C++</a:t>
+            </a:r>
+            <a:r>
+              <a:rPr lang="ja-JP" altLang="en-US" sz="2000" dirty="0" smtClean="0"/>
+              <a:t>，</a:t>
+            </a:r>
+            <a:r>
+              <a:rPr lang="en-US" sz="2000" dirty="0" smtClean="0"/>
+              <a:t>Perl</a:t>
+            </a:r>
+            <a:r>
+              <a:rPr lang="ja-JP" altLang="en-US" sz="2000" dirty="0" smtClean="0"/>
+              <a:t>计算机语言下使用的</a:t>
+            </a:r>
+            <a:r>
+              <a:rPr lang="en-US" sz="2000" dirty="0" smtClean="0"/>
+              <a:t>XML</a:t>
+            </a:r>
+            <a:r>
+              <a:rPr lang="ja-JP" altLang="en-US" sz="2000" dirty="0" smtClean="0"/>
+              <a:t>解析器项目。</a:t>
+            </a:r>
+            <a:endParaRPr lang="zh-CN" altLang="en-US" sz="2000" dirty="0" smtClean="0"/>
+          </a:p>
+          <a:p>
+            <a:r>
+              <a:rPr lang="en-US" sz="2000" dirty="0" smtClean="0"/>
+              <a:t>Apache XML</a:t>
+            </a:r>
+            <a:r>
+              <a:rPr lang="ja-JP" altLang="en-US" sz="2000" dirty="0" smtClean="0"/>
+              <a:t>：</a:t>
+            </a:r>
+            <a:r>
+              <a:rPr lang="en-US" sz="2000" dirty="0" smtClean="0"/>
+              <a:t>XML</a:t>
+            </a:r>
+            <a:r>
+              <a:rPr lang="ja-JP" altLang="en-US" sz="2000" dirty="0" smtClean="0"/>
+              <a:t>解决方案</a:t>
+            </a:r>
+            <a:endParaRPr lang="zh-CN" altLang="en-US" sz="2000" dirty="0" smtClean="0"/>
+          </a:p>
+          <a:p>
+            <a:r>
+              <a:rPr lang="en-US" sz="2000" dirty="0" err="1" smtClean="0"/>
+              <a:t>XMLBeans</a:t>
+            </a:r>
+            <a:r>
+              <a:rPr lang="ja-JP" altLang="en-US" sz="2000" dirty="0" smtClean="0"/>
+              <a:t>：基于</a:t>
+            </a:r>
+            <a:r>
+              <a:rPr lang="en-US" sz="2000" dirty="0" smtClean="0"/>
+              <a:t>JAVA</a:t>
+            </a:r>
+            <a:r>
+              <a:rPr lang="ja-JP" altLang="en-US" sz="2000" dirty="0" smtClean="0"/>
+              <a:t>语言</a:t>
+            </a:r>
+            <a:r>
+              <a:rPr lang="en-US" sz="2000" dirty="0" smtClean="0"/>
+              <a:t>XML</a:t>
+            </a:r>
+            <a:r>
+              <a:rPr lang="ja-JP" altLang="en-US" sz="2000" dirty="0" smtClean="0"/>
+              <a:t>对象绑定工具</a:t>
+            </a:r>
+            <a:endParaRPr lang="zh-CN" altLang="en-US" sz="2000" dirty="0" smtClean="0"/>
+          </a:p>
+          <a:p>
+            <a:r>
+              <a:rPr lang="en-US" sz="2000" dirty="0" smtClean="0"/>
+              <a:t>XML Graphics</a:t>
+            </a:r>
+            <a:r>
+              <a:rPr lang="zh-CN" altLang="en-US" sz="2000" dirty="0" smtClean="0"/>
+              <a:t>：发展</a:t>
+            </a:r>
+            <a:r>
+              <a:rPr lang="en-US" sz="2000" dirty="0" smtClean="0"/>
+              <a:t>XML</a:t>
+            </a:r>
+            <a:r>
+              <a:rPr lang="zh-CN" altLang="en-US" sz="2000" dirty="0" smtClean="0"/>
+              <a:t>与图形进行转换的计划项目</a:t>
+            </a:r>
+            <a:r>
+              <a:rPr lang="en-US" sz="2000" dirty="0" smtClean="0"/>
+              <a:t> </a:t>
+            </a:r>
+            <a:endParaRPr lang="zh-CN" altLang="en-US" sz="2000" dirty="0"/>
+          </a:p>
+        </p:txBody>
+      </p:sp>
+    </p:spTree>
+  </p:cSld>
+  <p:clrMapOvr>
+    <a:masterClrMapping/>
+  </p:clrMapOvr>
+  <p:transition/>
+</p:sld>
+</file>
+
+<file path=ppt/slides/slide25.xml><?xml version="1.0" encoding="utf-8"?>
 <p:sld xmlns:a="http://schemas.openxmlformats.org/drawingml/2006/main" xmlns:r="http://schemas.openxmlformats.org/officeDocument/2006/relationships" xmlns:p="http://schemas.openxmlformats.org/presentationml/2006/main">
   <p:cSld>
     <p:spTree>
@@ -15210,426 +17289,6 @@
               <a:latin typeface="华文楷体" pitchFamily="2" charset="-122"/>
               <a:ea typeface="华文楷体" pitchFamily="2" charset="-122"/>
             </a:endParaRPr>
-          </a:p>
-        </p:txBody>
-      </p:sp>
-    </p:spTree>
-  </p:cSld>
-  <p:clrMapOvr>
-    <a:masterClrMapping/>
-  </p:clrMapOvr>
-  <p:transition/>
-</p:sld>
-</file>
-
-<file path=ppt/slides/slide25.xml><?xml version="1.0" encoding="utf-8"?>
-<p:sld xmlns:a="http://schemas.openxmlformats.org/drawingml/2006/main" xmlns:r="http://schemas.openxmlformats.org/officeDocument/2006/relationships" xmlns:p="http://schemas.openxmlformats.org/presentationml/2006/main">
-  <p:cSld>
-    <p:spTree>
-      <p:nvGrpSpPr>
-        <p:cNvPr id="1" name=""/>
-        <p:cNvGrpSpPr/>
-        <p:nvPr/>
-      </p:nvGrpSpPr>
-      <p:grpSpPr>
-        <a:xfrm>
-          <a:off x="0" y="0"/>
-          <a:ext cx="0" cy="0"/>
-          <a:chOff x="0" y="0"/>
-          <a:chExt cx="0" cy="0"/>
-        </a:xfrm>
-      </p:grpSpPr>
-      <p:sp>
-        <p:nvSpPr>
-          <p:cNvPr id="3" name="内容占位符 2"/>
-          <p:cNvSpPr>
-            <a:spLocks noGrp="1"/>
-          </p:cNvSpPr>
-          <p:nvPr>
-            <p:ph idx="1"/>
-          </p:nvPr>
-        </p:nvSpPr>
-        <p:spPr>
-          <a:xfrm>
-            <a:off x="571472" y="357166"/>
-            <a:ext cx="8286808" cy="6215106"/>
-          </a:xfrm>
-        </p:spPr>
-        <p:txBody>
-          <a:bodyPr/>
-          <a:lstStyle/>
-          <a:p>
-            <a:r>
-              <a:rPr lang="zh-CN" altLang="en-US" sz="2400" b="1" dirty="0" smtClean="0">
-                <a:latin typeface="华文楷体" pitchFamily="2" charset="-122"/>
-                <a:ea typeface="华文楷体" pitchFamily="2" charset="-122"/>
-              </a:rPr>
-              <a:t>轻量</a:t>
-            </a:r>
-            <a:r>
-              <a:rPr lang="en-US" altLang="zh-CN" sz="2400" dirty="0" smtClean="0">
-                <a:latin typeface="华文楷体" pitchFamily="2" charset="-122"/>
-                <a:ea typeface="华文楷体" pitchFamily="2" charset="-122"/>
-              </a:rPr>
-              <a:t>——</a:t>
-            </a:r>
-            <a:r>
-              <a:rPr lang="zh-CN" altLang="en-US" sz="2400" dirty="0" smtClean="0">
-                <a:latin typeface="华文楷体" pitchFamily="2" charset="-122"/>
-                <a:ea typeface="华文楷体" pitchFamily="2" charset="-122"/>
-              </a:rPr>
-              <a:t>从大小与开销两方面而言</a:t>
-            </a:r>
-            <a:r>
-              <a:rPr lang="en-US" altLang="zh-CN" sz="2400" dirty="0" smtClean="0">
-                <a:latin typeface="华文楷体" pitchFamily="2" charset="-122"/>
-                <a:ea typeface="华文楷体" pitchFamily="2" charset="-122"/>
-              </a:rPr>
-              <a:t>Spring</a:t>
-            </a:r>
-            <a:r>
-              <a:rPr lang="zh-CN" altLang="en-US" sz="2400" dirty="0" smtClean="0">
-                <a:latin typeface="华文楷体" pitchFamily="2" charset="-122"/>
-                <a:ea typeface="华文楷体" pitchFamily="2" charset="-122"/>
-              </a:rPr>
-              <a:t>都是轻量的。完整的</a:t>
-            </a:r>
-            <a:r>
-              <a:rPr lang="en-US" altLang="zh-CN" sz="2400" dirty="0" smtClean="0">
-                <a:latin typeface="华文楷体" pitchFamily="2" charset="-122"/>
-                <a:ea typeface="华文楷体" pitchFamily="2" charset="-122"/>
-              </a:rPr>
-              <a:t>Spring</a:t>
-            </a:r>
-            <a:r>
-              <a:rPr lang="zh-CN" altLang="en-US" sz="2400" dirty="0" smtClean="0">
-                <a:latin typeface="华文楷体" pitchFamily="2" charset="-122"/>
-                <a:ea typeface="华文楷体" pitchFamily="2" charset="-122"/>
-              </a:rPr>
-              <a:t>框架可以在一个大小只有</a:t>
-            </a:r>
-            <a:r>
-              <a:rPr lang="en-US" altLang="zh-CN" sz="2400" dirty="0" smtClean="0">
-                <a:latin typeface="华文楷体" pitchFamily="2" charset="-122"/>
-                <a:ea typeface="华文楷体" pitchFamily="2" charset="-122"/>
-              </a:rPr>
-              <a:t>1MB</a:t>
-            </a:r>
-            <a:r>
-              <a:rPr lang="zh-CN" altLang="en-US" sz="2400" dirty="0" smtClean="0">
-                <a:latin typeface="华文楷体" pitchFamily="2" charset="-122"/>
-                <a:ea typeface="华文楷体" pitchFamily="2" charset="-122"/>
-              </a:rPr>
-              <a:t>多的</a:t>
-            </a:r>
-            <a:r>
-              <a:rPr lang="en-US" altLang="zh-CN" sz="2400" dirty="0" smtClean="0">
-                <a:latin typeface="华文楷体" pitchFamily="2" charset="-122"/>
-                <a:ea typeface="华文楷体" pitchFamily="2" charset="-122"/>
-              </a:rPr>
-              <a:t>JAR</a:t>
-            </a:r>
-            <a:r>
-              <a:rPr lang="zh-CN" altLang="en-US" sz="2400" dirty="0" smtClean="0">
-                <a:latin typeface="华文楷体" pitchFamily="2" charset="-122"/>
-                <a:ea typeface="华文楷体" pitchFamily="2" charset="-122"/>
-              </a:rPr>
-              <a:t>文件里发布。并且</a:t>
-            </a:r>
-            <a:r>
-              <a:rPr lang="en-US" altLang="zh-CN" sz="2400" dirty="0" smtClean="0">
-                <a:latin typeface="华文楷体" pitchFamily="2" charset="-122"/>
-                <a:ea typeface="华文楷体" pitchFamily="2" charset="-122"/>
-              </a:rPr>
-              <a:t>Spring</a:t>
-            </a:r>
-            <a:r>
-              <a:rPr lang="zh-CN" altLang="en-US" sz="2400" dirty="0" smtClean="0">
-                <a:latin typeface="华文楷体" pitchFamily="2" charset="-122"/>
-                <a:ea typeface="华文楷体" pitchFamily="2" charset="-122"/>
-              </a:rPr>
-              <a:t>所需的处理开销也是微不足道的。此外，</a:t>
-            </a:r>
-            <a:r>
-              <a:rPr lang="en-US" altLang="zh-CN" sz="2400" dirty="0" smtClean="0">
-                <a:latin typeface="华文楷体" pitchFamily="2" charset="-122"/>
-                <a:ea typeface="华文楷体" pitchFamily="2" charset="-122"/>
-              </a:rPr>
-              <a:t>Spring</a:t>
-            </a:r>
-            <a:r>
-              <a:rPr lang="zh-CN" altLang="en-US" sz="2400" dirty="0" smtClean="0">
-                <a:latin typeface="华文楷体" pitchFamily="2" charset="-122"/>
-                <a:ea typeface="华文楷体" pitchFamily="2" charset="-122"/>
-              </a:rPr>
-              <a:t>是非侵入式的：典型地，</a:t>
-            </a:r>
-            <a:r>
-              <a:rPr lang="en-US" altLang="zh-CN" sz="2400" dirty="0" smtClean="0">
-                <a:latin typeface="华文楷体" pitchFamily="2" charset="-122"/>
-                <a:ea typeface="华文楷体" pitchFamily="2" charset="-122"/>
-              </a:rPr>
-              <a:t>Spring</a:t>
-            </a:r>
-            <a:r>
-              <a:rPr lang="zh-CN" altLang="en-US" sz="2400" dirty="0" smtClean="0">
-                <a:latin typeface="华文楷体" pitchFamily="2" charset="-122"/>
-                <a:ea typeface="华文楷体" pitchFamily="2" charset="-122"/>
-              </a:rPr>
-              <a:t>应用中的对象不依赖于</a:t>
-            </a:r>
-            <a:r>
-              <a:rPr lang="en-US" altLang="zh-CN" sz="2400" dirty="0" smtClean="0">
-                <a:latin typeface="华文楷体" pitchFamily="2" charset="-122"/>
-                <a:ea typeface="华文楷体" pitchFamily="2" charset="-122"/>
-              </a:rPr>
-              <a:t>Spring</a:t>
-            </a:r>
-            <a:r>
-              <a:rPr lang="zh-CN" altLang="en-US" sz="2400" dirty="0" smtClean="0">
-                <a:latin typeface="华文楷体" pitchFamily="2" charset="-122"/>
-                <a:ea typeface="华文楷体" pitchFamily="2" charset="-122"/>
-              </a:rPr>
-              <a:t>的特定类。</a:t>
-            </a:r>
-          </a:p>
-          <a:p>
-            <a:r>
-              <a:rPr lang="zh-CN" altLang="en-US" sz="2400" dirty="0" smtClean="0">
-                <a:latin typeface="华文楷体" pitchFamily="2" charset="-122"/>
-                <a:ea typeface="华文楷体" pitchFamily="2" charset="-122"/>
-                <a:hlinkClick r:id="rId2"/>
-              </a:rPr>
-              <a:t>控制反转</a:t>
-            </a:r>
-            <a:r>
-              <a:rPr lang="en-US" altLang="zh-CN" sz="2400" dirty="0" smtClean="0">
-                <a:latin typeface="华文楷体" pitchFamily="2" charset="-122"/>
-                <a:ea typeface="华文楷体" pitchFamily="2" charset="-122"/>
-              </a:rPr>
-              <a:t>——Spring</a:t>
-            </a:r>
-            <a:r>
-              <a:rPr lang="zh-CN" altLang="en-US" sz="2400" dirty="0" smtClean="0">
-                <a:latin typeface="华文楷体" pitchFamily="2" charset="-122"/>
-                <a:ea typeface="华文楷体" pitchFamily="2" charset="-122"/>
-              </a:rPr>
-              <a:t>通过一种称作控制反转（</a:t>
-            </a:r>
-            <a:r>
-              <a:rPr lang="en-US" altLang="zh-CN" sz="2400" dirty="0" err="1" smtClean="0">
-                <a:latin typeface="华文楷体" pitchFamily="2" charset="-122"/>
-                <a:ea typeface="华文楷体" pitchFamily="2" charset="-122"/>
-                <a:hlinkClick r:id="rId3"/>
-              </a:rPr>
-              <a:t>IoC</a:t>
-            </a:r>
-            <a:r>
-              <a:rPr lang="zh-CN" altLang="en-US" sz="2400" dirty="0" smtClean="0">
-                <a:latin typeface="华文楷体" pitchFamily="2" charset="-122"/>
-                <a:ea typeface="华文楷体" pitchFamily="2" charset="-122"/>
-              </a:rPr>
-              <a:t>）的技术促进了低耦合。当应用了</a:t>
-            </a:r>
-            <a:r>
-              <a:rPr lang="en-US" altLang="zh-CN" sz="2400" dirty="0" err="1" smtClean="0">
-                <a:latin typeface="华文楷体" pitchFamily="2" charset="-122"/>
-                <a:ea typeface="华文楷体" pitchFamily="2" charset="-122"/>
-              </a:rPr>
-              <a:t>IoC</a:t>
-            </a:r>
-            <a:r>
-              <a:rPr lang="zh-CN" altLang="en-US" sz="2400" dirty="0" smtClean="0">
-                <a:latin typeface="华文楷体" pitchFamily="2" charset="-122"/>
-                <a:ea typeface="华文楷体" pitchFamily="2" charset="-122"/>
-              </a:rPr>
-              <a:t>，一个对象依赖的其它对象会通过被动的方式传递进来，而不是这个对象自己创建或者查找依赖对象。你可以认为</a:t>
-            </a:r>
-            <a:r>
-              <a:rPr lang="en-US" altLang="zh-CN" sz="2400" dirty="0" err="1" smtClean="0">
-                <a:latin typeface="华文楷体" pitchFamily="2" charset="-122"/>
-                <a:ea typeface="华文楷体" pitchFamily="2" charset="-122"/>
-              </a:rPr>
-              <a:t>IoC</a:t>
-            </a:r>
-            <a:r>
-              <a:rPr lang="zh-CN" altLang="en-US" sz="2400" dirty="0" smtClean="0">
-                <a:latin typeface="华文楷体" pitchFamily="2" charset="-122"/>
-                <a:ea typeface="华文楷体" pitchFamily="2" charset="-122"/>
-              </a:rPr>
-              <a:t>与</a:t>
-            </a:r>
-            <a:r>
-              <a:rPr lang="en-US" altLang="zh-CN" sz="2400" dirty="0" smtClean="0">
-                <a:latin typeface="华文楷体" pitchFamily="2" charset="-122"/>
-                <a:ea typeface="华文楷体" pitchFamily="2" charset="-122"/>
-              </a:rPr>
-              <a:t>JNDI</a:t>
-            </a:r>
-            <a:r>
-              <a:rPr lang="zh-CN" altLang="en-US" sz="2400" dirty="0" smtClean="0">
-                <a:latin typeface="华文楷体" pitchFamily="2" charset="-122"/>
-                <a:ea typeface="华文楷体" pitchFamily="2" charset="-122"/>
-              </a:rPr>
-              <a:t>相反</a:t>
-            </a:r>
-            <a:r>
-              <a:rPr lang="en-US" altLang="zh-CN" sz="2400" dirty="0" smtClean="0">
-                <a:latin typeface="华文楷体" pitchFamily="2" charset="-122"/>
-                <a:ea typeface="华文楷体" pitchFamily="2" charset="-122"/>
-              </a:rPr>
-              <a:t>——</a:t>
-            </a:r>
-            <a:r>
-              <a:rPr lang="zh-CN" altLang="en-US" sz="2400" dirty="0" smtClean="0">
-                <a:latin typeface="华文楷体" pitchFamily="2" charset="-122"/>
-                <a:ea typeface="华文楷体" pitchFamily="2" charset="-122"/>
-              </a:rPr>
-              <a:t>不是对象从容器中查找依赖，而是容器在对象初始化时不等对象请求就主动将依赖传递给它。</a:t>
-            </a:r>
-          </a:p>
-          <a:p>
-            <a:r>
-              <a:rPr lang="zh-CN" altLang="en-US" sz="2400" b="1" dirty="0" smtClean="0">
-                <a:latin typeface="华文楷体" pitchFamily="2" charset="-122"/>
-                <a:ea typeface="华文楷体" pitchFamily="2" charset="-122"/>
-              </a:rPr>
-              <a:t>面向切面</a:t>
-            </a:r>
-            <a:r>
-              <a:rPr lang="en-US" altLang="zh-CN" sz="2400" dirty="0" smtClean="0">
-                <a:latin typeface="华文楷体" pitchFamily="2" charset="-122"/>
-                <a:ea typeface="华文楷体" pitchFamily="2" charset="-122"/>
-              </a:rPr>
-              <a:t>——Spring</a:t>
-            </a:r>
-            <a:r>
-              <a:rPr lang="zh-CN" altLang="en-US" sz="2400" dirty="0" smtClean="0">
-                <a:latin typeface="华文楷体" pitchFamily="2" charset="-122"/>
-                <a:ea typeface="华文楷体" pitchFamily="2" charset="-122"/>
-              </a:rPr>
-              <a:t>提供了</a:t>
-            </a:r>
-            <a:r>
-              <a:rPr lang="zh-CN" altLang="en-US" sz="2400" dirty="0" smtClean="0">
-                <a:latin typeface="华文楷体" pitchFamily="2" charset="-122"/>
-                <a:ea typeface="华文楷体" pitchFamily="2" charset="-122"/>
-                <a:hlinkClick r:id="rId4"/>
-              </a:rPr>
-              <a:t>面向切面编程</a:t>
-            </a:r>
-            <a:r>
-              <a:rPr lang="zh-CN" altLang="en-US" sz="2400" dirty="0" smtClean="0">
-                <a:latin typeface="华文楷体" pitchFamily="2" charset="-122"/>
-                <a:ea typeface="华文楷体" pitchFamily="2" charset="-122"/>
-              </a:rPr>
-              <a:t>的丰富支持，允许通过分离应用的业务逻辑与系统级服务（例如审计（</a:t>
-            </a:r>
-            <a:r>
-              <a:rPr lang="en-US" altLang="zh-CN" sz="2400" dirty="0" smtClean="0">
-                <a:latin typeface="华文楷体" pitchFamily="2" charset="-122"/>
-                <a:ea typeface="华文楷体" pitchFamily="2" charset="-122"/>
-              </a:rPr>
-              <a:t>auditing</a:t>
-            </a:r>
-            <a:r>
-              <a:rPr lang="zh-CN" altLang="en-US" sz="2400" dirty="0" smtClean="0">
-                <a:latin typeface="华文楷体" pitchFamily="2" charset="-122"/>
-                <a:ea typeface="华文楷体" pitchFamily="2" charset="-122"/>
-              </a:rPr>
-              <a:t>）和</a:t>
-            </a:r>
-            <a:r>
-              <a:rPr lang="zh-CN" altLang="en-US" sz="2400" dirty="0" smtClean="0">
-                <a:latin typeface="华文楷体" pitchFamily="2" charset="-122"/>
-                <a:ea typeface="华文楷体" pitchFamily="2" charset="-122"/>
-                <a:hlinkClick r:id="rId5"/>
-              </a:rPr>
-              <a:t>事务</a:t>
-            </a:r>
-            <a:r>
-              <a:rPr lang="zh-CN" altLang="en-US" sz="2400" dirty="0" smtClean="0">
-                <a:latin typeface="华文楷体" pitchFamily="2" charset="-122"/>
-                <a:ea typeface="华文楷体" pitchFamily="2" charset="-122"/>
-              </a:rPr>
-              <a:t>（</a:t>
-            </a:r>
-            <a:r>
-              <a:rPr lang="en-US" altLang="zh-CN" sz="2400" dirty="0" smtClean="0">
-                <a:latin typeface="华文楷体" pitchFamily="2" charset="-122"/>
-                <a:ea typeface="华文楷体" pitchFamily="2" charset="-122"/>
-                <a:hlinkClick r:id="rId6"/>
-              </a:rPr>
-              <a:t>transaction</a:t>
-            </a:r>
-            <a:r>
-              <a:rPr lang="zh-CN" altLang="en-US" sz="2400" dirty="0" smtClean="0">
-                <a:latin typeface="华文楷体" pitchFamily="2" charset="-122"/>
-                <a:ea typeface="华文楷体" pitchFamily="2" charset="-122"/>
-              </a:rPr>
-              <a:t>）管理）进行</a:t>
-            </a:r>
-            <a:r>
-              <a:rPr lang="zh-CN" altLang="en-US" sz="2400" dirty="0" smtClean="0">
-                <a:latin typeface="华文楷体" pitchFamily="2" charset="-122"/>
-                <a:ea typeface="华文楷体" pitchFamily="2" charset="-122"/>
-                <a:hlinkClick r:id="rId7"/>
-              </a:rPr>
-              <a:t>内聚性</a:t>
-            </a:r>
-            <a:r>
-              <a:rPr lang="zh-CN" altLang="en-US" sz="2400" dirty="0" smtClean="0">
-                <a:latin typeface="华文楷体" pitchFamily="2" charset="-122"/>
-                <a:ea typeface="华文楷体" pitchFamily="2" charset="-122"/>
-              </a:rPr>
-              <a:t>的开发。</a:t>
-            </a:r>
-            <a:r>
-              <a:rPr lang="zh-CN" altLang="en-US" sz="2400" dirty="0" smtClean="0">
-                <a:latin typeface="华文楷体" pitchFamily="2" charset="-122"/>
-                <a:ea typeface="华文楷体" pitchFamily="2" charset="-122"/>
-                <a:hlinkClick r:id="rId8"/>
-              </a:rPr>
-              <a:t>应用对象</a:t>
-            </a:r>
-            <a:r>
-              <a:rPr lang="zh-CN" altLang="en-US" sz="2400" dirty="0" smtClean="0">
-                <a:latin typeface="华文楷体" pitchFamily="2" charset="-122"/>
-                <a:ea typeface="华文楷体" pitchFamily="2" charset="-122"/>
-              </a:rPr>
-              <a:t>只实现它们应该做的</a:t>
-            </a:r>
-            <a:r>
-              <a:rPr lang="en-US" altLang="zh-CN" sz="2400" dirty="0" smtClean="0">
-                <a:latin typeface="华文楷体" pitchFamily="2" charset="-122"/>
-                <a:ea typeface="华文楷体" pitchFamily="2" charset="-122"/>
-              </a:rPr>
-              <a:t>——</a:t>
-            </a:r>
-            <a:r>
-              <a:rPr lang="zh-CN" altLang="en-US" sz="2400" dirty="0" smtClean="0">
-                <a:latin typeface="华文楷体" pitchFamily="2" charset="-122"/>
-                <a:ea typeface="华文楷体" pitchFamily="2" charset="-122"/>
-              </a:rPr>
-              <a:t>完成业务逻辑</a:t>
-            </a:r>
-            <a:r>
-              <a:rPr lang="en-US" altLang="zh-CN" sz="2400" dirty="0" smtClean="0">
-                <a:latin typeface="华文楷体" pitchFamily="2" charset="-122"/>
-                <a:ea typeface="华文楷体" pitchFamily="2" charset="-122"/>
-              </a:rPr>
-              <a:t>——</a:t>
-            </a:r>
-            <a:r>
-              <a:rPr lang="zh-CN" altLang="en-US" sz="2400" dirty="0" smtClean="0">
-                <a:latin typeface="华文楷体" pitchFamily="2" charset="-122"/>
-                <a:ea typeface="华文楷体" pitchFamily="2" charset="-122"/>
-              </a:rPr>
-              <a:t>仅此而已。它们并不负责（甚至是意识）其它的系统级关注点，例如日志或事务支持。</a:t>
-            </a:r>
-          </a:p>
-          <a:p>
-            <a:endParaRPr lang="zh-CN" altLang="en-US" dirty="0"/>
           </a:p>
         </p:txBody>
       </p:sp>
@@ -15684,13 +17343,149 @@
                 <a:latin typeface="华文楷体" pitchFamily="2" charset="-122"/>
                 <a:ea typeface="华文楷体" pitchFamily="2" charset="-122"/>
               </a:rPr>
-              <a:t>容器</a:t>
+              <a:t>轻量</a:t>
             </a:r>
             <a:r>
               <a:rPr lang="en-US" altLang="zh-CN" sz="2400" dirty="0" smtClean="0">
                 <a:latin typeface="华文楷体" pitchFamily="2" charset="-122"/>
                 <a:ea typeface="华文楷体" pitchFamily="2" charset="-122"/>
               </a:rPr>
+              <a:t>——</a:t>
+            </a:r>
+            <a:r>
+              <a:rPr lang="zh-CN" altLang="en-US" sz="2400" dirty="0" smtClean="0">
+                <a:latin typeface="华文楷体" pitchFamily="2" charset="-122"/>
+                <a:ea typeface="华文楷体" pitchFamily="2" charset="-122"/>
+              </a:rPr>
+              <a:t>从大小与开销两方面而言</a:t>
+            </a:r>
+            <a:r>
+              <a:rPr lang="en-US" altLang="zh-CN" sz="2400" dirty="0" smtClean="0">
+                <a:latin typeface="华文楷体" pitchFamily="2" charset="-122"/>
+                <a:ea typeface="华文楷体" pitchFamily="2" charset="-122"/>
+              </a:rPr>
+              <a:t>Spring</a:t>
+            </a:r>
+            <a:r>
+              <a:rPr lang="zh-CN" altLang="en-US" sz="2400" dirty="0" smtClean="0">
+                <a:latin typeface="华文楷体" pitchFamily="2" charset="-122"/>
+                <a:ea typeface="华文楷体" pitchFamily="2" charset="-122"/>
+              </a:rPr>
+              <a:t>都是轻量的。完整的</a:t>
+            </a:r>
+            <a:r>
+              <a:rPr lang="en-US" altLang="zh-CN" sz="2400" dirty="0" smtClean="0">
+                <a:latin typeface="华文楷体" pitchFamily="2" charset="-122"/>
+                <a:ea typeface="华文楷体" pitchFamily="2" charset="-122"/>
+              </a:rPr>
+              <a:t>Spring</a:t>
+            </a:r>
+            <a:r>
+              <a:rPr lang="zh-CN" altLang="en-US" sz="2400" dirty="0" smtClean="0">
+                <a:latin typeface="华文楷体" pitchFamily="2" charset="-122"/>
+                <a:ea typeface="华文楷体" pitchFamily="2" charset="-122"/>
+              </a:rPr>
+              <a:t>框架可以在一个大小只有</a:t>
+            </a:r>
+            <a:r>
+              <a:rPr lang="en-US" altLang="zh-CN" sz="2400" dirty="0" smtClean="0">
+                <a:latin typeface="华文楷体" pitchFamily="2" charset="-122"/>
+                <a:ea typeface="华文楷体" pitchFamily="2" charset="-122"/>
+              </a:rPr>
+              <a:t>1MB</a:t>
+            </a:r>
+            <a:r>
+              <a:rPr lang="zh-CN" altLang="en-US" sz="2400" dirty="0" smtClean="0">
+                <a:latin typeface="华文楷体" pitchFamily="2" charset="-122"/>
+                <a:ea typeface="华文楷体" pitchFamily="2" charset="-122"/>
+              </a:rPr>
+              <a:t>多的</a:t>
+            </a:r>
+            <a:r>
+              <a:rPr lang="en-US" altLang="zh-CN" sz="2400" dirty="0" smtClean="0">
+                <a:latin typeface="华文楷体" pitchFamily="2" charset="-122"/>
+                <a:ea typeface="华文楷体" pitchFamily="2" charset="-122"/>
+              </a:rPr>
+              <a:t>JAR</a:t>
+            </a:r>
+            <a:r>
+              <a:rPr lang="zh-CN" altLang="en-US" sz="2400" dirty="0" smtClean="0">
+                <a:latin typeface="华文楷体" pitchFamily="2" charset="-122"/>
+                <a:ea typeface="华文楷体" pitchFamily="2" charset="-122"/>
+              </a:rPr>
+              <a:t>文件里发布。并且</a:t>
+            </a:r>
+            <a:r>
+              <a:rPr lang="en-US" altLang="zh-CN" sz="2400" dirty="0" smtClean="0">
+                <a:latin typeface="华文楷体" pitchFamily="2" charset="-122"/>
+                <a:ea typeface="华文楷体" pitchFamily="2" charset="-122"/>
+              </a:rPr>
+              <a:t>Spring</a:t>
+            </a:r>
+            <a:r>
+              <a:rPr lang="zh-CN" altLang="en-US" sz="2400" dirty="0" smtClean="0">
+                <a:latin typeface="华文楷体" pitchFamily="2" charset="-122"/>
+                <a:ea typeface="华文楷体" pitchFamily="2" charset="-122"/>
+              </a:rPr>
+              <a:t>所需的处理开销也是微不足道的。此外，</a:t>
+            </a:r>
+            <a:r>
+              <a:rPr lang="en-US" altLang="zh-CN" sz="2400" dirty="0" smtClean="0">
+                <a:latin typeface="华文楷体" pitchFamily="2" charset="-122"/>
+                <a:ea typeface="华文楷体" pitchFamily="2" charset="-122"/>
+              </a:rPr>
+              <a:t>Spring</a:t>
+            </a:r>
+            <a:r>
+              <a:rPr lang="zh-CN" altLang="en-US" sz="2400" dirty="0" smtClean="0">
+                <a:latin typeface="华文楷体" pitchFamily="2" charset="-122"/>
+                <a:ea typeface="华文楷体" pitchFamily="2" charset="-122"/>
+              </a:rPr>
+              <a:t>是非侵入式的：典型地，</a:t>
+            </a:r>
+            <a:r>
+              <a:rPr lang="en-US" altLang="zh-CN" sz="2400" dirty="0" smtClean="0">
+                <a:latin typeface="华文楷体" pitchFamily="2" charset="-122"/>
+                <a:ea typeface="华文楷体" pitchFamily="2" charset="-122"/>
+              </a:rPr>
+              <a:t>Spring</a:t>
+            </a:r>
+            <a:r>
+              <a:rPr lang="zh-CN" altLang="en-US" sz="2400" dirty="0" smtClean="0">
+                <a:latin typeface="华文楷体" pitchFamily="2" charset="-122"/>
+                <a:ea typeface="华文楷体" pitchFamily="2" charset="-122"/>
+              </a:rPr>
+              <a:t>应用中的对象不依赖于</a:t>
+            </a:r>
+            <a:r>
+              <a:rPr lang="en-US" altLang="zh-CN" sz="2400" dirty="0" smtClean="0">
+                <a:latin typeface="华文楷体" pitchFamily="2" charset="-122"/>
+                <a:ea typeface="华文楷体" pitchFamily="2" charset="-122"/>
+              </a:rPr>
+              <a:t>Spring</a:t>
+            </a:r>
+            <a:r>
+              <a:rPr lang="zh-CN" altLang="en-US" sz="2400" dirty="0" smtClean="0">
+                <a:latin typeface="华文楷体" pitchFamily="2" charset="-122"/>
+                <a:ea typeface="华文楷体" pitchFamily="2" charset="-122"/>
+              </a:rPr>
+              <a:t>的特定类。</a:t>
+            </a:r>
+          </a:p>
+          <a:p>
+            <a:r>
+              <a:rPr lang="zh-CN" altLang="en-US" sz="2400" dirty="0" smtClean="0">
+                <a:latin typeface="华文楷体" pitchFamily="2" charset="-122"/>
+                <a:ea typeface="华文楷体" pitchFamily="2" charset="-122"/>
+                <a:hlinkClick r:id="rId2"/>
+              </a:rPr>
+              <a:t>控制反转</a:t>
+            </a:r>
+            <a:r>
+              <a:rPr lang="en-US" altLang="zh-CN" sz="2400" dirty="0" smtClean="0">
+                <a:latin typeface="华文楷体" pitchFamily="2" charset="-122"/>
+                <a:ea typeface="华文楷体" pitchFamily="2" charset="-122"/>
+              </a:rPr>
               <a:t>——Spring</a:t>
             </a:r>
             <a:r>
@@ -15698,21 +17493,64 @@
                 <a:latin typeface="华文楷体" pitchFamily="2" charset="-122"/>
                 <a:ea typeface="华文楷体" pitchFamily="2" charset="-122"/>
               </a:rPr>
-              <a:t>包含并管理应用对象的配置和生命周期，在这个意义上它是一种容器，你可以配置你的每个</a:t>
+              <a:t>通过一种称作控制反转（</a:t>
+            </a:r>
+            <a:r>
+              <a:rPr lang="en-US" altLang="zh-CN" sz="2400" dirty="0" err="1" smtClean="0">
+                <a:latin typeface="华文楷体" pitchFamily="2" charset="-122"/>
+                <a:ea typeface="华文楷体" pitchFamily="2" charset="-122"/>
+                <a:hlinkClick r:id="rId3"/>
+              </a:rPr>
+              <a:t>IoC</a:t>
+            </a:r>
+            <a:r>
+              <a:rPr lang="zh-CN" altLang="en-US" sz="2400" dirty="0" smtClean="0">
+                <a:latin typeface="华文楷体" pitchFamily="2" charset="-122"/>
+                <a:ea typeface="华文楷体" pitchFamily="2" charset="-122"/>
+              </a:rPr>
+              <a:t>）的技术促进了低耦合。当应用了</a:t>
+            </a:r>
+            <a:r>
+              <a:rPr lang="en-US" altLang="zh-CN" sz="2400" dirty="0" err="1" smtClean="0">
+                <a:latin typeface="华文楷体" pitchFamily="2" charset="-122"/>
+                <a:ea typeface="华文楷体" pitchFamily="2" charset="-122"/>
+              </a:rPr>
+              <a:t>IoC</a:t>
+            </a:r>
+            <a:r>
+              <a:rPr lang="zh-CN" altLang="en-US" sz="2400" dirty="0" smtClean="0">
+                <a:latin typeface="华文楷体" pitchFamily="2" charset="-122"/>
+                <a:ea typeface="华文楷体" pitchFamily="2" charset="-122"/>
+              </a:rPr>
+              <a:t>，一个对象依赖的其它对象会通过被动的方式传递进来，而不是这个对象自己创建或者查找依赖对象。你可以认为</a:t>
+            </a:r>
+            <a:r>
+              <a:rPr lang="en-US" altLang="zh-CN" sz="2400" dirty="0" err="1" smtClean="0">
+                <a:latin typeface="华文楷体" pitchFamily="2" charset="-122"/>
+                <a:ea typeface="华文楷体" pitchFamily="2" charset="-122"/>
+              </a:rPr>
+              <a:t>IoC</a:t>
+            </a:r>
+            <a:r>
+              <a:rPr lang="zh-CN" altLang="en-US" sz="2400" dirty="0" smtClean="0">
+                <a:latin typeface="华文楷体" pitchFamily="2" charset="-122"/>
+                <a:ea typeface="华文楷体" pitchFamily="2" charset="-122"/>
+              </a:rPr>
+              <a:t>与</a:t>
             </a:r>
             <a:r>
               <a:rPr lang="en-US" altLang="zh-CN" sz="2400" dirty="0" smtClean="0">
                 <a:latin typeface="华文楷体" pitchFamily="2" charset="-122"/>
                 <a:ea typeface="华文楷体" pitchFamily="2" charset="-122"/>
               </a:rPr>
-              <a:t>bean</a:t>
+              <a:t>JNDI</a:t>
             </a:r>
             <a:r>
               <a:rPr lang="zh-CN" altLang="en-US" sz="2400" dirty="0" smtClean="0">
                 <a:latin typeface="华文楷体" pitchFamily="2" charset="-122"/>
                 <a:ea typeface="华文楷体" pitchFamily="2" charset="-122"/>
               </a:rPr>
-              <a:t>如何被创建</a:t>
+              <a:t>相反</a:t>
             </a:r>
             <a:r>
               <a:rPr lang="en-US" altLang="zh-CN" sz="2400" dirty="0" smtClean="0">
@@ -15726,41 +17564,124 @@
                 <a:latin typeface="华文楷体" pitchFamily="2" charset="-122"/>
                 <a:ea typeface="华文楷体" pitchFamily="2" charset="-122"/>
               </a:rPr>
-              <a:t>基于一个可配置原型（</a:t>
+              <a:t>不是对象从容器中查找依赖，而是容器在对象初始化时不等对象请求就主动将依赖传递给它。</a:t>
+            </a:r>
+          </a:p>
+          <a:p>
+            <a:r>
+              <a:rPr lang="zh-CN" altLang="en-US" sz="2400" b="1" dirty="0" smtClean="0">
+                <a:latin typeface="华文楷体" pitchFamily="2" charset="-122"/>
+                <a:ea typeface="华文楷体" pitchFamily="2" charset="-122"/>
+              </a:rPr>
+              <a:t>面向切面</a:t>
             </a:r>
             <a:r>
               <a:rPr lang="en-US" altLang="zh-CN" sz="2400" dirty="0" smtClean="0">
                 <a:latin typeface="华文楷体" pitchFamily="2" charset="-122"/>
                 <a:ea typeface="华文楷体" pitchFamily="2" charset="-122"/>
-                <a:hlinkClick r:id="rId2"/>
-              </a:rPr>
-              <a:t>prototype</a:t>
+              </a:rPr>
+              <a:t>——Spring</a:t>
             </a:r>
             <a:r>
               <a:rPr lang="zh-CN" altLang="en-US" sz="2400" dirty="0" smtClean="0">
                 <a:latin typeface="华文楷体" pitchFamily="2" charset="-122"/>
                 <a:ea typeface="华文楷体" pitchFamily="2" charset="-122"/>
               </a:rPr>
-              <a:t>），你的</a:t>
+              <a:t>提供了</a:t>
+            </a:r>
+            <a:r>
+              <a:rPr lang="zh-CN" altLang="en-US" sz="2400" dirty="0" smtClean="0">
+                <a:latin typeface="华文楷体" pitchFamily="2" charset="-122"/>
+                <a:ea typeface="华文楷体" pitchFamily="2" charset="-122"/>
+                <a:hlinkClick r:id="rId4"/>
+              </a:rPr>
+              <a:t>面向切面编程</a:t>
+            </a:r>
+            <a:r>
+              <a:rPr lang="zh-CN" altLang="en-US" sz="2400" dirty="0" smtClean="0">
+                <a:latin typeface="华文楷体" pitchFamily="2" charset="-122"/>
+                <a:ea typeface="华文楷体" pitchFamily="2" charset="-122"/>
+              </a:rPr>
+              <a:t>的丰富支持，允许通过分离应用的业务逻辑与系统级服务（例如审计（</a:t>
             </a:r>
             <a:r>
               <a:rPr lang="en-US" altLang="zh-CN" sz="2400" dirty="0" smtClean="0">
                 <a:latin typeface="华文楷体" pitchFamily="2" charset="-122"/>
                 <a:ea typeface="华文楷体" pitchFamily="2" charset="-122"/>
               </a:rPr>
-              <a:t>bean</a:t>
+              <a:t>auditing</a:t>
             </a:r>
             <a:r>
               <a:rPr lang="zh-CN" altLang="en-US" sz="2400" dirty="0" smtClean="0">
                 <a:latin typeface="华文楷体" pitchFamily="2" charset="-122"/>
                 <a:ea typeface="华文楷体" pitchFamily="2" charset="-122"/>
               </a:rPr>
-              <a:t>可以创建一个单独的实例或者每次需要时都生成一个新的实例</a:t>
+              <a:t>）和</a:t>
+            </a:r>
+            <a:r>
+              <a:rPr lang="zh-CN" altLang="en-US" sz="2400" dirty="0" smtClean="0">
+                <a:latin typeface="华文楷体" pitchFamily="2" charset="-122"/>
+                <a:ea typeface="华文楷体" pitchFamily="2" charset="-122"/>
+                <a:hlinkClick r:id="rId5"/>
+              </a:rPr>
+              <a:t>事务</a:t>
+            </a:r>
+            <a:r>
+              <a:rPr lang="zh-CN" altLang="en-US" sz="2400" dirty="0" smtClean="0">
+                <a:latin typeface="华文楷体" pitchFamily="2" charset="-122"/>
+                <a:ea typeface="华文楷体" pitchFamily="2" charset="-122"/>
+              </a:rPr>
+              <a:t>（</a:t>
             </a:r>
             <a:r>
               <a:rPr lang="en-US" altLang="zh-CN" sz="2400" dirty="0" smtClean="0">
                 <a:latin typeface="华文楷体" pitchFamily="2" charset="-122"/>
                 <a:ea typeface="华文楷体" pitchFamily="2" charset="-122"/>
+                <a:hlinkClick r:id="rId6"/>
+              </a:rPr>
+              <a:t>transaction</a:t>
+            </a:r>
+            <a:r>
+              <a:rPr lang="zh-CN" altLang="en-US" sz="2400" dirty="0" smtClean="0">
+                <a:latin typeface="华文楷体" pitchFamily="2" charset="-122"/>
+                <a:ea typeface="华文楷体" pitchFamily="2" charset="-122"/>
+              </a:rPr>
+              <a:t>）管理）进行</a:t>
+            </a:r>
+            <a:r>
+              <a:rPr lang="zh-CN" altLang="en-US" sz="2400" dirty="0" smtClean="0">
+                <a:latin typeface="华文楷体" pitchFamily="2" charset="-122"/>
+                <a:ea typeface="华文楷体" pitchFamily="2" charset="-122"/>
+                <a:hlinkClick r:id="rId7"/>
+              </a:rPr>
+              <a:t>内聚性</a:t>
+            </a:r>
+            <a:r>
+              <a:rPr lang="zh-CN" altLang="en-US" sz="2400" dirty="0" smtClean="0">
+                <a:latin typeface="华文楷体" pitchFamily="2" charset="-122"/>
+                <a:ea typeface="华文楷体" pitchFamily="2" charset="-122"/>
+              </a:rPr>
+              <a:t>的开发。</a:t>
+            </a:r>
+            <a:r>
+              <a:rPr lang="zh-CN" altLang="en-US" sz="2400" dirty="0" smtClean="0">
+                <a:latin typeface="华文楷体" pitchFamily="2" charset="-122"/>
+                <a:ea typeface="华文楷体" pitchFamily="2" charset="-122"/>
+                <a:hlinkClick r:id="rId8"/>
+              </a:rPr>
+              <a:t>应用对象</a:t>
+            </a:r>
+            <a:r>
+              <a:rPr lang="zh-CN" altLang="en-US" sz="2400" dirty="0" smtClean="0">
+                <a:latin typeface="华文楷体" pitchFamily="2" charset="-122"/>
+                <a:ea typeface="华文楷体" pitchFamily="2" charset="-122"/>
+              </a:rPr>
+              <a:t>只实现它们应该做的</a:t>
+            </a:r>
+            <a:r>
+              <a:rPr lang="en-US" altLang="zh-CN" sz="2400" dirty="0" smtClean="0">
+                <a:latin typeface="华文楷体" pitchFamily="2" charset="-122"/>
+                <a:ea typeface="华文楷体" pitchFamily="2" charset="-122"/>
               </a:rPr>
               <a:t>——</a:t>
             </a:r>
@@ -15769,145 +17690,21 @@
                 <a:latin typeface="华文楷体" pitchFamily="2" charset="-122"/>
                 <a:ea typeface="华文楷体" pitchFamily="2" charset="-122"/>
               </a:rPr>
-              <a:t>以及它们是如何相互关联的。然而，</a:t>
+              <a:t>完成业务逻辑</a:t>
             </a:r>
             <a:r>
               <a:rPr lang="en-US" altLang="zh-CN" sz="2400" dirty="0" smtClean="0">
                 <a:latin typeface="华文楷体" pitchFamily="2" charset="-122"/>
                 <a:ea typeface="华文楷体" pitchFamily="2" charset="-122"/>
               </a:rPr>
-              <a:t>Spring</a:t>
+              <a:t>——</a:t>
             </a:r>
             <a:r>
               <a:rPr lang="zh-CN" altLang="en-US" sz="2400" dirty="0" smtClean="0">
                 <a:latin typeface="华文楷体" pitchFamily="2" charset="-122"/>
                 <a:ea typeface="华文楷体" pitchFamily="2" charset="-122"/>
               </a:rPr>
-              <a:t>不应该被混同于传统的重量级的</a:t>
-            </a:r>
-            <a:r>
-              <a:rPr lang="en-US" altLang="zh-CN" sz="2400" dirty="0" smtClean="0">
-                <a:latin typeface="华文楷体" pitchFamily="2" charset="-122"/>
-                <a:ea typeface="华文楷体" pitchFamily="2" charset="-122"/>
-              </a:rPr>
-              <a:t>EJB</a:t>
-            </a:r>
-            <a:r>
-              <a:rPr lang="zh-CN" altLang="en-US" sz="2400" dirty="0" smtClean="0">
-                <a:latin typeface="华文楷体" pitchFamily="2" charset="-122"/>
-                <a:ea typeface="华文楷体" pitchFamily="2" charset="-122"/>
-              </a:rPr>
-              <a:t>容器，它们经常是庞大与笨重的，难以使用。</a:t>
-            </a:r>
-          </a:p>
-          <a:p>
-            <a:r>
-              <a:rPr lang="zh-CN" altLang="en-US" sz="2400" dirty="0" smtClean="0">
-                <a:latin typeface="华文楷体" pitchFamily="2" charset="-122"/>
-                <a:ea typeface="华文楷体" pitchFamily="2" charset="-122"/>
-              </a:rPr>
-              <a:t>框架</a:t>
-            </a:r>
-            <a:r>
-              <a:rPr lang="en-US" altLang="zh-CN" sz="2400" dirty="0" smtClean="0">
-                <a:latin typeface="华文楷体" pitchFamily="2" charset="-122"/>
-                <a:ea typeface="华文楷体" pitchFamily="2" charset="-122"/>
-              </a:rPr>
-              <a:t>——Spring</a:t>
-            </a:r>
-            <a:r>
-              <a:rPr lang="zh-CN" altLang="en-US" sz="2400" dirty="0" smtClean="0">
-                <a:latin typeface="华文楷体" pitchFamily="2" charset="-122"/>
-                <a:ea typeface="华文楷体" pitchFamily="2" charset="-122"/>
-              </a:rPr>
-              <a:t>可以将简单的</a:t>
-            </a:r>
-            <a:r>
-              <a:rPr lang="zh-CN" altLang="en-US" sz="2400" dirty="0" smtClean="0">
-                <a:latin typeface="华文楷体" pitchFamily="2" charset="-122"/>
-                <a:ea typeface="华文楷体" pitchFamily="2" charset="-122"/>
-                <a:hlinkClick r:id="rId3"/>
-              </a:rPr>
-              <a:t>组件</a:t>
-            </a:r>
-            <a:r>
-              <a:rPr lang="zh-CN" altLang="en-US" sz="2400" dirty="0" smtClean="0">
-                <a:latin typeface="华文楷体" pitchFamily="2" charset="-122"/>
-                <a:ea typeface="华文楷体" pitchFamily="2" charset="-122"/>
-              </a:rPr>
-              <a:t>配置、组合成为复杂的应用。在</a:t>
-            </a:r>
-            <a:r>
-              <a:rPr lang="en-US" altLang="zh-CN" sz="2400" dirty="0" smtClean="0">
-                <a:latin typeface="华文楷体" pitchFamily="2" charset="-122"/>
-                <a:ea typeface="华文楷体" pitchFamily="2" charset="-122"/>
-              </a:rPr>
-              <a:t>Spring</a:t>
-            </a:r>
-            <a:r>
-              <a:rPr lang="zh-CN" altLang="en-US" sz="2400" dirty="0" smtClean="0">
-                <a:latin typeface="华文楷体" pitchFamily="2" charset="-122"/>
-                <a:ea typeface="华文楷体" pitchFamily="2" charset="-122"/>
-              </a:rPr>
-              <a:t>中，</a:t>
-            </a:r>
-            <a:r>
-              <a:rPr lang="zh-CN" altLang="en-US" sz="2400" dirty="0" smtClean="0">
-                <a:latin typeface="华文楷体" pitchFamily="2" charset="-122"/>
-                <a:ea typeface="华文楷体" pitchFamily="2" charset="-122"/>
-                <a:hlinkClick r:id="rId4"/>
-              </a:rPr>
-              <a:t>应用对象</a:t>
-            </a:r>
-            <a:r>
-              <a:rPr lang="zh-CN" altLang="en-US" sz="2400" dirty="0" smtClean="0">
-                <a:latin typeface="华文楷体" pitchFamily="2" charset="-122"/>
-                <a:ea typeface="华文楷体" pitchFamily="2" charset="-122"/>
-              </a:rPr>
-              <a:t>被声明式地组合，典型地是在一个</a:t>
-            </a:r>
-            <a:r>
-              <a:rPr lang="en-US" altLang="zh-CN" sz="2400" dirty="0" smtClean="0">
-                <a:latin typeface="华文楷体" pitchFamily="2" charset="-122"/>
-                <a:ea typeface="华文楷体" pitchFamily="2" charset="-122"/>
-              </a:rPr>
-              <a:t>XML</a:t>
-            </a:r>
-            <a:r>
-              <a:rPr lang="zh-CN" altLang="en-US" sz="2400" dirty="0" smtClean="0">
-                <a:latin typeface="华文楷体" pitchFamily="2" charset="-122"/>
-                <a:ea typeface="华文楷体" pitchFamily="2" charset="-122"/>
-              </a:rPr>
-              <a:t>文件里。</a:t>
-            </a:r>
-            <a:r>
-              <a:rPr lang="en-US" altLang="zh-CN" sz="2400" dirty="0" smtClean="0">
-                <a:latin typeface="华文楷体" pitchFamily="2" charset="-122"/>
-                <a:ea typeface="华文楷体" pitchFamily="2" charset="-122"/>
-              </a:rPr>
-              <a:t>Spring</a:t>
-            </a:r>
-            <a:r>
-              <a:rPr lang="zh-CN" altLang="en-US" sz="2400" dirty="0" smtClean="0">
-                <a:latin typeface="华文楷体" pitchFamily="2" charset="-122"/>
-                <a:ea typeface="华文楷体" pitchFamily="2" charset="-122"/>
-              </a:rPr>
-              <a:t>也提供了很多基础功能（</a:t>
-            </a:r>
-            <a:r>
-              <a:rPr lang="zh-CN" altLang="en-US" sz="2400" dirty="0" smtClean="0">
-                <a:latin typeface="华文楷体" pitchFamily="2" charset="-122"/>
-                <a:ea typeface="华文楷体" pitchFamily="2" charset="-122"/>
-                <a:hlinkClick r:id="rId5"/>
-              </a:rPr>
-              <a:t>事务管理</a:t>
-            </a:r>
-            <a:r>
-              <a:rPr lang="zh-CN" altLang="en-US" sz="2400" dirty="0" smtClean="0">
-                <a:latin typeface="华文楷体" pitchFamily="2" charset="-122"/>
-                <a:ea typeface="华文楷体" pitchFamily="2" charset="-122"/>
-              </a:rPr>
-              <a:t>、持久化框架集成等等），将应用逻辑的开发留给了你。</a:t>
+              <a:t>仅此而已。它们并不负责（甚至是意识）其它的系统级关注点，例如日志或事务支持。</a:t>
             </a:r>
           </a:p>
           <a:p>
@@ -15962,331 +17759,237 @@
           <a:lstStyle/>
           <a:p>
             <a:r>
+              <a:rPr lang="zh-CN" altLang="en-US" sz="2400" b="1" dirty="0" smtClean="0">
+                <a:latin typeface="华文楷体" pitchFamily="2" charset="-122"/>
+                <a:ea typeface="华文楷体" pitchFamily="2" charset="-122"/>
+              </a:rPr>
+              <a:t>容器</a:t>
+            </a:r>
+            <a:r>
               <a:rPr lang="en-US" altLang="zh-CN" sz="2400" dirty="0" smtClean="0">
                 <a:latin typeface="华文楷体" pitchFamily="2" charset="-122"/>
                 <a:ea typeface="华文楷体" pitchFamily="2" charset="-122"/>
               </a:rPr>
-              <a:t>MVC——Spring</a:t>
+              <a:t>——Spring</a:t>
             </a:r>
             <a:r>
               <a:rPr lang="zh-CN" altLang="en-US" sz="2400" dirty="0" smtClean="0">
                 <a:latin typeface="华文楷体" pitchFamily="2" charset="-122"/>
                 <a:ea typeface="华文楷体" pitchFamily="2" charset="-122"/>
               </a:rPr>
-              <a:t>的作用是整合，但不仅仅限于整合，</a:t>
+              <a:t>包含并管理应用对象的配置和生命周期，在这个意义上它是一种容器，你可以配置你的每个</a:t>
             </a:r>
             <a:r>
               <a:rPr lang="en-US" altLang="zh-CN" sz="2400" dirty="0" smtClean="0">
                 <a:latin typeface="华文楷体" pitchFamily="2" charset="-122"/>
                 <a:ea typeface="华文楷体" pitchFamily="2" charset="-122"/>
               </a:rPr>
-              <a:t>Spring </a:t>
+              <a:t>bean</a:t>
             </a:r>
             <a:r>
               <a:rPr lang="zh-CN" altLang="en-US" sz="2400" dirty="0" smtClean="0">
                 <a:latin typeface="华文楷体" pitchFamily="2" charset="-122"/>
                 <a:ea typeface="华文楷体" pitchFamily="2" charset="-122"/>
               </a:rPr>
-              <a:t>框架可以被看做是一个企业解决方案级别的框架。客户端发送请求，服务器控制器（由</a:t>
-            </a:r>
-            <a:r>
-              <a:rPr lang="en-US" altLang="zh-CN" sz="2400" dirty="0" err="1" smtClean="0">
-                <a:latin typeface="华文楷体" pitchFamily="2" charset="-122"/>
-                <a:ea typeface="华文楷体" pitchFamily="2" charset="-122"/>
-              </a:rPr>
-              <a:t>DispatcherServlet</a:t>
+              <a:t>如何被创建</a:t>
+            </a:r>
+            <a:r>
+              <a:rPr lang="en-US" altLang="zh-CN" sz="2400" dirty="0" smtClean="0">
+                <a:latin typeface="华文楷体" pitchFamily="2" charset="-122"/>
+                <a:ea typeface="华文楷体" pitchFamily="2" charset="-122"/>
+              </a:rPr>
+              <a:t>——</a:t>
             </a:r>
             <a:r>
               <a:rPr lang="zh-CN" altLang="en-US" sz="2400" dirty="0" smtClean="0">
                 <a:latin typeface="华文楷体" pitchFamily="2" charset="-122"/>
                 <a:ea typeface="华文楷体" pitchFamily="2" charset="-122"/>
               </a:rPr>
-              <a:t>实现的</a:t>
+              <a:t>基于一个可配置原型（</a:t>
             </a:r>
             <a:r>
               <a:rPr lang="en-US" altLang="zh-CN" sz="2400" dirty="0" smtClean="0">
                 <a:latin typeface="华文楷体" pitchFamily="2" charset="-122"/>
                 <a:ea typeface="华文楷体" pitchFamily="2" charset="-122"/>
-              </a:rPr>
-              <a:t>)</a:t>
+                <a:hlinkClick r:id="rId2"/>
+              </a:rPr>
+              <a:t>prototype</a:t>
             </a:r>
             <a:r>
               <a:rPr lang="zh-CN" altLang="en-US" sz="2400" dirty="0" smtClean="0">
                 <a:latin typeface="华文楷体" pitchFamily="2" charset="-122"/>
                 <a:ea typeface="华文楷体" pitchFamily="2" charset="-122"/>
               </a:rPr>
-              <a:t>完成请求的转发，控制器调用一个用于映射的类</a:t>
-            </a:r>
-            <a:r>
-              <a:rPr lang="en-US" altLang="zh-CN" sz="2400" dirty="0" err="1" smtClean="0">
-                <a:latin typeface="华文楷体" pitchFamily="2" charset="-122"/>
-                <a:ea typeface="华文楷体" pitchFamily="2" charset="-122"/>
-              </a:rPr>
-              <a:t>HandlerMapping</a:t>
+              <a:t>），你的</a:t>
+            </a:r>
+            <a:r>
+              <a:rPr lang="en-US" altLang="zh-CN" sz="2400" dirty="0" smtClean="0">
+                <a:latin typeface="华文楷体" pitchFamily="2" charset="-122"/>
+                <a:ea typeface="华文楷体" pitchFamily="2" charset="-122"/>
+              </a:rPr>
+              <a:t>bean</a:t>
             </a:r>
             <a:r>
               <a:rPr lang="zh-CN" altLang="en-US" sz="2400" dirty="0" smtClean="0">
                 <a:latin typeface="华文楷体" pitchFamily="2" charset="-122"/>
                 <a:ea typeface="华文楷体" pitchFamily="2" charset="-122"/>
               </a:rPr>
-              <a:t>，该类用于将请求映射到对应的处理器来处理请求。</a:t>
-            </a:r>
-            <a:r>
-              <a:rPr lang="en-US" altLang="zh-CN" sz="2400" dirty="0" err="1" smtClean="0">
-                <a:latin typeface="华文楷体" pitchFamily="2" charset="-122"/>
-                <a:ea typeface="华文楷体" pitchFamily="2" charset="-122"/>
-              </a:rPr>
-              <a:t>HandlerMapping</a:t>
+              <a:t>可以创建一个单独的实例或者每次需要时都生成一个新的实例</a:t>
             </a:r>
             <a:r>
               <a:rPr lang="en-US" altLang="zh-CN" sz="2400" dirty="0" smtClean="0">
                 <a:latin typeface="华文楷体" pitchFamily="2" charset="-122"/>
                 <a:ea typeface="华文楷体" pitchFamily="2" charset="-122"/>
               </a:rPr>
-              <a:t> </a:t>
+              <a:t>——</a:t>
             </a:r>
             <a:r>
               <a:rPr lang="zh-CN" altLang="en-US" sz="2400" dirty="0" smtClean="0">
                 <a:latin typeface="华文楷体" pitchFamily="2" charset="-122"/>
                 <a:ea typeface="华文楷体" pitchFamily="2" charset="-122"/>
               </a:rPr>
-              <a:t>将请求映射到对应的处理器</a:t>
+              <a:t>以及它们是如何相互关联的。然而，</a:t>
             </a:r>
             <a:r>
               <a:rPr lang="en-US" altLang="zh-CN" sz="2400" dirty="0" smtClean="0">
                 <a:latin typeface="华文楷体" pitchFamily="2" charset="-122"/>
                 <a:ea typeface="华文楷体" pitchFamily="2" charset="-122"/>
               </a:rPr>
-              <a:t>Controller</a:t>
+              <a:t>Spring</a:t>
             </a:r>
             <a:r>
               <a:rPr lang="zh-CN" altLang="en-US" sz="2400" dirty="0" smtClean="0">
                 <a:latin typeface="华文楷体" pitchFamily="2" charset="-122"/>
                 <a:ea typeface="华文楷体" pitchFamily="2" charset="-122"/>
               </a:rPr>
-              <a:t>（相当于</a:t>
+              <a:t>不应该被混同于传统的重量级的</a:t>
             </a:r>
             <a:r>
               <a:rPr lang="en-US" altLang="zh-CN" sz="2400" dirty="0" smtClean="0">
                 <a:latin typeface="华文楷体" pitchFamily="2" charset="-122"/>
                 <a:ea typeface="华文楷体" pitchFamily="2" charset="-122"/>
               </a:rPr>
-              <a:t>Action</a:t>
+              <a:t>EJB</a:t>
             </a:r>
             <a:r>
               <a:rPr lang="zh-CN" altLang="en-US" sz="2400" dirty="0" smtClean="0">
                 <a:latin typeface="华文楷体" pitchFamily="2" charset="-122"/>
                 <a:ea typeface="华文楷体" pitchFamily="2" charset="-122"/>
               </a:rPr>
-              <a:t>）在</a:t>
+              <a:t>容器，它们经常是庞大与笨重的，难以使用。</a:t>
+            </a:r>
+          </a:p>
+          <a:p>
+            <a:r>
+              <a:rPr lang="zh-CN" altLang="en-US" sz="2400" dirty="0" smtClean="0">
+                <a:latin typeface="华文楷体" pitchFamily="2" charset="-122"/>
+                <a:ea typeface="华文楷体" pitchFamily="2" charset="-122"/>
+              </a:rPr>
+              <a:t>框架</a:t>
             </a:r>
             <a:r>
               <a:rPr lang="en-US" altLang="zh-CN" sz="2400" dirty="0" smtClean="0">
                 <a:latin typeface="华文楷体" pitchFamily="2" charset="-122"/>
                 <a:ea typeface="华文楷体" pitchFamily="2" charset="-122"/>
               </a:rPr>
-              <a:t>Spring </a:t>
+              <a:t>——Spring</a:t>
             </a:r>
             <a:r>
               <a:rPr lang="zh-CN" altLang="en-US" sz="2400" dirty="0" smtClean="0">
                 <a:latin typeface="华文楷体" pitchFamily="2" charset="-122"/>
                 <a:ea typeface="华文楷体" pitchFamily="2" charset="-122"/>
               </a:rPr>
-              <a:t>当中如果写一些处理器组件，一般实现</a:t>
+              <a:t>可以将简单的</a:t>
+            </a:r>
+            <a:r>
+              <a:rPr lang="zh-CN" altLang="en-US" sz="2400" dirty="0" smtClean="0">
+                <a:latin typeface="华文楷体" pitchFamily="2" charset="-122"/>
+                <a:ea typeface="华文楷体" pitchFamily="2" charset="-122"/>
+                <a:hlinkClick r:id="rId3"/>
+              </a:rPr>
+              <a:t>组件</a:t>
+            </a:r>
+            <a:r>
+              <a:rPr lang="zh-CN" altLang="en-US" sz="2400" dirty="0" smtClean="0">
+                <a:latin typeface="华文楷体" pitchFamily="2" charset="-122"/>
+                <a:ea typeface="华文楷体" pitchFamily="2" charset="-122"/>
+              </a:rPr>
+              <a:t>配置、组合成为复杂的应用。在</a:t>
             </a:r>
             <a:r>
               <a:rPr lang="en-US" altLang="zh-CN" sz="2400" dirty="0" smtClean="0">
                 <a:latin typeface="华文楷体" pitchFamily="2" charset="-122"/>
                 <a:ea typeface="华文楷体" pitchFamily="2" charset="-122"/>
               </a:rPr>
-              <a:t>Controller </a:t>
+              <a:t>Spring</a:t>
             </a:r>
             <a:r>
               <a:rPr lang="zh-CN" altLang="en-US" sz="2400" dirty="0" smtClean="0">
                 <a:latin typeface="华文楷体" pitchFamily="2" charset="-122"/>
                 <a:ea typeface="华文楷体" pitchFamily="2" charset="-122"/>
               </a:rPr>
-              <a:t>接口，在</a:t>
+              <a:t>中，</a:t>
+            </a:r>
+            <a:r>
+              <a:rPr lang="zh-CN" altLang="en-US" sz="2400" dirty="0" smtClean="0">
+                <a:latin typeface="华文楷体" pitchFamily="2" charset="-122"/>
+                <a:ea typeface="华文楷体" pitchFamily="2" charset="-122"/>
+                <a:hlinkClick r:id="rId4"/>
+              </a:rPr>
+              <a:t>应用对象</a:t>
+            </a:r>
+            <a:r>
+              <a:rPr lang="zh-CN" altLang="en-US" sz="2400" dirty="0" smtClean="0">
+                <a:latin typeface="华文楷体" pitchFamily="2" charset="-122"/>
+                <a:ea typeface="华文楷体" pitchFamily="2" charset="-122"/>
+              </a:rPr>
+              <a:t>被声明式地组合，典型地是在一个</a:t>
             </a:r>
             <a:r>
               <a:rPr lang="en-US" altLang="zh-CN" sz="2400" dirty="0" smtClean="0">
                 <a:latin typeface="华文楷体" pitchFamily="2" charset="-122"/>
                 <a:ea typeface="华文楷体" pitchFamily="2" charset="-122"/>
               </a:rPr>
-              <a:t>Controller </a:t>
+              <a:t>XML</a:t>
             </a:r>
             <a:r>
               <a:rPr lang="zh-CN" altLang="en-US" sz="2400" dirty="0" smtClean="0">
                 <a:latin typeface="华文楷体" pitchFamily="2" charset="-122"/>
                 <a:ea typeface="华文楷体" pitchFamily="2" charset="-122"/>
               </a:rPr>
-              <a:t>中就可以调用一些</a:t>
+              <a:t>文件里。</a:t>
             </a:r>
             <a:r>
               <a:rPr lang="en-US" altLang="zh-CN" sz="2400" dirty="0" smtClean="0">
                 <a:latin typeface="华文楷体" pitchFamily="2" charset="-122"/>
                 <a:ea typeface="华文楷体" pitchFamily="2" charset="-122"/>
               </a:rPr>
-              <a:t>Service </a:t>
+              <a:t>Spring</a:t>
             </a:r>
             <a:r>
               <a:rPr lang="zh-CN" altLang="en-US" sz="2400" dirty="0" smtClean="0">
                 <a:latin typeface="华文楷体" pitchFamily="2" charset="-122"/>
                 <a:ea typeface="华文楷体" pitchFamily="2" charset="-122"/>
               </a:rPr>
-              <a:t>或</a:t>
-            </a:r>
-            <a:r>
-              <a:rPr lang="en-US" altLang="zh-CN" sz="2400" dirty="0" smtClean="0">
-                <a:latin typeface="华文楷体" pitchFamily="2" charset="-122"/>
-                <a:ea typeface="华文楷体" pitchFamily="2" charset="-122"/>
-              </a:rPr>
-              <a:t>DAO </a:t>
+              <a:t>也提供了很多基础功能（</a:t>
             </a:r>
             <a:r>
               <a:rPr lang="zh-CN" altLang="en-US" sz="2400" dirty="0" smtClean="0">
                 <a:latin typeface="华文楷体" pitchFamily="2" charset="-122"/>
                 <a:ea typeface="华文楷体" pitchFamily="2" charset="-122"/>
-              </a:rPr>
-              <a:t>来进行数据操作 </a:t>
-            </a:r>
-            <a:r>
-              <a:rPr lang="en-US" altLang="zh-CN" sz="2400" dirty="0" err="1" smtClean="0">
-                <a:latin typeface="华文楷体" pitchFamily="2" charset="-122"/>
-                <a:ea typeface="华文楷体" pitchFamily="2" charset="-122"/>
-              </a:rPr>
-              <a:t>ModelAndView</a:t>
-            </a:r>
-            <a:r>
-              <a:rPr lang="en-US" altLang="zh-CN" sz="2400" dirty="0" smtClean="0">
-                <a:latin typeface="华文楷体" pitchFamily="2" charset="-122"/>
-                <a:ea typeface="华文楷体" pitchFamily="2" charset="-122"/>
-              </a:rPr>
-              <a:t> </a:t>
+                <a:hlinkClick r:id="rId5"/>
+              </a:rPr>
+              <a:t>事务管理</a:t>
             </a:r>
             <a:r>
               <a:rPr lang="zh-CN" altLang="en-US" sz="2400" dirty="0" smtClean="0">
                 <a:latin typeface="华文楷体" pitchFamily="2" charset="-122"/>
                 <a:ea typeface="华文楷体" pitchFamily="2" charset="-122"/>
               </a:rPr>
-              <a:t>用于存放从</a:t>
-            </a:r>
-            <a:r>
-              <a:rPr lang="en-US" altLang="zh-CN" sz="2400" dirty="0" smtClean="0">
-                <a:latin typeface="华文楷体" pitchFamily="2" charset="-122"/>
-                <a:ea typeface="华文楷体" pitchFamily="2" charset="-122"/>
-              </a:rPr>
-              <a:t>DAO </a:t>
-            </a:r>
-            <a:r>
-              <a:rPr lang="zh-CN" altLang="en-US" sz="2400" dirty="0" smtClean="0">
-                <a:latin typeface="华文楷体" pitchFamily="2" charset="-122"/>
-                <a:ea typeface="华文楷体" pitchFamily="2" charset="-122"/>
-              </a:rPr>
-              <a:t>中取出的数据，还可以存放响应视图的一些数据。 如果想将处理结果返回给用户，那么在</a:t>
-            </a:r>
-            <a:r>
-              <a:rPr lang="en-US" altLang="zh-CN" sz="2400" dirty="0" smtClean="0">
-                <a:latin typeface="华文楷体" pitchFamily="2" charset="-122"/>
-                <a:ea typeface="华文楷体" pitchFamily="2" charset="-122"/>
-              </a:rPr>
-              <a:t>Spring </a:t>
-            </a:r>
-            <a:r>
-              <a:rPr lang="zh-CN" altLang="en-US" sz="2400" dirty="0" smtClean="0">
-                <a:latin typeface="华文楷体" pitchFamily="2" charset="-122"/>
-                <a:ea typeface="华文楷体" pitchFamily="2" charset="-122"/>
-              </a:rPr>
-              <a:t>框架中还提供一个视图组件</a:t>
-            </a:r>
-            <a:r>
-              <a:rPr lang="en-US" altLang="zh-CN" sz="2400" dirty="0" err="1" smtClean="0">
-                <a:latin typeface="华文楷体" pitchFamily="2" charset="-122"/>
-                <a:ea typeface="华文楷体" pitchFamily="2" charset="-122"/>
-              </a:rPr>
-              <a:t>ViewResolver</a:t>
-            </a:r>
-            <a:r>
-              <a:rPr lang="zh-CN" altLang="en-US" sz="2400" dirty="0" smtClean="0">
-                <a:latin typeface="华文楷体" pitchFamily="2" charset="-122"/>
-                <a:ea typeface="华文楷体" pitchFamily="2" charset="-122"/>
-              </a:rPr>
-              <a:t>，该组件根据</a:t>
-            </a:r>
-            <a:r>
-              <a:rPr lang="en-US" altLang="zh-CN" sz="2400" dirty="0" smtClean="0">
-                <a:latin typeface="华文楷体" pitchFamily="2" charset="-122"/>
-                <a:ea typeface="华文楷体" pitchFamily="2" charset="-122"/>
-              </a:rPr>
-              <a:t>Controller </a:t>
-            </a:r>
-            <a:r>
-              <a:rPr lang="zh-CN" altLang="en-US" sz="2400" dirty="0" smtClean="0">
-                <a:latin typeface="华文楷体" pitchFamily="2" charset="-122"/>
-                <a:ea typeface="华文楷体" pitchFamily="2" charset="-122"/>
-              </a:rPr>
-              <a:t>返回的标示，找到对应的视图，将响应</a:t>
-            </a:r>
-            <a:r>
-              <a:rPr lang="en-US" altLang="zh-CN" sz="2400" dirty="0" smtClean="0">
-                <a:latin typeface="华文楷体" pitchFamily="2" charset="-122"/>
-                <a:ea typeface="华文楷体" pitchFamily="2" charset="-122"/>
-              </a:rPr>
-              <a:t>response </a:t>
-            </a:r>
-            <a:r>
-              <a:rPr lang="zh-CN" altLang="en-US" sz="2400" dirty="0" smtClean="0">
-                <a:latin typeface="华文楷体" pitchFamily="2" charset="-122"/>
-                <a:ea typeface="华文楷体" pitchFamily="2" charset="-122"/>
-              </a:rPr>
-              <a:t>返回给用户。</a:t>
-            </a:r>
-          </a:p>
-          <a:p>
-            <a:r>
-              <a:rPr lang="zh-CN" altLang="en-US" sz="2400" dirty="0" smtClean="0">
-                <a:latin typeface="华文楷体" pitchFamily="2" charset="-122"/>
-                <a:ea typeface="华文楷体" pitchFamily="2" charset="-122"/>
-              </a:rPr>
-              <a:t>所有</a:t>
-            </a:r>
-            <a:r>
-              <a:rPr lang="en-US" altLang="zh-CN" sz="2400" dirty="0" smtClean="0">
-                <a:latin typeface="华文楷体" pitchFamily="2" charset="-122"/>
-                <a:ea typeface="华文楷体" pitchFamily="2" charset="-122"/>
-              </a:rPr>
-              <a:t>Spring</a:t>
-            </a:r>
-            <a:r>
-              <a:rPr lang="zh-CN" altLang="en-US" sz="2400" dirty="0" smtClean="0">
-                <a:latin typeface="华文楷体" pitchFamily="2" charset="-122"/>
-                <a:ea typeface="华文楷体" pitchFamily="2" charset="-122"/>
-              </a:rPr>
-              <a:t>的这些特征使你能够编写更干净、更可管理、并且更易于测试的代码。它们也为</a:t>
-            </a:r>
-            <a:r>
-              <a:rPr lang="en-US" altLang="zh-CN" sz="2400" dirty="0" smtClean="0">
-                <a:latin typeface="华文楷体" pitchFamily="2" charset="-122"/>
-                <a:ea typeface="华文楷体" pitchFamily="2" charset="-122"/>
-              </a:rPr>
-              <a:t>Spring</a:t>
-            </a:r>
-            <a:r>
-              <a:rPr lang="zh-CN" altLang="en-US" sz="2400" dirty="0" smtClean="0">
-                <a:latin typeface="华文楷体" pitchFamily="2" charset="-122"/>
-                <a:ea typeface="华文楷体" pitchFamily="2" charset="-122"/>
-              </a:rPr>
-              <a:t>中的各种模块提供了基础支持。</a:t>
-            </a:r>
-          </a:p>
-          <a:p>
-            <a:r>
-              <a:rPr lang="zh-CN" altLang="en-US" sz="2400" dirty="0" smtClean="0"/>
-              <a:t/>
-            </a:r>
-            <a:br>
-              <a:rPr lang="zh-CN" altLang="en-US" sz="2400" dirty="0" smtClean="0"/>
-            </a:br>
+              <a:t>、持久化框架集成等等），将应用逻辑的开发留给了你。</a:t>
+            </a:r>
+          </a:p>
+          <a:p>
             <a:endParaRPr lang="zh-CN" altLang="en-US" dirty="0"/>
           </a:p>
         </p:txBody>
@@ -16329,8 +18032,8 @@
         </p:nvSpPr>
         <p:spPr>
           <a:xfrm>
-            <a:off x="1524000" y="1142984"/>
-            <a:ext cx="7086600" cy="2928958"/>
+            <a:off x="571472" y="357166"/>
+            <a:ext cx="8286808" cy="6215106"/>
           </a:xfrm>
         </p:spPr>
         <p:txBody>
@@ -16338,300 +18041,331 @@
           <a:lstStyle/>
           <a:p>
             <a:r>
-              <a:rPr lang="en-US" altLang="zh-CN" dirty="0" smtClean="0"/>
-              <a:t>Tomcat</a:t>
-            </a:r>
-          </a:p>
-          <a:p>
-            <a:r>
-              <a:rPr lang="en-US" altLang="zh-CN" dirty="0" smtClean="0"/>
-              <a:t>Jetty</a:t>
-            </a:r>
-          </a:p>
-          <a:p>
-            <a:r>
-              <a:rPr lang="en-US" altLang="zh-CN" dirty="0" smtClean="0"/>
-              <a:t>Resin</a:t>
-            </a:r>
-          </a:p>
-          <a:p>
-            <a:r>
-              <a:rPr lang="en-US" altLang="zh-CN" dirty="0" err="1" smtClean="0"/>
-              <a:t>Jboss</a:t>
-            </a:r>
-            <a:endParaRPr lang="en-US" altLang="zh-CN" dirty="0" smtClean="0"/>
-          </a:p>
-          <a:p>
-            <a:r>
-              <a:rPr lang="en-US" altLang="zh-CN" dirty="0" err="1" smtClean="0"/>
-              <a:t>WebLoigc</a:t>
-            </a:r>
-            <a:endParaRPr lang="en-US" altLang="zh-CN" dirty="0" smtClean="0"/>
-          </a:p>
-          <a:p>
-            <a:r>
-              <a:rPr lang="en-US" altLang="zh-CN" dirty="0" err="1" smtClean="0"/>
-              <a:t>Websphere</a:t>
-            </a:r>
-            <a:endParaRPr lang="en-US" altLang="zh-CN" dirty="0" smtClean="0"/>
-          </a:p>
-          <a:p>
-            <a:endParaRPr lang="en-US" altLang="zh-CN" dirty="0" smtClean="0"/>
-          </a:p>
-          <a:p>
-            <a:endParaRPr lang="en-US" altLang="zh-CN" dirty="0" smtClean="0"/>
-          </a:p>
-          <a:p>
-            <a:endParaRPr lang="en-US" altLang="zh-CN" dirty="0" smtClean="0"/>
-          </a:p>
-          <a:p>
-            <a:endParaRPr lang="zh-CN" altLang="en-US" dirty="0"/>
-          </a:p>
-        </p:txBody>
-      </p:sp>
-      <p:sp>
-        <p:nvSpPr>
-          <p:cNvPr id="4" name="标题 1"/>
-          <p:cNvSpPr>
-            <a:spLocks noGrp="1"/>
-          </p:cNvSpPr>
-          <p:nvPr>
-            <p:ph type="title"/>
-          </p:nvPr>
-        </p:nvSpPr>
-        <p:spPr>
-          <a:xfrm>
-            <a:off x="1524000" y="357166"/>
-            <a:ext cx="7086600" cy="700102"/>
-          </a:xfrm>
-        </p:spPr>
-        <p:txBody>
-          <a:bodyPr/>
-          <a:lstStyle/>
-          <a:p>
-            <a:r>
-              <a:rPr lang="en-US" altLang="zh-CN" sz="3200" dirty="0" smtClean="0"/>
-              <a:t>Java Web</a:t>
-            </a:r>
-            <a:r>
-              <a:rPr lang="zh-CN" altLang="en-US" sz="3200" dirty="0" smtClean="0"/>
-              <a:t>服务器 </a:t>
-            </a:r>
-            <a:r>
-              <a:rPr lang="en-US" altLang="zh-CN" sz="3200" dirty="0" smtClean="0"/>
-              <a:t>(windows</a:t>
-            </a:r>
-            <a:r>
-              <a:rPr lang="zh-CN" altLang="en-US" sz="3200" dirty="0" smtClean="0"/>
-              <a:t>版</a:t>
-            </a:r>
-            <a:r>
-              <a:rPr lang="en-US" altLang="zh-CN" sz="3200" dirty="0" smtClean="0"/>
-              <a:t>,</a:t>
-            </a:r>
-            <a:r>
-              <a:rPr lang="en-US" altLang="zh-CN" sz="3200" dirty="0" err="1" smtClean="0"/>
-              <a:t>linux</a:t>
-            </a:r>
-            <a:r>
-              <a:rPr lang="zh-CN" altLang="en-US" sz="3200" dirty="0" smtClean="0"/>
-              <a:t>版</a:t>
-            </a:r>
-            <a:r>
-              <a:rPr lang="en-US" altLang="zh-CN" sz="3200" dirty="0" smtClean="0"/>
+              <a:rPr lang="en-US" altLang="zh-CN" sz="2400" dirty="0" smtClean="0">
+                <a:latin typeface="华文楷体" pitchFamily="2" charset="-122"/>
+                <a:ea typeface="华文楷体" pitchFamily="2" charset="-122"/>
+              </a:rPr>
+              <a:t>MVC——Spring</a:t>
+            </a:r>
+            <a:r>
+              <a:rPr lang="zh-CN" altLang="en-US" sz="2400" dirty="0" smtClean="0">
+                <a:latin typeface="华文楷体" pitchFamily="2" charset="-122"/>
+                <a:ea typeface="华文楷体" pitchFamily="2" charset="-122"/>
+              </a:rPr>
+              <a:t>的作用是整合，但不仅仅限于整合，</a:t>
+            </a:r>
+            <a:r>
+              <a:rPr lang="en-US" altLang="zh-CN" sz="2400" dirty="0" smtClean="0">
+                <a:latin typeface="华文楷体" pitchFamily="2" charset="-122"/>
+                <a:ea typeface="华文楷体" pitchFamily="2" charset="-122"/>
+              </a:rPr>
+              <a:t>Spring </a:t>
+            </a:r>
+            <a:r>
+              <a:rPr lang="zh-CN" altLang="en-US" sz="2400" dirty="0" smtClean="0">
+                <a:latin typeface="华文楷体" pitchFamily="2" charset="-122"/>
+                <a:ea typeface="华文楷体" pitchFamily="2" charset="-122"/>
+              </a:rPr>
+              <a:t>框架可以被看做是一个企业解决方案级别的框架。客户端发送请求，服务器控制器（由</a:t>
+            </a:r>
+            <a:r>
+              <a:rPr lang="en-US" altLang="zh-CN" sz="2400" dirty="0" err="1" smtClean="0">
+                <a:latin typeface="华文楷体" pitchFamily="2" charset="-122"/>
+                <a:ea typeface="华文楷体" pitchFamily="2" charset="-122"/>
+              </a:rPr>
+              <a:t>DispatcherServlet</a:t>
+            </a:r>
+            <a:r>
+              <a:rPr lang="zh-CN" altLang="en-US" sz="2400" dirty="0" smtClean="0">
+                <a:latin typeface="华文楷体" pitchFamily="2" charset="-122"/>
+                <a:ea typeface="华文楷体" pitchFamily="2" charset="-122"/>
+              </a:rPr>
+              <a:t>实现的</a:t>
+            </a:r>
+            <a:r>
+              <a:rPr lang="en-US" altLang="zh-CN" sz="2400" dirty="0" smtClean="0">
+                <a:latin typeface="华文楷体" pitchFamily="2" charset="-122"/>
+                <a:ea typeface="华文楷体" pitchFamily="2" charset="-122"/>
+              </a:rPr>
               <a:t>)</a:t>
             </a:r>
-            <a:endParaRPr lang="zh-CN" altLang="en-US" sz="3200" dirty="0"/>
-          </a:p>
-        </p:txBody>
-      </p:sp>
-      <p:sp>
-        <p:nvSpPr>
-          <p:cNvPr id="7" name="TextBox 6"/>
-          <p:cNvSpPr txBox="1"/>
-          <p:nvPr/>
-        </p:nvSpPr>
-        <p:spPr>
-          <a:xfrm>
-            <a:off x="1785918" y="4357694"/>
-            <a:ext cx="5929354" cy="3046988"/>
-          </a:xfrm>
-          <a:prstGeom prst="rect">
-            <a:avLst/>
-          </a:prstGeom>
-          <a:noFill/>
-        </p:spPr>
-        <p:txBody>
-          <a:bodyPr wrap="square" rtlCol="0">
-            <a:spAutoFit/>
-          </a:bodyPr>
-          <a:lstStyle/>
-          <a:p>
-            <a:r>
-              <a:rPr lang="zh-CN" altLang="en-US" dirty="0" smtClean="0">
-                <a:solidFill>
-                  <a:srgbClr val="FF0000"/>
-                </a:solidFill>
-                <a:latin typeface="华文楷体" pitchFamily="2" charset="-122"/>
-                <a:ea typeface="华文楷体" pitchFamily="2" charset="-122"/>
-              </a:rPr>
-              <a:t>多数</a:t>
-            </a:r>
-            <a:r>
-              <a:rPr lang="en-US" altLang="zh-CN" dirty="0" smtClean="0">
-                <a:solidFill>
-                  <a:srgbClr val="FF0000"/>
-                </a:solidFill>
-                <a:latin typeface="华文楷体" pitchFamily="2" charset="-122"/>
-                <a:ea typeface="华文楷体" pitchFamily="2" charset="-122"/>
-              </a:rPr>
-              <a:t>java Web</a:t>
-            </a:r>
-            <a:r>
-              <a:rPr lang="zh-CN" altLang="en-US" dirty="0" smtClean="0">
-                <a:solidFill>
-                  <a:srgbClr val="FF0000"/>
-                </a:solidFill>
-                <a:latin typeface="华文楷体" pitchFamily="2" charset="-122"/>
-                <a:ea typeface="华文楷体" pitchFamily="2" charset="-122"/>
-              </a:rPr>
-              <a:t>、大数据云计算、微服务项目会在</a:t>
-            </a:r>
-            <a:r>
-              <a:rPr lang="en-US" altLang="zh-CN" dirty="0" err="1" smtClean="0">
-                <a:solidFill>
-                  <a:srgbClr val="FF0000"/>
-                </a:solidFill>
-                <a:latin typeface="华文楷体" pitchFamily="2" charset="-122"/>
-                <a:ea typeface="华文楷体" pitchFamily="2" charset="-122"/>
-              </a:rPr>
-              <a:t>linux</a:t>
-            </a:r>
-            <a:r>
-              <a:rPr lang="zh-CN" altLang="en-US" dirty="0" smtClean="0">
-                <a:solidFill>
-                  <a:srgbClr val="FF0000"/>
-                </a:solidFill>
-                <a:latin typeface="华文楷体" pitchFamily="2" charset="-122"/>
-                <a:ea typeface="华文楷体" pitchFamily="2" charset="-122"/>
-              </a:rPr>
-              <a:t>系统</a:t>
-            </a:r>
-            <a:r>
-              <a:rPr lang="en-US" altLang="zh-CN" dirty="0" smtClean="0">
-                <a:solidFill>
-                  <a:srgbClr val="FF0000"/>
-                </a:solidFill>
-                <a:latin typeface="华文楷体" pitchFamily="2" charset="-122"/>
-                <a:ea typeface="华文楷体" pitchFamily="2" charset="-122"/>
-              </a:rPr>
-              <a:t>(</a:t>
-            </a:r>
-            <a:r>
-              <a:rPr lang="en-US" dirty="0" err="1" smtClean="0">
-                <a:solidFill>
-                  <a:schemeClr val="bg1"/>
-                </a:solidFill>
-                <a:latin typeface="楷体" pitchFamily="49" charset="-122"/>
-                <a:ea typeface="楷体" pitchFamily="49" charset="-122"/>
-              </a:rPr>
-              <a:t>ubuntu</a:t>
-            </a:r>
-            <a:r>
-              <a:rPr lang="en-US" dirty="0" smtClean="0"/>
+            <a:r>
+              <a:rPr lang="zh-CN" altLang="en-US" sz="2400" dirty="0" smtClean="0">
+                <a:latin typeface="华文楷体" pitchFamily="2" charset="-122"/>
+                <a:ea typeface="华文楷体" pitchFamily="2" charset="-122"/>
+              </a:rPr>
+              <a:t>完成请求的转发，控制器调用一个用于映射的类</a:t>
+            </a:r>
+            <a:r>
+              <a:rPr lang="en-US" altLang="zh-CN" sz="2400" dirty="0" err="1" smtClean="0">
+                <a:latin typeface="华文楷体" pitchFamily="2" charset="-122"/>
+                <a:ea typeface="华文楷体" pitchFamily="2" charset="-122"/>
+              </a:rPr>
+              <a:t>HandlerMapping</a:t>
+            </a:r>
+            <a:r>
+              <a:rPr lang="zh-CN" altLang="en-US" sz="2400" dirty="0" smtClean="0">
+                <a:latin typeface="华文楷体" pitchFamily="2" charset="-122"/>
+                <a:ea typeface="华文楷体" pitchFamily="2" charset="-122"/>
+              </a:rPr>
+              <a:t>，该类用于将请求映射到对应的处理器来处理请求。</a:t>
+            </a:r>
+            <a:r>
+              <a:rPr lang="en-US" altLang="zh-CN" sz="2400" dirty="0" err="1" smtClean="0">
+                <a:latin typeface="华文楷体" pitchFamily="2" charset="-122"/>
+                <a:ea typeface="华文楷体" pitchFamily="2" charset="-122"/>
+              </a:rPr>
+              <a:t>HandlerMapping</a:t>
+            </a:r>
+            <a:r>
+              <a:rPr lang="en-US" altLang="zh-CN" sz="2400" dirty="0" smtClean="0">
+                <a:latin typeface="华文楷体" pitchFamily="2" charset="-122"/>
+                <a:ea typeface="华文楷体" pitchFamily="2" charset="-122"/>
+              </a:rPr>
               <a:t> </a:t>
             </a:r>
             <a:r>
-              <a:rPr lang="en-US" dirty="0" smtClean="0">
-                <a:solidFill>
-                  <a:schemeClr val="bg1"/>
-                </a:solidFill>
-                <a:latin typeface="楷体" pitchFamily="49" charset="-122"/>
-                <a:ea typeface="楷体" pitchFamily="49" charset="-122"/>
-              </a:rPr>
-              <a:t>,</a:t>
-            </a:r>
-            <a:r>
-              <a:rPr lang="en-US" altLang="zh-CN" dirty="0" smtClean="0">
-                <a:solidFill>
-                  <a:schemeClr val="bg1"/>
-                </a:solidFill>
-                <a:latin typeface="楷体" pitchFamily="49" charset="-122"/>
-                <a:ea typeface="楷体" pitchFamily="49" charset="-122"/>
-              </a:rPr>
-              <a:t>red hat, centos</a:t>
-            </a:r>
-            <a:r>
-              <a:rPr lang="en-US" altLang="zh-CN" dirty="0" smtClean="0">
-                <a:solidFill>
-                  <a:srgbClr val="FF0000"/>
-                </a:solidFill>
-                <a:latin typeface="华文楷体" pitchFamily="2" charset="-122"/>
-                <a:ea typeface="华文楷体" pitchFamily="2" charset="-122"/>
-              </a:rPr>
-              <a:t>)</a:t>
-            </a:r>
-            <a:r>
-              <a:rPr lang="zh-CN" altLang="en-US" dirty="0" smtClean="0">
-                <a:solidFill>
-                  <a:srgbClr val="FF0000"/>
-                </a:solidFill>
-                <a:latin typeface="华文楷体" pitchFamily="2" charset="-122"/>
-                <a:ea typeface="华文楷体" pitchFamily="2" charset="-122"/>
-              </a:rPr>
-              <a:t>中部署运行。</a:t>
-            </a:r>
-            <a:endParaRPr lang="en-US" altLang="zh-CN" dirty="0" smtClean="0">
-              <a:solidFill>
-                <a:srgbClr val="FF0000"/>
-              </a:solidFill>
-              <a:latin typeface="华文楷体" pitchFamily="2" charset="-122"/>
-              <a:ea typeface="华文楷体" pitchFamily="2" charset="-122"/>
-            </a:endParaRPr>
-          </a:p>
-          <a:p>
-            <a:r>
-              <a:rPr lang="en-US" altLang="zh-CN" dirty="0" err="1" smtClean="0">
-                <a:solidFill>
-                  <a:srgbClr val="FF0000"/>
-                </a:solidFill>
-                <a:latin typeface="华文楷体" pitchFamily="2" charset="-122"/>
-                <a:ea typeface="华文楷体" pitchFamily="2" charset="-122"/>
-              </a:rPr>
-              <a:t>linux</a:t>
-            </a:r>
-            <a:r>
-              <a:rPr lang="zh-CN" altLang="en-US" dirty="0" smtClean="0">
-                <a:solidFill>
-                  <a:srgbClr val="FF0000"/>
-                </a:solidFill>
-                <a:latin typeface="华文楷体" pitchFamily="2" charset="-122"/>
-                <a:ea typeface="华文楷体" pitchFamily="2" charset="-122"/>
-              </a:rPr>
-              <a:t>系统的优势与特性：图形界面为辅，性能强，服务加载速度快</a:t>
-            </a:r>
-            <a:r>
-              <a:rPr lang="zh-CN" altLang="en-US" smtClean="0">
-                <a:solidFill>
-                  <a:srgbClr val="FF0000"/>
-                </a:solidFill>
-                <a:latin typeface="华文楷体" pitchFamily="2" charset="-122"/>
-                <a:ea typeface="华文楷体" pitchFamily="2" charset="-122"/>
-              </a:rPr>
-              <a:t>，安全性稳定性高</a:t>
-            </a:r>
-            <a:r>
-              <a:rPr lang="zh-CN" altLang="en-US" dirty="0" smtClean="0">
-                <a:solidFill>
-                  <a:srgbClr val="FF0000"/>
-                </a:solidFill>
-                <a:latin typeface="华文楷体" pitchFamily="2" charset="-122"/>
-                <a:ea typeface="华文楷体" pitchFamily="2" charset="-122"/>
-              </a:rPr>
-              <a:t>，服务器软硬件成本显著降低，作为服务器系统优势较大。</a:t>
-            </a:r>
-          </a:p>
-          <a:p>
+              <a:rPr lang="zh-CN" altLang="en-US" sz="2400" dirty="0" smtClean="0">
+                <a:latin typeface="华文楷体" pitchFamily="2" charset="-122"/>
+                <a:ea typeface="华文楷体" pitchFamily="2" charset="-122"/>
+              </a:rPr>
+              <a:t>将请求映射到对应的处理器</a:t>
+            </a:r>
+            <a:r>
+              <a:rPr lang="en-US" altLang="zh-CN" sz="2400" dirty="0" smtClean="0">
+                <a:latin typeface="华文楷体" pitchFamily="2" charset="-122"/>
+                <a:ea typeface="华文楷体" pitchFamily="2" charset="-122"/>
+              </a:rPr>
+              <a:t>Controller</a:t>
+            </a:r>
+            <a:r>
+              <a:rPr lang="zh-CN" altLang="en-US" sz="2400" dirty="0" smtClean="0">
+                <a:latin typeface="华文楷体" pitchFamily="2" charset="-122"/>
+                <a:ea typeface="华文楷体" pitchFamily="2" charset="-122"/>
+              </a:rPr>
+              <a:t>（相当于</a:t>
+            </a:r>
+            <a:r>
+              <a:rPr lang="en-US" altLang="zh-CN" sz="2400" dirty="0" smtClean="0">
+                <a:latin typeface="华文楷体" pitchFamily="2" charset="-122"/>
+                <a:ea typeface="华文楷体" pitchFamily="2" charset="-122"/>
+              </a:rPr>
+              <a:t>Action</a:t>
+            </a:r>
+            <a:r>
+              <a:rPr lang="zh-CN" altLang="en-US" sz="2400" dirty="0" smtClean="0">
+                <a:latin typeface="华文楷体" pitchFamily="2" charset="-122"/>
+                <a:ea typeface="华文楷体" pitchFamily="2" charset="-122"/>
+              </a:rPr>
+              <a:t>）在</a:t>
+            </a:r>
+            <a:r>
+              <a:rPr lang="en-US" altLang="zh-CN" sz="2400" dirty="0" smtClean="0">
+                <a:latin typeface="华文楷体" pitchFamily="2" charset="-122"/>
+                <a:ea typeface="华文楷体" pitchFamily="2" charset="-122"/>
+              </a:rPr>
+              <a:t>Spring </a:t>
+            </a:r>
+            <a:r>
+              <a:rPr lang="zh-CN" altLang="en-US" sz="2400" dirty="0" smtClean="0">
+                <a:latin typeface="华文楷体" pitchFamily="2" charset="-122"/>
+                <a:ea typeface="华文楷体" pitchFamily="2" charset="-122"/>
+              </a:rPr>
+              <a:t>当中如果写一些处理器组件，一般实现</a:t>
+            </a:r>
+            <a:r>
+              <a:rPr lang="en-US" altLang="zh-CN" sz="2400" dirty="0" smtClean="0">
+                <a:latin typeface="华文楷体" pitchFamily="2" charset="-122"/>
+                <a:ea typeface="华文楷体" pitchFamily="2" charset="-122"/>
+              </a:rPr>
+              <a:t>Controller </a:t>
+            </a:r>
+            <a:r>
+              <a:rPr lang="zh-CN" altLang="en-US" sz="2400" dirty="0" smtClean="0">
+                <a:latin typeface="华文楷体" pitchFamily="2" charset="-122"/>
+                <a:ea typeface="华文楷体" pitchFamily="2" charset="-122"/>
+              </a:rPr>
+              <a:t>接口，在</a:t>
+            </a:r>
+            <a:r>
+              <a:rPr lang="en-US" altLang="zh-CN" sz="2400" dirty="0" smtClean="0">
+                <a:latin typeface="华文楷体" pitchFamily="2" charset="-122"/>
+                <a:ea typeface="华文楷体" pitchFamily="2" charset="-122"/>
+              </a:rPr>
+              <a:t>Controller </a:t>
+            </a:r>
+            <a:r>
+              <a:rPr lang="zh-CN" altLang="en-US" sz="2400" dirty="0" smtClean="0">
+                <a:latin typeface="华文楷体" pitchFamily="2" charset="-122"/>
+                <a:ea typeface="华文楷体" pitchFamily="2" charset="-122"/>
+              </a:rPr>
+              <a:t>中就可以调用一些</a:t>
+            </a:r>
+            <a:r>
+              <a:rPr lang="en-US" altLang="zh-CN" sz="2400" dirty="0" smtClean="0">
+                <a:latin typeface="华文楷体" pitchFamily="2" charset="-122"/>
+                <a:ea typeface="华文楷体" pitchFamily="2" charset="-122"/>
+              </a:rPr>
+              <a:t>Service </a:t>
+            </a:r>
+            <a:r>
+              <a:rPr lang="zh-CN" altLang="en-US" sz="2400" dirty="0" smtClean="0">
+                <a:latin typeface="华文楷体" pitchFamily="2" charset="-122"/>
+                <a:ea typeface="华文楷体" pitchFamily="2" charset="-122"/>
+              </a:rPr>
+              <a:t>或</a:t>
+            </a:r>
+            <a:r>
+              <a:rPr lang="en-US" altLang="zh-CN" sz="2400" dirty="0" smtClean="0">
+                <a:latin typeface="华文楷体" pitchFamily="2" charset="-122"/>
+                <a:ea typeface="华文楷体" pitchFamily="2" charset="-122"/>
+              </a:rPr>
+              <a:t>DAO </a:t>
+            </a:r>
+            <a:r>
+              <a:rPr lang="zh-CN" altLang="en-US" sz="2400" dirty="0" smtClean="0">
+                <a:latin typeface="华文楷体" pitchFamily="2" charset="-122"/>
+                <a:ea typeface="华文楷体" pitchFamily="2" charset="-122"/>
+              </a:rPr>
+              <a:t>来进行数据操作 </a:t>
+            </a:r>
+            <a:r>
+              <a:rPr lang="en-US" altLang="zh-CN" sz="2400" dirty="0" err="1" smtClean="0">
+                <a:latin typeface="华文楷体" pitchFamily="2" charset="-122"/>
+                <a:ea typeface="华文楷体" pitchFamily="2" charset="-122"/>
+              </a:rPr>
+              <a:t>ModelAndView</a:t>
+            </a:r>
+            <a:r>
+              <a:rPr lang="en-US" altLang="zh-CN" sz="2400" dirty="0" smtClean="0">
+                <a:latin typeface="华文楷体" pitchFamily="2" charset="-122"/>
+                <a:ea typeface="华文楷体" pitchFamily="2" charset="-122"/>
+              </a:rPr>
+              <a:t> </a:t>
+            </a:r>
+            <a:r>
+              <a:rPr lang="zh-CN" altLang="en-US" sz="2400" dirty="0" smtClean="0">
+                <a:latin typeface="华文楷体" pitchFamily="2" charset="-122"/>
+                <a:ea typeface="华文楷体" pitchFamily="2" charset="-122"/>
+              </a:rPr>
+              <a:t>用于存放从</a:t>
+            </a:r>
+            <a:r>
+              <a:rPr lang="en-US" altLang="zh-CN" sz="2400" dirty="0" smtClean="0">
+                <a:latin typeface="华文楷体" pitchFamily="2" charset="-122"/>
+                <a:ea typeface="华文楷体" pitchFamily="2" charset="-122"/>
+              </a:rPr>
+              <a:t>DAO </a:t>
+            </a:r>
+            <a:r>
+              <a:rPr lang="zh-CN" altLang="en-US" sz="2400" dirty="0" smtClean="0">
+                <a:latin typeface="华文楷体" pitchFamily="2" charset="-122"/>
+                <a:ea typeface="华文楷体" pitchFamily="2" charset="-122"/>
+              </a:rPr>
+              <a:t>中取出的数据，还可以存放响应视图的一些数据。 如果想将处理结果返回给用户，那么在</a:t>
+            </a:r>
+            <a:r>
+              <a:rPr lang="en-US" altLang="zh-CN" sz="2400" dirty="0" smtClean="0">
+                <a:latin typeface="华文楷体" pitchFamily="2" charset="-122"/>
+                <a:ea typeface="华文楷体" pitchFamily="2" charset="-122"/>
+              </a:rPr>
+              <a:t>Spring </a:t>
+            </a:r>
+            <a:r>
+              <a:rPr lang="zh-CN" altLang="en-US" sz="2400" dirty="0" smtClean="0">
+                <a:latin typeface="华文楷体" pitchFamily="2" charset="-122"/>
+                <a:ea typeface="华文楷体" pitchFamily="2" charset="-122"/>
+              </a:rPr>
+              <a:t>框架中还提供一个视图组件</a:t>
+            </a:r>
+            <a:r>
+              <a:rPr lang="en-US" altLang="zh-CN" sz="2400" dirty="0" err="1" smtClean="0">
+                <a:latin typeface="华文楷体" pitchFamily="2" charset="-122"/>
+                <a:ea typeface="华文楷体" pitchFamily="2" charset="-122"/>
+              </a:rPr>
+              <a:t>ViewResolver</a:t>
+            </a:r>
+            <a:r>
+              <a:rPr lang="zh-CN" altLang="en-US" sz="2400" dirty="0" smtClean="0">
+                <a:latin typeface="华文楷体" pitchFamily="2" charset="-122"/>
+                <a:ea typeface="华文楷体" pitchFamily="2" charset="-122"/>
+              </a:rPr>
+              <a:t>，该组件根据</a:t>
+            </a:r>
+            <a:r>
+              <a:rPr lang="en-US" altLang="zh-CN" sz="2400" dirty="0" smtClean="0">
+                <a:latin typeface="华文楷体" pitchFamily="2" charset="-122"/>
+                <a:ea typeface="华文楷体" pitchFamily="2" charset="-122"/>
+              </a:rPr>
+              <a:t>Controller </a:t>
+            </a:r>
+            <a:r>
+              <a:rPr lang="zh-CN" altLang="en-US" sz="2400" dirty="0" smtClean="0">
+                <a:latin typeface="华文楷体" pitchFamily="2" charset="-122"/>
+                <a:ea typeface="华文楷体" pitchFamily="2" charset="-122"/>
+              </a:rPr>
+              <a:t>返回的标示，找到对应的视图，将响应</a:t>
+            </a:r>
+            <a:r>
+              <a:rPr lang="en-US" altLang="zh-CN" sz="2400" dirty="0" smtClean="0">
+                <a:latin typeface="华文楷体" pitchFamily="2" charset="-122"/>
+                <a:ea typeface="华文楷体" pitchFamily="2" charset="-122"/>
+              </a:rPr>
+              <a:t>response </a:t>
+            </a:r>
+            <a:r>
+              <a:rPr lang="zh-CN" altLang="en-US" sz="2400" dirty="0" smtClean="0">
+                <a:latin typeface="华文楷体" pitchFamily="2" charset="-122"/>
+                <a:ea typeface="华文楷体" pitchFamily="2" charset="-122"/>
+              </a:rPr>
+              <a:t>返回给用户。</a:t>
+            </a:r>
+          </a:p>
+          <a:p>
+            <a:r>
+              <a:rPr lang="zh-CN" altLang="en-US" sz="2400" dirty="0" smtClean="0">
+                <a:latin typeface="华文楷体" pitchFamily="2" charset="-122"/>
+                <a:ea typeface="华文楷体" pitchFamily="2" charset="-122"/>
+              </a:rPr>
+              <a:t>所有</a:t>
+            </a:r>
+            <a:r>
+              <a:rPr lang="en-US" altLang="zh-CN" sz="2400" dirty="0" smtClean="0">
+                <a:latin typeface="华文楷体" pitchFamily="2" charset="-122"/>
+                <a:ea typeface="华文楷体" pitchFamily="2" charset="-122"/>
+              </a:rPr>
+              <a:t>Spring</a:t>
+            </a:r>
+            <a:r>
+              <a:rPr lang="zh-CN" altLang="en-US" sz="2400" dirty="0" smtClean="0">
+                <a:latin typeface="华文楷体" pitchFamily="2" charset="-122"/>
+                <a:ea typeface="华文楷体" pitchFamily="2" charset="-122"/>
+              </a:rPr>
+              <a:t>的这些特征使你能够编写更干净、更可管理、并且更易于测试的代码。它们也为</a:t>
+            </a:r>
+            <a:r>
+              <a:rPr lang="en-US" altLang="zh-CN" sz="2400" dirty="0" smtClean="0">
+                <a:latin typeface="华文楷体" pitchFamily="2" charset="-122"/>
+                <a:ea typeface="华文楷体" pitchFamily="2" charset="-122"/>
+              </a:rPr>
+              <a:t>Spring</a:t>
+            </a:r>
+            <a:r>
+              <a:rPr lang="zh-CN" altLang="en-US" sz="2400" dirty="0" smtClean="0">
+                <a:latin typeface="华文楷体" pitchFamily="2" charset="-122"/>
+                <a:ea typeface="华文楷体" pitchFamily="2" charset="-122"/>
+              </a:rPr>
+              <a:t>中的各种模块提供了基础支持。</a:t>
+            </a:r>
+          </a:p>
+          <a:p>
+            <a:r>
+              <a:rPr lang="zh-CN" altLang="en-US" sz="2400" dirty="0" smtClean="0"/>
+              <a:t/>
+            </a:r>
+            <a:br>
+              <a:rPr lang="zh-CN" altLang="en-US" sz="2400" dirty="0" smtClean="0"/>
+            </a:br>
             <a:endParaRPr lang="zh-CN" altLang="en-US" dirty="0"/>
           </a:p>
         </p:txBody>
@@ -16674,8 +18408,8 @@
         </p:nvSpPr>
         <p:spPr>
           <a:xfrm>
-            <a:off x="1524000" y="857232"/>
-            <a:ext cx="7086600" cy="4705368"/>
+            <a:off x="1524000" y="1142984"/>
+            <a:ext cx="7086600" cy="2928958"/>
           </a:xfrm>
         </p:spPr>
         <p:txBody>
@@ -16683,70 +18417,301 @@
           <a:lstStyle/>
           <a:p>
             <a:r>
+              <a:rPr lang="en-US" altLang="zh-CN" dirty="0" smtClean="0"/>
+              <a:t>Tomcat</a:t>
+            </a:r>
+          </a:p>
+          <a:p>
+            <a:r>
+              <a:rPr lang="en-US" altLang="zh-CN" dirty="0" smtClean="0"/>
+              <a:t>Jetty</a:t>
+            </a:r>
+          </a:p>
+          <a:p>
+            <a:r>
+              <a:rPr lang="en-US" altLang="zh-CN" dirty="0" smtClean="0"/>
+              <a:t>Resin</a:t>
+            </a:r>
+          </a:p>
+          <a:p>
+            <a:r>
+              <a:rPr lang="en-US" altLang="zh-CN" dirty="0" err="1" smtClean="0"/>
+              <a:t>Jboss</a:t>
+            </a:r>
+            <a:endParaRPr lang="en-US" altLang="zh-CN" dirty="0" smtClean="0"/>
+          </a:p>
+          <a:p>
+            <a:r>
+              <a:rPr lang="en-US" altLang="zh-CN" dirty="0" err="1" smtClean="0"/>
+              <a:t>WebLoigc</a:t>
+            </a:r>
+            <a:endParaRPr lang="en-US" altLang="zh-CN" dirty="0" smtClean="0"/>
+          </a:p>
+          <a:p>
+            <a:r>
+              <a:rPr lang="en-US" altLang="zh-CN" dirty="0" err="1" smtClean="0"/>
+              <a:t>Websphere</a:t>
+            </a:r>
+            <a:endParaRPr lang="en-US" altLang="zh-CN" dirty="0" smtClean="0"/>
+          </a:p>
+          <a:p>
+            <a:endParaRPr lang="en-US" altLang="zh-CN" dirty="0" smtClean="0"/>
+          </a:p>
+          <a:p>
+            <a:endParaRPr lang="en-US" altLang="zh-CN" dirty="0" smtClean="0"/>
+          </a:p>
+          <a:p>
+            <a:endParaRPr lang="en-US" altLang="zh-CN" dirty="0" smtClean="0"/>
+          </a:p>
+          <a:p>
+            <a:endParaRPr lang="zh-CN" altLang="en-US" dirty="0"/>
+          </a:p>
+        </p:txBody>
+      </p:sp>
+      <p:sp>
+        <p:nvSpPr>
+          <p:cNvPr id="4" name="标题 1"/>
+          <p:cNvSpPr>
+            <a:spLocks noGrp="1"/>
+          </p:cNvSpPr>
+          <p:nvPr>
+            <p:ph type="title"/>
+          </p:nvPr>
+        </p:nvSpPr>
+        <p:spPr>
+          <a:xfrm>
+            <a:off x="1524000" y="357166"/>
+            <a:ext cx="7086600" cy="700102"/>
+          </a:xfrm>
+        </p:spPr>
+        <p:txBody>
+          <a:bodyPr/>
+          <a:lstStyle/>
+          <a:p>
+            <a:r>
+              <a:rPr lang="en-US" altLang="zh-CN" sz="3200" dirty="0" smtClean="0"/>
+              <a:t>Java Web</a:t>
+            </a:r>
+            <a:r>
+              <a:rPr lang="zh-CN" altLang="en-US" sz="3200" dirty="0" smtClean="0"/>
+              <a:t>服务器 </a:t>
+            </a:r>
+            <a:r>
+              <a:rPr lang="en-US" altLang="zh-CN" sz="3200" dirty="0" smtClean="0"/>
+              <a:t>(windows</a:t>
+            </a:r>
+            <a:r>
+              <a:rPr lang="zh-CN" altLang="en-US" sz="3200" dirty="0" smtClean="0"/>
+              <a:t>版</a:t>
+            </a:r>
+            <a:r>
+              <a:rPr lang="en-US" altLang="zh-CN" sz="3200" dirty="0" smtClean="0"/>
+              <a:t>,</a:t>
+            </a:r>
+            <a:r>
+              <a:rPr lang="en-US" altLang="zh-CN" sz="3200" dirty="0" err="1" smtClean="0"/>
+              <a:t>linux</a:t>
+            </a:r>
+            <a:r>
+              <a:rPr lang="zh-CN" altLang="en-US" sz="3200" dirty="0" smtClean="0"/>
+              <a:t>版</a:t>
+            </a:r>
+            <a:r>
+              <a:rPr lang="en-US" altLang="zh-CN" sz="3200" dirty="0" smtClean="0"/>
+              <a:t>)</a:t>
+            </a:r>
+            <a:endParaRPr lang="zh-CN" altLang="en-US" sz="3200" dirty="0"/>
+          </a:p>
+        </p:txBody>
+      </p:sp>
+      <p:sp>
+        <p:nvSpPr>
+          <p:cNvPr id="7" name="TextBox 6"/>
+          <p:cNvSpPr txBox="1"/>
+          <p:nvPr/>
+        </p:nvSpPr>
+        <p:spPr>
+          <a:xfrm>
+            <a:off x="1785918" y="4357694"/>
+            <a:ext cx="5929354" cy="3046988"/>
+          </a:xfrm>
+          <a:prstGeom prst="rect">
+            <a:avLst/>
+          </a:prstGeom>
+          <a:noFill/>
+        </p:spPr>
+        <p:txBody>
+          <a:bodyPr wrap="square" rtlCol="0">
+            <a:spAutoFit/>
+          </a:bodyPr>
+          <a:lstStyle/>
+          <a:p>
+            <a:r>
+              <a:rPr lang="zh-CN" altLang="en-US" dirty="0" smtClean="0">
+                <a:solidFill>
+                  <a:srgbClr val="FF0000"/>
+                </a:solidFill>
+                <a:latin typeface="华文楷体" pitchFamily="2" charset="-122"/>
+                <a:ea typeface="华文楷体" pitchFamily="2" charset="-122"/>
+              </a:rPr>
+              <a:t>多数</a:t>
+            </a:r>
+            <a:r>
               <a:rPr lang="en-US" altLang="zh-CN" dirty="0" smtClean="0">
-                <a:latin typeface="Arial Unicode MS" pitchFamily="34" charset="-122"/>
-                <a:ea typeface="Arial Unicode MS" pitchFamily="34" charset="-122"/>
-                <a:cs typeface="Arial Unicode MS" pitchFamily="34" charset="-122"/>
-              </a:rPr>
-              <a:t>http</a:t>
+                <a:solidFill>
+                  <a:srgbClr val="FF0000"/>
+                </a:solidFill>
+                <a:latin typeface="华文楷体" pitchFamily="2" charset="-122"/>
+                <a:ea typeface="华文楷体" pitchFamily="2" charset="-122"/>
+              </a:rPr>
+              <a:t>java Web</a:t>
             </a:r>
             <a:r>
               <a:rPr lang="zh-CN" altLang="en-US" dirty="0" smtClean="0">
-                <a:latin typeface="Arial Unicode MS" pitchFamily="34" charset="-122"/>
-                <a:ea typeface="Arial Unicode MS" pitchFamily="34" charset="-122"/>
-                <a:cs typeface="Arial Unicode MS" pitchFamily="34" charset="-122"/>
-              </a:rPr>
-              <a:t>服务器用以解析静态</a:t>
+                <a:solidFill>
+                  <a:srgbClr val="FF0000"/>
+                </a:solidFill>
+                <a:latin typeface="华文楷体" pitchFamily="2" charset="-122"/>
+                <a:ea typeface="华文楷体" pitchFamily="2" charset="-122"/>
+              </a:rPr>
+              <a:t>、大数据云计算、微服务项目会在</a:t>
+            </a:r>
+            <a:r>
+              <a:rPr lang="en-US" altLang="zh-CN" dirty="0" err="1" smtClean="0">
+                <a:solidFill>
+                  <a:srgbClr val="FF0000"/>
+                </a:solidFill>
+                <a:latin typeface="华文楷体" pitchFamily="2" charset="-122"/>
+                <a:ea typeface="华文楷体" pitchFamily="2" charset="-122"/>
+              </a:rPr>
+              <a:t>linux</a:t>
+            </a:r>
+            <a:r>
+              <a:rPr lang="zh-CN" altLang="en-US" dirty="0" smtClean="0">
+                <a:solidFill>
+                  <a:srgbClr val="FF0000"/>
+                </a:solidFill>
+                <a:latin typeface="华文楷体" pitchFamily="2" charset="-122"/>
+                <a:ea typeface="华文楷体" pitchFamily="2" charset="-122"/>
+              </a:rPr>
+              <a:t>系统</a:t>
             </a:r>
             <a:r>
               <a:rPr lang="en-US" altLang="zh-CN" dirty="0" smtClean="0">
-                <a:latin typeface="Arial Unicode MS" pitchFamily="34" charset="-122"/>
-                <a:ea typeface="Arial Unicode MS" pitchFamily="34" charset="-122"/>
-                <a:cs typeface="Arial Unicode MS" pitchFamily="34" charset="-122"/>
-              </a:rPr>
-              <a:t>html</a:t>
+                <a:solidFill>
+                  <a:srgbClr val="FF0000"/>
+                </a:solidFill>
+                <a:latin typeface="华文楷体" pitchFamily="2" charset="-122"/>
+                <a:ea typeface="华文楷体" pitchFamily="2" charset="-122"/>
+              </a:rPr>
+              <a:t>(</a:t>
+            </a:r>
+            <a:r>
+              <a:rPr lang="en-US" dirty="0" err="1" smtClean="0">
+                <a:solidFill>
+                  <a:schemeClr val="bg1"/>
+                </a:solidFill>
+                <a:latin typeface="楷体" pitchFamily="49" charset="-122"/>
+                <a:ea typeface="楷体" pitchFamily="49" charset="-122"/>
+              </a:rPr>
+              <a:t>ubuntu</a:t>
+            </a:r>
+            <a:r>
+              <a:rPr lang="en-US" dirty="0" smtClean="0"/>
+              <a:t> </a:t>
+            </a:r>
+            <a:r>
+              <a:rPr lang="en-US" dirty="0" smtClean="0">
+                <a:solidFill>
+                  <a:schemeClr val="bg1"/>
+                </a:solidFill>
+                <a:latin typeface="楷体" pitchFamily="49" charset="-122"/>
+                <a:ea typeface="楷体" pitchFamily="49" charset="-122"/>
+              </a:rPr>
+              <a:t>,</a:t>
+            </a:r>
+            <a:r>
+              <a:rPr lang="en-US" altLang="zh-CN" dirty="0" smtClean="0">
+                <a:solidFill>
+                  <a:schemeClr val="bg1"/>
+                </a:solidFill>
+                <a:latin typeface="楷体" pitchFamily="49" charset="-122"/>
+                <a:ea typeface="楷体" pitchFamily="49" charset="-122"/>
+              </a:rPr>
+              <a:t>red hat, centos</a:t>
+            </a:r>
+            <a:r>
+              <a:rPr lang="en-US" altLang="zh-CN" dirty="0" smtClean="0">
+                <a:solidFill>
+                  <a:srgbClr val="FF0000"/>
+                </a:solidFill>
+                <a:latin typeface="华文楷体" pitchFamily="2" charset="-122"/>
+                <a:ea typeface="华文楷体" pitchFamily="2" charset="-122"/>
+              </a:rPr>
+              <a:t>)</a:t>
             </a:r>
             <a:r>
               <a:rPr lang="zh-CN" altLang="en-US" dirty="0" smtClean="0">
-                <a:latin typeface="Arial Unicode MS" pitchFamily="34" charset="-122"/>
-                <a:ea typeface="Arial Unicode MS" pitchFamily="34" charset="-122"/>
-                <a:cs typeface="Arial Unicode MS" pitchFamily="34" charset="-122"/>
-              </a:rPr>
-              <a:t>，配合</a:t>
-            </a:r>
-            <a:r>
-              <a:rPr lang="en-US" altLang="zh-CN" dirty="0" smtClean="0">
-                <a:latin typeface="Arial Unicode MS" pitchFamily="34" charset="-122"/>
-                <a:ea typeface="Arial Unicode MS" pitchFamily="34" charset="-122"/>
-                <a:cs typeface="Arial Unicode MS" pitchFamily="34" charset="-122"/>
-              </a:rPr>
-              <a:t>java web</a:t>
+                <a:solidFill>
+                  <a:srgbClr val="FF0000"/>
+                </a:solidFill>
+                <a:latin typeface="华文楷体" pitchFamily="2" charset="-122"/>
+                <a:ea typeface="华文楷体" pitchFamily="2" charset="-122"/>
+              </a:rPr>
+              <a:t>中部署运行。</a:t>
+            </a:r>
+            <a:endParaRPr lang="en-US" altLang="zh-CN" dirty="0" smtClean="0">
+              <a:solidFill>
+                <a:srgbClr val="FF0000"/>
+              </a:solidFill>
+              <a:latin typeface="华文楷体" pitchFamily="2" charset="-122"/>
+              <a:ea typeface="华文楷体" pitchFamily="2" charset="-122"/>
+            </a:endParaRPr>
+          </a:p>
+          <a:p>
+            <a:r>
+              <a:rPr lang="en-US" altLang="zh-CN" dirty="0" err="1" smtClean="0">
+                <a:solidFill>
+                  <a:srgbClr val="FF0000"/>
+                </a:solidFill>
+                <a:latin typeface="华文楷体" pitchFamily="2" charset="-122"/>
+                <a:ea typeface="华文楷体" pitchFamily="2" charset="-122"/>
+              </a:rPr>
+              <a:t>linux</a:t>
             </a:r>
             <a:r>
               <a:rPr lang="zh-CN" altLang="en-US" dirty="0" smtClean="0">
-                <a:latin typeface="Arial Unicode MS" pitchFamily="34" charset="-122"/>
-                <a:ea typeface="Arial Unicode MS" pitchFamily="34" charset="-122"/>
-                <a:cs typeface="Arial Unicode MS" pitchFamily="34" charset="-122"/>
-              </a:rPr>
-              <a:t>服务器使用，还起到前端代理，负载均衡等作用，如</a:t>
-            </a:r>
-            <a:r>
-              <a:rPr lang="en-US" dirty="0" err="1" smtClean="0"/>
-              <a:t>Nginx</a:t>
-            </a:r>
-            <a:r>
-              <a:rPr lang="en-US" dirty="0" smtClean="0"/>
-              <a:t>/apache</a:t>
-            </a:r>
-            <a:r>
-              <a:rPr lang="zh-CN" altLang="en-US" dirty="0" smtClean="0"/>
-              <a:t>；</a:t>
-            </a:r>
-            <a:endParaRPr lang="zh-CN" altLang="en-US" dirty="0">
-              <a:latin typeface="Arial Unicode MS" pitchFamily="34" charset="-122"/>
-              <a:ea typeface="Arial Unicode MS" pitchFamily="34" charset="-122"/>
-              <a:cs typeface="Arial Unicode MS" pitchFamily="34" charset="-122"/>
-            </a:endParaRPr>
+                <a:solidFill>
+                  <a:srgbClr val="FF0000"/>
+                </a:solidFill>
+                <a:latin typeface="华文楷体" pitchFamily="2" charset="-122"/>
+                <a:ea typeface="华文楷体" pitchFamily="2" charset="-122"/>
+              </a:rPr>
+              <a:t>系统的优势与特性：图形界面为辅，性能强，服务加载速度快</a:t>
+            </a:r>
+            <a:r>
+              <a:rPr lang="zh-CN" altLang="en-US" smtClean="0">
+                <a:solidFill>
+                  <a:srgbClr val="FF0000"/>
+                </a:solidFill>
+                <a:latin typeface="华文楷体" pitchFamily="2" charset="-122"/>
+                <a:ea typeface="华文楷体" pitchFamily="2" charset="-122"/>
+              </a:rPr>
+              <a:t>，安全性稳定性高</a:t>
+            </a:r>
+            <a:r>
+              <a:rPr lang="zh-CN" altLang="en-US" dirty="0" smtClean="0">
+                <a:solidFill>
+                  <a:srgbClr val="FF0000"/>
+                </a:solidFill>
+                <a:latin typeface="华文楷体" pitchFamily="2" charset="-122"/>
+                <a:ea typeface="华文楷体" pitchFamily="2" charset="-122"/>
+              </a:rPr>
+              <a:t>，服务器软硬件成本显著降低，作为服务器系统优势较大。</a:t>
+            </a:r>
+          </a:p>
+          <a:p>
+            <a:endParaRPr lang="zh-CN" altLang="en-US" dirty="0"/>
           </a:p>
         </p:txBody>
       </p:sp>
@@ -16994,6 +18959,120 @@
 </file>
 
 <file path=ppt/slides/slide30.xml><?xml version="1.0" encoding="utf-8"?>
+<p:sld xmlns:a="http://schemas.openxmlformats.org/drawingml/2006/main" xmlns:r="http://schemas.openxmlformats.org/officeDocument/2006/relationships" xmlns:p="http://schemas.openxmlformats.org/presentationml/2006/main">
+  <p:cSld>
+    <p:spTree>
+      <p:nvGrpSpPr>
+        <p:cNvPr id="1" name=""/>
+        <p:cNvGrpSpPr/>
+        <p:nvPr/>
+      </p:nvGrpSpPr>
+      <p:grpSpPr>
+        <a:xfrm>
+          <a:off x="0" y="0"/>
+          <a:ext cx="0" cy="0"/>
+          <a:chOff x="0" y="0"/>
+          <a:chExt cx="0" cy="0"/>
+        </a:xfrm>
+      </p:grpSpPr>
+      <p:sp>
+        <p:nvSpPr>
+          <p:cNvPr id="3" name="内容占位符 2"/>
+          <p:cNvSpPr>
+            <a:spLocks noGrp="1"/>
+          </p:cNvSpPr>
+          <p:nvPr>
+            <p:ph idx="1"/>
+          </p:nvPr>
+        </p:nvSpPr>
+        <p:spPr>
+          <a:xfrm>
+            <a:off x="1524000" y="857232"/>
+            <a:ext cx="7086600" cy="4705368"/>
+          </a:xfrm>
+        </p:spPr>
+        <p:txBody>
+          <a:bodyPr/>
+          <a:lstStyle/>
+          <a:p>
+            <a:r>
+              <a:rPr lang="en-US" altLang="zh-CN" dirty="0" smtClean="0">
+                <a:latin typeface="Arial Unicode MS" pitchFamily="34" charset="-122"/>
+                <a:ea typeface="Arial Unicode MS" pitchFamily="34" charset="-122"/>
+                <a:cs typeface="Arial Unicode MS" pitchFamily="34" charset="-122"/>
+              </a:rPr>
+              <a:t>http</a:t>
+            </a:r>
+            <a:r>
+              <a:rPr lang="zh-CN" altLang="en-US" dirty="0" smtClean="0">
+                <a:latin typeface="Arial Unicode MS" pitchFamily="34" charset="-122"/>
+                <a:ea typeface="Arial Unicode MS" pitchFamily="34" charset="-122"/>
+                <a:cs typeface="Arial Unicode MS" pitchFamily="34" charset="-122"/>
+              </a:rPr>
+              <a:t>服务器用以解析静态</a:t>
+            </a:r>
+            <a:r>
+              <a:rPr lang="en-US" altLang="zh-CN" dirty="0" smtClean="0">
+                <a:latin typeface="Arial Unicode MS" pitchFamily="34" charset="-122"/>
+                <a:ea typeface="Arial Unicode MS" pitchFamily="34" charset="-122"/>
+                <a:cs typeface="Arial Unicode MS" pitchFamily="34" charset="-122"/>
+              </a:rPr>
+              <a:t>html</a:t>
+            </a:r>
+            <a:r>
+              <a:rPr lang="zh-CN" altLang="en-US" dirty="0" smtClean="0">
+                <a:latin typeface="Arial Unicode MS" pitchFamily="34" charset="-122"/>
+                <a:ea typeface="Arial Unicode MS" pitchFamily="34" charset="-122"/>
+                <a:cs typeface="Arial Unicode MS" pitchFamily="34" charset="-122"/>
+              </a:rPr>
+              <a:t>，配合</a:t>
+            </a:r>
+            <a:r>
+              <a:rPr lang="en-US" altLang="zh-CN" dirty="0" smtClean="0">
+                <a:latin typeface="Arial Unicode MS" pitchFamily="34" charset="-122"/>
+                <a:ea typeface="Arial Unicode MS" pitchFamily="34" charset="-122"/>
+                <a:cs typeface="Arial Unicode MS" pitchFamily="34" charset="-122"/>
+              </a:rPr>
+              <a:t>java web</a:t>
+            </a:r>
+            <a:r>
+              <a:rPr lang="zh-CN" altLang="en-US" dirty="0" smtClean="0">
+                <a:latin typeface="Arial Unicode MS" pitchFamily="34" charset="-122"/>
+                <a:ea typeface="Arial Unicode MS" pitchFamily="34" charset="-122"/>
+                <a:cs typeface="Arial Unicode MS" pitchFamily="34" charset="-122"/>
+              </a:rPr>
+              <a:t>服务器使用，还起到前端代理，负载均衡等作用，如</a:t>
+            </a:r>
+            <a:r>
+              <a:rPr lang="en-US" dirty="0" err="1" smtClean="0"/>
+              <a:t>Nginx</a:t>
+            </a:r>
+            <a:r>
+              <a:rPr lang="en-US" dirty="0" smtClean="0"/>
+              <a:t>/apache</a:t>
+            </a:r>
+            <a:r>
+              <a:rPr lang="zh-CN" altLang="en-US" dirty="0" smtClean="0"/>
+              <a:t>；</a:t>
+            </a:r>
+            <a:endParaRPr lang="zh-CN" altLang="en-US" dirty="0">
+              <a:latin typeface="Arial Unicode MS" pitchFamily="34" charset="-122"/>
+              <a:ea typeface="Arial Unicode MS" pitchFamily="34" charset="-122"/>
+              <a:cs typeface="Arial Unicode MS" pitchFamily="34" charset="-122"/>
+            </a:endParaRPr>
+          </a:p>
+        </p:txBody>
+      </p:sp>
+    </p:spTree>
+  </p:cSld>
+  <p:clrMapOvr>
+    <a:masterClrMapping/>
+  </p:clrMapOvr>
+  <p:transition/>
+</p:sld>
+</file>
+
+<file path=ppt/slides/slide31.xml><?xml version="1.0" encoding="utf-8"?>
 <p:sld xmlns:a="http://schemas.openxmlformats.org/drawingml/2006/main" xmlns:r="http://schemas.openxmlformats.org/officeDocument/2006/relationships" xmlns:p="http://schemas.openxmlformats.org/presentationml/2006/main">
   <p:cSld>
     <p:spTree>
@@ -17576,7 +19655,7 @@
     </p:spTree>
     <p:extLst>
       <p:ext uri="{BB962C8B-B14F-4D97-AF65-F5344CB8AC3E}">
-        <p14:creationId xmlns:p14="http://schemas.microsoft.com/office/powerpoint/2010/main" xmlns="" val="3107653997"/>
+        <p14:creationId xmlns:p14="http://schemas.microsoft.com/office/powerpoint/2010/main" val="3107653997"/>
       </p:ext>
     </p:extLst>
   </p:cSld>
@@ -17927,7 +20006,7 @@
     </p:spTree>
     <p:extLst>
       <p:ext uri="{BB962C8B-B14F-4D97-AF65-F5344CB8AC3E}">
-        <p14:creationId xmlns:p14="http://schemas.microsoft.com/office/powerpoint/2010/main" xmlns="" val="2107609755"/>
+        <p14:creationId xmlns:p14="http://schemas.microsoft.com/office/powerpoint/2010/main" val="2107609755"/>
       </p:ext>
     </p:extLst>
   </p:cSld>
@@ -18218,7 +20297,7 @@
     </p:spTree>
     <p:extLst>
       <p:ext uri="{BB962C8B-B14F-4D97-AF65-F5344CB8AC3E}">
-        <p14:creationId xmlns:p14="http://schemas.microsoft.com/office/powerpoint/2010/main" xmlns="" val="380726262"/>
+        <p14:creationId xmlns:p14="http://schemas.microsoft.com/office/powerpoint/2010/main" val="380726262"/>
       </p:ext>
     </p:extLst>
   </p:cSld>
@@ -18624,7 +20703,7 @@
     </p:spTree>
     <p:extLst>
       <p:ext uri="{BB962C8B-B14F-4D97-AF65-F5344CB8AC3E}">
-        <p14:creationId xmlns:p14="http://schemas.microsoft.com/office/powerpoint/2010/main" xmlns="" val="260142944"/>
+        <p14:creationId xmlns:p14="http://schemas.microsoft.com/office/powerpoint/2010/main" val="260142944"/>
       </p:ext>
     </p:extLst>
   </p:cSld>
@@ -18970,7 +21049,7 @@
     </p:spTree>
     <p:extLst>
       <p:ext uri="{BB962C8B-B14F-4D97-AF65-F5344CB8AC3E}">
-        <p14:creationId xmlns:p14="http://schemas.microsoft.com/office/powerpoint/2010/main" xmlns="" val="228254223"/>
+        <p14:creationId xmlns:p14="http://schemas.microsoft.com/office/powerpoint/2010/main" val="228254223"/>
       </p:ext>
     </p:extLst>
   </p:cSld>
@@ -19246,7 +21325,7 @@
         <a:effectLst/>
         <a:extLst>
           <a:ext uri="{AF507438-7753-43E0-B8FC-AC1667EBCBE1}">
-            <a14:hiddenEffects xmlns:a14="http://schemas.microsoft.com/office/drawing/2010/main" xmlns="">
+            <a14:hiddenEffects xmlns:a14="http://schemas.microsoft.com/office/drawing/2010/main">
               <a:effectLst>
                 <a:outerShdw dist="35921" dir="2700000" algn="ctr" rotWithShape="0">
                   <a:schemeClr val="bg2"/>
@@ -19319,7 +21398,7 @@
         <a:effectLst/>
         <a:extLst>
           <a:ext uri="{AF507438-7753-43E0-B8FC-AC1667EBCBE1}">
-            <a14:hiddenEffects xmlns:a14="http://schemas.microsoft.com/office/drawing/2010/main" xmlns="">
+            <a14:hiddenEffects xmlns:a14="http://schemas.microsoft.com/office/drawing/2010/main">
               <a:effectLst>
                 <a:outerShdw dist="35921" dir="2700000" algn="ctr" rotWithShape="0">
                   <a:schemeClr val="bg2"/>

--- a/环宇IT开发培训简介.pptx
+++ b/环宇IT开发培训简介.pptx
@@ -5,7 +5,7 @@
     <p:sldMasterId id="2147483660" r:id="rId1"/>
   </p:sldMasterIdLst>
   <p:notesMasterIdLst>
-    <p:notesMasterId r:id="rId33"/>
+    <p:notesMasterId r:id="rId32"/>
   </p:notesMasterIdLst>
   <p:sldIdLst>
     <p:sldId id="256" r:id="rId2"/>
@@ -38,12 +38,11 @@
     <p:sldId id="285" r:id="rId29"/>
     <p:sldId id="283" r:id="rId30"/>
     <p:sldId id="286" r:id="rId31"/>
-    <p:sldId id="287" r:id="rId32"/>
   </p:sldIdLst>
   <p:sldSz cx="9144000" cy="6858000" type="screen4x3"/>
   <p:notesSz cx="6946900" cy="9283700"/>
   <p:custDataLst>
-    <p:tags r:id="rId34"/>
+    <p:tags r:id="rId33"/>
   </p:custDataLst>
   <p:defaultTextStyle>
     <a:defPPr>
@@ -19072,80 +19071,6 @@
 </p:sld>
 </file>
 
-<file path=ppt/slides/slide31.xml><?xml version="1.0" encoding="utf-8"?>
-<p:sld xmlns:a="http://schemas.openxmlformats.org/drawingml/2006/main" xmlns:r="http://schemas.openxmlformats.org/officeDocument/2006/relationships" xmlns:p="http://schemas.openxmlformats.org/presentationml/2006/main">
-  <p:cSld>
-    <p:spTree>
-      <p:nvGrpSpPr>
-        <p:cNvPr id="1" name=""/>
-        <p:cNvGrpSpPr/>
-        <p:nvPr/>
-      </p:nvGrpSpPr>
-      <p:grpSpPr>
-        <a:xfrm>
-          <a:off x="0" y="0"/>
-          <a:ext cx="0" cy="0"/>
-          <a:chOff x="0" y="0"/>
-          <a:chExt cx="0" cy="0"/>
-        </a:xfrm>
-      </p:grpSpPr>
-      <p:sp>
-        <p:nvSpPr>
-          <p:cNvPr id="2" name="标题 1"/>
-          <p:cNvSpPr>
-            <a:spLocks noGrp="1"/>
-          </p:cNvSpPr>
-          <p:nvPr>
-            <p:ph type="title"/>
-          </p:nvPr>
-        </p:nvSpPr>
-        <p:spPr/>
-        <p:txBody>
-          <a:bodyPr/>
-          <a:lstStyle/>
-          <a:p>
-            <a:r>
-              <a:rPr lang="zh-CN" altLang="en-US" dirty="0" smtClean="0">
-                <a:latin typeface="CW-GB Gothic LCPY6" pitchFamily="50" charset="-128"/>
-                <a:ea typeface="CW-GB Gothic LCPY6" pitchFamily="50" charset="-128"/>
-              </a:rPr>
-              <a:t>几个图形开发实例</a:t>
-            </a:r>
-            <a:endParaRPr lang="zh-CN" altLang="en-US" dirty="0">
-              <a:latin typeface="CW-GB Gothic LCPY6" pitchFamily="50" charset="-128"/>
-              <a:ea typeface="CW-GB Gothic LCPY6" pitchFamily="50" charset="-128"/>
-            </a:endParaRPr>
-          </a:p>
-        </p:txBody>
-      </p:sp>
-      <p:sp>
-        <p:nvSpPr>
-          <p:cNvPr id="3" name="内容占位符 2"/>
-          <p:cNvSpPr>
-            <a:spLocks noGrp="1"/>
-          </p:cNvSpPr>
-          <p:nvPr>
-            <p:ph idx="1"/>
-          </p:nvPr>
-        </p:nvSpPr>
-        <p:spPr/>
-        <p:txBody>
-          <a:bodyPr/>
-          <a:lstStyle/>
-          <a:p>
-            <a:endParaRPr lang="zh-CN" altLang="en-US" dirty="0"/>
-          </a:p>
-        </p:txBody>
-      </p:sp>
-    </p:spTree>
-  </p:cSld>
-  <p:clrMapOvr>
-    <a:masterClrMapping/>
-  </p:clrMapOvr>
-  <p:transition/>
-</p:sld>
-</file>
-
 <file path=ppt/slides/slide4.xml><?xml version="1.0" encoding="utf-8"?>
 <p:sld xmlns:a="http://schemas.openxmlformats.org/drawingml/2006/main" xmlns:r="http://schemas.openxmlformats.org/officeDocument/2006/relationships" xmlns:p="http://schemas.openxmlformats.org/presentationml/2006/main">
   <p:cSld>

--- a/环宇IT开发培训简介.pptx
+++ b/环宇IT开发培训简介.pptx
@@ -1681,72 +1681,6 @@
         </a:p>
       </dgm:t>
     </dgm:pt>
-    <dgm:pt modelId="{110BD9FD-AB01-4D91-9863-43AB5992E5F7}">
-      <dgm:prSet phldrT="[テキスト]" phldr="1"/>
-      <dgm:spPr/>
-      <dgm:t>
-        <a:bodyPr/>
-        <a:lstStyle/>
-        <a:p>
-          <a:endParaRPr kumimoji="1" lang="ja-JP" altLang="en-US" dirty="0"/>
-        </a:p>
-      </dgm:t>
-    </dgm:pt>
-    <dgm:pt modelId="{0CD00F5D-D674-4859-B89E-1223C1B08666}" type="parTrans" cxnId="{3843095B-1BE4-4B0A-B4F9-2F95A9F10517}">
-      <dgm:prSet/>
-      <dgm:spPr/>
-      <dgm:t>
-        <a:bodyPr/>
-        <a:lstStyle/>
-        <a:p>
-          <a:endParaRPr kumimoji="1" lang="ja-JP" altLang="en-US"/>
-        </a:p>
-      </dgm:t>
-    </dgm:pt>
-    <dgm:pt modelId="{28FF1B66-46B5-4C4F-A011-C7B8ACA2D7BD}" type="sibTrans" cxnId="{3843095B-1BE4-4B0A-B4F9-2F95A9F10517}">
-      <dgm:prSet/>
-      <dgm:spPr/>
-      <dgm:t>
-        <a:bodyPr/>
-        <a:lstStyle/>
-        <a:p>
-          <a:endParaRPr kumimoji="1" lang="ja-JP" altLang="en-US"/>
-        </a:p>
-      </dgm:t>
-    </dgm:pt>
-    <dgm:pt modelId="{4D0E24A4-EFD1-4183-B419-CE7B1E727F37}">
-      <dgm:prSet phldrT="[テキスト]" phldr="1"/>
-      <dgm:spPr/>
-      <dgm:t>
-        <a:bodyPr/>
-        <a:lstStyle/>
-        <a:p>
-          <a:endParaRPr kumimoji="1" lang="ja-JP" altLang="en-US"/>
-        </a:p>
-      </dgm:t>
-    </dgm:pt>
-    <dgm:pt modelId="{780D6EB5-E146-4B53-B1CC-D06366E8E202}" type="parTrans" cxnId="{B32734B3-4D0E-4D53-BEEF-292F6B4F8252}">
-      <dgm:prSet/>
-      <dgm:spPr/>
-      <dgm:t>
-        <a:bodyPr/>
-        <a:lstStyle/>
-        <a:p>
-          <a:endParaRPr kumimoji="1" lang="ja-JP" altLang="en-US"/>
-        </a:p>
-      </dgm:t>
-    </dgm:pt>
-    <dgm:pt modelId="{89F27D26-796C-4271-9ABC-7ABA6EDE7A01}" type="sibTrans" cxnId="{B32734B3-4D0E-4D53-BEEF-292F6B4F8252}">
-      <dgm:prSet/>
-      <dgm:spPr/>
-      <dgm:t>
-        <a:bodyPr/>
-        <a:lstStyle/>
-        <a:p>
-          <a:endParaRPr kumimoji="1" lang="ja-JP" altLang="en-US"/>
-        </a:p>
-      </dgm:t>
-    </dgm:pt>
     <dgm:pt modelId="{8884A2E3-B685-4082-96A8-E6AD93AE05C2}">
       <dgm:prSet phldrT="[テキスト]"/>
       <dgm:spPr/>
@@ -1780,39 +1714,6 @@
       </dgm:t>
     </dgm:pt>
     <dgm:pt modelId="{9DBF805E-4671-45F9-9BC0-817CC5C51B01}" type="sibTrans" cxnId="{4763DF6D-ECFC-48B2-ADBF-4532E567D60F}">
-      <dgm:prSet/>
-      <dgm:spPr/>
-      <dgm:t>
-        <a:bodyPr/>
-        <a:lstStyle/>
-        <a:p>
-          <a:endParaRPr kumimoji="1" lang="ja-JP" altLang="en-US"/>
-        </a:p>
-      </dgm:t>
-    </dgm:pt>
-    <dgm:pt modelId="{7AA3492D-532C-467B-ABB4-C5F016CBF481}">
-      <dgm:prSet phldrT="[テキスト]" phldr="1"/>
-      <dgm:spPr/>
-      <dgm:t>
-        <a:bodyPr/>
-        <a:lstStyle/>
-        <a:p>
-          <a:endParaRPr kumimoji="1" lang="ja-JP" altLang="en-US"/>
-        </a:p>
-      </dgm:t>
-    </dgm:pt>
-    <dgm:pt modelId="{24E09824-DD72-4F9B-8490-D9415E9FE928}" type="parTrans" cxnId="{B4E3924D-52E1-4786-BE93-7259F10DB819}">
-      <dgm:prSet/>
-      <dgm:spPr/>
-      <dgm:t>
-        <a:bodyPr/>
-        <a:lstStyle/>
-        <a:p>
-          <a:endParaRPr kumimoji="1" lang="ja-JP" altLang="en-US"/>
-        </a:p>
-      </dgm:t>
-    </dgm:pt>
-    <dgm:pt modelId="{6649347A-3FD1-497D-893A-2FE36E6ECC72}" type="sibTrans" cxnId="{B4E3924D-52E1-4786-BE93-7259F10DB819}">
       <dgm:prSet/>
       <dgm:spPr/>
       <dgm:t>
@@ -1928,12 +1829,12 @@
         </a:p>
       </dgm:t>
     </dgm:pt>
-    <dgm:pt modelId="{3D57D05B-6551-41E2-B2DD-9117A719901A}" type="pres">
-      <dgm:prSet presAssocID="{110BD9FD-AB01-4D91-9863-43AB5992E5F7}" presName="parenttextcomposite" presStyleCnt="0"/>
+    <dgm:pt modelId="{DAA2B9C9-8C53-498D-9B5E-014A7F74F07E}" type="pres">
+      <dgm:prSet presAssocID="{F66B0327-5801-4A2E-9639-A1724D36520F}" presName="parenttextcomposite" presStyleCnt="0"/>
       <dgm:spPr/>
     </dgm:pt>
-    <dgm:pt modelId="{C3151AFE-8CB6-4A98-BA02-1C0187A4ADD5}" type="pres">
-      <dgm:prSet presAssocID="{110BD9FD-AB01-4D91-9863-43AB5992E5F7}" presName="parenttext" presStyleLbl="revTx" presStyleIdx="0" presStyleCnt="3">
+    <dgm:pt modelId="{27EF129F-B7C0-419D-9A28-5C0CEC916E38}" type="pres">
+      <dgm:prSet presAssocID="{F66B0327-5801-4A2E-9639-A1724D36520F}" presName="parenttext" presStyleLbl="revTx" presStyleIdx="0" presStyleCnt="3">
         <dgm:presLayoutVars>
           <dgm:chMax/>
           <dgm:chPref val="2"/>
@@ -1945,69 +1846,52 @@
         <a:bodyPr/>
         <a:lstStyle/>
         <a:p>
-          <a:endParaRPr kumimoji="1" lang="ja-JP" altLang="en-US"/>
+          <a:endParaRPr lang="zh-CN" altLang="en-US"/>
         </a:p>
       </dgm:t>
     </dgm:pt>
-    <dgm:pt modelId="{11CAFAB1-BD69-4292-AA7F-280CBF8669C0}" type="pres">
-      <dgm:prSet presAssocID="{110BD9FD-AB01-4D91-9863-43AB5992E5F7}" presName="composite" presStyleCnt="0"/>
+    <dgm:pt modelId="{514C5E42-2162-40F0-A7D6-C04C715680F0}" type="pres">
+      <dgm:prSet presAssocID="{F66B0327-5801-4A2E-9639-A1724D36520F}" presName="parallelogramComposite" presStyleCnt="0"/>
       <dgm:spPr/>
     </dgm:pt>
-    <dgm:pt modelId="{60CE4FD8-1531-4259-858D-B6887C92D577}" type="pres">
-      <dgm:prSet presAssocID="{110BD9FD-AB01-4D91-9863-43AB5992E5F7}" presName="chevron1" presStyleLbl="alignNode1" presStyleIdx="0" presStyleCnt="21"/>
+    <dgm:pt modelId="{DF27259A-A72B-4A99-B149-A5EE56547359}" type="pres">
+      <dgm:prSet presAssocID="{F66B0327-5801-4A2E-9639-A1724D36520F}" presName="parallelogram1" presStyleLbl="alignNode1" presStyleIdx="0" presStyleCnt="21"/>
       <dgm:spPr/>
     </dgm:pt>
-    <dgm:pt modelId="{D546A46A-F8F6-4E89-9B92-F888028C9BFC}" type="pres">
-      <dgm:prSet presAssocID="{110BD9FD-AB01-4D91-9863-43AB5992E5F7}" presName="chevron2" presStyleLbl="alignNode1" presStyleIdx="1" presStyleCnt="21"/>
+    <dgm:pt modelId="{2B3C1CB2-27C3-46DD-9415-B4E2F47AB7BD}" type="pres">
+      <dgm:prSet presAssocID="{F66B0327-5801-4A2E-9639-A1724D36520F}" presName="parallelogram2" presStyleLbl="alignNode1" presStyleIdx="1" presStyleCnt="21"/>
       <dgm:spPr/>
     </dgm:pt>
-    <dgm:pt modelId="{AEE7975C-C47A-4CF7-8B41-738DA1EFBF61}" type="pres">
-      <dgm:prSet presAssocID="{110BD9FD-AB01-4D91-9863-43AB5992E5F7}" presName="chevron3" presStyleLbl="alignNode1" presStyleIdx="2" presStyleCnt="21"/>
+    <dgm:pt modelId="{F793C757-7673-49E2-99AC-99FD8A6B9D70}" type="pres">
+      <dgm:prSet presAssocID="{F66B0327-5801-4A2E-9639-A1724D36520F}" presName="parallelogram3" presStyleLbl="alignNode1" presStyleIdx="2" presStyleCnt="21"/>
       <dgm:spPr/>
     </dgm:pt>
-    <dgm:pt modelId="{FC9F2035-9EB2-4E38-9977-580CCEF0DB28}" type="pres">
-      <dgm:prSet presAssocID="{110BD9FD-AB01-4D91-9863-43AB5992E5F7}" presName="chevron4" presStyleLbl="alignNode1" presStyleIdx="3" presStyleCnt="21"/>
+    <dgm:pt modelId="{FA9F0F15-0D0D-441B-A8A8-1B132FF4A7CF}" type="pres">
+      <dgm:prSet presAssocID="{F66B0327-5801-4A2E-9639-A1724D36520F}" presName="parallelogram4" presStyleLbl="alignNode1" presStyleIdx="3" presStyleCnt="21"/>
       <dgm:spPr/>
     </dgm:pt>
-    <dgm:pt modelId="{17F233C7-ED7F-43C0-97DF-0C706B8A54DC}" type="pres">
-      <dgm:prSet presAssocID="{110BD9FD-AB01-4D91-9863-43AB5992E5F7}" presName="chevron5" presStyleLbl="alignNode1" presStyleIdx="4" presStyleCnt="21"/>
+    <dgm:pt modelId="{02CCD115-1F22-4C2C-B306-B88555FE9CDA}" type="pres">
+      <dgm:prSet presAssocID="{F66B0327-5801-4A2E-9639-A1724D36520F}" presName="parallelogram5" presStyleLbl="alignNode1" presStyleIdx="4" presStyleCnt="21"/>
       <dgm:spPr/>
     </dgm:pt>
-    <dgm:pt modelId="{F7D2D4A8-6BE5-4D7F-AA7E-FBD3610089A9}" type="pres">
-      <dgm:prSet presAssocID="{110BD9FD-AB01-4D91-9863-43AB5992E5F7}" presName="chevron6" presStyleLbl="alignNode1" presStyleIdx="5" presStyleCnt="21"/>
+    <dgm:pt modelId="{D4ABCE44-082F-4AB2-883E-86BA994E341D}" type="pres">
+      <dgm:prSet presAssocID="{F66B0327-5801-4A2E-9639-A1724D36520F}" presName="parallelogram6" presStyleLbl="alignNode1" presStyleIdx="5" presStyleCnt="21"/>
       <dgm:spPr/>
     </dgm:pt>
-    <dgm:pt modelId="{111AF94E-5134-4666-A1C9-AAF981923AED}" type="pres">
-      <dgm:prSet presAssocID="{110BD9FD-AB01-4D91-9863-43AB5992E5F7}" presName="chevron7" presStyleLbl="alignNode1" presStyleIdx="6" presStyleCnt="21"/>
+    <dgm:pt modelId="{90B30298-1074-4627-AFBB-43208B9E1D3A}" type="pres">
+      <dgm:prSet presAssocID="{F66B0327-5801-4A2E-9639-A1724D36520F}" presName="parallelogram7" presStyleLbl="alignNode1" presStyleIdx="6" presStyleCnt="21"/>
       <dgm:spPr/>
     </dgm:pt>
-    <dgm:pt modelId="{E8E78996-5BED-4845-B0FB-EB378FE08230}" type="pres">
-      <dgm:prSet presAssocID="{110BD9FD-AB01-4D91-9863-43AB5992E5F7}" presName="childtext" presStyleLbl="solidFgAcc1" presStyleIdx="0" presStyleCnt="3" custLinFactNeighborY="548">
-        <dgm:presLayoutVars>
-          <dgm:chMax/>
-          <dgm:chPref val="0"/>
-          <dgm:bulletEnabled val="1"/>
-        </dgm:presLayoutVars>
-      </dgm:prSet>
-      <dgm:spPr/>
-      <dgm:t>
-        <a:bodyPr/>
-        <a:lstStyle/>
-        <a:p>
-          <a:endParaRPr kumimoji="1" lang="ja-JP" altLang="en-US"/>
-        </a:p>
-      </dgm:t>
-    </dgm:pt>
-    <dgm:pt modelId="{DA56041E-CE29-4664-82F0-882D1C9818C9}" type="pres">
-      <dgm:prSet presAssocID="{28FF1B66-46B5-4C4F-A011-C7B8ACA2D7BD}" presName="sibTrans" presStyleCnt="0"/>
+    <dgm:pt modelId="{CC8452E9-02E2-490C-B9AB-E390B9704FF9}" type="pres">
+      <dgm:prSet presAssocID="{581CEB43-759C-4CF2-8DEF-93029824D2ED}" presName="sibTrans" presStyleCnt="0"/>
       <dgm:spPr/>
     </dgm:pt>
-    <dgm:pt modelId="{9EBABD13-7D48-46DC-851E-709A119EA549}" type="pres">
-      <dgm:prSet presAssocID="{4D0E24A4-EFD1-4183-B419-CE7B1E727F37}" presName="parenttextcomposite" presStyleCnt="0"/>
+    <dgm:pt modelId="{3D4E5AC9-DD8F-4DEB-B58B-931C3BF7EACD}" type="pres">
+      <dgm:prSet presAssocID="{8884A2E3-B685-4082-96A8-E6AD93AE05C2}" presName="parenttextcomposite" presStyleCnt="0"/>
       <dgm:spPr/>
     </dgm:pt>
-    <dgm:pt modelId="{BC626D1F-8D80-4BD6-B2FF-B4B8E9BC9832}" type="pres">
-      <dgm:prSet presAssocID="{4D0E24A4-EFD1-4183-B419-CE7B1E727F37}" presName="parenttext" presStyleLbl="revTx" presStyleIdx="1" presStyleCnt="3">
+    <dgm:pt modelId="{218D9218-1843-4FB1-99E9-F314089D4C54}" type="pres">
+      <dgm:prSet presAssocID="{8884A2E3-B685-4082-96A8-E6AD93AE05C2}" presName="parenttext" presStyleLbl="revTx" presStyleIdx="1" presStyleCnt="3">
         <dgm:presLayoutVars>
           <dgm:chMax/>
           <dgm:chPref val="2"/>
@@ -2019,69 +1903,52 @@
         <a:bodyPr/>
         <a:lstStyle/>
         <a:p>
-          <a:endParaRPr kumimoji="1" lang="ja-JP" altLang="en-US"/>
+          <a:endParaRPr lang="zh-CN" altLang="en-US"/>
         </a:p>
       </dgm:t>
     </dgm:pt>
-    <dgm:pt modelId="{423838D3-6719-4BDF-98C9-CD33C48688F9}" type="pres">
-      <dgm:prSet presAssocID="{4D0E24A4-EFD1-4183-B419-CE7B1E727F37}" presName="composite" presStyleCnt="0"/>
+    <dgm:pt modelId="{03933427-950A-4A3A-99F1-91BA19601EB3}" type="pres">
+      <dgm:prSet presAssocID="{8884A2E3-B685-4082-96A8-E6AD93AE05C2}" presName="parallelogramComposite" presStyleCnt="0"/>
       <dgm:spPr/>
     </dgm:pt>
-    <dgm:pt modelId="{7F5E982B-7A02-40AD-8228-AAB0212A3B50}" type="pres">
-      <dgm:prSet presAssocID="{4D0E24A4-EFD1-4183-B419-CE7B1E727F37}" presName="chevron1" presStyleLbl="alignNode1" presStyleIdx="7" presStyleCnt="21"/>
+    <dgm:pt modelId="{268AAE4B-8640-42EC-BB72-3871D7651608}" type="pres">
+      <dgm:prSet presAssocID="{8884A2E3-B685-4082-96A8-E6AD93AE05C2}" presName="parallelogram1" presStyleLbl="alignNode1" presStyleIdx="7" presStyleCnt="21"/>
       <dgm:spPr/>
     </dgm:pt>
-    <dgm:pt modelId="{1692B9DD-FCE5-4F42-B53C-7FD39B539BDE}" type="pres">
-      <dgm:prSet presAssocID="{4D0E24A4-EFD1-4183-B419-CE7B1E727F37}" presName="chevron2" presStyleLbl="alignNode1" presStyleIdx="8" presStyleCnt="21"/>
+    <dgm:pt modelId="{1FDD3552-F440-4303-AD4D-828158FFAF51}" type="pres">
+      <dgm:prSet presAssocID="{8884A2E3-B685-4082-96A8-E6AD93AE05C2}" presName="parallelogram2" presStyleLbl="alignNode1" presStyleIdx="8" presStyleCnt="21"/>
       <dgm:spPr/>
     </dgm:pt>
-    <dgm:pt modelId="{83D2CF9D-F821-47EA-9FE5-70393DB6B10E}" type="pres">
-      <dgm:prSet presAssocID="{4D0E24A4-EFD1-4183-B419-CE7B1E727F37}" presName="chevron3" presStyleLbl="alignNode1" presStyleIdx="9" presStyleCnt="21"/>
+    <dgm:pt modelId="{E53D8DB2-FA2F-4271-92B9-FA212D280EC8}" type="pres">
+      <dgm:prSet presAssocID="{8884A2E3-B685-4082-96A8-E6AD93AE05C2}" presName="parallelogram3" presStyleLbl="alignNode1" presStyleIdx="9" presStyleCnt="21"/>
       <dgm:spPr/>
     </dgm:pt>
-    <dgm:pt modelId="{08870AF8-EFD9-4350-B5F4-157140E9C4D5}" type="pres">
-      <dgm:prSet presAssocID="{4D0E24A4-EFD1-4183-B419-CE7B1E727F37}" presName="chevron4" presStyleLbl="alignNode1" presStyleIdx="10" presStyleCnt="21"/>
+    <dgm:pt modelId="{3739E6C6-F933-4FCB-876A-F8CA2252FDC8}" type="pres">
+      <dgm:prSet presAssocID="{8884A2E3-B685-4082-96A8-E6AD93AE05C2}" presName="parallelogram4" presStyleLbl="alignNode1" presStyleIdx="10" presStyleCnt="21"/>
       <dgm:spPr/>
     </dgm:pt>
-    <dgm:pt modelId="{DF60ABE8-E723-4DD3-8471-32E5F23559ED}" type="pres">
-      <dgm:prSet presAssocID="{4D0E24A4-EFD1-4183-B419-CE7B1E727F37}" presName="chevron5" presStyleLbl="alignNode1" presStyleIdx="11" presStyleCnt="21"/>
+    <dgm:pt modelId="{E5851F70-5323-4EC5-94D1-DB2D964920C2}" type="pres">
+      <dgm:prSet presAssocID="{8884A2E3-B685-4082-96A8-E6AD93AE05C2}" presName="parallelogram5" presStyleLbl="alignNode1" presStyleIdx="11" presStyleCnt="21"/>
       <dgm:spPr/>
     </dgm:pt>
-    <dgm:pt modelId="{8A39BD5B-05CE-41FF-AD11-7558A0DA2FB4}" type="pres">
-      <dgm:prSet presAssocID="{4D0E24A4-EFD1-4183-B419-CE7B1E727F37}" presName="chevron6" presStyleLbl="alignNode1" presStyleIdx="12" presStyleCnt="21"/>
+    <dgm:pt modelId="{3996AF67-E33E-4AB3-B0D6-B4A339A6145F}" type="pres">
+      <dgm:prSet presAssocID="{8884A2E3-B685-4082-96A8-E6AD93AE05C2}" presName="parallelogram6" presStyleLbl="alignNode1" presStyleIdx="12" presStyleCnt="21"/>
       <dgm:spPr/>
     </dgm:pt>
-    <dgm:pt modelId="{2A836744-A3DB-4176-91EA-01E6DBAB69ED}" type="pres">
-      <dgm:prSet presAssocID="{4D0E24A4-EFD1-4183-B419-CE7B1E727F37}" presName="chevron7" presStyleLbl="alignNode1" presStyleIdx="13" presStyleCnt="21"/>
+    <dgm:pt modelId="{57954990-2F1F-4575-8E58-5E85969D6504}" type="pres">
+      <dgm:prSet presAssocID="{8884A2E3-B685-4082-96A8-E6AD93AE05C2}" presName="parallelogram7" presStyleLbl="alignNode1" presStyleIdx="13" presStyleCnt="21"/>
       <dgm:spPr/>
     </dgm:pt>
-    <dgm:pt modelId="{8442B89D-006C-4CBC-A1C9-8B9E68E90AB4}" type="pres">
-      <dgm:prSet presAssocID="{4D0E24A4-EFD1-4183-B419-CE7B1E727F37}" presName="childtext" presStyleLbl="solidFgAcc1" presStyleIdx="1" presStyleCnt="3">
-        <dgm:presLayoutVars>
-          <dgm:chMax/>
-          <dgm:chPref val="0"/>
-          <dgm:bulletEnabled val="1"/>
-        </dgm:presLayoutVars>
-      </dgm:prSet>
-      <dgm:spPr/>
-      <dgm:t>
-        <a:bodyPr/>
-        <a:lstStyle/>
-        <a:p>
-          <a:endParaRPr kumimoji="1" lang="ja-JP" altLang="en-US"/>
-        </a:p>
-      </dgm:t>
-    </dgm:pt>
-    <dgm:pt modelId="{1E653586-4C5D-4DC5-B464-1CB9DEDFE346}" type="pres">
-      <dgm:prSet presAssocID="{89F27D26-796C-4271-9ABC-7ABA6EDE7A01}" presName="sibTrans" presStyleCnt="0"/>
+    <dgm:pt modelId="{D37E2554-A3BC-4C07-989D-DE3B57822F4D}" type="pres">
+      <dgm:prSet presAssocID="{9DBF805E-4671-45F9-9BC0-817CC5C51B01}" presName="sibTrans" presStyleCnt="0"/>
       <dgm:spPr/>
     </dgm:pt>
-    <dgm:pt modelId="{A3C8206C-E3FA-453C-A83B-160AC999FE8A}" type="pres">
-      <dgm:prSet presAssocID="{7AA3492D-532C-467B-ABB4-C5F016CBF481}" presName="parenttextcomposite" presStyleCnt="0"/>
+    <dgm:pt modelId="{7572D9A3-5581-4F5D-8C92-CCDEDF77DB38}" type="pres">
+      <dgm:prSet presAssocID="{32CC3289-1994-4B6E-B293-3D5D7BF5CF54}" presName="parenttextcomposite" presStyleCnt="0"/>
       <dgm:spPr/>
     </dgm:pt>
-    <dgm:pt modelId="{F9F47AA2-9FA2-4858-9E55-C57DED33D52A}" type="pres">
-      <dgm:prSet presAssocID="{7AA3492D-532C-467B-ABB4-C5F016CBF481}" presName="parenttext" presStyleLbl="revTx" presStyleIdx="2" presStyleCnt="3">
+    <dgm:pt modelId="{15E94069-C28D-45F7-9841-263587431E07}" type="pres">
+      <dgm:prSet presAssocID="{32CC3289-1994-4B6E-B293-3D5D7BF5CF54}" presName="parenttext" presStyleLbl="revTx" presStyleIdx="2" presStyleCnt="3">
         <dgm:presLayoutVars>
           <dgm:chMax/>
           <dgm:chPref val="2"/>
@@ -2093,115 +1960,89 @@
         <a:bodyPr/>
         <a:lstStyle/>
         <a:p>
-          <a:endParaRPr kumimoji="1" lang="ja-JP" altLang="en-US"/>
+          <a:endParaRPr lang="zh-CN" altLang="en-US"/>
         </a:p>
       </dgm:t>
     </dgm:pt>
-    <dgm:pt modelId="{DC0F647D-D29C-4FDF-B889-80A0C293EEE7}" type="pres">
-      <dgm:prSet presAssocID="{7AA3492D-532C-467B-ABB4-C5F016CBF481}" presName="composite" presStyleCnt="0"/>
+    <dgm:pt modelId="{132B4A4E-40A3-4135-92AC-9B6F5A78DF52}" type="pres">
+      <dgm:prSet presAssocID="{32CC3289-1994-4B6E-B293-3D5D7BF5CF54}" presName="parallelogramComposite" presStyleCnt="0"/>
       <dgm:spPr/>
     </dgm:pt>
-    <dgm:pt modelId="{81C4A2EE-7DF9-42C7-B63C-1897D31EAA97}" type="pres">
-      <dgm:prSet presAssocID="{7AA3492D-532C-467B-ABB4-C5F016CBF481}" presName="chevron1" presStyleLbl="alignNode1" presStyleIdx="14" presStyleCnt="21"/>
+    <dgm:pt modelId="{8C912153-2E20-4224-9DC1-96893D4B85D2}" type="pres">
+      <dgm:prSet presAssocID="{32CC3289-1994-4B6E-B293-3D5D7BF5CF54}" presName="parallelogram1" presStyleLbl="alignNode1" presStyleIdx="14" presStyleCnt="21"/>
       <dgm:spPr/>
     </dgm:pt>
-    <dgm:pt modelId="{1024625D-AE91-4BF2-B55F-5A35A47E1D78}" type="pres">
-      <dgm:prSet presAssocID="{7AA3492D-532C-467B-ABB4-C5F016CBF481}" presName="chevron2" presStyleLbl="alignNode1" presStyleIdx="15" presStyleCnt="21"/>
+    <dgm:pt modelId="{14E6D69B-A709-4646-95C0-F83DCEC2F34B}" type="pres">
+      <dgm:prSet presAssocID="{32CC3289-1994-4B6E-B293-3D5D7BF5CF54}" presName="parallelogram2" presStyleLbl="alignNode1" presStyleIdx="15" presStyleCnt="21"/>
       <dgm:spPr/>
     </dgm:pt>
-    <dgm:pt modelId="{22D72528-CC89-4DF5-9432-E53CD872CA1A}" type="pres">
-      <dgm:prSet presAssocID="{7AA3492D-532C-467B-ABB4-C5F016CBF481}" presName="chevron3" presStyleLbl="alignNode1" presStyleIdx="16" presStyleCnt="21"/>
+    <dgm:pt modelId="{DB610233-6DD6-477F-8069-BD6A03B76DAB}" type="pres">
+      <dgm:prSet presAssocID="{32CC3289-1994-4B6E-B293-3D5D7BF5CF54}" presName="parallelogram3" presStyleLbl="alignNode1" presStyleIdx="16" presStyleCnt="21"/>
       <dgm:spPr/>
     </dgm:pt>
-    <dgm:pt modelId="{4F47AECD-0158-41AD-B04B-16AF72E5EBA1}" type="pres">
-      <dgm:prSet presAssocID="{7AA3492D-532C-467B-ABB4-C5F016CBF481}" presName="chevron4" presStyleLbl="alignNode1" presStyleIdx="17" presStyleCnt="21"/>
+    <dgm:pt modelId="{905F1C8A-251F-487A-866B-E8901F7136CE}" type="pres">
+      <dgm:prSet presAssocID="{32CC3289-1994-4B6E-B293-3D5D7BF5CF54}" presName="parallelogram4" presStyleLbl="alignNode1" presStyleIdx="17" presStyleCnt="21"/>
       <dgm:spPr/>
     </dgm:pt>
-    <dgm:pt modelId="{99705927-E78E-4610-8AAA-431C9F05B0D4}" type="pres">
-      <dgm:prSet presAssocID="{7AA3492D-532C-467B-ABB4-C5F016CBF481}" presName="chevron5" presStyleLbl="alignNode1" presStyleIdx="18" presStyleCnt="21"/>
+    <dgm:pt modelId="{19E96DF5-4468-466F-8594-8AE26FB72F31}" type="pres">
+      <dgm:prSet presAssocID="{32CC3289-1994-4B6E-B293-3D5D7BF5CF54}" presName="parallelogram5" presStyleLbl="alignNode1" presStyleIdx="18" presStyleCnt="21"/>
       <dgm:spPr/>
     </dgm:pt>
-    <dgm:pt modelId="{407733C2-6132-4E74-8862-186B19E08B04}" type="pres">
-      <dgm:prSet presAssocID="{7AA3492D-532C-467B-ABB4-C5F016CBF481}" presName="chevron6" presStyleLbl="alignNode1" presStyleIdx="19" presStyleCnt="21"/>
+    <dgm:pt modelId="{C5ADFE5F-B77C-42FF-AF6D-2C1EC4CDBE46}" type="pres">
+      <dgm:prSet presAssocID="{32CC3289-1994-4B6E-B293-3D5D7BF5CF54}" presName="parallelogram6" presStyleLbl="alignNode1" presStyleIdx="19" presStyleCnt="21"/>
       <dgm:spPr/>
     </dgm:pt>
-    <dgm:pt modelId="{977B1622-ED73-4D0A-AF07-80C4545C6E84}" type="pres">
-      <dgm:prSet presAssocID="{7AA3492D-532C-467B-ABB4-C5F016CBF481}" presName="chevron7" presStyleLbl="alignNode1" presStyleIdx="20" presStyleCnt="21"/>
+    <dgm:pt modelId="{A86FB1D3-4B8E-42C3-9F4F-921A9656906F}" type="pres">
+      <dgm:prSet presAssocID="{32CC3289-1994-4B6E-B293-3D5D7BF5CF54}" presName="parallelogram7" presStyleLbl="alignNode1" presStyleIdx="20" presStyleCnt="21"/>
       <dgm:spPr/>
-    </dgm:pt>
-    <dgm:pt modelId="{3F2F251E-04EC-47DC-9E9C-4AE63B040EA6}" type="pres">
-      <dgm:prSet presAssocID="{7AA3492D-532C-467B-ABB4-C5F016CBF481}" presName="childtext" presStyleLbl="solidFgAcc1" presStyleIdx="2" presStyleCnt="3">
-        <dgm:presLayoutVars>
-          <dgm:chMax/>
-          <dgm:chPref val="0"/>
-          <dgm:bulletEnabled val="1"/>
-        </dgm:presLayoutVars>
-      </dgm:prSet>
-      <dgm:spPr/>
-      <dgm:t>
-        <a:bodyPr/>
-        <a:lstStyle/>
-        <a:p>
-          <a:endParaRPr kumimoji="1" lang="ja-JP" altLang="en-US"/>
-        </a:p>
-      </dgm:t>
     </dgm:pt>
   </dgm:ptLst>
   <dgm:cxnLst>
-    <dgm:cxn modelId="{A349E01B-EB6F-47E2-926C-D6BF7D133811}" srcId="{7AA3492D-532C-467B-ABB4-C5F016CBF481}" destId="{32CC3289-1994-4B6E-B293-3D5D7BF5CF54}" srcOrd="0" destOrd="0" parTransId="{93A491EA-EAD3-4F3A-82B2-5BFE0930A834}" sibTransId="{D3CE9BCF-FE8C-4E9F-A609-129F32421C40}"/>
-    <dgm:cxn modelId="{3843095B-1BE4-4B0A-B4F9-2F95A9F10517}" srcId="{1EE26A47-8757-4F8F-93D3-3238C6457348}" destId="{110BD9FD-AB01-4D91-9863-43AB5992E5F7}" srcOrd="0" destOrd="0" parTransId="{0CD00F5D-D674-4859-B89E-1223C1B08666}" sibTransId="{28FF1B66-46B5-4C4F-A011-C7B8ACA2D7BD}"/>
+    <dgm:cxn modelId="{E5BEB48B-9E03-4CFE-8AAE-2F7AEB1883BF}" srcId="{1EE26A47-8757-4F8F-93D3-3238C6457348}" destId="{F66B0327-5801-4A2E-9639-A1724D36520F}" srcOrd="0" destOrd="0" parTransId="{0613E683-D477-41F9-AD24-54F2B1CC7E8D}" sibTransId="{581CEB43-759C-4CF2-8DEF-93029824D2ED}"/>
     <dgm:cxn modelId="{130C9274-0016-458B-BF0C-0974806C45E8}" type="presOf" srcId="{1EE26A47-8757-4F8F-93D3-3238C6457348}" destId="{86861747-D4F2-4850-928D-F14A95FFB4E4}" srcOrd="0" destOrd="0" presId="urn:microsoft.com/office/officeart/2008/layout/VerticalAccentList"/>
-    <dgm:cxn modelId="{B32734B3-4D0E-4D53-BEEF-292F6B4F8252}" srcId="{1EE26A47-8757-4F8F-93D3-3238C6457348}" destId="{4D0E24A4-EFD1-4183-B419-CE7B1E727F37}" srcOrd="1" destOrd="0" parTransId="{780D6EB5-E146-4B53-B1CC-D06366E8E202}" sibTransId="{89F27D26-796C-4271-9ABC-7ABA6EDE7A01}"/>
-    <dgm:cxn modelId="{E5BEB48B-9E03-4CFE-8AAE-2F7AEB1883BF}" srcId="{110BD9FD-AB01-4D91-9863-43AB5992E5F7}" destId="{F66B0327-5801-4A2E-9639-A1724D36520F}" srcOrd="0" destOrd="0" parTransId="{0613E683-D477-41F9-AD24-54F2B1CC7E8D}" sibTransId="{581CEB43-759C-4CF2-8DEF-93029824D2ED}"/>
-    <dgm:cxn modelId="{C3E2A4E7-D51C-4841-80A0-496AA337D2CF}" type="presOf" srcId="{110BD9FD-AB01-4D91-9863-43AB5992E5F7}" destId="{C3151AFE-8CB6-4A98-BA02-1C0187A4ADD5}" srcOrd="0" destOrd="0" presId="urn:microsoft.com/office/officeart/2008/layout/VerticalAccentList"/>
-    <dgm:cxn modelId="{CF836934-47A2-456B-A78F-71CE20D8FD24}" type="presOf" srcId="{8884A2E3-B685-4082-96A8-E6AD93AE05C2}" destId="{8442B89D-006C-4CBC-A1C9-8B9E68E90AB4}" srcOrd="0" destOrd="0" presId="urn:microsoft.com/office/officeart/2008/layout/VerticalAccentList"/>
-    <dgm:cxn modelId="{7FE7A6A0-2047-485B-8026-E24EC295E575}" type="presOf" srcId="{7AA3492D-532C-467B-ABB4-C5F016CBF481}" destId="{F9F47AA2-9FA2-4858-9E55-C57DED33D52A}" srcOrd="0" destOrd="0" presId="urn:microsoft.com/office/officeart/2008/layout/VerticalAccentList"/>
-    <dgm:cxn modelId="{72B138AB-DDC1-4706-B8A9-5AAAD04FB038}" type="presOf" srcId="{4D0E24A4-EFD1-4183-B419-CE7B1E727F37}" destId="{BC626D1F-8D80-4BD6-B2FF-B4B8E9BC9832}" srcOrd="0" destOrd="0" presId="urn:microsoft.com/office/officeart/2008/layout/VerticalAccentList"/>
-    <dgm:cxn modelId="{B4E3924D-52E1-4786-BE93-7259F10DB819}" srcId="{1EE26A47-8757-4F8F-93D3-3238C6457348}" destId="{7AA3492D-532C-467B-ABB4-C5F016CBF481}" srcOrd="2" destOrd="0" parTransId="{24E09824-DD72-4F9B-8490-D9415E9FE928}" sibTransId="{6649347A-3FD1-497D-893A-2FE36E6ECC72}"/>
-    <dgm:cxn modelId="{BDEBFB08-E5F1-4493-90F5-D8594FA79AF0}" type="presOf" srcId="{F66B0327-5801-4A2E-9639-A1724D36520F}" destId="{E8E78996-5BED-4845-B0FB-EB378FE08230}" srcOrd="0" destOrd="0" presId="urn:microsoft.com/office/officeart/2008/layout/VerticalAccentList"/>
-    <dgm:cxn modelId="{4763DF6D-ECFC-48B2-ADBF-4532E567D60F}" srcId="{4D0E24A4-EFD1-4183-B419-CE7B1E727F37}" destId="{8884A2E3-B685-4082-96A8-E6AD93AE05C2}" srcOrd="0" destOrd="0" parTransId="{9B64C4B6-3B9A-42FE-BD8C-15D60FE33027}" sibTransId="{9DBF805E-4671-45F9-9BC0-817CC5C51B01}"/>
-    <dgm:cxn modelId="{364B3976-298A-49A3-838C-4E3893F3E922}" type="presOf" srcId="{32CC3289-1994-4B6E-B293-3D5D7BF5CF54}" destId="{3F2F251E-04EC-47DC-9E9C-4AE63B040EA6}" srcOrd="0" destOrd="0" presId="urn:microsoft.com/office/officeart/2008/layout/VerticalAccentList"/>
-    <dgm:cxn modelId="{46D336C2-2866-4AFC-854B-BDB5E5772F38}" type="presParOf" srcId="{86861747-D4F2-4850-928D-F14A95FFB4E4}" destId="{3D57D05B-6551-41E2-B2DD-9117A719901A}" srcOrd="0" destOrd="0" presId="urn:microsoft.com/office/officeart/2008/layout/VerticalAccentList"/>
-    <dgm:cxn modelId="{B2328B01-3629-41D3-8432-604F6EEBC8AB}" type="presParOf" srcId="{3D57D05B-6551-41E2-B2DD-9117A719901A}" destId="{C3151AFE-8CB6-4A98-BA02-1C0187A4ADD5}" srcOrd="0" destOrd="0" presId="urn:microsoft.com/office/officeart/2008/layout/VerticalAccentList"/>
-    <dgm:cxn modelId="{8F702BD2-66CD-47DF-B635-63FB4F88497E}" type="presParOf" srcId="{86861747-D4F2-4850-928D-F14A95FFB4E4}" destId="{11CAFAB1-BD69-4292-AA7F-280CBF8669C0}" srcOrd="1" destOrd="0" presId="urn:microsoft.com/office/officeart/2008/layout/VerticalAccentList"/>
-    <dgm:cxn modelId="{167000F2-6783-489F-B83B-BBDD8D03092A}" type="presParOf" srcId="{11CAFAB1-BD69-4292-AA7F-280CBF8669C0}" destId="{60CE4FD8-1531-4259-858D-B6887C92D577}" srcOrd="0" destOrd="0" presId="urn:microsoft.com/office/officeart/2008/layout/VerticalAccentList"/>
-    <dgm:cxn modelId="{627503D9-DA75-4058-BE03-00CE3567720B}" type="presParOf" srcId="{11CAFAB1-BD69-4292-AA7F-280CBF8669C0}" destId="{D546A46A-F8F6-4E89-9B92-F888028C9BFC}" srcOrd="1" destOrd="0" presId="urn:microsoft.com/office/officeart/2008/layout/VerticalAccentList"/>
-    <dgm:cxn modelId="{86DA04EC-7A8A-40BE-A9E1-9270A3E62532}" type="presParOf" srcId="{11CAFAB1-BD69-4292-AA7F-280CBF8669C0}" destId="{AEE7975C-C47A-4CF7-8B41-738DA1EFBF61}" srcOrd="2" destOrd="0" presId="urn:microsoft.com/office/officeart/2008/layout/VerticalAccentList"/>
-    <dgm:cxn modelId="{F325E884-7CED-4CB2-AF06-8D8416CE6D20}" type="presParOf" srcId="{11CAFAB1-BD69-4292-AA7F-280CBF8669C0}" destId="{FC9F2035-9EB2-4E38-9977-580CCEF0DB28}" srcOrd="3" destOrd="0" presId="urn:microsoft.com/office/officeart/2008/layout/VerticalAccentList"/>
-    <dgm:cxn modelId="{9D550FE9-3A10-4F69-81ED-2FD74BB9DB55}" type="presParOf" srcId="{11CAFAB1-BD69-4292-AA7F-280CBF8669C0}" destId="{17F233C7-ED7F-43C0-97DF-0C706B8A54DC}" srcOrd="4" destOrd="0" presId="urn:microsoft.com/office/officeart/2008/layout/VerticalAccentList"/>
-    <dgm:cxn modelId="{1614D326-8558-4C0C-A878-ED1FC928853F}" type="presParOf" srcId="{11CAFAB1-BD69-4292-AA7F-280CBF8669C0}" destId="{F7D2D4A8-6BE5-4D7F-AA7E-FBD3610089A9}" srcOrd="5" destOrd="0" presId="urn:microsoft.com/office/officeart/2008/layout/VerticalAccentList"/>
-    <dgm:cxn modelId="{BE71A9B7-2DC1-4BA6-BBC3-5DDCD25D169E}" type="presParOf" srcId="{11CAFAB1-BD69-4292-AA7F-280CBF8669C0}" destId="{111AF94E-5134-4666-A1C9-AAF981923AED}" srcOrd="6" destOrd="0" presId="urn:microsoft.com/office/officeart/2008/layout/VerticalAccentList"/>
-    <dgm:cxn modelId="{3E461011-4547-4115-9CD1-674C77EC6443}" type="presParOf" srcId="{11CAFAB1-BD69-4292-AA7F-280CBF8669C0}" destId="{E8E78996-5BED-4845-B0FB-EB378FE08230}" srcOrd="7" destOrd="0" presId="urn:microsoft.com/office/officeart/2008/layout/VerticalAccentList"/>
-    <dgm:cxn modelId="{26F93804-0F99-4CDA-890C-658D7EBD5E4A}" type="presParOf" srcId="{86861747-D4F2-4850-928D-F14A95FFB4E4}" destId="{DA56041E-CE29-4664-82F0-882D1C9818C9}" srcOrd="2" destOrd="0" presId="urn:microsoft.com/office/officeart/2008/layout/VerticalAccentList"/>
-    <dgm:cxn modelId="{EC16721A-977A-4C4B-BD66-9E84960252E1}" type="presParOf" srcId="{86861747-D4F2-4850-928D-F14A95FFB4E4}" destId="{9EBABD13-7D48-46DC-851E-709A119EA549}" srcOrd="3" destOrd="0" presId="urn:microsoft.com/office/officeart/2008/layout/VerticalAccentList"/>
-    <dgm:cxn modelId="{07472010-1863-4924-9896-CFAB6BEECCC7}" type="presParOf" srcId="{9EBABD13-7D48-46DC-851E-709A119EA549}" destId="{BC626D1F-8D80-4BD6-B2FF-B4B8E9BC9832}" srcOrd="0" destOrd="0" presId="urn:microsoft.com/office/officeart/2008/layout/VerticalAccentList"/>
-    <dgm:cxn modelId="{5DE2B7F5-3D14-4E46-8FCB-348672AF46C2}" type="presParOf" srcId="{86861747-D4F2-4850-928D-F14A95FFB4E4}" destId="{423838D3-6719-4BDF-98C9-CD33C48688F9}" srcOrd="4" destOrd="0" presId="urn:microsoft.com/office/officeart/2008/layout/VerticalAccentList"/>
-    <dgm:cxn modelId="{282B8D2F-CFFA-4BCB-AFD9-A95520DA48B6}" type="presParOf" srcId="{423838D3-6719-4BDF-98C9-CD33C48688F9}" destId="{7F5E982B-7A02-40AD-8228-AAB0212A3B50}" srcOrd="0" destOrd="0" presId="urn:microsoft.com/office/officeart/2008/layout/VerticalAccentList"/>
-    <dgm:cxn modelId="{7A95A060-12AC-4D50-85A6-043CC91B4320}" type="presParOf" srcId="{423838D3-6719-4BDF-98C9-CD33C48688F9}" destId="{1692B9DD-FCE5-4F42-B53C-7FD39B539BDE}" srcOrd="1" destOrd="0" presId="urn:microsoft.com/office/officeart/2008/layout/VerticalAccentList"/>
-    <dgm:cxn modelId="{E61A0E6C-C11C-4C72-9E4D-F30E7FE2FBC6}" type="presParOf" srcId="{423838D3-6719-4BDF-98C9-CD33C48688F9}" destId="{83D2CF9D-F821-47EA-9FE5-70393DB6B10E}" srcOrd="2" destOrd="0" presId="urn:microsoft.com/office/officeart/2008/layout/VerticalAccentList"/>
-    <dgm:cxn modelId="{45139EF5-0F1C-44B0-8F54-F632248E2B9A}" type="presParOf" srcId="{423838D3-6719-4BDF-98C9-CD33C48688F9}" destId="{08870AF8-EFD9-4350-B5F4-157140E9C4D5}" srcOrd="3" destOrd="0" presId="urn:microsoft.com/office/officeart/2008/layout/VerticalAccentList"/>
-    <dgm:cxn modelId="{D802C9EC-27DC-406A-9375-58DCBE325C1B}" type="presParOf" srcId="{423838D3-6719-4BDF-98C9-CD33C48688F9}" destId="{DF60ABE8-E723-4DD3-8471-32E5F23559ED}" srcOrd="4" destOrd="0" presId="urn:microsoft.com/office/officeart/2008/layout/VerticalAccentList"/>
-    <dgm:cxn modelId="{9C67915C-F0DD-434A-8C99-7B7D3F62609F}" type="presParOf" srcId="{423838D3-6719-4BDF-98C9-CD33C48688F9}" destId="{8A39BD5B-05CE-41FF-AD11-7558A0DA2FB4}" srcOrd="5" destOrd="0" presId="urn:microsoft.com/office/officeart/2008/layout/VerticalAccentList"/>
-    <dgm:cxn modelId="{CAE0662B-C839-47F4-BB88-AA9BF55F1E5D}" type="presParOf" srcId="{423838D3-6719-4BDF-98C9-CD33C48688F9}" destId="{2A836744-A3DB-4176-91EA-01E6DBAB69ED}" srcOrd="6" destOrd="0" presId="urn:microsoft.com/office/officeart/2008/layout/VerticalAccentList"/>
-    <dgm:cxn modelId="{96F46858-B9BC-4D7B-AAFB-6EC7AF780F08}" type="presParOf" srcId="{423838D3-6719-4BDF-98C9-CD33C48688F9}" destId="{8442B89D-006C-4CBC-A1C9-8B9E68E90AB4}" srcOrd="7" destOrd="0" presId="urn:microsoft.com/office/officeart/2008/layout/VerticalAccentList"/>
-    <dgm:cxn modelId="{05BC2497-DF86-470A-B30E-0A555A486AC6}" type="presParOf" srcId="{86861747-D4F2-4850-928D-F14A95FFB4E4}" destId="{1E653586-4C5D-4DC5-B464-1CB9DEDFE346}" srcOrd="5" destOrd="0" presId="urn:microsoft.com/office/officeart/2008/layout/VerticalAccentList"/>
-    <dgm:cxn modelId="{03FC6F4B-0386-4DC5-B16F-3EF6B0459058}" type="presParOf" srcId="{86861747-D4F2-4850-928D-F14A95FFB4E4}" destId="{A3C8206C-E3FA-453C-A83B-160AC999FE8A}" srcOrd="6" destOrd="0" presId="urn:microsoft.com/office/officeart/2008/layout/VerticalAccentList"/>
-    <dgm:cxn modelId="{23566913-D11E-4337-BC04-E53007C33DAA}" type="presParOf" srcId="{A3C8206C-E3FA-453C-A83B-160AC999FE8A}" destId="{F9F47AA2-9FA2-4858-9E55-C57DED33D52A}" srcOrd="0" destOrd="0" presId="urn:microsoft.com/office/officeart/2008/layout/VerticalAccentList"/>
-    <dgm:cxn modelId="{244276E0-C12F-4DC6-B691-FB45277AF8A8}" type="presParOf" srcId="{86861747-D4F2-4850-928D-F14A95FFB4E4}" destId="{DC0F647D-D29C-4FDF-B889-80A0C293EEE7}" srcOrd="7" destOrd="0" presId="urn:microsoft.com/office/officeart/2008/layout/VerticalAccentList"/>
-    <dgm:cxn modelId="{62C7F09A-2D65-4398-9029-4FECD82D96A5}" type="presParOf" srcId="{DC0F647D-D29C-4FDF-B889-80A0C293EEE7}" destId="{81C4A2EE-7DF9-42C7-B63C-1897D31EAA97}" srcOrd="0" destOrd="0" presId="urn:microsoft.com/office/officeart/2008/layout/VerticalAccentList"/>
-    <dgm:cxn modelId="{99DB199A-8B5B-4698-AC96-FC6EAC3E444D}" type="presParOf" srcId="{DC0F647D-D29C-4FDF-B889-80A0C293EEE7}" destId="{1024625D-AE91-4BF2-B55F-5A35A47E1D78}" srcOrd="1" destOrd="0" presId="urn:microsoft.com/office/officeart/2008/layout/VerticalAccentList"/>
-    <dgm:cxn modelId="{94DE56BF-E622-45AA-BDFA-9E506AC82B73}" type="presParOf" srcId="{DC0F647D-D29C-4FDF-B889-80A0C293EEE7}" destId="{22D72528-CC89-4DF5-9432-E53CD872CA1A}" srcOrd="2" destOrd="0" presId="urn:microsoft.com/office/officeart/2008/layout/VerticalAccentList"/>
-    <dgm:cxn modelId="{929A3C8F-A3EC-4659-AB59-31A01DEEDCC4}" type="presParOf" srcId="{DC0F647D-D29C-4FDF-B889-80A0C293EEE7}" destId="{4F47AECD-0158-41AD-B04B-16AF72E5EBA1}" srcOrd="3" destOrd="0" presId="urn:microsoft.com/office/officeart/2008/layout/VerticalAccentList"/>
-    <dgm:cxn modelId="{05B40E96-338D-450B-95F0-359156A3FC99}" type="presParOf" srcId="{DC0F647D-D29C-4FDF-B889-80A0C293EEE7}" destId="{99705927-E78E-4610-8AAA-431C9F05B0D4}" srcOrd="4" destOrd="0" presId="urn:microsoft.com/office/officeart/2008/layout/VerticalAccentList"/>
-    <dgm:cxn modelId="{45B832FC-93B9-45B4-A519-BB1016B39497}" type="presParOf" srcId="{DC0F647D-D29C-4FDF-B889-80A0C293EEE7}" destId="{407733C2-6132-4E74-8862-186B19E08B04}" srcOrd="5" destOrd="0" presId="urn:microsoft.com/office/officeart/2008/layout/VerticalAccentList"/>
-    <dgm:cxn modelId="{E54A25A0-7F93-4B4C-9CC8-10EBE518E52D}" type="presParOf" srcId="{DC0F647D-D29C-4FDF-B889-80A0C293EEE7}" destId="{977B1622-ED73-4D0A-AF07-80C4545C6E84}" srcOrd="6" destOrd="0" presId="urn:microsoft.com/office/officeart/2008/layout/VerticalAccentList"/>
-    <dgm:cxn modelId="{54271DAF-F29B-444D-A672-186A4CEC4C25}" type="presParOf" srcId="{DC0F647D-D29C-4FDF-B889-80A0C293EEE7}" destId="{3F2F251E-04EC-47DC-9E9C-4AE63B040EA6}" srcOrd="7" destOrd="0" presId="urn:microsoft.com/office/officeart/2008/layout/VerticalAccentList"/>
+    <dgm:cxn modelId="{7BD83E49-19ED-492D-A11A-2AD3B3B95863}" type="presOf" srcId="{F66B0327-5801-4A2E-9639-A1724D36520F}" destId="{27EF129F-B7C0-419D-9A28-5C0CEC916E38}" srcOrd="0" destOrd="0" presId="urn:microsoft.com/office/officeart/2008/layout/VerticalAccentList"/>
+    <dgm:cxn modelId="{6876D631-268D-47BA-BBEC-20C7F0269ECB}" type="presOf" srcId="{8884A2E3-B685-4082-96A8-E6AD93AE05C2}" destId="{218D9218-1843-4FB1-99E9-F314089D4C54}" srcOrd="0" destOrd="0" presId="urn:microsoft.com/office/officeart/2008/layout/VerticalAccentList"/>
+    <dgm:cxn modelId="{A349E01B-EB6F-47E2-926C-D6BF7D133811}" srcId="{1EE26A47-8757-4F8F-93D3-3238C6457348}" destId="{32CC3289-1994-4B6E-B293-3D5D7BF5CF54}" srcOrd="2" destOrd="0" parTransId="{93A491EA-EAD3-4F3A-82B2-5BFE0930A834}" sibTransId="{D3CE9BCF-FE8C-4E9F-A609-129F32421C40}"/>
+    <dgm:cxn modelId="{F1421F40-DC8C-4CA9-82E3-D7C62D7A7F6F}" type="presOf" srcId="{32CC3289-1994-4B6E-B293-3D5D7BF5CF54}" destId="{15E94069-C28D-45F7-9841-263587431E07}" srcOrd="0" destOrd="0" presId="urn:microsoft.com/office/officeart/2008/layout/VerticalAccentList"/>
+    <dgm:cxn modelId="{4763DF6D-ECFC-48B2-ADBF-4532E567D60F}" srcId="{1EE26A47-8757-4F8F-93D3-3238C6457348}" destId="{8884A2E3-B685-4082-96A8-E6AD93AE05C2}" srcOrd="1" destOrd="0" parTransId="{9B64C4B6-3B9A-42FE-BD8C-15D60FE33027}" sibTransId="{9DBF805E-4671-45F9-9BC0-817CC5C51B01}"/>
+    <dgm:cxn modelId="{641570BE-AA79-445B-89F6-984BC0C792F1}" type="presParOf" srcId="{86861747-D4F2-4850-928D-F14A95FFB4E4}" destId="{DAA2B9C9-8C53-498D-9B5E-014A7F74F07E}" srcOrd="0" destOrd="0" presId="urn:microsoft.com/office/officeart/2008/layout/VerticalAccentList"/>
+    <dgm:cxn modelId="{FBB47699-3D68-4403-9F4E-1C13F9A02CB5}" type="presParOf" srcId="{DAA2B9C9-8C53-498D-9B5E-014A7F74F07E}" destId="{27EF129F-B7C0-419D-9A28-5C0CEC916E38}" srcOrd="0" destOrd="0" presId="urn:microsoft.com/office/officeart/2008/layout/VerticalAccentList"/>
+    <dgm:cxn modelId="{C1E1333C-D52F-47A3-9357-D7292ABB8675}" type="presParOf" srcId="{86861747-D4F2-4850-928D-F14A95FFB4E4}" destId="{514C5E42-2162-40F0-A7D6-C04C715680F0}" srcOrd="1" destOrd="0" presId="urn:microsoft.com/office/officeart/2008/layout/VerticalAccentList"/>
+    <dgm:cxn modelId="{90F9A2FD-C2D9-4FA7-816C-E98D8560C49B}" type="presParOf" srcId="{514C5E42-2162-40F0-A7D6-C04C715680F0}" destId="{DF27259A-A72B-4A99-B149-A5EE56547359}" srcOrd="0" destOrd="0" presId="urn:microsoft.com/office/officeart/2008/layout/VerticalAccentList"/>
+    <dgm:cxn modelId="{8A374A41-3916-400F-AE7C-ECFF9330C2CB}" type="presParOf" srcId="{514C5E42-2162-40F0-A7D6-C04C715680F0}" destId="{2B3C1CB2-27C3-46DD-9415-B4E2F47AB7BD}" srcOrd="1" destOrd="0" presId="urn:microsoft.com/office/officeart/2008/layout/VerticalAccentList"/>
+    <dgm:cxn modelId="{CE0D5D1C-0D95-4471-B9F1-4425F774179D}" type="presParOf" srcId="{514C5E42-2162-40F0-A7D6-C04C715680F0}" destId="{F793C757-7673-49E2-99AC-99FD8A6B9D70}" srcOrd="2" destOrd="0" presId="urn:microsoft.com/office/officeart/2008/layout/VerticalAccentList"/>
+    <dgm:cxn modelId="{4BE0DC49-ADAC-4FB3-BEEF-58C1AC61C6C5}" type="presParOf" srcId="{514C5E42-2162-40F0-A7D6-C04C715680F0}" destId="{FA9F0F15-0D0D-441B-A8A8-1B132FF4A7CF}" srcOrd="3" destOrd="0" presId="urn:microsoft.com/office/officeart/2008/layout/VerticalAccentList"/>
+    <dgm:cxn modelId="{2B545CDC-7EFA-41BD-AA09-A9C98E850BB7}" type="presParOf" srcId="{514C5E42-2162-40F0-A7D6-C04C715680F0}" destId="{02CCD115-1F22-4C2C-B306-B88555FE9CDA}" srcOrd="4" destOrd="0" presId="urn:microsoft.com/office/officeart/2008/layout/VerticalAccentList"/>
+    <dgm:cxn modelId="{A3422D0A-810D-4BB0-A561-B70FB6445CAD}" type="presParOf" srcId="{514C5E42-2162-40F0-A7D6-C04C715680F0}" destId="{D4ABCE44-082F-4AB2-883E-86BA994E341D}" srcOrd="5" destOrd="0" presId="urn:microsoft.com/office/officeart/2008/layout/VerticalAccentList"/>
+    <dgm:cxn modelId="{98324E3C-742C-44FC-B222-75A152BBF74F}" type="presParOf" srcId="{514C5E42-2162-40F0-A7D6-C04C715680F0}" destId="{90B30298-1074-4627-AFBB-43208B9E1D3A}" srcOrd="6" destOrd="0" presId="urn:microsoft.com/office/officeart/2008/layout/VerticalAccentList"/>
+    <dgm:cxn modelId="{40623600-289F-4D14-873B-BF46678228C5}" type="presParOf" srcId="{86861747-D4F2-4850-928D-F14A95FFB4E4}" destId="{CC8452E9-02E2-490C-B9AB-E390B9704FF9}" srcOrd="2" destOrd="0" presId="urn:microsoft.com/office/officeart/2008/layout/VerticalAccentList"/>
+    <dgm:cxn modelId="{E55303F3-2EDA-49FC-B087-73F6AAAC16BE}" type="presParOf" srcId="{86861747-D4F2-4850-928D-F14A95FFB4E4}" destId="{3D4E5AC9-DD8F-4DEB-B58B-931C3BF7EACD}" srcOrd="3" destOrd="0" presId="urn:microsoft.com/office/officeart/2008/layout/VerticalAccentList"/>
+    <dgm:cxn modelId="{0E0BBEB9-EBD4-4573-8791-83713F646FDA}" type="presParOf" srcId="{3D4E5AC9-DD8F-4DEB-B58B-931C3BF7EACD}" destId="{218D9218-1843-4FB1-99E9-F314089D4C54}" srcOrd="0" destOrd="0" presId="urn:microsoft.com/office/officeart/2008/layout/VerticalAccentList"/>
+    <dgm:cxn modelId="{BBA5B725-97CD-403C-8074-0B6B9D7C4F61}" type="presParOf" srcId="{86861747-D4F2-4850-928D-F14A95FFB4E4}" destId="{03933427-950A-4A3A-99F1-91BA19601EB3}" srcOrd="4" destOrd="0" presId="urn:microsoft.com/office/officeart/2008/layout/VerticalAccentList"/>
+    <dgm:cxn modelId="{4CCCFDEF-2181-424B-8CBA-78362021BE2C}" type="presParOf" srcId="{03933427-950A-4A3A-99F1-91BA19601EB3}" destId="{268AAE4B-8640-42EC-BB72-3871D7651608}" srcOrd="0" destOrd="0" presId="urn:microsoft.com/office/officeart/2008/layout/VerticalAccentList"/>
+    <dgm:cxn modelId="{4DD34F0D-B1CD-487C-86F2-5C8726B8583D}" type="presParOf" srcId="{03933427-950A-4A3A-99F1-91BA19601EB3}" destId="{1FDD3552-F440-4303-AD4D-828158FFAF51}" srcOrd="1" destOrd="0" presId="urn:microsoft.com/office/officeart/2008/layout/VerticalAccentList"/>
+    <dgm:cxn modelId="{0309F9A2-31BC-4FF7-AA04-370F0EF76B9D}" type="presParOf" srcId="{03933427-950A-4A3A-99F1-91BA19601EB3}" destId="{E53D8DB2-FA2F-4271-92B9-FA212D280EC8}" srcOrd="2" destOrd="0" presId="urn:microsoft.com/office/officeart/2008/layout/VerticalAccentList"/>
+    <dgm:cxn modelId="{874BA8A6-73DB-4487-A090-932FA7336605}" type="presParOf" srcId="{03933427-950A-4A3A-99F1-91BA19601EB3}" destId="{3739E6C6-F933-4FCB-876A-F8CA2252FDC8}" srcOrd="3" destOrd="0" presId="urn:microsoft.com/office/officeart/2008/layout/VerticalAccentList"/>
+    <dgm:cxn modelId="{50CEBCA1-5093-48FC-A888-4D200D2AE2FE}" type="presParOf" srcId="{03933427-950A-4A3A-99F1-91BA19601EB3}" destId="{E5851F70-5323-4EC5-94D1-DB2D964920C2}" srcOrd="4" destOrd="0" presId="urn:microsoft.com/office/officeart/2008/layout/VerticalAccentList"/>
+    <dgm:cxn modelId="{E6FC9944-6809-45A5-A6A5-0A1A8E788DA6}" type="presParOf" srcId="{03933427-950A-4A3A-99F1-91BA19601EB3}" destId="{3996AF67-E33E-4AB3-B0D6-B4A339A6145F}" srcOrd="5" destOrd="0" presId="urn:microsoft.com/office/officeart/2008/layout/VerticalAccentList"/>
+    <dgm:cxn modelId="{04019D4C-B184-4653-9414-A71FDB543EA5}" type="presParOf" srcId="{03933427-950A-4A3A-99F1-91BA19601EB3}" destId="{57954990-2F1F-4575-8E58-5E85969D6504}" srcOrd="6" destOrd="0" presId="urn:microsoft.com/office/officeart/2008/layout/VerticalAccentList"/>
+    <dgm:cxn modelId="{6F2BD8F0-BBA5-48F5-9E29-B5ABB8A585C3}" type="presParOf" srcId="{86861747-D4F2-4850-928D-F14A95FFB4E4}" destId="{D37E2554-A3BC-4C07-989D-DE3B57822F4D}" srcOrd="5" destOrd="0" presId="urn:microsoft.com/office/officeart/2008/layout/VerticalAccentList"/>
+    <dgm:cxn modelId="{52F4D957-0E6A-4F74-BE7C-D7FEF631B361}" type="presParOf" srcId="{86861747-D4F2-4850-928D-F14A95FFB4E4}" destId="{7572D9A3-5581-4F5D-8C92-CCDEDF77DB38}" srcOrd="6" destOrd="0" presId="urn:microsoft.com/office/officeart/2008/layout/VerticalAccentList"/>
+    <dgm:cxn modelId="{16519ED8-E675-44F7-9896-FC98E3DC90CC}" type="presParOf" srcId="{7572D9A3-5581-4F5D-8C92-CCDEDF77DB38}" destId="{15E94069-C28D-45F7-9841-263587431E07}" srcOrd="0" destOrd="0" presId="urn:microsoft.com/office/officeart/2008/layout/VerticalAccentList"/>
+    <dgm:cxn modelId="{23238D7C-A94D-48ED-9A9D-B30FE3AB3B94}" type="presParOf" srcId="{86861747-D4F2-4850-928D-F14A95FFB4E4}" destId="{132B4A4E-40A3-4135-92AC-9B6F5A78DF52}" srcOrd="7" destOrd="0" presId="urn:microsoft.com/office/officeart/2008/layout/VerticalAccentList"/>
+    <dgm:cxn modelId="{831B3C73-E8AD-48D1-BD97-E7F39A861D3A}" type="presParOf" srcId="{132B4A4E-40A3-4135-92AC-9B6F5A78DF52}" destId="{8C912153-2E20-4224-9DC1-96893D4B85D2}" srcOrd="0" destOrd="0" presId="urn:microsoft.com/office/officeart/2008/layout/VerticalAccentList"/>
+    <dgm:cxn modelId="{0D6CD915-623B-4C11-BAB8-863D5CBFC968}" type="presParOf" srcId="{132B4A4E-40A3-4135-92AC-9B6F5A78DF52}" destId="{14E6D69B-A709-4646-95C0-F83DCEC2F34B}" srcOrd="1" destOrd="0" presId="urn:microsoft.com/office/officeart/2008/layout/VerticalAccentList"/>
+    <dgm:cxn modelId="{4A018F0E-FDD4-48AD-8227-6D6087C35638}" type="presParOf" srcId="{132B4A4E-40A3-4135-92AC-9B6F5A78DF52}" destId="{DB610233-6DD6-477F-8069-BD6A03B76DAB}" srcOrd="2" destOrd="0" presId="urn:microsoft.com/office/officeart/2008/layout/VerticalAccentList"/>
+    <dgm:cxn modelId="{0D02E145-5FB1-4777-AB42-BBFE4653411C}" type="presParOf" srcId="{132B4A4E-40A3-4135-92AC-9B6F5A78DF52}" destId="{905F1C8A-251F-487A-866B-E8901F7136CE}" srcOrd="3" destOrd="0" presId="urn:microsoft.com/office/officeart/2008/layout/VerticalAccentList"/>
+    <dgm:cxn modelId="{33443C46-DF87-4FF9-92F5-AB703F2220CF}" type="presParOf" srcId="{132B4A4E-40A3-4135-92AC-9B6F5A78DF52}" destId="{19E96DF5-4468-466F-8594-8AE26FB72F31}" srcOrd="4" destOrd="0" presId="urn:microsoft.com/office/officeart/2008/layout/VerticalAccentList"/>
+    <dgm:cxn modelId="{71674308-EC59-4A15-A9F5-8C27664AF814}" type="presParOf" srcId="{132B4A4E-40A3-4135-92AC-9B6F5A78DF52}" destId="{C5ADFE5F-B77C-42FF-AF6D-2C1EC4CDBE46}" srcOrd="5" destOrd="0" presId="urn:microsoft.com/office/officeart/2008/layout/VerticalAccentList"/>
+    <dgm:cxn modelId="{568D1E02-08A3-4316-85D6-FD53B484BB4C}" type="presParOf" srcId="{132B4A4E-40A3-4135-92AC-9B6F5A78DF52}" destId="{A86FB1D3-4B8E-42C3-9F4F-921A9656906F}" srcOrd="6" destOrd="0" presId="urn:microsoft.com/office/officeart/2008/layout/VerticalAccentList"/>
   </dgm:cxnLst>
   <dgm:bg/>
   <dgm:whole/>
   <dgm:extLst>
     <a:ext uri="http://schemas.microsoft.com/office/drawing/2008/diagram">
-      <dsp:dataModelExt xmlns:dsp="http://schemas.microsoft.com/office/drawing/2008/diagram" xmlns="" relId="rId6" minVer="http://schemas.openxmlformats.org/drawingml/2006/diagram"/>
+      <dsp:dataModelExt xmlns:dsp="http://schemas.microsoft.com/office/drawing/2008/diagram" relId="rId6" minVer="http://schemas.openxmlformats.org/drawingml/2006/diagram"/>
     </a:ext>
   </dgm:extLst>
 </dgm:dataModel>
@@ -2524,7 +2365,7 @@
           <a:blip xmlns:r="http://schemas.openxmlformats.org/officeDocument/2006/relationships" r:embed="rId1">
             <a:extLst>
               <a:ext uri="{28A0092B-C50C-407E-A947-70E740481C1C}">
-                <a14:useLocalDpi xmlns:a14="http://schemas.microsoft.com/office/drawing/2010/main" xmlns="" val="0"/>
+                <a14:useLocalDpi xmlns:a14="http://schemas.microsoft.com/office/drawing/2010/main" val="0"/>
               </a:ext>
             </a:extLst>
           </a:blip>
@@ -2565,7 +2406,7 @@
           <a:blip xmlns:r="http://schemas.openxmlformats.org/officeDocument/2006/relationships" r:embed="rId1">
             <a:extLst>
               <a:ext uri="{28A0092B-C50C-407E-A947-70E740481C1C}">
-                <a14:useLocalDpi xmlns:a14="http://schemas.microsoft.com/office/drawing/2010/main" xmlns="" val="0"/>
+                <a14:useLocalDpi xmlns:a14="http://schemas.microsoft.com/office/drawing/2010/main" val="0"/>
               </a:ext>
             </a:extLst>
           </a:blip>
@@ -2593,11 +2434,11 @@
     </dgm:pt>
   </dgm:ptLst>
   <dgm:cxnLst>
+    <dgm:cxn modelId="{B2356760-85E8-462C-9DC4-7AE3CE594F00}" type="presOf" srcId="{E5A037C5-B3A1-4433-823B-5B51C7B38BFA}" destId="{3B57FC71-AB95-4B06-9F09-5A54CB32C9D7}" srcOrd="0" destOrd="0" presId="urn:microsoft.com/office/officeart/2005/8/layout/vList3#1"/>
     <dgm:cxn modelId="{EE2235AA-F6C9-4B40-AED2-F96C01F4FECE}" type="presOf" srcId="{AA53B6EC-F43C-4814-9BE0-C6863B2A1099}" destId="{50F48DDE-6F31-4BE2-BD53-01005FA12F97}" srcOrd="0" destOrd="0" presId="urn:microsoft.com/office/officeart/2005/8/layout/vList3#1"/>
-    <dgm:cxn modelId="{B2356760-85E8-462C-9DC4-7AE3CE594F00}" type="presOf" srcId="{E5A037C5-B3A1-4433-823B-5B51C7B38BFA}" destId="{3B57FC71-AB95-4B06-9F09-5A54CB32C9D7}" srcOrd="0" destOrd="0" presId="urn:microsoft.com/office/officeart/2005/8/layout/vList3#1"/>
     <dgm:cxn modelId="{905DE06D-A6F6-4027-BAF0-B68FEFBE72D9}" type="presOf" srcId="{62F79DBA-4F41-4E99-B263-ABCFDFABDB36}" destId="{63E9263F-3222-4DDC-ACD8-3DFA7EB2BAB5}" srcOrd="0" destOrd="0" presId="urn:microsoft.com/office/officeart/2005/8/layout/vList3#1"/>
+    <dgm:cxn modelId="{2E4D1DC4-6FAE-4C84-99F9-CE04C5ECE1CA}" srcId="{62F79DBA-4F41-4E99-B263-ABCFDFABDB36}" destId="{AA53B6EC-F43C-4814-9BE0-C6863B2A1099}" srcOrd="1" destOrd="0" parTransId="{549ACEBA-DC8A-4AF7-BBE7-61AB05110872}" sibTransId="{56A8596B-B3A1-436A-890C-063C3951C5A6}"/>
     <dgm:cxn modelId="{60C6FCD8-466C-453F-B6FE-BB9F2E6EDD86}" srcId="{62F79DBA-4F41-4E99-B263-ABCFDFABDB36}" destId="{E5A037C5-B3A1-4433-823B-5B51C7B38BFA}" srcOrd="0" destOrd="0" parTransId="{CF5FB1E4-AF3C-4953-8DB4-DB60562EBC95}" sibTransId="{FDFD65CB-DFEB-40D7-94E7-5E803289C2DD}"/>
-    <dgm:cxn modelId="{2E4D1DC4-6FAE-4C84-99F9-CE04C5ECE1CA}" srcId="{62F79DBA-4F41-4E99-B263-ABCFDFABDB36}" destId="{AA53B6EC-F43C-4814-9BE0-C6863B2A1099}" srcOrd="1" destOrd="0" parTransId="{549ACEBA-DC8A-4AF7-BBE7-61AB05110872}" sibTransId="{56A8596B-B3A1-436A-890C-063C3951C5A6}"/>
     <dgm:cxn modelId="{EBE65B18-801F-4D23-8357-9DE22AB8F66D}" type="presParOf" srcId="{63E9263F-3222-4DDC-ACD8-3DFA7EB2BAB5}" destId="{91BCAA56-8D6F-4438-9F77-75FC6251717F}" srcOrd="0" destOrd="0" presId="urn:microsoft.com/office/officeart/2005/8/layout/vList3#1"/>
     <dgm:cxn modelId="{5ECB5169-7AD3-40F2-A9D2-F47D1D471046}" type="presParOf" srcId="{91BCAA56-8D6F-4438-9F77-75FC6251717F}" destId="{738F8939-0158-44E0-AB89-8650AB97D6FB}" srcOrd="0" destOrd="0" presId="urn:microsoft.com/office/officeart/2005/8/layout/vList3#1"/>
     <dgm:cxn modelId="{E142AEB4-828A-40F4-BF15-AA8E00DABE3C}" type="presParOf" srcId="{91BCAA56-8D6F-4438-9F77-75FC6251717F}" destId="{3B57FC71-AB95-4B06-9F09-5A54CB32C9D7}" srcOrd="1" destOrd="0" presId="urn:microsoft.com/office/officeart/2005/8/layout/vList3#1"/>
@@ -2610,7 +2451,7 @@
   <dgm:whole/>
   <dgm:extLst>
     <a:ext uri="http://schemas.microsoft.com/office/drawing/2008/diagram">
-      <dsp:dataModelExt xmlns:dsp="http://schemas.microsoft.com/office/drawing/2008/diagram" xmlns="" relId="rId6" minVer="http://schemas.openxmlformats.org/drawingml/2006/diagram"/>
+      <dsp:dataModelExt xmlns:dsp="http://schemas.microsoft.com/office/drawing/2008/diagram" relId="rId6" minVer="http://schemas.openxmlformats.org/drawingml/2006/diagram"/>
     </a:ext>
   </dgm:extLst>
 </dgm:dataModel>
@@ -2624,15 +2465,15 @@
       <dsp:cNvGrpSpPr/>
     </dsp:nvGrpSpPr>
     <dsp:grpSpPr/>
-    <dsp:sp modelId="{C3151AFE-8CB6-4A98-BA02-1C0187A4ADD5}">
+    <dsp:sp modelId="{27EF129F-B7C0-419D-9A28-5C0CEC916E38}">
       <dsp:nvSpPr>
         <dsp:cNvPr id="0" name=""/>
         <dsp:cNvSpPr/>
       </dsp:nvSpPr>
       <dsp:spPr>
         <a:xfrm>
-          <a:off x="495920" y="331"/>
-          <a:ext cx="4736306" cy="430573"/>
+          <a:off x="304800" y="1019694"/>
+          <a:ext cx="5486400" cy="498763"/>
         </a:xfrm>
         <a:prstGeom prst="rect">
           <a:avLst/>
@@ -2656,12 +2497,12 @@
         <a:fontRef idx="minor"/>
       </dsp:style>
       <dsp:txBody>
-        <a:bodyPr spcFirstLastPara="0" vert="horz" wrap="square" lIns="72390" tIns="72390" rIns="72390" bIns="72390" numCol="1" spcCol="1270" anchor="b" anchorCtr="0">
+        <a:bodyPr spcFirstLastPara="0" vert="horz" wrap="square" lIns="80010" tIns="80010" rIns="80010" bIns="80010" numCol="1" spcCol="1270" anchor="b" anchorCtr="0">
           <a:noAutofit/>
         </a:bodyPr>
         <a:lstStyle/>
         <a:p>
-          <a:pPr lvl="0" algn="l" defTabSz="844550">
+          <a:pPr lvl="0" algn="l" defTabSz="933450">
             <a:lnSpc>
               <a:spcPct val="90000"/>
             </a:lnSpc>
@@ -2672,27 +2513,39 @@
               <a:spcPct val="35000"/>
             </a:spcAft>
           </a:pPr>
-          <a:endParaRPr kumimoji="1" lang="ja-JP" altLang="en-US" sz="1900" kern="1200" dirty="0"/>
+          <a:r>
+            <a:rPr kumimoji="1" lang="zh-CN" altLang="en-US" sz="2100" kern="1200" dirty="0" smtClean="0">
+              <a:latin typeface="DFKai-SB" panose="03000509000000000000" pitchFamily="65" charset="-120"/>
+              <a:ea typeface="DFKai-SB" panose="03000509000000000000" pitchFamily="65" charset="-120"/>
+              <a:cs typeface="Arial Unicode MS" panose="020B0604020202020204" pitchFamily="50" charset="-128"/>
+            </a:rPr>
+            <a:t>在线商品销售</a:t>
+          </a:r>
+          <a:endParaRPr kumimoji="1" lang="ja-JP" altLang="en-US" sz="2100" kern="1200" dirty="0">
+            <a:latin typeface="DFKai-SB" panose="03000509000000000000" pitchFamily="65" charset="-120"/>
+            <a:ea typeface="DFKai-SB" panose="03000509000000000000" pitchFamily="65" charset="-120"/>
+            <a:cs typeface="Arial Unicode MS" panose="020B0604020202020204" pitchFamily="50" charset="-128"/>
+          </a:endParaRPr>
         </a:p>
       </dsp:txBody>
       <dsp:txXfrm>
-        <a:off x="495920" y="331"/>
-        <a:ext cx="4736306" cy="430573"/>
+        <a:off x="304800" y="1019694"/>
+        <a:ext cx="5486400" cy="498763"/>
       </dsp:txXfrm>
     </dsp:sp>
-    <dsp:sp modelId="{60CE4FD8-1531-4259-858D-B6887C92D577}">
+    <dsp:sp modelId="{DF27259A-A72B-4A99-B149-A5EE56547359}">
       <dsp:nvSpPr>
         <dsp:cNvPr id="0" name=""/>
         <dsp:cNvSpPr/>
       </dsp:nvSpPr>
       <dsp:spPr>
         <a:xfrm>
-          <a:off x="495920" y="430905"/>
-          <a:ext cx="1108295" cy="877093"/>
+          <a:off x="304800" y="1518458"/>
+          <a:ext cx="731520" cy="121920"/>
         </a:xfrm>
-        <a:prstGeom prst="chevron">
+        <a:prstGeom prst="parallelogram">
           <a:avLst>
-            <a:gd name="adj" fmla="val 70610"/>
+            <a:gd name="adj" fmla="val 140840"/>
           </a:avLst>
         </a:prstGeom>
         <a:solidFill>
@@ -2731,19 +2584,19 @@
         </a:fontRef>
       </dsp:style>
     </dsp:sp>
-    <dsp:sp modelId="{D546A46A-F8F6-4E89-9B92-F888028C9BFC}">
+    <dsp:sp modelId="{2B3C1CB2-27C3-46DD-9415-B4E2F47AB7BD}">
       <dsp:nvSpPr>
         <dsp:cNvPr id="0" name=""/>
         <dsp:cNvSpPr/>
       </dsp:nvSpPr>
       <dsp:spPr>
         <a:xfrm>
-          <a:off x="1161634" y="430905"/>
-          <a:ext cx="1108295" cy="877093"/>
+          <a:off x="1078992" y="1518458"/>
+          <a:ext cx="731520" cy="121920"/>
         </a:xfrm>
-        <a:prstGeom prst="chevron">
+        <a:prstGeom prst="parallelogram">
           <a:avLst>
-            <a:gd name="adj" fmla="val 70610"/>
+            <a:gd name="adj" fmla="val 140840"/>
           </a:avLst>
         </a:prstGeom>
         <a:solidFill>
@@ -2782,19 +2635,19 @@
         </a:fontRef>
       </dsp:style>
     </dsp:sp>
-    <dsp:sp modelId="{AEE7975C-C47A-4CF7-8B41-738DA1EFBF61}">
+    <dsp:sp modelId="{F793C757-7673-49E2-99AC-99FD8A6B9D70}">
       <dsp:nvSpPr>
         <dsp:cNvPr id="0" name=""/>
         <dsp:cNvSpPr/>
       </dsp:nvSpPr>
       <dsp:spPr>
         <a:xfrm>
-          <a:off x="1827874" y="430905"/>
-          <a:ext cx="1108295" cy="877093"/>
+          <a:off x="1853184" y="1518458"/>
+          <a:ext cx="731520" cy="121920"/>
         </a:xfrm>
-        <a:prstGeom prst="chevron">
+        <a:prstGeom prst="parallelogram">
           <a:avLst>
-            <a:gd name="adj" fmla="val 70610"/>
+            <a:gd name="adj" fmla="val 140840"/>
           </a:avLst>
         </a:prstGeom>
         <a:solidFill>
@@ -2833,19 +2686,19 @@
         </a:fontRef>
       </dsp:style>
     </dsp:sp>
-    <dsp:sp modelId="{FC9F2035-9EB2-4E38-9977-580CCEF0DB28}">
+    <dsp:sp modelId="{FA9F0F15-0D0D-441B-A8A8-1B132FF4A7CF}">
       <dsp:nvSpPr>
         <dsp:cNvPr id="0" name=""/>
         <dsp:cNvSpPr/>
       </dsp:nvSpPr>
       <dsp:spPr>
         <a:xfrm>
-          <a:off x="2493589" y="430905"/>
-          <a:ext cx="1108295" cy="877093"/>
+          <a:off x="2627376" y="1518458"/>
+          <a:ext cx="731520" cy="121920"/>
         </a:xfrm>
-        <a:prstGeom prst="chevron">
+        <a:prstGeom prst="parallelogram">
           <a:avLst>
-            <a:gd name="adj" fmla="val 70610"/>
+            <a:gd name="adj" fmla="val 140840"/>
           </a:avLst>
         </a:prstGeom>
         <a:solidFill>
@@ -2884,19 +2737,19 @@
         </a:fontRef>
       </dsp:style>
     </dsp:sp>
-    <dsp:sp modelId="{17F233C7-ED7F-43C0-97DF-0C706B8A54DC}">
+    <dsp:sp modelId="{02CCD115-1F22-4C2C-B306-B88555FE9CDA}">
       <dsp:nvSpPr>
         <dsp:cNvPr id="0" name=""/>
         <dsp:cNvSpPr/>
       </dsp:nvSpPr>
       <dsp:spPr>
         <a:xfrm>
-          <a:off x="3159829" y="430905"/>
-          <a:ext cx="1108295" cy="877093"/>
+          <a:off x="3401568" y="1518458"/>
+          <a:ext cx="731520" cy="121920"/>
         </a:xfrm>
-        <a:prstGeom prst="chevron">
+        <a:prstGeom prst="parallelogram">
           <a:avLst>
-            <a:gd name="adj" fmla="val 70610"/>
+            <a:gd name="adj" fmla="val 140840"/>
           </a:avLst>
         </a:prstGeom>
         <a:solidFill>
@@ -2935,19 +2788,19 @@
         </a:fontRef>
       </dsp:style>
     </dsp:sp>
-    <dsp:sp modelId="{F7D2D4A8-6BE5-4D7F-AA7E-FBD3610089A9}">
+    <dsp:sp modelId="{D4ABCE44-082F-4AB2-883E-86BA994E341D}">
       <dsp:nvSpPr>
         <dsp:cNvPr id="0" name=""/>
         <dsp:cNvSpPr/>
       </dsp:nvSpPr>
       <dsp:spPr>
         <a:xfrm>
-          <a:off x="3825543" y="430905"/>
-          <a:ext cx="1108295" cy="877093"/>
+          <a:off x="4175760" y="1518458"/>
+          <a:ext cx="731520" cy="121920"/>
         </a:xfrm>
-        <a:prstGeom prst="chevron">
+        <a:prstGeom prst="parallelogram">
           <a:avLst>
-            <a:gd name="adj" fmla="val 70610"/>
+            <a:gd name="adj" fmla="val 140840"/>
           </a:avLst>
         </a:prstGeom>
         <a:solidFill>
@@ -2986,19 +2839,19 @@
         </a:fontRef>
       </dsp:style>
     </dsp:sp>
-    <dsp:sp modelId="{111AF94E-5134-4666-A1C9-AAF981923AED}">
+    <dsp:sp modelId="{90B30298-1074-4627-AFBB-43208B9E1D3A}">
       <dsp:nvSpPr>
         <dsp:cNvPr id="0" name=""/>
         <dsp:cNvSpPr/>
       </dsp:nvSpPr>
       <dsp:spPr>
         <a:xfrm>
-          <a:off x="4491784" y="430905"/>
-          <a:ext cx="1108295" cy="877093"/>
+          <a:off x="4949952" y="1518458"/>
+          <a:ext cx="731520" cy="121920"/>
         </a:xfrm>
-        <a:prstGeom prst="chevron">
+        <a:prstGeom prst="parallelogram">
           <a:avLst>
-            <a:gd name="adj" fmla="val 70610"/>
+            <a:gd name="adj" fmla="val 140840"/>
           </a:avLst>
         </a:prstGeom>
         <a:solidFill>
@@ -3037,98 +2890,15 @@
         </a:fontRef>
       </dsp:style>
     </dsp:sp>
-    <dsp:sp modelId="{E8E78996-5BED-4845-B0FB-EB378FE08230}">
+    <dsp:sp modelId="{218D9218-1843-4FB1-99E9-F314089D4C54}">
       <dsp:nvSpPr>
         <dsp:cNvPr id="0" name=""/>
         <dsp:cNvSpPr/>
       </dsp:nvSpPr>
       <dsp:spPr>
         <a:xfrm>
-          <a:off x="495920" y="522459"/>
-          <a:ext cx="4797878" cy="701675"/>
-        </a:xfrm>
-        <a:prstGeom prst="rect">
-          <a:avLst/>
-        </a:prstGeom>
-        <a:solidFill>
-          <a:schemeClr val="lt1">
-            <a:hueOff val="0"/>
-            <a:satOff val="0"/>
-            <a:lumOff val="0"/>
-            <a:alphaOff val="0"/>
-          </a:schemeClr>
-        </a:solidFill>
-        <a:ln w="25400" cap="flat" cmpd="sng" algn="ctr">
-          <a:solidFill>
-            <a:schemeClr val="accent1">
-              <a:hueOff val="0"/>
-              <a:satOff val="0"/>
-              <a:lumOff val="0"/>
-              <a:alphaOff val="0"/>
-            </a:schemeClr>
-          </a:solidFill>
-          <a:prstDash val="solid"/>
-        </a:ln>
-        <a:effectLst/>
-      </dsp:spPr>
-      <dsp:style>
-        <a:lnRef idx="2">
-          <a:scrgbClr r="0" g="0" b="0"/>
-        </a:lnRef>
-        <a:fillRef idx="1">
-          <a:scrgbClr r="0" g="0" b="0"/>
-        </a:fillRef>
-        <a:effectRef idx="0">
-          <a:scrgbClr r="0" g="0" b="0"/>
-        </a:effectRef>
-        <a:fontRef idx="minor"/>
-      </dsp:style>
-      <dsp:txBody>
-        <a:bodyPr spcFirstLastPara="0" vert="horz" wrap="square" lIns="86360" tIns="86360" rIns="86360" bIns="86360" numCol="1" spcCol="1270" anchor="ctr" anchorCtr="0">
-          <a:noAutofit/>
-        </a:bodyPr>
-        <a:lstStyle/>
-        <a:p>
-          <a:pPr lvl="0" algn="l" defTabSz="1511300">
-            <a:lnSpc>
-              <a:spcPct val="90000"/>
-            </a:lnSpc>
-            <a:spcBef>
-              <a:spcPct val="0"/>
-            </a:spcBef>
-            <a:spcAft>
-              <a:spcPct val="35000"/>
-            </a:spcAft>
-          </a:pPr>
-          <a:r>
-            <a:rPr kumimoji="1" lang="zh-CN" altLang="en-US" sz="3400" kern="1200" dirty="0" smtClean="0">
-              <a:latin typeface="DFKai-SB" panose="03000509000000000000" pitchFamily="65" charset="-120"/>
-              <a:ea typeface="DFKai-SB" panose="03000509000000000000" pitchFamily="65" charset="-120"/>
-              <a:cs typeface="Arial Unicode MS" panose="020B0604020202020204" pitchFamily="50" charset="-128"/>
-            </a:rPr>
-            <a:t>在线商品销售</a:t>
-          </a:r>
-          <a:endParaRPr kumimoji="1" lang="ja-JP" altLang="en-US" sz="3400" kern="1200" dirty="0">
-            <a:latin typeface="DFKai-SB" panose="03000509000000000000" pitchFamily="65" charset="-120"/>
-            <a:ea typeface="DFKai-SB" panose="03000509000000000000" pitchFamily="65" charset="-120"/>
-            <a:cs typeface="Arial Unicode MS" panose="020B0604020202020204" pitchFamily="50" charset="-128"/>
-          </a:endParaRPr>
-        </a:p>
-      </dsp:txBody>
-      <dsp:txXfrm>
-        <a:off x="495920" y="522459"/>
-        <a:ext cx="4797878" cy="701675"/>
-      </dsp:txXfrm>
-    </dsp:sp>
-    <dsp:sp modelId="{BC626D1F-8D80-4BD6-B2FF-B4B8E9BC9832}">
-      <dsp:nvSpPr>
-        <dsp:cNvPr id="0" name=""/>
-        <dsp:cNvSpPr/>
-      </dsp:nvSpPr>
-      <dsp:spPr>
-        <a:xfrm>
-          <a:off x="495920" y="1378166"/>
-          <a:ext cx="4736306" cy="430573"/>
+          <a:off x="304800" y="1721658"/>
+          <a:ext cx="5486400" cy="498763"/>
         </a:xfrm>
         <a:prstGeom prst="rect">
           <a:avLst/>
@@ -3152,12 +2922,12 @@
         <a:fontRef idx="minor"/>
       </dsp:style>
       <dsp:txBody>
-        <a:bodyPr spcFirstLastPara="0" vert="horz" wrap="square" lIns="72390" tIns="72390" rIns="72390" bIns="72390" numCol="1" spcCol="1270" anchor="b" anchorCtr="0">
+        <a:bodyPr spcFirstLastPara="0" vert="horz" wrap="square" lIns="80010" tIns="80010" rIns="80010" bIns="80010" numCol="1" spcCol="1270" anchor="b" anchorCtr="0">
           <a:noAutofit/>
         </a:bodyPr>
         <a:lstStyle/>
         <a:p>
-          <a:pPr lvl="0" algn="l" defTabSz="844550">
+          <a:pPr lvl="0" algn="l" defTabSz="933450">
             <a:lnSpc>
               <a:spcPct val="90000"/>
             </a:lnSpc>
@@ -3168,27 +2938,37 @@
               <a:spcPct val="35000"/>
             </a:spcAft>
           </a:pPr>
-          <a:endParaRPr kumimoji="1" lang="ja-JP" altLang="en-US" sz="1900" kern="1200"/>
+          <a:r>
+            <a:rPr kumimoji="1" lang="zh-CN" altLang="en-US" sz="2100" kern="1200" dirty="0" smtClean="0">
+              <a:latin typeface="DFKai-SB" panose="03000509000000000000" pitchFamily="65" charset="-120"/>
+              <a:ea typeface="DFKai-SB" panose="03000509000000000000" pitchFamily="65" charset="-120"/>
+            </a:rPr>
+            <a:t>在线理财销售</a:t>
+          </a:r>
+          <a:endParaRPr kumimoji="1" lang="ja-JP" altLang="en-US" sz="2100" kern="1200" dirty="0">
+            <a:latin typeface="DFKai-SB" panose="03000509000000000000" pitchFamily="65" charset="-120"/>
+            <a:ea typeface="DFKai-SB" panose="03000509000000000000" pitchFamily="65" charset="-120"/>
+          </a:endParaRPr>
         </a:p>
       </dsp:txBody>
       <dsp:txXfrm>
-        <a:off x="495920" y="1378166"/>
-        <a:ext cx="4736306" cy="430573"/>
+        <a:off x="304800" y="1721658"/>
+        <a:ext cx="5486400" cy="498763"/>
       </dsp:txXfrm>
     </dsp:sp>
-    <dsp:sp modelId="{7F5E982B-7A02-40AD-8228-AAB0212A3B50}">
+    <dsp:sp modelId="{268AAE4B-8640-42EC-BB72-3871D7651608}">
       <dsp:nvSpPr>
         <dsp:cNvPr id="0" name=""/>
         <dsp:cNvSpPr/>
       </dsp:nvSpPr>
       <dsp:spPr>
         <a:xfrm>
-          <a:off x="495920" y="1808739"/>
-          <a:ext cx="1108295" cy="877093"/>
+          <a:off x="304800" y="2220421"/>
+          <a:ext cx="731520" cy="121920"/>
         </a:xfrm>
-        <a:prstGeom prst="chevron">
+        <a:prstGeom prst="parallelogram">
           <a:avLst>
-            <a:gd name="adj" fmla="val 70610"/>
+            <a:gd name="adj" fmla="val 140840"/>
           </a:avLst>
         </a:prstGeom>
         <a:solidFill>
@@ -3227,19 +3007,19 @@
         </a:fontRef>
       </dsp:style>
     </dsp:sp>
-    <dsp:sp modelId="{1692B9DD-FCE5-4F42-B53C-7FD39B539BDE}">
+    <dsp:sp modelId="{1FDD3552-F440-4303-AD4D-828158FFAF51}">
       <dsp:nvSpPr>
         <dsp:cNvPr id="0" name=""/>
         <dsp:cNvSpPr/>
       </dsp:nvSpPr>
       <dsp:spPr>
         <a:xfrm>
-          <a:off x="1161634" y="1808739"/>
-          <a:ext cx="1108295" cy="877093"/>
+          <a:off x="1078992" y="2220421"/>
+          <a:ext cx="731520" cy="121920"/>
         </a:xfrm>
-        <a:prstGeom prst="chevron">
+        <a:prstGeom prst="parallelogram">
           <a:avLst>
-            <a:gd name="adj" fmla="val 70610"/>
+            <a:gd name="adj" fmla="val 140840"/>
           </a:avLst>
         </a:prstGeom>
         <a:solidFill>
@@ -3278,19 +3058,19 @@
         </a:fontRef>
       </dsp:style>
     </dsp:sp>
-    <dsp:sp modelId="{83D2CF9D-F821-47EA-9FE5-70393DB6B10E}">
+    <dsp:sp modelId="{E53D8DB2-FA2F-4271-92B9-FA212D280EC8}">
       <dsp:nvSpPr>
         <dsp:cNvPr id="0" name=""/>
         <dsp:cNvSpPr/>
       </dsp:nvSpPr>
       <dsp:spPr>
         <a:xfrm>
-          <a:off x="1827874" y="1808739"/>
-          <a:ext cx="1108295" cy="877093"/>
+          <a:off x="1853184" y="2220421"/>
+          <a:ext cx="731520" cy="121920"/>
         </a:xfrm>
-        <a:prstGeom prst="chevron">
+        <a:prstGeom prst="parallelogram">
           <a:avLst>
-            <a:gd name="adj" fmla="val 70610"/>
+            <a:gd name="adj" fmla="val 140840"/>
           </a:avLst>
         </a:prstGeom>
         <a:solidFill>
@@ -3329,19 +3109,19 @@
         </a:fontRef>
       </dsp:style>
     </dsp:sp>
-    <dsp:sp modelId="{08870AF8-EFD9-4350-B5F4-157140E9C4D5}">
+    <dsp:sp modelId="{3739E6C6-F933-4FCB-876A-F8CA2252FDC8}">
       <dsp:nvSpPr>
         <dsp:cNvPr id="0" name=""/>
         <dsp:cNvSpPr/>
       </dsp:nvSpPr>
       <dsp:spPr>
         <a:xfrm>
-          <a:off x="2493589" y="1808739"/>
-          <a:ext cx="1108295" cy="877093"/>
+          <a:off x="2627376" y="2220421"/>
+          <a:ext cx="731520" cy="121920"/>
         </a:xfrm>
-        <a:prstGeom prst="chevron">
+        <a:prstGeom prst="parallelogram">
           <a:avLst>
-            <a:gd name="adj" fmla="val 70610"/>
+            <a:gd name="adj" fmla="val 140840"/>
           </a:avLst>
         </a:prstGeom>
         <a:solidFill>
@@ -3380,19 +3160,19 @@
         </a:fontRef>
       </dsp:style>
     </dsp:sp>
-    <dsp:sp modelId="{DF60ABE8-E723-4DD3-8471-32E5F23559ED}">
+    <dsp:sp modelId="{E5851F70-5323-4EC5-94D1-DB2D964920C2}">
       <dsp:nvSpPr>
         <dsp:cNvPr id="0" name=""/>
         <dsp:cNvSpPr/>
       </dsp:nvSpPr>
       <dsp:spPr>
         <a:xfrm>
-          <a:off x="3159829" y="1808739"/>
-          <a:ext cx="1108295" cy="877093"/>
+          <a:off x="3401568" y="2220421"/>
+          <a:ext cx="731520" cy="121920"/>
         </a:xfrm>
-        <a:prstGeom prst="chevron">
+        <a:prstGeom prst="parallelogram">
           <a:avLst>
-            <a:gd name="adj" fmla="val 70610"/>
+            <a:gd name="adj" fmla="val 140840"/>
           </a:avLst>
         </a:prstGeom>
         <a:solidFill>
@@ -3431,19 +3211,19 @@
         </a:fontRef>
       </dsp:style>
     </dsp:sp>
-    <dsp:sp modelId="{8A39BD5B-05CE-41FF-AD11-7558A0DA2FB4}">
+    <dsp:sp modelId="{3996AF67-E33E-4AB3-B0D6-B4A339A6145F}">
       <dsp:nvSpPr>
         <dsp:cNvPr id="0" name=""/>
         <dsp:cNvSpPr/>
       </dsp:nvSpPr>
       <dsp:spPr>
         <a:xfrm>
-          <a:off x="3825543" y="1808739"/>
-          <a:ext cx="1108295" cy="877093"/>
+          <a:off x="4175760" y="2220421"/>
+          <a:ext cx="731520" cy="121920"/>
         </a:xfrm>
-        <a:prstGeom prst="chevron">
+        <a:prstGeom prst="parallelogram">
           <a:avLst>
-            <a:gd name="adj" fmla="val 70610"/>
+            <a:gd name="adj" fmla="val 140840"/>
           </a:avLst>
         </a:prstGeom>
         <a:solidFill>
@@ -3482,19 +3262,19 @@
         </a:fontRef>
       </dsp:style>
     </dsp:sp>
-    <dsp:sp modelId="{2A836744-A3DB-4176-91EA-01E6DBAB69ED}">
+    <dsp:sp modelId="{57954990-2F1F-4575-8E58-5E85969D6504}">
       <dsp:nvSpPr>
         <dsp:cNvPr id="0" name=""/>
         <dsp:cNvSpPr/>
       </dsp:nvSpPr>
       <dsp:spPr>
         <a:xfrm>
-          <a:off x="4491784" y="1808739"/>
-          <a:ext cx="1108295" cy="877093"/>
+          <a:off x="4949952" y="2220421"/>
+          <a:ext cx="731520" cy="121920"/>
         </a:xfrm>
-        <a:prstGeom prst="chevron">
+        <a:prstGeom prst="parallelogram">
           <a:avLst>
-            <a:gd name="adj" fmla="val 70610"/>
+            <a:gd name="adj" fmla="val 140840"/>
           </a:avLst>
         </a:prstGeom>
         <a:solidFill>
@@ -3533,96 +3313,15 @@
         </a:fontRef>
       </dsp:style>
     </dsp:sp>
-    <dsp:sp modelId="{8442B89D-006C-4CBC-A1C9-8B9E68E90AB4}">
+    <dsp:sp modelId="{15E94069-C28D-45F7-9841-263587431E07}">
       <dsp:nvSpPr>
         <dsp:cNvPr id="0" name=""/>
         <dsp:cNvSpPr/>
       </dsp:nvSpPr>
       <dsp:spPr>
         <a:xfrm>
-          <a:off x="495920" y="1896449"/>
-          <a:ext cx="4797878" cy="701675"/>
-        </a:xfrm>
-        <a:prstGeom prst="rect">
-          <a:avLst/>
-        </a:prstGeom>
-        <a:solidFill>
-          <a:schemeClr val="lt1">
-            <a:hueOff val="0"/>
-            <a:satOff val="0"/>
-            <a:lumOff val="0"/>
-            <a:alphaOff val="0"/>
-          </a:schemeClr>
-        </a:solidFill>
-        <a:ln w="25400" cap="flat" cmpd="sng" algn="ctr">
-          <a:solidFill>
-            <a:schemeClr val="accent1">
-              <a:hueOff val="0"/>
-              <a:satOff val="0"/>
-              <a:lumOff val="0"/>
-              <a:alphaOff val="0"/>
-            </a:schemeClr>
-          </a:solidFill>
-          <a:prstDash val="solid"/>
-        </a:ln>
-        <a:effectLst/>
-      </dsp:spPr>
-      <dsp:style>
-        <a:lnRef idx="2">
-          <a:scrgbClr r="0" g="0" b="0"/>
-        </a:lnRef>
-        <a:fillRef idx="1">
-          <a:scrgbClr r="0" g="0" b="0"/>
-        </a:fillRef>
-        <a:effectRef idx="0">
-          <a:scrgbClr r="0" g="0" b="0"/>
-        </a:effectRef>
-        <a:fontRef idx="minor"/>
-      </dsp:style>
-      <dsp:txBody>
-        <a:bodyPr spcFirstLastPara="0" vert="horz" wrap="square" lIns="86360" tIns="86360" rIns="86360" bIns="86360" numCol="1" spcCol="1270" anchor="ctr" anchorCtr="0">
-          <a:noAutofit/>
-        </a:bodyPr>
-        <a:lstStyle/>
-        <a:p>
-          <a:pPr lvl="0" algn="l" defTabSz="1511300">
-            <a:lnSpc>
-              <a:spcPct val="90000"/>
-            </a:lnSpc>
-            <a:spcBef>
-              <a:spcPct val="0"/>
-            </a:spcBef>
-            <a:spcAft>
-              <a:spcPct val="35000"/>
-            </a:spcAft>
-          </a:pPr>
-          <a:r>
-            <a:rPr kumimoji="1" lang="zh-CN" altLang="en-US" sz="3400" kern="1200" dirty="0" smtClean="0">
-              <a:latin typeface="DFKai-SB" panose="03000509000000000000" pitchFamily="65" charset="-120"/>
-              <a:ea typeface="DFKai-SB" panose="03000509000000000000" pitchFamily="65" charset="-120"/>
-            </a:rPr>
-            <a:t>在线理财销售</a:t>
-          </a:r>
-          <a:endParaRPr kumimoji="1" lang="ja-JP" altLang="en-US" sz="3400" kern="1200" dirty="0">
-            <a:latin typeface="DFKai-SB" panose="03000509000000000000" pitchFamily="65" charset="-120"/>
-            <a:ea typeface="DFKai-SB" panose="03000509000000000000" pitchFamily="65" charset="-120"/>
-          </a:endParaRPr>
-        </a:p>
-      </dsp:txBody>
-      <dsp:txXfrm>
-        <a:off x="495920" y="1896449"/>
-        <a:ext cx="4797878" cy="701675"/>
-      </dsp:txXfrm>
-    </dsp:sp>
-    <dsp:sp modelId="{F9F47AA2-9FA2-4858-9E55-C57DED33D52A}">
-      <dsp:nvSpPr>
-        <dsp:cNvPr id="0" name=""/>
-        <dsp:cNvSpPr/>
-      </dsp:nvSpPr>
-      <dsp:spPr>
-        <a:xfrm>
-          <a:off x="495920" y="2756001"/>
-          <a:ext cx="4736306" cy="430573"/>
+          <a:off x="304800" y="2423621"/>
+          <a:ext cx="5486400" cy="498763"/>
         </a:xfrm>
         <a:prstGeom prst="rect">
           <a:avLst/>
@@ -3646,12 +3345,12 @@
         <a:fontRef idx="minor"/>
       </dsp:style>
       <dsp:txBody>
-        <a:bodyPr spcFirstLastPara="0" vert="horz" wrap="square" lIns="72390" tIns="72390" rIns="72390" bIns="72390" numCol="1" spcCol="1270" anchor="b" anchorCtr="0">
+        <a:bodyPr spcFirstLastPara="0" vert="horz" wrap="square" lIns="80010" tIns="80010" rIns="80010" bIns="80010" numCol="1" spcCol="1270" anchor="b" anchorCtr="0">
           <a:noAutofit/>
         </a:bodyPr>
         <a:lstStyle/>
         <a:p>
-          <a:pPr lvl="0" algn="l" defTabSz="844550">
+          <a:pPr lvl="0" algn="l" defTabSz="933450">
             <a:lnSpc>
               <a:spcPct val="90000"/>
             </a:lnSpc>
@@ -3662,27 +3361,37 @@
               <a:spcPct val="35000"/>
             </a:spcAft>
           </a:pPr>
-          <a:endParaRPr kumimoji="1" lang="ja-JP" altLang="en-US" sz="1900" kern="1200"/>
+          <a:r>
+            <a:rPr kumimoji="1" lang="zh-CN" altLang="en-US" sz="2100" kern="1200" dirty="0" smtClean="0">
+              <a:latin typeface="DFKai-SB" panose="03000509000000000000" pitchFamily="65" charset="-120"/>
+              <a:ea typeface="DFKai-SB" panose="03000509000000000000" pitchFamily="65" charset="-120"/>
+            </a:rPr>
+            <a:t>在线租车打车服务</a:t>
+          </a:r>
+          <a:endParaRPr kumimoji="1" lang="ja-JP" altLang="en-US" sz="2100" kern="1200" dirty="0">
+            <a:latin typeface="DFKai-SB" panose="03000509000000000000" pitchFamily="65" charset="-120"/>
+            <a:ea typeface="DFKai-SB" panose="03000509000000000000" pitchFamily="65" charset="-120"/>
+          </a:endParaRPr>
         </a:p>
       </dsp:txBody>
       <dsp:txXfrm>
-        <a:off x="495920" y="2756001"/>
-        <a:ext cx="4736306" cy="430573"/>
+        <a:off x="304800" y="2423621"/>
+        <a:ext cx="5486400" cy="498763"/>
       </dsp:txXfrm>
     </dsp:sp>
-    <dsp:sp modelId="{81C4A2EE-7DF9-42C7-B63C-1897D31EAA97}">
+    <dsp:sp modelId="{8C912153-2E20-4224-9DC1-96893D4B85D2}">
       <dsp:nvSpPr>
         <dsp:cNvPr id="0" name=""/>
         <dsp:cNvSpPr/>
       </dsp:nvSpPr>
       <dsp:spPr>
         <a:xfrm>
-          <a:off x="495920" y="3186574"/>
-          <a:ext cx="1108295" cy="877093"/>
+          <a:off x="304800" y="2922385"/>
+          <a:ext cx="731520" cy="121920"/>
         </a:xfrm>
-        <a:prstGeom prst="chevron">
+        <a:prstGeom prst="parallelogram">
           <a:avLst>
-            <a:gd name="adj" fmla="val 70610"/>
+            <a:gd name="adj" fmla="val 140840"/>
           </a:avLst>
         </a:prstGeom>
         <a:solidFill>
@@ -3721,19 +3430,19 @@
         </a:fontRef>
       </dsp:style>
     </dsp:sp>
-    <dsp:sp modelId="{1024625D-AE91-4BF2-B55F-5A35A47E1D78}">
+    <dsp:sp modelId="{14E6D69B-A709-4646-95C0-F83DCEC2F34B}">
       <dsp:nvSpPr>
         <dsp:cNvPr id="0" name=""/>
         <dsp:cNvSpPr/>
       </dsp:nvSpPr>
       <dsp:spPr>
         <a:xfrm>
-          <a:off x="1161634" y="3186574"/>
-          <a:ext cx="1108295" cy="877093"/>
+          <a:off x="1078992" y="2922385"/>
+          <a:ext cx="731520" cy="121920"/>
         </a:xfrm>
-        <a:prstGeom prst="chevron">
+        <a:prstGeom prst="parallelogram">
           <a:avLst>
-            <a:gd name="adj" fmla="val 70610"/>
+            <a:gd name="adj" fmla="val 140840"/>
           </a:avLst>
         </a:prstGeom>
         <a:solidFill>
@@ -3772,19 +3481,19 @@
         </a:fontRef>
       </dsp:style>
     </dsp:sp>
-    <dsp:sp modelId="{22D72528-CC89-4DF5-9432-E53CD872CA1A}">
+    <dsp:sp modelId="{DB610233-6DD6-477F-8069-BD6A03B76DAB}">
       <dsp:nvSpPr>
         <dsp:cNvPr id="0" name=""/>
         <dsp:cNvSpPr/>
       </dsp:nvSpPr>
       <dsp:spPr>
         <a:xfrm>
-          <a:off x="1827874" y="3186574"/>
-          <a:ext cx="1108295" cy="877093"/>
+          <a:off x="1853184" y="2922385"/>
+          <a:ext cx="731520" cy="121920"/>
         </a:xfrm>
-        <a:prstGeom prst="chevron">
+        <a:prstGeom prst="parallelogram">
           <a:avLst>
-            <a:gd name="adj" fmla="val 70610"/>
+            <a:gd name="adj" fmla="val 140840"/>
           </a:avLst>
         </a:prstGeom>
         <a:solidFill>
@@ -3823,19 +3532,19 @@
         </a:fontRef>
       </dsp:style>
     </dsp:sp>
-    <dsp:sp modelId="{4F47AECD-0158-41AD-B04B-16AF72E5EBA1}">
+    <dsp:sp modelId="{905F1C8A-251F-487A-866B-E8901F7136CE}">
       <dsp:nvSpPr>
         <dsp:cNvPr id="0" name=""/>
         <dsp:cNvSpPr/>
       </dsp:nvSpPr>
       <dsp:spPr>
         <a:xfrm>
-          <a:off x="2493589" y="3186574"/>
-          <a:ext cx="1108295" cy="877093"/>
+          <a:off x="2627376" y="2922385"/>
+          <a:ext cx="731520" cy="121920"/>
         </a:xfrm>
-        <a:prstGeom prst="chevron">
+        <a:prstGeom prst="parallelogram">
           <a:avLst>
-            <a:gd name="adj" fmla="val 70610"/>
+            <a:gd name="adj" fmla="val 140840"/>
           </a:avLst>
         </a:prstGeom>
         <a:solidFill>
@@ -3874,19 +3583,19 @@
         </a:fontRef>
       </dsp:style>
     </dsp:sp>
-    <dsp:sp modelId="{99705927-E78E-4610-8AAA-431C9F05B0D4}">
+    <dsp:sp modelId="{19E96DF5-4468-466F-8594-8AE26FB72F31}">
       <dsp:nvSpPr>
         <dsp:cNvPr id="0" name=""/>
         <dsp:cNvSpPr/>
       </dsp:nvSpPr>
       <dsp:spPr>
         <a:xfrm>
-          <a:off x="3159829" y="3186574"/>
-          <a:ext cx="1108295" cy="877093"/>
+          <a:off x="3401568" y="2922385"/>
+          <a:ext cx="731520" cy="121920"/>
         </a:xfrm>
-        <a:prstGeom prst="chevron">
+        <a:prstGeom prst="parallelogram">
           <a:avLst>
-            <a:gd name="adj" fmla="val 70610"/>
+            <a:gd name="adj" fmla="val 140840"/>
           </a:avLst>
         </a:prstGeom>
         <a:solidFill>
@@ -3925,19 +3634,19 @@
         </a:fontRef>
       </dsp:style>
     </dsp:sp>
-    <dsp:sp modelId="{407733C2-6132-4E74-8862-186B19E08B04}">
+    <dsp:sp modelId="{C5ADFE5F-B77C-42FF-AF6D-2C1EC4CDBE46}">
       <dsp:nvSpPr>
         <dsp:cNvPr id="0" name=""/>
         <dsp:cNvSpPr/>
       </dsp:nvSpPr>
       <dsp:spPr>
         <a:xfrm>
-          <a:off x="3825543" y="3186574"/>
-          <a:ext cx="1108295" cy="877093"/>
+          <a:off x="4175760" y="2922385"/>
+          <a:ext cx="731520" cy="121920"/>
         </a:xfrm>
-        <a:prstGeom prst="chevron">
+        <a:prstGeom prst="parallelogram">
           <a:avLst>
-            <a:gd name="adj" fmla="val 70610"/>
+            <a:gd name="adj" fmla="val 140840"/>
           </a:avLst>
         </a:prstGeom>
         <a:solidFill>
@@ -3976,19 +3685,19 @@
         </a:fontRef>
       </dsp:style>
     </dsp:sp>
-    <dsp:sp modelId="{977B1622-ED73-4D0A-AF07-80C4545C6E84}">
+    <dsp:sp modelId="{A86FB1D3-4B8E-42C3-9F4F-921A9656906F}">
       <dsp:nvSpPr>
         <dsp:cNvPr id="0" name=""/>
         <dsp:cNvSpPr/>
       </dsp:nvSpPr>
       <dsp:spPr>
         <a:xfrm>
-          <a:off x="4491784" y="3186574"/>
-          <a:ext cx="1108295" cy="877093"/>
+          <a:off x="4949952" y="2922385"/>
+          <a:ext cx="731520" cy="121920"/>
         </a:xfrm>
-        <a:prstGeom prst="chevron">
+        <a:prstGeom prst="parallelogram">
           <a:avLst>
-            <a:gd name="adj" fmla="val 70610"/>
+            <a:gd name="adj" fmla="val 140840"/>
           </a:avLst>
         </a:prstGeom>
         <a:solidFill>
@@ -4026,87 +3735,6 @@
           <a:schemeClr val="lt1"/>
         </a:fontRef>
       </dsp:style>
-    </dsp:sp>
-    <dsp:sp modelId="{3F2F251E-04EC-47DC-9E9C-4AE63B040EA6}">
-      <dsp:nvSpPr>
-        <dsp:cNvPr id="0" name=""/>
-        <dsp:cNvSpPr/>
-      </dsp:nvSpPr>
-      <dsp:spPr>
-        <a:xfrm>
-          <a:off x="495920" y="3274283"/>
-          <a:ext cx="4797878" cy="701675"/>
-        </a:xfrm>
-        <a:prstGeom prst="rect">
-          <a:avLst/>
-        </a:prstGeom>
-        <a:solidFill>
-          <a:schemeClr val="lt1">
-            <a:hueOff val="0"/>
-            <a:satOff val="0"/>
-            <a:lumOff val="0"/>
-            <a:alphaOff val="0"/>
-          </a:schemeClr>
-        </a:solidFill>
-        <a:ln w="25400" cap="flat" cmpd="sng" algn="ctr">
-          <a:solidFill>
-            <a:schemeClr val="accent1">
-              <a:hueOff val="0"/>
-              <a:satOff val="0"/>
-              <a:lumOff val="0"/>
-              <a:alphaOff val="0"/>
-            </a:schemeClr>
-          </a:solidFill>
-          <a:prstDash val="solid"/>
-        </a:ln>
-        <a:effectLst/>
-      </dsp:spPr>
-      <dsp:style>
-        <a:lnRef idx="2">
-          <a:scrgbClr r="0" g="0" b="0"/>
-        </a:lnRef>
-        <a:fillRef idx="1">
-          <a:scrgbClr r="0" g="0" b="0"/>
-        </a:fillRef>
-        <a:effectRef idx="0">
-          <a:scrgbClr r="0" g="0" b="0"/>
-        </a:effectRef>
-        <a:fontRef idx="minor"/>
-      </dsp:style>
-      <dsp:txBody>
-        <a:bodyPr spcFirstLastPara="0" vert="horz" wrap="square" lIns="86360" tIns="86360" rIns="86360" bIns="86360" numCol="1" spcCol="1270" anchor="ctr" anchorCtr="0">
-          <a:noAutofit/>
-        </a:bodyPr>
-        <a:lstStyle/>
-        <a:p>
-          <a:pPr lvl="0" algn="l" defTabSz="1511300">
-            <a:lnSpc>
-              <a:spcPct val="90000"/>
-            </a:lnSpc>
-            <a:spcBef>
-              <a:spcPct val="0"/>
-            </a:spcBef>
-            <a:spcAft>
-              <a:spcPct val="35000"/>
-            </a:spcAft>
-          </a:pPr>
-          <a:r>
-            <a:rPr kumimoji="1" lang="zh-CN" altLang="en-US" sz="3400" kern="1200" dirty="0" smtClean="0">
-              <a:latin typeface="DFKai-SB" panose="03000509000000000000" pitchFamily="65" charset="-120"/>
-              <a:ea typeface="DFKai-SB" panose="03000509000000000000" pitchFamily="65" charset="-120"/>
-            </a:rPr>
-            <a:t>在线租车打车服务</a:t>
-          </a:r>
-          <a:endParaRPr kumimoji="1" lang="ja-JP" altLang="en-US" sz="3400" kern="1200" dirty="0">
-            <a:latin typeface="DFKai-SB" panose="03000509000000000000" pitchFamily="65" charset="-120"/>
-            <a:ea typeface="DFKai-SB" panose="03000509000000000000" pitchFamily="65" charset="-120"/>
-          </a:endParaRPr>
-        </a:p>
-      </dsp:txBody>
-      <dsp:txXfrm>
-        <a:off x="495920" y="3274283"/>
-        <a:ext cx="4797878" cy="701675"/>
-      </dsp:txXfrm>
     </dsp:sp>
   </dsp:spTree>
 </dsp:drawing>
@@ -7434,14 +7062,14 @@
           </a:ln>
           <a:extLst>
             <a:ext uri="{909E8E84-426E-40DD-AFC4-6F175D3DCCD1}">
-              <a14:hiddenFill xmlns:a14="http://schemas.microsoft.com/office/drawing/2010/main" xmlns="">
+              <a14:hiddenFill xmlns:a14="http://schemas.microsoft.com/office/drawing/2010/main">
                 <a:solidFill>
                   <a:schemeClr val="accent1"/>
                 </a:solidFill>
               </a14:hiddenFill>
             </a:ext>
             <a:ext uri="{91240B29-F687-4F45-9708-019B960494DF}">
-              <a14:hiddenLine xmlns:a14="http://schemas.microsoft.com/office/drawing/2010/main" xmlns="" w="9525">
+              <a14:hiddenLine xmlns:a14="http://schemas.microsoft.com/office/drawing/2010/main" w="9525">
                 <a:solidFill>
                   <a:schemeClr val="tx1"/>
                 </a:solidFill>
@@ -7500,7 +7128,7 @@
           <a:effectLst/>
           <a:extLst>
             <a:ext uri="{AF507438-7753-43E0-B8FC-AC1667EBCBE1}">
-              <a14:hiddenEffects xmlns:a14="http://schemas.microsoft.com/office/drawing/2010/main" xmlns="">
+              <a14:hiddenEffects xmlns:a14="http://schemas.microsoft.com/office/drawing/2010/main">
                 <a:effectLst>
                   <a:outerShdw dist="35921" dir="2700000" algn="ctr" rotWithShape="0">
                     <a:srgbClr val="808080"/>
@@ -7509,7 +7137,7 @@
               </a14:hiddenEffects>
             </a:ext>
             <a:ext uri="{53640926-AAD7-44D8-BBD7-CCE9431645EC}">
-              <a14:shadowObscured xmlns:a14="http://schemas.microsoft.com/office/drawing/2010/main" xmlns="" val="1"/>
+              <a14:shadowObscured xmlns:a14="http://schemas.microsoft.com/office/drawing/2010/main" val="1"/>
             </a:ext>
           </a:extLst>
         </p:spPr>
@@ -7538,14 +7166,14 @@
           </a:ln>
           <a:extLst>
             <a:ext uri="{909E8E84-426E-40DD-AFC4-6F175D3DCCD1}">
-              <a14:hiddenFill xmlns:a14="http://schemas.microsoft.com/office/drawing/2010/main" xmlns="">
+              <a14:hiddenFill xmlns:a14="http://schemas.microsoft.com/office/drawing/2010/main">
                 <a:solidFill>
                   <a:schemeClr val="accent1"/>
                 </a:solidFill>
               </a14:hiddenFill>
             </a:ext>
             <a:ext uri="{91240B29-F687-4F45-9708-019B960494DF}">
-              <a14:hiddenLine xmlns:a14="http://schemas.microsoft.com/office/drawing/2010/main" xmlns="" w="9525">
+              <a14:hiddenLine xmlns:a14="http://schemas.microsoft.com/office/drawing/2010/main" w="9525">
                 <a:solidFill>
                   <a:schemeClr val="tx1"/>
                 </a:solidFill>
@@ -7656,14 +7284,14 @@
           </a:ln>
           <a:extLst>
             <a:ext uri="{909E8E84-426E-40DD-AFC4-6F175D3DCCD1}">
-              <a14:hiddenFill xmlns:a14="http://schemas.microsoft.com/office/drawing/2010/main" xmlns="">
+              <a14:hiddenFill xmlns:a14="http://schemas.microsoft.com/office/drawing/2010/main">
                 <a:solidFill>
                   <a:schemeClr val="accent1"/>
                 </a:solidFill>
               </a14:hiddenFill>
             </a:ext>
             <a:ext uri="{91240B29-F687-4F45-9708-019B960494DF}">
-              <a14:hiddenLine xmlns:a14="http://schemas.microsoft.com/office/drawing/2010/main" xmlns="" w="9525">
+              <a14:hiddenLine xmlns:a14="http://schemas.microsoft.com/office/drawing/2010/main" w="9525">
                 <a:solidFill>
                   <a:schemeClr val="tx1"/>
                 </a:solidFill>
@@ -7716,14 +7344,14 @@
           </a:ln>
           <a:extLst>
             <a:ext uri="{909E8E84-426E-40DD-AFC4-6F175D3DCCD1}">
-              <a14:hiddenFill xmlns:a14="http://schemas.microsoft.com/office/drawing/2010/main" xmlns="">
+              <a14:hiddenFill xmlns:a14="http://schemas.microsoft.com/office/drawing/2010/main">
                 <a:solidFill>
                   <a:schemeClr val="accent1"/>
                 </a:solidFill>
               </a14:hiddenFill>
             </a:ext>
             <a:ext uri="{91240B29-F687-4F45-9708-019B960494DF}">
-              <a14:hiddenLine xmlns:a14="http://schemas.microsoft.com/office/drawing/2010/main" xmlns="" w="9525">
+              <a14:hiddenLine xmlns:a14="http://schemas.microsoft.com/office/drawing/2010/main" w="9525">
                 <a:solidFill>
                   <a:schemeClr val="tx1"/>
                 </a:solidFill>
@@ -7776,14 +7404,14 @@
           </a:ln>
           <a:extLst>
             <a:ext uri="{909E8E84-426E-40DD-AFC4-6F175D3DCCD1}">
-              <a14:hiddenFill xmlns:a14="http://schemas.microsoft.com/office/drawing/2010/main" xmlns="">
+              <a14:hiddenFill xmlns:a14="http://schemas.microsoft.com/office/drawing/2010/main">
                 <a:solidFill>
                   <a:schemeClr val="accent1"/>
                 </a:solidFill>
               </a14:hiddenFill>
             </a:ext>
             <a:ext uri="{91240B29-F687-4F45-9708-019B960494DF}">
-              <a14:hiddenLine xmlns:a14="http://schemas.microsoft.com/office/drawing/2010/main" xmlns="" w="9525">
+              <a14:hiddenLine xmlns:a14="http://schemas.microsoft.com/office/drawing/2010/main" w="9525">
                 <a:solidFill>
                   <a:schemeClr val="tx1"/>
                 </a:solidFill>
@@ -7820,7 +7448,7 @@
     </p:spTree>
     <p:extLst>
       <p:ext uri="{BB962C8B-B14F-4D97-AF65-F5344CB8AC3E}">
-        <p14:creationId xmlns:p14="http://schemas.microsoft.com/office/powerpoint/2010/main" xmlns="" val="3001568234"/>
+        <p14:creationId xmlns:p14="http://schemas.microsoft.com/office/powerpoint/2010/main" val="3001568234"/>
       </p:ext>
     </p:extLst>
   </p:cSld>
@@ -8187,7 +7815,7 @@
     </p:spTree>
     <p:extLst>
       <p:ext uri="{BB962C8B-B14F-4D97-AF65-F5344CB8AC3E}">
-        <p14:creationId xmlns:p14="http://schemas.microsoft.com/office/powerpoint/2010/main" xmlns="" val="4247654126"/>
+        <p14:creationId xmlns:p14="http://schemas.microsoft.com/office/powerpoint/2010/main" val="4247654126"/>
       </p:ext>
     </p:extLst>
   </p:cSld>
@@ -8335,7 +7963,7 @@
     </p:spTree>
     <p:extLst>
       <p:ext uri="{BB962C8B-B14F-4D97-AF65-F5344CB8AC3E}">
-        <p14:creationId xmlns:p14="http://schemas.microsoft.com/office/powerpoint/2010/main" xmlns="" val="3914089631"/>
+        <p14:creationId xmlns:p14="http://schemas.microsoft.com/office/powerpoint/2010/main" val="3914089631"/>
       </p:ext>
     </p:extLst>
   </p:cSld>
@@ -8473,7 +8101,7 @@
     </p:spTree>
     <p:extLst>
       <p:ext uri="{BB962C8B-B14F-4D97-AF65-F5344CB8AC3E}">
-        <p14:creationId xmlns:p14="http://schemas.microsoft.com/office/powerpoint/2010/main" xmlns="" val="1058433384"/>
+        <p14:creationId xmlns:p14="http://schemas.microsoft.com/office/powerpoint/2010/main" val="1058433384"/>
       </p:ext>
     </p:extLst>
   </p:cSld>
@@ -8601,7 +8229,7 @@
     </p:spTree>
     <p:extLst>
       <p:ext uri="{BB962C8B-B14F-4D97-AF65-F5344CB8AC3E}">
-        <p14:creationId xmlns:p14="http://schemas.microsoft.com/office/powerpoint/2010/main" xmlns="" val="3683914965"/>
+        <p14:creationId xmlns:p14="http://schemas.microsoft.com/office/powerpoint/2010/main" val="3683914965"/>
       </p:ext>
     </p:extLst>
   </p:cSld>
@@ -8889,7 +8517,7 @@
     </p:spTree>
     <p:extLst>
       <p:ext uri="{BB962C8B-B14F-4D97-AF65-F5344CB8AC3E}">
-        <p14:creationId xmlns:p14="http://schemas.microsoft.com/office/powerpoint/2010/main" xmlns="" val="1688867932"/>
+        <p14:creationId xmlns:p14="http://schemas.microsoft.com/office/powerpoint/2010/main" val="1688867932"/>
       </p:ext>
     </p:extLst>
   </p:cSld>
@@ -9316,7 +8944,7 @@
     </p:spTree>
     <p:extLst>
       <p:ext uri="{BB962C8B-B14F-4D97-AF65-F5344CB8AC3E}">
-        <p14:creationId xmlns:p14="http://schemas.microsoft.com/office/powerpoint/2010/main" xmlns="" val="3091454421"/>
+        <p14:creationId xmlns:p14="http://schemas.microsoft.com/office/powerpoint/2010/main" val="3091454421"/>
       </p:ext>
     </p:extLst>
   </p:cSld>
@@ -9370,7 +8998,7 @@
     </p:spTree>
     <p:extLst>
       <p:ext uri="{BB962C8B-B14F-4D97-AF65-F5344CB8AC3E}">
-        <p14:creationId xmlns:p14="http://schemas.microsoft.com/office/powerpoint/2010/main" xmlns="" val="1709739791"/>
+        <p14:creationId xmlns:p14="http://schemas.microsoft.com/office/powerpoint/2010/main" val="1709739791"/>
       </p:ext>
     </p:extLst>
   </p:cSld>
@@ -9401,7 +9029,7 @@
     </p:spTree>
     <p:extLst>
       <p:ext uri="{BB962C8B-B14F-4D97-AF65-F5344CB8AC3E}">
-        <p14:creationId xmlns:p14="http://schemas.microsoft.com/office/powerpoint/2010/main" xmlns="" val="208619746"/>
+        <p14:creationId xmlns:p14="http://schemas.microsoft.com/office/powerpoint/2010/main" val="208619746"/>
       </p:ext>
     </p:extLst>
   </p:cSld>
@@ -9646,7 +9274,7 @@
     </p:spTree>
     <p:extLst>
       <p:ext uri="{BB962C8B-B14F-4D97-AF65-F5344CB8AC3E}">
-        <p14:creationId xmlns:p14="http://schemas.microsoft.com/office/powerpoint/2010/main" xmlns="" val="1201940715"/>
+        <p14:creationId xmlns:p14="http://schemas.microsoft.com/office/powerpoint/2010/main" val="1201940715"/>
       </p:ext>
     </p:extLst>
   </p:cSld>
@@ -9839,7 +9467,7 @@
     </p:spTree>
     <p:extLst>
       <p:ext uri="{BB962C8B-B14F-4D97-AF65-F5344CB8AC3E}">
-        <p14:creationId xmlns:p14="http://schemas.microsoft.com/office/powerpoint/2010/main" xmlns="" val="2895571190"/>
+        <p14:creationId xmlns:p14="http://schemas.microsoft.com/office/powerpoint/2010/main" val="2895571190"/>
       </p:ext>
     </p:extLst>
   </p:cSld>
@@ -9904,14 +9532,14 @@
           <a:effectLst/>
           <a:extLst>
             <a:ext uri="{909E8E84-426E-40DD-AFC4-6F175D3DCCD1}">
-              <a14:hiddenFill xmlns:a14="http://schemas.microsoft.com/office/drawing/2010/main" xmlns="">
+              <a14:hiddenFill xmlns:a14="http://schemas.microsoft.com/office/drawing/2010/main">
                 <a:solidFill>
                   <a:schemeClr val="accent1"/>
                 </a:solidFill>
               </a14:hiddenFill>
             </a:ext>
             <a:ext uri="{91240B29-F687-4F45-9708-019B960494DF}">
-              <a14:hiddenLine xmlns:a14="http://schemas.microsoft.com/office/drawing/2010/main" xmlns="" w="9525">
+              <a14:hiddenLine xmlns:a14="http://schemas.microsoft.com/office/drawing/2010/main" w="9525">
                 <a:solidFill>
                   <a:schemeClr val="tx1"/>
                 </a:solidFill>
@@ -9921,7 +9549,7 @@
               </a14:hiddenLine>
             </a:ext>
             <a:ext uri="{AF507438-7753-43E0-B8FC-AC1667EBCBE1}">
-              <a14:hiddenEffects xmlns:a14="http://schemas.microsoft.com/office/drawing/2010/main" xmlns="">
+              <a14:hiddenEffects xmlns:a14="http://schemas.microsoft.com/office/drawing/2010/main">
                 <a:effectLst>
                   <a:outerShdw dist="35921" dir="2700000" algn="ctr" rotWithShape="0">
                     <a:schemeClr val="bg2"/>
@@ -10032,14 +9660,14 @@
           <a:effectLst/>
           <a:extLst>
             <a:ext uri="{909E8E84-426E-40DD-AFC4-6F175D3DCCD1}">
-              <a14:hiddenFill xmlns:a14="http://schemas.microsoft.com/office/drawing/2010/main" xmlns="">
+              <a14:hiddenFill xmlns:a14="http://schemas.microsoft.com/office/drawing/2010/main">
                 <a:solidFill>
                   <a:schemeClr val="accent1"/>
                 </a:solidFill>
               </a14:hiddenFill>
             </a:ext>
             <a:ext uri="{91240B29-F687-4F45-9708-019B960494DF}">
-              <a14:hiddenLine xmlns:a14="http://schemas.microsoft.com/office/drawing/2010/main" xmlns="" w="9525">
+              <a14:hiddenLine xmlns:a14="http://schemas.microsoft.com/office/drawing/2010/main" w="9525">
                 <a:solidFill>
                   <a:schemeClr val="tx1"/>
                 </a:solidFill>
@@ -10049,7 +9677,7 @@
               </a14:hiddenLine>
             </a:ext>
             <a:ext uri="{AF507438-7753-43E0-B8FC-AC1667EBCBE1}">
-              <a14:hiddenEffects xmlns:a14="http://schemas.microsoft.com/office/drawing/2010/main" xmlns="">
+              <a14:hiddenEffects xmlns:a14="http://schemas.microsoft.com/office/drawing/2010/main">
                 <a:effectLst>
                   <a:outerShdw dist="35921" dir="2700000" algn="ctr" rotWithShape="0">
                     <a:schemeClr val="bg2"/>
@@ -10763,8 +10391,8 @@
         </p:nvSpPr>
         <p:spPr>
           <a:xfrm>
-            <a:off x="899592" y="3645024"/>
-            <a:ext cx="6840760" cy="2232248"/>
+            <a:off x="899592" y="3429000"/>
+            <a:ext cx="6840760" cy="2448272"/>
           </a:xfrm>
         </p:spPr>
         <p:txBody>
@@ -10947,6 +10575,18 @@
               <a:t>高薪之路，</a:t>
             </a:r>
             <a:r>
+              <a:rPr lang="zh-CN" altLang="en-US" dirty="0" smtClean="0">
+                <a:solidFill>
+                  <a:schemeClr val="bg2">
+                    <a:lumMod val="50000"/>
+                  </a:schemeClr>
+                </a:solidFill>
+                <a:latin typeface="DFKai-SB" panose="03000509000000000000" pitchFamily="65" charset="-120"/>
+                <a:ea typeface="DFKai-SB" panose="03000509000000000000" pitchFamily="65" charset="-120"/>
+              </a:rPr>
+              <a:t>但是</a:t>
+            </a:r>
+            <a:r>
               <a:rPr lang="zh-CN" altLang="en-US" dirty="0">
                 <a:solidFill>
                   <a:schemeClr val="bg2">
@@ -10956,7 +10596,31 @@
                 <a:latin typeface="DFKai-SB" panose="03000509000000000000" pitchFamily="65" charset="-120"/>
                 <a:ea typeface="DFKai-SB" panose="03000509000000000000" pitchFamily="65" charset="-120"/>
               </a:rPr>
-              <a:t>但</a:t>
+              <a:t>从事</a:t>
+            </a:r>
+            <a:r>
+              <a:rPr lang="en-US" altLang="zh-CN" dirty="0">
+                <a:solidFill>
+                  <a:schemeClr val="bg2">
+                    <a:lumMod val="50000"/>
+                  </a:schemeClr>
+                </a:solidFill>
+                <a:latin typeface="DFKai-SB" panose="03000509000000000000" pitchFamily="65" charset="-120"/>
+                <a:ea typeface="DFKai-SB" panose="03000509000000000000" pitchFamily="65" charset="-120"/>
+              </a:rPr>
+              <a:t>IT</a:t>
+            </a:r>
+            <a:r>
+              <a:rPr lang="zh-CN" altLang="en-US" dirty="0">
+                <a:solidFill>
+                  <a:schemeClr val="bg2">
+                    <a:lumMod val="50000"/>
+                  </a:schemeClr>
+                </a:solidFill>
+                <a:latin typeface="DFKai-SB" panose="03000509000000000000" pitchFamily="65" charset="-120"/>
+                <a:ea typeface="DFKai-SB" panose="03000509000000000000" pitchFamily="65" charset="-120"/>
+              </a:rPr>
+              <a:t>行业</a:t>
             </a:r>
             <a:r>
               <a:rPr lang="zh-CN" altLang="en-US" dirty="0" smtClean="0">
@@ -10968,7 +10632,19 @@
                 <a:latin typeface="DFKai-SB" panose="03000509000000000000" pitchFamily="65" charset="-120"/>
                 <a:ea typeface="DFKai-SB" panose="03000509000000000000" pitchFamily="65" charset="-120"/>
               </a:rPr>
-              <a:t>是有一定技术门槛，如果技术跟不上就会被淘汰</a:t>
+              <a:t>有</a:t>
+            </a:r>
+            <a:r>
+              <a:rPr lang="zh-CN" altLang="en-US" dirty="0" smtClean="0">
+                <a:solidFill>
+                  <a:schemeClr val="bg2">
+                    <a:lumMod val="50000"/>
+                  </a:schemeClr>
+                </a:solidFill>
+                <a:latin typeface="DFKai-SB" panose="03000509000000000000" pitchFamily="65" charset="-120"/>
+                <a:ea typeface="DFKai-SB" panose="03000509000000000000" pitchFamily="65" charset="-120"/>
+              </a:rPr>
+              <a:t>一定技术门槛，如果技术跟不上就会被淘汰</a:t>
             </a:r>
             <a:endParaRPr lang="en-US" altLang="zh-CN" dirty="0">
               <a:solidFill>
@@ -11416,14 +11092,14 @@
           <a:effectLst/>
           <a:extLst>
             <a:ext uri="{909E8E84-426E-40DD-AFC4-6F175D3DCCD1}">
-              <a14:hiddenFill xmlns:a14="http://schemas.microsoft.com/office/drawing/2010/main" xmlns="">
+              <a14:hiddenFill xmlns:a14="http://schemas.microsoft.com/office/drawing/2010/main">
                 <a:solidFill>
                   <a:schemeClr val="accent1"/>
                 </a:solidFill>
               </a14:hiddenFill>
             </a:ext>
             <a:ext uri="{AF507438-7753-43E0-B8FC-AC1667EBCBE1}">
-              <a14:hiddenEffects xmlns:a14="http://schemas.microsoft.com/office/drawing/2010/main" xmlns="">
+              <a14:hiddenEffects xmlns:a14="http://schemas.microsoft.com/office/drawing/2010/main">
                 <a:effectLst>
                   <a:outerShdw dist="35921" dir="2700000" algn="ctr" rotWithShape="0">
                     <a:schemeClr val="bg2"/>
@@ -11884,7 +11560,7 @@
     </p:spTree>
     <p:extLst>
       <p:ext uri="{BB962C8B-B14F-4D97-AF65-F5344CB8AC3E}">
-        <p14:creationId xmlns:p14="http://schemas.microsoft.com/office/powerpoint/2010/main" xmlns="" val="1518858692"/>
+        <p14:creationId xmlns:p14="http://schemas.microsoft.com/office/powerpoint/2010/main" val="1518858692"/>
       </p:ext>
     </p:extLst>
   </p:cSld>
@@ -11960,7 +11636,7 @@
           <p:nvPr>
             <p:extLst>
               <p:ext uri="{D42A27DB-BD31-4B8C-83A1-F6EECF244321}">
-                <p14:modId xmlns:p14="http://schemas.microsoft.com/office/powerpoint/2010/main" xmlns="" val="3487094351"/>
+                <p14:modId xmlns:p14="http://schemas.microsoft.com/office/powerpoint/2010/main" val="3487094351"/>
               </p:ext>
             </p:extLst>
           </p:nvPr>
@@ -13561,7 +13237,7 @@
     </p:spTree>
     <p:extLst>
       <p:ext uri="{BB962C8B-B14F-4D97-AF65-F5344CB8AC3E}">
-        <p14:creationId xmlns:p14="http://schemas.microsoft.com/office/powerpoint/2010/main" xmlns="" val="2962440247"/>
+        <p14:creationId xmlns:p14="http://schemas.microsoft.com/office/powerpoint/2010/main" val="2962440247"/>
       </p:ext>
     </p:extLst>
   </p:cSld>
@@ -14856,7 +14532,7 @@
           <p:nvPr>
             <p:extLst>
               <p:ext uri="{D42A27DB-BD31-4B8C-83A1-F6EECF244321}">
-                <p14:modId xmlns:p14="http://schemas.microsoft.com/office/powerpoint/2010/main" xmlns="" val="567323000"/>
+                <p14:modId xmlns:p14="http://schemas.microsoft.com/office/powerpoint/2010/main" val="3394503624"/>
               </p:ext>
             </p:extLst>
           </p:nvPr>
@@ -14874,7 +14550,7 @@
     </p:spTree>
     <p:extLst>
       <p:ext uri="{BB962C8B-B14F-4D97-AF65-F5344CB8AC3E}">
-        <p14:creationId xmlns:p14="http://schemas.microsoft.com/office/powerpoint/2010/main" xmlns="" val="1172025170"/>
+        <p14:creationId xmlns:p14="http://schemas.microsoft.com/office/powerpoint/2010/main" val="1172025170"/>
       </p:ext>
     </p:extLst>
   </p:cSld>
@@ -18761,7 +18437,14 @@
                 <a:latin typeface="DFKai-SB" panose="03000509000000000000" pitchFamily="65" charset="-120"/>
                 <a:ea typeface="DFKai-SB" panose="03000509000000000000" pitchFamily="65" charset="-120"/>
               </a:rPr>
-              <a:t>什么情况下可以考虑转进</a:t>
+              <a:t>什么情况下可以考虑</a:t>
+            </a:r>
+            <a:r>
+              <a:rPr lang="zh-CN" altLang="en-US" dirty="0" smtClean="0">
+                <a:latin typeface="DFKai-SB" panose="03000509000000000000" pitchFamily="65" charset="-120"/>
+                <a:ea typeface="DFKai-SB" panose="03000509000000000000" pitchFamily="65" charset="-120"/>
+              </a:rPr>
+              <a:t>转行</a:t>
             </a:r>
             <a:r>
               <a:rPr lang="en-US" altLang="zh-CN" dirty="0" smtClean="0">
@@ -18769,6 +18452,13 @@
                 <a:ea typeface="DFKai-SB" panose="03000509000000000000" pitchFamily="65" charset="-120"/>
               </a:rPr>
               <a:t>IT</a:t>
+            </a:r>
+            <a:r>
+              <a:rPr lang="zh-CN" altLang="en-US" dirty="0" smtClean="0">
+                <a:latin typeface="DFKai-SB" panose="03000509000000000000" pitchFamily="65" charset="-120"/>
+                <a:ea typeface="DFKai-SB" panose="03000509000000000000" pitchFamily="65" charset="-120"/>
+              </a:rPr>
+              <a:t>业</a:t>
             </a:r>
             <a:endParaRPr lang="ja-JP" altLang="en-US" dirty="0">
               <a:latin typeface="DFKai-SB" panose="03000509000000000000" pitchFamily="65" charset="-120"/>
@@ -19118,18 +18808,7 @@
                 <a:ea typeface="Arial Unicode MS" pitchFamily="34" charset="-122"/>
                 <a:cs typeface="Arial Unicode MS" pitchFamily="34" charset="-122"/>
               </a:rPr>
-              <a:t>飞机游戏，五子棋</a:t>
-            </a:r>
-            <a:r>
-              <a:rPr lang="zh-CN" altLang="en-US" dirty="0" smtClean="0">
-                <a:solidFill>
-                  <a:srgbClr val="CC6600"/>
-                </a:solidFill>
-                <a:latin typeface="Arial Unicode MS" pitchFamily="34" charset="-122"/>
-                <a:ea typeface="Arial Unicode MS" pitchFamily="34" charset="-122"/>
-                <a:cs typeface="Arial Unicode MS" pitchFamily="34" charset="-122"/>
-              </a:rPr>
-              <a:t>等</a:t>
+              <a:t>飞机游戏，五子棋等</a:t>
             </a:r>
             <a:endParaRPr lang="en-US" altLang="zh-CN" dirty="0" smtClean="0">
               <a:solidFill>
@@ -19150,51 +18829,7 @@
                 <a:ea typeface="Arial Unicode MS" pitchFamily="34" charset="-122"/>
                 <a:cs typeface="Arial Unicode MS" pitchFamily="34" charset="-122"/>
               </a:rPr>
-              <a:t>电</a:t>
-            </a:r>
-            <a:r>
-              <a:rPr lang="zh-CN" altLang="en-US" dirty="0" smtClean="0">
-                <a:solidFill>
-                  <a:srgbClr val="CC6600"/>
-                </a:solidFill>
-                <a:latin typeface="Arial Unicode MS" pitchFamily="34" charset="-122"/>
-                <a:ea typeface="Arial Unicode MS" pitchFamily="34" charset="-122"/>
-                <a:cs typeface="Arial Unicode MS" pitchFamily="34" charset="-122"/>
-              </a:rPr>
-              <a:t>商</a:t>
-            </a:r>
-            <a:r>
-              <a:rPr lang="zh-CN" altLang="en-US" dirty="0" smtClean="0">
-                <a:solidFill>
-                  <a:srgbClr val="CC6600"/>
-                </a:solidFill>
-                <a:latin typeface="Arial Unicode MS" pitchFamily="34" charset="-122"/>
-                <a:ea typeface="Arial Unicode MS" pitchFamily="34" charset="-122"/>
-                <a:cs typeface="Arial Unicode MS" pitchFamily="34" charset="-122"/>
-              </a:rPr>
-              <a:t>价格的爬虫</a:t>
-            </a:r>
-            <a:r>
-              <a:rPr lang="zh-CN" altLang="en-US" dirty="0" smtClean="0">
-                <a:solidFill>
-                  <a:srgbClr val="CC6600"/>
-                </a:solidFill>
-                <a:latin typeface="Arial Unicode MS" pitchFamily="34" charset="-122"/>
-                <a:ea typeface="Arial Unicode MS" pitchFamily="34" charset="-122"/>
-                <a:cs typeface="Arial Unicode MS" pitchFamily="34" charset="-122"/>
-              </a:rPr>
-              <a:t>实时</a:t>
-            </a:r>
-            <a:r>
-              <a:rPr lang="zh-CN" altLang="en-US" dirty="0" smtClean="0">
-                <a:solidFill>
-                  <a:srgbClr val="CC6600"/>
-                </a:solidFill>
-                <a:latin typeface="Arial Unicode MS" pitchFamily="34" charset="-122"/>
-                <a:ea typeface="Arial Unicode MS" pitchFamily="34" charset="-122"/>
-                <a:cs typeface="Arial Unicode MS" pitchFamily="34" charset="-122"/>
-              </a:rPr>
-              <a:t>分析案例</a:t>
+              <a:t>电商价格的爬虫实时分析案例</a:t>
             </a:r>
             <a:endParaRPr lang="en-US" altLang="zh-CN" dirty="0" smtClean="0">
               <a:solidFill>
@@ -19538,7 +19173,7 @@
         </p:nvSpPr>
         <p:spPr>
           <a:xfrm>
-            <a:off x="1524000" y="908720"/>
+            <a:off x="1524000" y="692696"/>
             <a:ext cx="7086600" cy="716632"/>
           </a:xfrm>
         </p:spPr>
@@ -19598,7 +19233,7 @@
         </p:nvSpPr>
         <p:spPr>
           <a:xfrm>
-            <a:off x="1259632" y="1772816"/>
+            <a:off x="1259632" y="1628800"/>
             <a:ext cx="7560840" cy="4251920"/>
           </a:xfrm>
         </p:spPr>
@@ -19740,7 +19375,15 @@
                 <a:ea typeface="KF-GB Gothic" pitchFamily="49" charset="-122"/>
                 <a:cs typeface="Arial Unicode MS" panose="020B0604020202020204" pitchFamily="50" charset="-128"/>
               </a:rPr>
-              <a:t>想转计算机行业的还是有点思考的价值的。</a:t>
+              <a:t>想转计算机行业的还是有点思考的价值的</a:t>
+            </a:r>
+            <a:r>
+              <a:rPr lang="zh-CN" altLang="en-US" sz="1600" dirty="0" smtClean="0">
+                <a:latin typeface="KF-GB Gothic" pitchFamily="49" charset="-122"/>
+                <a:ea typeface="KF-GB Gothic" pitchFamily="49" charset="-122"/>
+                <a:cs typeface="Arial Unicode MS" panose="020B0604020202020204" pitchFamily="50" charset="-128"/>
+              </a:rPr>
+              <a:t>。</a:t>
             </a:r>
             <a:endParaRPr lang="ja-JP" altLang="en-US" sz="1600" dirty="0">
               <a:latin typeface="KF-GB Gothic" pitchFamily="49" charset="-122"/>
@@ -19748,25 +19391,12 @@
               <a:cs typeface="Arial Unicode MS" panose="020B0604020202020204" pitchFamily="50" charset="-128"/>
             </a:endParaRPr>
           </a:p>
-          <a:p>
-            <a:r>
-              <a:rPr kumimoji="1" lang="en-US" altLang="ja-JP" dirty="0" smtClean="0">
-                <a:latin typeface="KF-GB Gothic" pitchFamily="49" charset="-122"/>
-                <a:ea typeface="KF-GB Gothic" pitchFamily="49" charset="-122"/>
-              </a:rPr>
-              <a:t>```A</a:t>
-            </a:r>
-            <a:endParaRPr kumimoji="1" lang="ja-JP" altLang="en-US" dirty="0">
-              <a:latin typeface="KF-GB Gothic" pitchFamily="49" charset="-122"/>
-              <a:ea typeface="KF-GB Gothic" pitchFamily="49" charset="-122"/>
-            </a:endParaRPr>
-          </a:p>
         </p:txBody>
       </p:sp>
     </p:spTree>
     <p:extLst>
       <p:ext uri="{BB962C8B-B14F-4D97-AF65-F5344CB8AC3E}">
-        <p14:creationId xmlns:p14="http://schemas.microsoft.com/office/powerpoint/2010/main" xmlns="" val="3107653997"/>
+        <p14:creationId xmlns:p14="http://schemas.microsoft.com/office/powerpoint/2010/main" val="3107653997"/>
       </p:ext>
     </p:extLst>
   </p:cSld>
@@ -20117,7 +19747,7 @@
     </p:spTree>
     <p:extLst>
       <p:ext uri="{BB962C8B-B14F-4D97-AF65-F5344CB8AC3E}">
-        <p14:creationId xmlns:p14="http://schemas.microsoft.com/office/powerpoint/2010/main" xmlns="" val="2107609755"/>
+        <p14:creationId xmlns:p14="http://schemas.microsoft.com/office/powerpoint/2010/main" val="2107609755"/>
       </p:ext>
     </p:extLst>
   </p:cSld>
@@ -20408,7 +20038,7 @@
     </p:spTree>
     <p:extLst>
       <p:ext uri="{BB962C8B-B14F-4D97-AF65-F5344CB8AC3E}">
-        <p14:creationId xmlns:p14="http://schemas.microsoft.com/office/powerpoint/2010/main" xmlns="" val="380726262"/>
+        <p14:creationId xmlns:p14="http://schemas.microsoft.com/office/powerpoint/2010/main" val="380726262"/>
       </p:ext>
     </p:extLst>
   </p:cSld>
@@ -20814,7 +20444,7 @@
     </p:spTree>
     <p:extLst>
       <p:ext uri="{BB962C8B-B14F-4D97-AF65-F5344CB8AC3E}">
-        <p14:creationId xmlns:p14="http://schemas.microsoft.com/office/powerpoint/2010/main" xmlns="" val="260142944"/>
+        <p14:creationId xmlns:p14="http://schemas.microsoft.com/office/powerpoint/2010/main" val="260142944"/>
       </p:ext>
     </p:extLst>
   </p:cSld>
@@ -21160,7 +20790,7 @@
     </p:spTree>
     <p:extLst>
       <p:ext uri="{BB962C8B-B14F-4D97-AF65-F5344CB8AC3E}">
-        <p14:creationId xmlns:p14="http://schemas.microsoft.com/office/powerpoint/2010/main" xmlns="" val="228254223"/>
+        <p14:creationId xmlns:p14="http://schemas.microsoft.com/office/powerpoint/2010/main" val="228254223"/>
       </p:ext>
     </p:extLst>
   </p:cSld>
@@ -21436,7 +21066,7 @@
         <a:effectLst/>
         <a:extLst>
           <a:ext uri="{AF507438-7753-43E0-B8FC-AC1667EBCBE1}">
-            <a14:hiddenEffects xmlns:a14="http://schemas.microsoft.com/office/drawing/2010/main" xmlns="">
+            <a14:hiddenEffects xmlns:a14="http://schemas.microsoft.com/office/drawing/2010/main">
               <a:effectLst>
                 <a:outerShdw dist="35921" dir="2700000" algn="ctr" rotWithShape="0">
                   <a:schemeClr val="bg2"/>
@@ -21509,7 +21139,7 @@
         <a:effectLst/>
         <a:extLst>
           <a:ext uri="{AF507438-7753-43E0-B8FC-AC1667EBCBE1}">
-            <a14:hiddenEffects xmlns:a14="http://schemas.microsoft.com/office/drawing/2010/main" xmlns="">
+            <a14:hiddenEffects xmlns:a14="http://schemas.microsoft.com/office/drawing/2010/main">
               <a:effectLst>
                 <a:outerShdw dist="35921" dir="2700000" algn="ctr" rotWithShape="0">
                   <a:schemeClr val="bg2"/>
